--- a/Project Slide.pptx
+++ b/Project Slide.pptx
@@ -5,7 +5,7 @@
     <p:sldMasterId id="2147483677" r:id="rId1"/>
   </p:sldMasterIdLst>
   <p:notesMasterIdLst>
-    <p:notesMasterId r:id="rId27"/>
+    <p:notesMasterId r:id="rId28"/>
   </p:notesMasterIdLst>
   <p:sldIdLst>
     <p:sldId id="282" r:id="rId2"/>
@@ -13,26 +13,27 @@
     <p:sldId id="294" r:id="rId4"/>
     <p:sldId id="298" r:id="rId5"/>
     <p:sldId id="288" r:id="rId6"/>
-    <p:sldId id="289" r:id="rId7"/>
-    <p:sldId id="299" r:id="rId8"/>
-    <p:sldId id="300" r:id="rId9"/>
+    <p:sldId id="300" r:id="rId7"/>
+    <p:sldId id="289" r:id="rId8"/>
+    <p:sldId id="299" r:id="rId9"/>
     <p:sldId id="301" r:id="rId10"/>
-    <p:sldId id="291" r:id="rId11"/>
-    <p:sldId id="302" r:id="rId12"/>
-    <p:sldId id="306" r:id="rId13"/>
-    <p:sldId id="305" r:id="rId14"/>
-    <p:sldId id="304" r:id="rId15"/>
-    <p:sldId id="308" r:id="rId16"/>
-    <p:sldId id="292" r:id="rId17"/>
-    <p:sldId id="290" r:id="rId18"/>
-    <p:sldId id="309" r:id="rId19"/>
-    <p:sldId id="310" r:id="rId20"/>
-    <p:sldId id="293" r:id="rId21"/>
-    <p:sldId id="296" r:id="rId22"/>
-    <p:sldId id="295" r:id="rId23"/>
-    <p:sldId id="297" r:id="rId24"/>
-    <p:sldId id="263" r:id="rId25"/>
-    <p:sldId id="286" r:id="rId26"/>
+    <p:sldId id="292" r:id="rId11"/>
+    <p:sldId id="290" r:id="rId12"/>
+    <p:sldId id="309" r:id="rId13"/>
+    <p:sldId id="310" r:id="rId14"/>
+    <p:sldId id="311" r:id="rId15"/>
+    <p:sldId id="293" r:id="rId16"/>
+    <p:sldId id="291" r:id="rId17"/>
+    <p:sldId id="302" r:id="rId18"/>
+    <p:sldId id="306" r:id="rId19"/>
+    <p:sldId id="305" r:id="rId20"/>
+    <p:sldId id="304" r:id="rId21"/>
+    <p:sldId id="308" r:id="rId22"/>
+    <p:sldId id="296" r:id="rId23"/>
+    <p:sldId id="295" r:id="rId24"/>
+    <p:sldId id="297" r:id="rId25"/>
+    <p:sldId id="263" r:id="rId26"/>
+    <p:sldId id="286" r:id="rId27"/>
   </p:sldIdLst>
   <p:sldSz cx="12192000" cy="6858000"/>
   <p:notesSz cx="6858000" cy="9144000"/>
@@ -221,7 +222,7 @@
           <a:p>
             <a:fld id="{9CCDC2CD-8613-D146-8518-AC99D946DF95}" type="datetimeFigureOut">
               <a:rPr lang="en-US" smtClean="0"/>
-              <a:t>7/29/2024</a:t>
+              <a:t>8/4/2024</a:t>
             </a:fld>
             <a:endParaRPr lang="en-US"/>
           </a:p>
@@ -616,7 +617,7 @@
           <a:bodyPr/>
           <a:lstStyle/>
           <a:p>
-            <a:endParaRPr lang="en-US" dirty="0"/>
+            <a:endParaRPr lang="en-US"/>
           </a:p>
         </p:txBody>
       </p:sp>
@@ -646,7 +647,7 @@
     </p:spTree>
     <p:extLst>
       <p:ext uri="{BB962C8B-B14F-4D97-AF65-F5344CB8AC3E}">
-        <p14:creationId xmlns:p14="http://schemas.microsoft.com/office/powerpoint/2010/main" val="838658729"/>
+        <p14:creationId xmlns:p14="http://schemas.microsoft.com/office/powerpoint/2010/main" val="1761166516"/>
       </p:ext>
     </p:extLst>
   </p:cSld>
@@ -730,7 +731,7 @@
     </p:spTree>
     <p:extLst>
       <p:ext uri="{BB962C8B-B14F-4D97-AF65-F5344CB8AC3E}">
-        <p14:creationId xmlns:p14="http://schemas.microsoft.com/office/powerpoint/2010/main" val="2579545324"/>
+        <p14:creationId xmlns:p14="http://schemas.microsoft.com/office/powerpoint/2010/main" val="3010843482"/>
       </p:ext>
     </p:extLst>
   </p:cSld>
@@ -814,7 +815,7 @@
     </p:spTree>
     <p:extLst>
       <p:ext uri="{BB962C8B-B14F-4D97-AF65-F5344CB8AC3E}">
-        <p14:creationId xmlns:p14="http://schemas.microsoft.com/office/powerpoint/2010/main" val="255201464"/>
+        <p14:creationId xmlns:p14="http://schemas.microsoft.com/office/powerpoint/2010/main" val="1495115415"/>
       </p:ext>
     </p:extLst>
   </p:cSld>
@@ -898,7 +899,7 @@
     </p:spTree>
     <p:extLst>
       <p:ext uri="{BB962C8B-B14F-4D97-AF65-F5344CB8AC3E}">
-        <p14:creationId xmlns:p14="http://schemas.microsoft.com/office/powerpoint/2010/main" val="3186644536"/>
+        <p14:creationId xmlns:p14="http://schemas.microsoft.com/office/powerpoint/2010/main" val="2602959999"/>
       </p:ext>
     </p:extLst>
   </p:cSld>
@@ -982,7 +983,7 @@
     </p:spTree>
     <p:extLst>
       <p:ext uri="{BB962C8B-B14F-4D97-AF65-F5344CB8AC3E}">
-        <p14:creationId xmlns:p14="http://schemas.microsoft.com/office/powerpoint/2010/main" val="98065625"/>
+        <p14:creationId xmlns:p14="http://schemas.microsoft.com/office/powerpoint/2010/main" val="1255551560"/>
       </p:ext>
     </p:extLst>
   </p:cSld>
@@ -1036,7 +1037,7 @@
           <a:bodyPr/>
           <a:lstStyle/>
           <a:p>
-            <a:endParaRPr lang="en-US" dirty="0"/>
+            <a:endParaRPr lang="en-US"/>
           </a:p>
         </p:txBody>
       </p:sp>
@@ -1066,7 +1067,7 @@
     </p:spTree>
     <p:extLst>
       <p:ext uri="{BB962C8B-B14F-4D97-AF65-F5344CB8AC3E}">
-        <p14:creationId xmlns:p14="http://schemas.microsoft.com/office/powerpoint/2010/main" val="2618272564"/>
+        <p14:creationId xmlns:p14="http://schemas.microsoft.com/office/powerpoint/2010/main" val="1392350477"/>
       </p:ext>
     </p:extLst>
   </p:cSld>
@@ -1120,7 +1121,7 @@
           <a:bodyPr/>
           <a:lstStyle/>
           <a:p>
-            <a:endParaRPr lang="en-US"/>
+            <a:endParaRPr lang="en-US" dirty="0"/>
           </a:p>
         </p:txBody>
       </p:sp>
@@ -1150,7 +1151,7 @@
     </p:spTree>
     <p:extLst>
       <p:ext uri="{BB962C8B-B14F-4D97-AF65-F5344CB8AC3E}">
-        <p14:creationId xmlns:p14="http://schemas.microsoft.com/office/powerpoint/2010/main" val="1761166516"/>
+        <p14:creationId xmlns:p14="http://schemas.microsoft.com/office/powerpoint/2010/main" val="838658729"/>
       </p:ext>
     </p:extLst>
   </p:cSld>
@@ -1204,7 +1205,7 @@
           <a:bodyPr/>
           <a:lstStyle/>
           <a:p>
-            <a:endParaRPr lang="en-US"/>
+            <a:endParaRPr lang="en-US" dirty="0"/>
           </a:p>
         </p:txBody>
       </p:sp>
@@ -1234,7 +1235,7 @@
     </p:spTree>
     <p:extLst>
       <p:ext uri="{BB962C8B-B14F-4D97-AF65-F5344CB8AC3E}">
-        <p14:creationId xmlns:p14="http://schemas.microsoft.com/office/powerpoint/2010/main" val="3010843482"/>
+        <p14:creationId xmlns:p14="http://schemas.microsoft.com/office/powerpoint/2010/main" val="2579545324"/>
       </p:ext>
     </p:extLst>
   </p:cSld>
@@ -1318,7 +1319,7 @@
     </p:spTree>
     <p:extLst>
       <p:ext uri="{BB962C8B-B14F-4D97-AF65-F5344CB8AC3E}">
-        <p14:creationId xmlns:p14="http://schemas.microsoft.com/office/powerpoint/2010/main" val="1495115415"/>
+        <p14:creationId xmlns:p14="http://schemas.microsoft.com/office/powerpoint/2010/main" val="255201464"/>
       </p:ext>
     </p:extLst>
   </p:cSld>
@@ -1402,7 +1403,7 @@
     </p:spTree>
     <p:extLst>
       <p:ext uri="{BB962C8B-B14F-4D97-AF65-F5344CB8AC3E}">
-        <p14:creationId xmlns:p14="http://schemas.microsoft.com/office/powerpoint/2010/main" val="2602959999"/>
+        <p14:creationId xmlns:p14="http://schemas.microsoft.com/office/powerpoint/2010/main" val="3186644536"/>
       </p:ext>
     </p:extLst>
   </p:cSld>
@@ -1540,7 +1541,7 @@
           <a:bodyPr/>
           <a:lstStyle/>
           <a:p>
-            <a:endParaRPr lang="en-US"/>
+            <a:endParaRPr lang="en-US" dirty="0"/>
           </a:p>
         </p:txBody>
       </p:sp>
@@ -1570,7 +1571,7 @@
     </p:spTree>
     <p:extLst>
       <p:ext uri="{BB962C8B-B14F-4D97-AF65-F5344CB8AC3E}">
-        <p14:creationId xmlns:p14="http://schemas.microsoft.com/office/powerpoint/2010/main" val="1392350477"/>
+        <p14:creationId xmlns:p14="http://schemas.microsoft.com/office/powerpoint/2010/main" val="98065625"/>
       </p:ext>
     </p:extLst>
   </p:cSld>
@@ -1624,7 +1625,7 @@
           <a:bodyPr/>
           <a:lstStyle/>
           <a:p>
-            <a:endParaRPr lang="en-US"/>
+            <a:endParaRPr lang="en-US" dirty="0"/>
           </a:p>
         </p:txBody>
       </p:sp>
@@ -1654,7 +1655,7 @@
     </p:spTree>
     <p:extLst>
       <p:ext uri="{BB962C8B-B14F-4D97-AF65-F5344CB8AC3E}">
-        <p14:creationId xmlns:p14="http://schemas.microsoft.com/office/powerpoint/2010/main" val="2140077023"/>
+        <p14:creationId xmlns:p14="http://schemas.microsoft.com/office/powerpoint/2010/main" val="2618272564"/>
       </p:ext>
     </p:extLst>
   </p:cSld>
@@ -1738,7 +1739,7 @@
     </p:spTree>
     <p:extLst>
       <p:ext uri="{BB962C8B-B14F-4D97-AF65-F5344CB8AC3E}">
-        <p14:creationId xmlns:p14="http://schemas.microsoft.com/office/powerpoint/2010/main" val="3876321132"/>
+        <p14:creationId xmlns:p14="http://schemas.microsoft.com/office/powerpoint/2010/main" val="2140077023"/>
       </p:ext>
     </p:extLst>
   </p:cSld>
@@ -1822,7 +1823,7 @@
     </p:spTree>
     <p:extLst>
       <p:ext uri="{BB962C8B-B14F-4D97-AF65-F5344CB8AC3E}">
-        <p14:creationId xmlns:p14="http://schemas.microsoft.com/office/powerpoint/2010/main" val="85917785"/>
+        <p14:creationId xmlns:p14="http://schemas.microsoft.com/office/powerpoint/2010/main" val="3876321132"/>
       </p:ext>
     </p:extLst>
   </p:cSld>
@@ -1876,7 +1877,7 @@
           <a:bodyPr/>
           <a:lstStyle/>
           <a:p>
-            <a:endParaRPr lang="en-US"/>
+            <a:endParaRPr lang="en-US" dirty="0"/>
           </a:p>
         </p:txBody>
       </p:sp>
@@ -1906,7 +1907,7 @@
     </p:spTree>
     <p:extLst>
       <p:ext uri="{BB962C8B-B14F-4D97-AF65-F5344CB8AC3E}">
-        <p14:creationId xmlns:p14="http://schemas.microsoft.com/office/powerpoint/2010/main" val="1436347083"/>
+        <p14:creationId xmlns:p14="http://schemas.microsoft.com/office/powerpoint/2010/main" val="85917785"/>
       </p:ext>
     </p:extLst>
   </p:cSld>
@@ -1982,6 +1983,90 @@
             <a:fld id="{04EC4CF9-69BC-034A-86DA-E1DADC6FAF10}" type="slidenum">
               <a:rPr lang="en-US" smtClean="0"/>
               <a:t>25</a:t>
+            </a:fld>
+            <a:endParaRPr lang="en-US"/>
+          </a:p>
+        </p:txBody>
+      </p:sp>
+    </p:spTree>
+    <p:extLst>
+      <p:ext uri="{BB962C8B-B14F-4D97-AF65-F5344CB8AC3E}">
+        <p14:creationId xmlns:p14="http://schemas.microsoft.com/office/powerpoint/2010/main" val="1436347083"/>
+      </p:ext>
+    </p:extLst>
+  </p:cSld>
+  <p:clrMapOvr>
+    <a:masterClrMapping/>
+  </p:clrMapOvr>
+</p:notes>
+</file>
+
+<file path=ppt/notesSlides/notesSlide26.xml><?xml version="1.0" encoding="utf-8"?>
+<p:notes xmlns:a="http://schemas.openxmlformats.org/drawingml/2006/main" xmlns:r="http://schemas.openxmlformats.org/officeDocument/2006/relationships" xmlns:p="http://schemas.openxmlformats.org/presentationml/2006/main">
+  <p:cSld>
+    <p:spTree>
+      <p:nvGrpSpPr>
+        <p:cNvPr id="1" name=""/>
+        <p:cNvGrpSpPr/>
+        <p:nvPr/>
+      </p:nvGrpSpPr>
+      <p:grpSpPr>
+        <a:xfrm>
+          <a:off x="0" y="0"/>
+          <a:ext cx="0" cy="0"/>
+          <a:chOff x="0" y="0"/>
+          <a:chExt cx="0" cy="0"/>
+        </a:xfrm>
+      </p:grpSpPr>
+      <p:sp>
+        <p:nvSpPr>
+          <p:cNvPr id="2" name="Slide Image Placeholder 1"/>
+          <p:cNvSpPr>
+            <a:spLocks noGrp="1" noRot="1" noChangeAspect="1"/>
+          </p:cNvSpPr>
+          <p:nvPr>
+            <p:ph type="sldImg"/>
+          </p:nvPr>
+        </p:nvSpPr>
+        <p:spPr/>
+      </p:sp>
+      <p:sp>
+        <p:nvSpPr>
+          <p:cNvPr id="3" name="Notes Placeholder 2"/>
+          <p:cNvSpPr>
+            <a:spLocks noGrp="1"/>
+          </p:cNvSpPr>
+          <p:nvPr>
+            <p:ph type="body" idx="1"/>
+          </p:nvPr>
+        </p:nvSpPr>
+        <p:spPr/>
+        <p:txBody>
+          <a:bodyPr/>
+          <a:lstStyle/>
+          <a:p>
+            <a:endParaRPr lang="en-US"/>
+          </a:p>
+        </p:txBody>
+      </p:sp>
+      <p:sp>
+        <p:nvSpPr>
+          <p:cNvPr id="4" name="Slide Number Placeholder 3"/>
+          <p:cNvSpPr>
+            <a:spLocks noGrp="1"/>
+          </p:cNvSpPr>
+          <p:nvPr>
+            <p:ph type="sldNum" sz="quarter" idx="5"/>
+          </p:nvPr>
+        </p:nvSpPr>
+        <p:spPr/>
+        <p:txBody>
+          <a:bodyPr/>
+          <a:lstStyle/>
+          <a:p>
+            <a:fld id="{04EC4CF9-69BC-034A-86DA-E1DADC6FAF10}" type="slidenum">
+              <a:rPr lang="en-US" smtClean="0"/>
+              <a:t>26</a:t>
             </a:fld>
             <a:endParaRPr lang="en-US"/>
           </a:p>
@@ -2326,7 +2411,7 @@
     </p:spTree>
     <p:extLst>
       <p:ext uri="{BB962C8B-B14F-4D97-AF65-F5344CB8AC3E}">
-        <p14:creationId xmlns:p14="http://schemas.microsoft.com/office/powerpoint/2010/main" val="540700029"/>
+        <p14:creationId xmlns:p14="http://schemas.microsoft.com/office/powerpoint/2010/main" val="2382025817"/>
       </p:ext>
     </p:extLst>
   </p:cSld>
@@ -2410,7 +2495,7 @@
     </p:spTree>
     <p:extLst>
       <p:ext uri="{BB962C8B-B14F-4D97-AF65-F5344CB8AC3E}">
-        <p14:creationId xmlns:p14="http://schemas.microsoft.com/office/powerpoint/2010/main" val="3930434824"/>
+        <p14:creationId xmlns:p14="http://schemas.microsoft.com/office/powerpoint/2010/main" val="540700029"/>
       </p:ext>
     </p:extLst>
   </p:cSld>
@@ -2494,7 +2579,7 @@
     </p:spTree>
     <p:extLst>
       <p:ext uri="{BB962C8B-B14F-4D97-AF65-F5344CB8AC3E}">
-        <p14:creationId xmlns:p14="http://schemas.microsoft.com/office/powerpoint/2010/main" val="2382025817"/>
+        <p14:creationId xmlns:p14="http://schemas.microsoft.com/office/powerpoint/2010/main" val="3930434824"/>
       </p:ext>
     </p:extLst>
   </p:cSld>
@@ -6635,7 +6720,7 @@
                 <a:latin typeface="Helvetica Neue Light" panose="02000403000000020004" pitchFamily="2" charset="0"/>
                 <a:ea typeface="Helvetica Neue Light" panose="02000403000000020004" pitchFamily="2" charset="0"/>
               </a:rPr>
-              <a:t>UI Design</a:t>
+              <a:t>Class Diagram</a:t>
             </a:r>
           </a:p>
         </p:txBody>
@@ -6744,9 +6829,9 @@
       </p:sp>
       <p:pic>
         <p:nvPicPr>
-          <p:cNvPr id="8194" name="Picture 2" descr="MainMenu"/>
+          <p:cNvPr id="3" name="Picture 2"/>
           <p:cNvPicPr>
-            <a:picLocks noChangeAspect="1" noChangeArrowheads="1"/>
+            <a:picLocks noChangeAspect="1"/>
           </p:cNvPicPr>
           <p:nvPr/>
         </p:nvPicPr>
@@ -6758,270 +6843,24 @@
               </a:ext>
             </a:extLst>
           </a:blip>
-          <a:srcRect/>
           <a:stretch>
             <a:fillRect/>
           </a:stretch>
         </p:blipFill>
-        <p:spPr bwMode="auto">
-          <a:xfrm>
-            <a:off x="4010574" y="1279411"/>
-            <a:ext cx="4170849" cy="2212698"/>
+        <p:spPr>
+          <a:xfrm>
+            <a:off x="2445970" y="926876"/>
+            <a:ext cx="7279264" cy="5498404"/>
           </a:xfrm>
           <a:prstGeom prst="rect">
             <a:avLst/>
           </a:prstGeom>
-          <a:noFill/>
-          <a:ln>
-            <a:noFill/>
-          </a:ln>
-          <a:extLst>
-            <a:ext uri="{909E8E84-426E-40DD-AFC4-6F175D3DCCD1}">
-              <a14:hiddenFill xmlns:a14="http://schemas.microsoft.com/office/drawing/2010/main">
-                <a:solidFill>
-                  <a:srgbClr val="FFFFFF"/>
-                </a:solidFill>
-              </a14:hiddenFill>
-            </a:ext>
-            <a:ext uri="{91240B29-F687-4F45-9708-019B960494DF}">
-              <a14:hiddenLine xmlns:a14="http://schemas.microsoft.com/office/drawing/2010/main" w="9525">
-                <a:solidFill>
-                  <a:srgbClr val="000000"/>
-                </a:solidFill>
-                <a:miter lim="800000"/>
-                <a:headEnd/>
-                <a:tailEnd/>
-              </a14:hiddenLine>
-            </a:ext>
-          </a:extLst>
         </p:spPr>
       </p:pic>
-      <p:sp>
-        <p:nvSpPr>
-          <p:cNvPr id="7" name="TextBox 6"/>
-          <p:cNvSpPr txBox="1"/>
-          <p:nvPr/>
-        </p:nvSpPr>
-        <p:spPr>
-          <a:xfrm>
-            <a:off x="5447423" y="3530719"/>
-            <a:ext cx="1297150" cy="369332"/>
-          </a:xfrm>
-          <a:prstGeom prst="rect">
-            <a:avLst/>
-          </a:prstGeom>
-          <a:noFill/>
-        </p:spPr>
-        <p:txBody>
-          <a:bodyPr wrap="none" rtlCol="0">
-            <a:spAutoFit/>
-          </a:bodyPr>
-          <a:lstStyle/>
-          <a:p>
-            <a:r>
-              <a:rPr lang="en-US" b="1" dirty="0" smtClean="0">
-                <a:solidFill>
-                  <a:srgbClr val="0070C0"/>
-                </a:solidFill>
-              </a:rPr>
-              <a:t>Main Menu</a:t>
-            </a:r>
-            <a:endParaRPr lang="en-US" b="1" dirty="0">
-              <a:solidFill>
-                <a:srgbClr val="0070C0"/>
-              </a:solidFill>
-            </a:endParaRPr>
-          </a:p>
-        </p:txBody>
-      </p:sp>
-      <p:pic>
-        <p:nvPicPr>
-          <p:cNvPr id="8195" name="Picture 3" descr="SignIn"/>
-          <p:cNvPicPr>
-            <a:picLocks noChangeAspect="1" noChangeArrowheads="1"/>
-          </p:cNvPicPr>
-          <p:nvPr/>
-        </p:nvPicPr>
-        <p:blipFill>
-          <a:blip r:embed="rId4">
-            <a:extLst>
-              <a:ext uri="{28A0092B-C50C-407E-A947-70E740481C1C}">
-                <a14:useLocalDpi xmlns:a14="http://schemas.microsoft.com/office/drawing/2010/main" val="0"/>
-              </a:ext>
-            </a:extLst>
-          </a:blip>
-          <a:srcRect/>
-          <a:stretch>
-            <a:fillRect/>
-          </a:stretch>
-        </p:blipFill>
-        <p:spPr bwMode="auto">
-          <a:xfrm>
-            <a:off x="7001450" y="4265263"/>
-            <a:ext cx="2929582" cy="1468526"/>
-          </a:xfrm>
-          <a:prstGeom prst="rect">
-            <a:avLst/>
-          </a:prstGeom>
-          <a:noFill/>
-          <a:ln>
-            <a:noFill/>
-          </a:ln>
-          <a:extLst>
-            <a:ext uri="{909E8E84-426E-40DD-AFC4-6F175D3DCCD1}">
-              <a14:hiddenFill xmlns:a14="http://schemas.microsoft.com/office/drawing/2010/main">
-                <a:solidFill>
-                  <a:srgbClr val="FFFFFF"/>
-                </a:solidFill>
-              </a14:hiddenFill>
-            </a:ext>
-            <a:ext uri="{91240B29-F687-4F45-9708-019B960494DF}">
-              <a14:hiddenLine xmlns:a14="http://schemas.microsoft.com/office/drawing/2010/main" w="9525">
-                <a:solidFill>
-                  <a:srgbClr val="000000"/>
-                </a:solidFill>
-                <a:miter lim="800000"/>
-                <a:headEnd/>
-                <a:tailEnd/>
-              </a14:hiddenLine>
-            </a:ext>
-          </a:extLst>
-        </p:spPr>
-      </p:pic>
-      <p:pic>
-        <p:nvPicPr>
-          <p:cNvPr id="8196" name="Picture 4" descr="Log In"/>
-          <p:cNvPicPr>
-            <a:picLocks noChangeAspect="1" noChangeArrowheads="1"/>
-          </p:cNvPicPr>
-          <p:nvPr/>
-        </p:nvPicPr>
-        <p:blipFill>
-          <a:blip r:embed="rId5">
-            <a:extLst>
-              <a:ext uri="{28A0092B-C50C-407E-A947-70E740481C1C}">
-                <a14:useLocalDpi xmlns:a14="http://schemas.microsoft.com/office/drawing/2010/main" val="0"/>
-              </a:ext>
-            </a:extLst>
-          </a:blip>
-          <a:srcRect/>
-          <a:stretch>
-            <a:fillRect/>
-          </a:stretch>
-        </p:blipFill>
-        <p:spPr bwMode="auto">
-          <a:xfrm>
-            <a:off x="1864385" y="4408041"/>
-            <a:ext cx="3335632" cy="1325748"/>
-          </a:xfrm>
-          <a:prstGeom prst="rect">
-            <a:avLst/>
-          </a:prstGeom>
-          <a:noFill/>
-          <a:ln>
-            <a:noFill/>
-          </a:ln>
-          <a:extLst>
-            <a:ext uri="{909E8E84-426E-40DD-AFC4-6F175D3DCCD1}">
-              <a14:hiddenFill xmlns:a14="http://schemas.microsoft.com/office/drawing/2010/main">
-                <a:solidFill>
-                  <a:srgbClr val="FFFFFF"/>
-                </a:solidFill>
-              </a14:hiddenFill>
-            </a:ext>
-            <a:ext uri="{91240B29-F687-4F45-9708-019B960494DF}">
-              <a14:hiddenLine xmlns:a14="http://schemas.microsoft.com/office/drawing/2010/main" w="9525">
-                <a:solidFill>
-                  <a:srgbClr val="000000"/>
-                </a:solidFill>
-                <a:miter lim="800000"/>
-                <a:headEnd/>
-                <a:tailEnd/>
-              </a14:hiddenLine>
-            </a:ext>
-          </a:extLst>
-        </p:spPr>
-      </p:pic>
-      <p:sp>
-        <p:nvSpPr>
-          <p:cNvPr id="11" name="TextBox 10"/>
-          <p:cNvSpPr txBox="1"/>
-          <p:nvPr/>
-        </p:nvSpPr>
-        <p:spPr>
-          <a:xfrm>
-            <a:off x="2745403" y="5767133"/>
-            <a:ext cx="1408462" cy="369332"/>
-          </a:xfrm>
-          <a:prstGeom prst="rect">
-            <a:avLst/>
-          </a:prstGeom>
-          <a:noFill/>
-        </p:spPr>
-        <p:txBody>
-          <a:bodyPr wrap="none" rtlCol="0">
-            <a:spAutoFit/>
-          </a:bodyPr>
-          <a:lstStyle/>
-          <a:p>
-            <a:r>
-              <a:rPr lang="en-US" b="1" dirty="0" smtClean="0">
-                <a:solidFill>
-                  <a:srgbClr val="0070C0"/>
-                </a:solidFill>
-              </a:rPr>
-              <a:t>Login Option</a:t>
-            </a:r>
-            <a:endParaRPr lang="en-US" b="1" dirty="0">
-              <a:solidFill>
-                <a:srgbClr val="0070C0"/>
-              </a:solidFill>
-            </a:endParaRPr>
-          </a:p>
-        </p:txBody>
-      </p:sp>
-      <p:sp>
-        <p:nvSpPr>
-          <p:cNvPr id="12" name="TextBox 11"/>
-          <p:cNvSpPr txBox="1"/>
-          <p:nvPr/>
-        </p:nvSpPr>
-        <p:spPr>
-          <a:xfrm>
-            <a:off x="7699493" y="5767133"/>
-            <a:ext cx="1533497" cy="369332"/>
-          </a:xfrm>
-          <a:prstGeom prst="rect">
-            <a:avLst/>
-          </a:prstGeom>
-          <a:noFill/>
-        </p:spPr>
-        <p:txBody>
-          <a:bodyPr wrap="none" rtlCol="0">
-            <a:spAutoFit/>
-          </a:bodyPr>
-          <a:lstStyle/>
-          <a:p>
-            <a:r>
-              <a:rPr lang="en-US" b="1" dirty="0" smtClean="0">
-                <a:solidFill>
-                  <a:srgbClr val="0070C0"/>
-                </a:solidFill>
-              </a:rPr>
-              <a:t>Sign In Option</a:t>
-            </a:r>
-            <a:endParaRPr lang="en-US" b="1" dirty="0">
-              <a:solidFill>
-                <a:srgbClr val="0070C0"/>
-              </a:solidFill>
-            </a:endParaRPr>
-          </a:p>
-        </p:txBody>
-      </p:sp>
     </p:spTree>
     <p:extLst>
       <p:ext uri="{BB962C8B-B14F-4D97-AF65-F5344CB8AC3E}">
-        <p14:creationId xmlns:p14="http://schemas.microsoft.com/office/powerpoint/2010/main" val="1512216451"/>
+        <p14:creationId xmlns:p14="http://schemas.microsoft.com/office/powerpoint/2010/main" val="2037354468"/>
       </p:ext>
     </p:extLst>
   </p:cSld>
@@ -7106,7 +6945,7 @@
                 <a:latin typeface="Helvetica Neue Light" panose="02000403000000020004" pitchFamily="2" charset="0"/>
                 <a:ea typeface="Helvetica Neue Light" panose="02000403000000020004" pitchFamily="2" charset="0"/>
               </a:rPr>
-              <a:t>UI Design</a:t>
+              <a:t>Sequence Diagram</a:t>
             </a:r>
           </a:p>
         </p:txBody>
@@ -7213,49 +7052,11 @@
           </a:p>
         </p:txBody>
       </p:sp>
-      <p:sp>
-        <p:nvSpPr>
-          <p:cNvPr id="7" name="TextBox 6"/>
-          <p:cNvSpPr txBox="1"/>
-          <p:nvPr/>
-        </p:nvSpPr>
-        <p:spPr>
-          <a:xfrm>
-            <a:off x="5369701" y="3637045"/>
-            <a:ext cx="1431802" cy="369332"/>
-          </a:xfrm>
-          <a:prstGeom prst="rect">
-            <a:avLst/>
-          </a:prstGeom>
-          <a:noFill/>
-        </p:spPr>
-        <p:txBody>
-          <a:bodyPr wrap="none" rtlCol="0">
-            <a:spAutoFit/>
-          </a:bodyPr>
-          <a:lstStyle/>
-          <a:p>
-            <a:r>
-              <a:rPr lang="en-US" b="1" dirty="0" smtClean="0">
-                <a:solidFill>
-                  <a:srgbClr val="0070C0"/>
-                </a:solidFill>
-              </a:rPr>
-              <a:t>Admin Menu</a:t>
-            </a:r>
-            <a:endParaRPr lang="en-US" b="1" dirty="0">
-              <a:solidFill>
-                <a:srgbClr val="0070C0"/>
-              </a:solidFill>
-            </a:endParaRPr>
-          </a:p>
-        </p:txBody>
-      </p:sp>
       <p:pic>
         <p:nvPicPr>
-          <p:cNvPr id="9218" name="Picture 2" descr="adminMenu"/>
+          <p:cNvPr id="3" name="Picture 2"/>
           <p:cNvPicPr>
-            <a:picLocks noChangeAspect="1" noChangeArrowheads="1"/>
+            <a:picLocks noChangeAspect="1"/>
           </p:cNvPicPr>
           <p:nvPr/>
         </p:nvPicPr>
@@ -7267,49 +7068,25 @@
               </a:ext>
             </a:extLst>
           </a:blip>
-          <a:srcRect/>
           <a:stretch>
             <a:fillRect/>
           </a:stretch>
         </p:blipFill>
-        <p:spPr bwMode="auto">
-          <a:xfrm>
-            <a:off x="4029835" y="1138058"/>
-            <a:ext cx="4132325" cy="2392661"/>
+        <p:spPr>
+          <a:xfrm>
+            <a:off x="1033940" y="952261"/>
+            <a:ext cx="4799472" cy="5656521"/>
           </a:xfrm>
           <a:prstGeom prst="rect">
             <a:avLst/>
           </a:prstGeom>
-          <a:noFill/>
-          <a:ln>
-            <a:noFill/>
-          </a:ln>
-          <a:extLst>
-            <a:ext uri="{909E8E84-426E-40DD-AFC4-6F175D3DCCD1}">
-              <a14:hiddenFill xmlns:a14="http://schemas.microsoft.com/office/drawing/2010/main">
-                <a:solidFill>
-                  <a:srgbClr val="FFFFFF"/>
-                </a:solidFill>
-              </a14:hiddenFill>
-            </a:ext>
-            <a:ext uri="{91240B29-F687-4F45-9708-019B960494DF}">
-              <a14:hiddenLine xmlns:a14="http://schemas.microsoft.com/office/drawing/2010/main" w="9525">
-                <a:solidFill>
-                  <a:srgbClr val="000000"/>
-                </a:solidFill>
-                <a:miter lim="800000"/>
-                <a:headEnd/>
-                <a:tailEnd/>
-              </a14:hiddenLine>
-            </a:ext>
-          </a:extLst>
         </p:spPr>
       </p:pic>
       <p:pic>
         <p:nvPicPr>
-          <p:cNvPr id="9219" name="Picture 3" descr="managebook"/>
+          <p:cNvPr id="8" name="Picture 7"/>
           <p:cNvPicPr>
-            <a:picLocks noChangeAspect="1" noChangeArrowheads="1"/>
+            <a:picLocks noChangeAspect="1"/>
           </p:cNvPicPr>
           <p:nvPr/>
         </p:nvPicPr>
@@ -7321,181 +7098,24 @@
               </a:ext>
             </a:extLst>
           </a:blip>
-          <a:srcRect/>
           <a:stretch>
             <a:fillRect/>
           </a:stretch>
         </p:blipFill>
-        <p:spPr bwMode="auto">
-          <a:xfrm>
-            <a:off x="1727555" y="4175940"/>
-            <a:ext cx="2384730" cy="1794758"/>
+        <p:spPr>
+          <a:xfrm>
+            <a:off x="6374639" y="977648"/>
+            <a:ext cx="4755319" cy="5605749"/>
           </a:xfrm>
           <a:prstGeom prst="rect">
             <a:avLst/>
           </a:prstGeom>
-          <a:noFill/>
-          <a:ln>
-            <a:noFill/>
-          </a:ln>
-          <a:extLst>
-            <a:ext uri="{909E8E84-426E-40DD-AFC4-6F175D3DCCD1}">
-              <a14:hiddenFill xmlns:a14="http://schemas.microsoft.com/office/drawing/2010/main">
-                <a:solidFill>
-                  <a:srgbClr val="FFFFFF"/>
-                </a:solidFill>
-              </a14:hiddenFill>
-            </a:ext>
-            <a:ext uri="{91240B29-F687-4F45-9708-019B960494DF}">
-              <a14:hiddenLine xmlns:a14="http://schemas.microsoft.com/office/drawing/2010/main" w="9525">
-                <a:solidFill>
-                  <a:srgbClr val="000000"/>
-                </a:solidFill>
-                <a:miter lim="800000"/>
-                <a:headEnd/>
-                <a:tailEnd/>
-              </a14:hiddenLine>
-            </a:ext>
-          </a:extLst>
         </p:spPr>
       </p:pic>
-      <p:pic>
-        <p:nvPicPr>
-          <p:cNvPr id="9220" name="Picture 4" descr="addbook"/>
-          <p:cNvPicPr>
-            <a:picLocks noChangeAspect="1" noChangeArrowheads="1"/>
-          </p:cNvPicPr>
-          <p:nvPr/>
-        </p:nvPicPr>
-        <p:blipFill>
-          <a:blip r:embed="rId5">
-            <a:extLst>
-              <a:ext uri="{28A0092B-C50C-407E-A947-70E740481C1C}">
-                <a14:useLocalDpi xmlns:a14="http://schemas.microsoft.com/office/drawing/2010/main" val="0"/>
-              </a:ext>
-            </a:extLst>
-          </a:blip>
-          <a:srcRect/>
-          <a:stretch>
-            <a:fillRect/>
-          </a:stretch>
-        </p:blipFill>
-        <p:spPr bwMode="auto">
-          <a:xfrm>
-            <a:off x="5965268" y="4175940"/>
-            <a:ext cx="4689374" cy="1838401"/>
-          </a:xfrm>
-          <a:prstGeom prst="rect">
-            <a:avLst/>
-          </a:prstGeom>
-          <a:noFill/>
-          <a:ln>
-            <a:noFill/>
-          </a:ln>
-          <a:extLst>
-            <a:ext uri="{909E8E84-426E-40DD-AFC4-6F175D3DCCD1}">
-              <a14:hiddenFill xmlns:a14="http://schemas.microsoft.com/office/drawing/2010/main">
-                <a:solidFill>
-                  <a:srgbClr val="FFFFFF"/>
-                </a:solidFill>
-              </a14:hiddenFill>
-            </a:ext>
-            <a:ext uri="{91240B29-F687-4F45-9708-019B960494DF}">
-              <a14:hiddenLine xmlns:a14="http://schemas.microsoft.com/office/drawing/2010/main" w="9525">
-                <a:solidFill>
-                  <a:srgbClr val="000000"/>
-                </a:solidFill>
-                <a:miter lim="800000"/>
-                <a:headEnd/>
-                <a:tailEnd/>
-              </a14:hiddenLine>
-            </a:ext>
-          </a:extLst>
-        </p:spPr>
-      </p:pic>
-      <p:sp>
-        <p:nvSpPr>
-          <p:cNvPr id="3" name="Right Arrow 2"/>
-          <p:cNvSpPr/>
-          <p:nvPr/>
-        </p:nvSpPr>
-        <p:spPr>
-          <a:xfrm>
-            <a:off x="4537157" y="4809382"/>
-            <a:ext cx="1003239" cy="463588"/>
-          </a:xfrm>
-          <a:prstGeom prst="rightArrow">
-            <a:avLst/>
-          </a:prstGeom>
-          <a:noFill/>
-        </p:spPr>
-        <p:style>
-          <a:lnRef idx="2">
-            <a:schemeClr val="accent1">
-              <a:shade val="50000"/>
-            </a:schemeClr>
-          </a:lnRef>
-          <a:fillRef idx="1">
-            <a:schemeClr val="accent1"/>
-          </a:fillRef>
-          <a:effectRef idx="0">
-            <a:schemeClr val="accent1"/>
-          </a:effectRef>
-          <a:fontRef idx="minor">
-            <a:schemeClr val="lt1"/>
-          </a:fontRef>
-        </p:style>
-        <p:txBody>
-          <a:bodyPr rtlCol="0" anchor="ctr"/>
-          <a:lstStyle/>
-          <a:p>
-            <a:pPr algn="ctr"/>
-            <a:endParaRPr lang="en-US"/>
-          </a:p>
-        </p:txBody>
-      </p:sp>
-      <p:sp>
-        <p:nvSpPr>
-          <p:cNvPr id="16" name="TextBox 15"/>
-          <p:cNvSpPr txBox="1"/>
-          <p:nvPr/>
-        </p:nvSpPr>
-        <p:spPr>
-          <a:xfrm>
-            <a:off x="5540396" y="6075976"/>
-            <a:ext cx="1111202" cy="369332"/>
-          </a:xfrm>
-          <a:prstGeom prst="rect">
-            <a:avLst/>
-          </a:prstGeom>
-          <a:noFill/>
-        </p:spPr>
-        <p:txBody>
-          <a:bodyPr wrap="none" rtlCol="0">
-            <a:spAutoFit/>
-          </a:bodyPr>
-          <a:lstStyle/>
-          <a:p>
-            <a:r>
-              <a:rPr lang="en-US" b="1" dirty="0" smtClean="0">
-                <a:solidFill>
-                  <a:srgbClr val="0070C0"/>
-                </a:solidFill>
-              </a:rPr>
-              <a:t>Add Book</a:t>
-            </a:r>
-            <a:endParaRPr lang="en-US" b="1" dirty="0">
-              <a:solidFill>
-                <a:srgbClr val="0070C0"/>
-              </a:solidFill>
-            </a:endParaRPr>
-          </a:p>
-        </p:txBody>
-      </p:sp>
     </p:spTree>
     <p:extLst>
       <p:ext uri="{BB962C8B-B14F-4D97-AF65-F5344CB8AC3E}">
-        <p14:creationId xmlns:p14="http://schemas.microsoft.com/office/powerpoint/2010/main" val="2211274466"/>
+        <p14:creationId xmlns:p14="http://schemas.microsoft.com/office/powerpoint/2010/main" val="1824775772"/>
       </p:ext>
     </p:extLst>
   </p:cSld>
@@ -7580,7 +7200,7 @@
                 <a:latin typeface="Helvetica Neue Light" panose="02000403000000020004" pitchFamily="2" charset="0"/>
                 <a:ea typeface="Helvetica Neue Light" panose="02000403000000020004" pitchFamily="2" charset="0"/>
               </a:rPr>
-              <a:t>UI Design</a:t>
+              <a:t>Sequence Diagram</a:t>
             </a:r>
           </a:p>
         </p:txBody>
@@ -7689,245 +7309,14 @@
       </p:sp>
       <p:pic>
         <p:nvPicPr>
-          <p:cNvPr id="9219" name="Picture 3" descr="managebook"/>
-          <p:cNvPicPr>
-            <a:picLocks noChangeAspect="1" noChangeArrowheads="1"/>
-          </p:cNvPicPr>
-          <p:nvPr/>
-        </p:nvPicPr>
-        <p:blipFill>
-          <a:blip r:embed="rId3">
-            <a:extLst>
-              <a:ext uri="{28A0092B-C50C-407E-A947-70E740481C1C}">
-                <a14:useLocalDpi xmlns:a14="http://schemas.microsoft.com/office/drawing/2010/main" val="0"/>
-              </a:ext>
-            </a:extLst>
-          </a:blip>
-          <a:srcRect/>
-          <a:stretch>
-            <a:fillRect/>
-          </a:stretch>
-        </p:blipFill>
-        <p:spPr bwMode="auto">
-          <a:xfrm>
-            <a:off x="1040772" y="1472537"/>
-            <a:ext cx="2098057" cy="1579007"/>
-          </a:xfrm>
-          <a:prstGeom prst="rect">
-            <a:avLst/>
-          </a:prstGeom>
-          <a:noFill/>
-          <a:ln>
-            <a:noFill/>
-          </a:ln>
-          <a:extLst>
-            <a:ext uri="{909E8E84-426E-40DD-AFC4-6F175D3DCCD1}">
-              <a14:hiddenFill xmlns:a14="http://schemas.microsoft.com/office/drawing/2010/main">
-                <a:solidFill>
-                  <a:srgbClr val="FFFFFF"/>
-                </a:solidFill>
-              </a14:hiddenFill>
-            </a:ext>
-            <a:ext uri="{91240B29-F687-4F45-9708-019B960494DF}">
-              <a14:hiddenLine xmlns:a14="http://schemas.microsoft.com/office/drawing/2010/main" w="9525">
-                <a:solidFill>
-                  <a:srgbClr val="000000"/>
-                </a:solidFill>
-                <a:miter lim="800000"/>
-                <a:headEnd/>
-                <a:tailEnd/>
-              </a14:hiddenLine>
-            </a:ext>
-          </a:extLst>
-        </p:spPr>
-      </p:pic>
-      <p:sp>
-        <p:nvSpPr>
-          <p:cNvPr id="3" name="Right Arrow 2"/>
-          <p:cNvSpPr/>
-          <p:nvPr/>
-        </p:nvSpPr>
-        <p:spPr>
-          <a:xfrm>
-            <a:off x="7855219" y="4727707"/>
-            <a:ext cx="597665" cy="262744"/>
-          </a:xfrm>
-          <a:prstGeom prst="rightArrow">
-            <a:avLst/>
-          </a:prstGeom>
-          <a:noFill/>
-        </p:spPr>
-        <p:style>
-          <a:lnRef idx="2">
-            <a:schemeClr val="accent1">
-              <a:shade val="50000"/>
-            </a:schemeClr>
-          </a:lnRef>
-          <a:fillRef idx="1">
-            <a:schemeClr val="accent1"/>
-          </a:fillRef>
-          <a:effectRef idx="0">
-            <a:schemeClr val="accent1"/>
-          </a:effectRef>
-          <a:fontRef idx="minor">
-            <a:schemeClr val="lt1"/>
-          </a:fontRef>
-        </p:style>
-        <p:txBody>
-          <a:bodyPr rtlCol="0" anchor="ctr"/>
-          <a:lstStyle/>
-          <a:p>
-            <a:pPr algn="ctr"/>
-            <a:endParaRPr lang="en-US"/>
-          </a:p>
-        </p:txBody>
-      </p:sp>
-      <p:pic>
-        <p:nvPicPr>
-          <p:cNvPr id="10242" name="Picture 2" descr="BookSearch"/>
-          <p:cNvPicPr>
-            <a:picLocks noChangeAspect="1" noChangeArrowheads="1"/>
-          </p:cNvPicPr>
-          <p:nvPr/>
-        </p:nvPicPr>
-        <p:blipFill>
-          <a:blip r:embed="rId4">
-            <a:extLst>
-              <a:ext uri="{28A0092B-C50C-407E-A947-70E740481C1C}">
-                <a14:useLocalDpi xmlns:a14="http://schemas.microsoft.com/office/drawing/2010/main" val="0"/>
-              </a:ext>
-            </a:extLst>
-          </a:blip>
-          <a:srcRect/>
-          <a:stretch>
-            <a:fillRect/>
-          </a:stretch>
-        </p:blipFill>
-        <p:spPr bwMode="auto">
-          <a:xfrm>
-            <a:off x="1040772" y="3994590"/>
-            <a:ext cx="6443804" cy="1667078"/>
-          </a:xfrm>
-          <a:prstGeom prst="rect">
-            <a:avLst/>
-          </a:prstGeom>
-          <a:noFill/>
-          <a:ln>
-            <a:noFill/>
-          </a:ln>
-          <a:extLst>
-            <a:ext uri="{909E8E84-426E-40DD-AFC4-6F175D3DCCD1}">
-              <a14:hiddenFill xmlns:a14="http://schemas.microsoft.com/office/drawing/2010/main">
-                <a:solidFill>
-                  <a:srgbClr val="FFFFFF"/>
-                </a:solidFill>
-              </a14:hiddenFill>
-            </a:ext>
-            <a:ext uri="{91240B29-F687-4F45-9708-019B960494DF}">
-              <a14:hiddenLine xmlns:a14="http://schemas.microsoft.com/office/drawing/2010/main" w="9525">
-                <a:solidFill>
-                  <a:srgbClr val="000000"/>
-                </a:solidFill>
-                <a:miter lim="800000"/>
-                <a:headEnd/>
-                <a:tailEnd/>
-              </a14:hiddenLine>
-            </a:ext>
-          </a:extLst>
-        </p:spPr>
-      </p:pic>
-      <p:pic>
-        <p:nvPicPr>
-          <p:cNvPr id="10243" name="Picture 3" descr="updatebookInfo"/>
-          <p:cNvPicPr>
-            <a:picLocks noChangeAspect="1" noChangeArrowheads="1"/>
-          </p:cNvPicPr>
-          <p:nvPr/>
-        </p:nvPicPr>
-        <p:blipFill>
-          <a:blip r:embed="rId5">
-            <a:extLst>
-              <a:ext uri="{28A0092B-C50C-407E-A947-70E740481C1C}">
-                <a14:useLocalDpi xmlns:a14="http://schemas.microsoft.com/office/drawing/2010/main" val="0"/>
-              </a:ext>
-            </a:extLst>
-          </a:blip>
-          <a:srcRect/>
-          <a:stretch>
-            <a:fillRect/>
-          </a:stretch>
-        </p:blipFill>
-        <p:spPr bwMode="auto">
-          <a:xfrm>
-            <a:off x="8858458" y="1472537"/>
-            <a:ext cx="2700355" cy="4001330"/>
-          </a:xfrm>
-          <a:prstGeom prst="rect">
-            <a:avLst/>
-          </a:prstGeom>
-          <a:noFill/>
-          <a:extLst>
-            <a:ext uri="{909E8E84-426E-40DD-AFC4-6F175D3DCCD1}">
-              <a14:hiddenFill xmlns:a14="http://schemas.microsoft.com/office/drawing/2010/main">
-                <a:solidFill>
-                  <a:srgbClr val="FFFFFF"/>
-                </a:solidFill>
-              </a14:hiddenFill>
-            </a:ext>
-          </a:extLst>
-        </p:spPr>
-      </p:pic>
-      <p:sp>
-        <p:nvSpPr>
-          <p:cNvPr id="13" name="Right Arrow 12"/>
-          <p:cNvSpPr/>
-          <p:nvPr/>
-        </p:nvSpPr>
-        <p:spPr>
-          <a:xfrm rot="5400000">
-            <a:off x="1790967" y="3417740"/>
-            <a:ext cx="597665" cy="262744"/>
-          </a:xfrm>
-          <a:prstGeom prst="rightArrow">
-            <a:avLst/>
-          </a:prstGeom>
-          <a:noFill/>
-        </p:spPr>
-        <p:style>
-          <a:lnRef idx="2">
-            <a:schemeClr val="accent1">
-              <a:shade val="50000"/>
-            </a:schemeClr>
-          </a:lnRef>
-          <a:fillRef idx="1">
-            <a:schemeClr val="accent1"/>
-          </a:fillRef>
-          <a:effectRef idx="0">
-            <a:schemeClr val="accent1"/>
-          </a:effectRef>
-          <a:fontRef idx="minor">
-            <a:schemeClr val="lt1"/>
-          </a:fontRef>
-        </p:style>
-        <p:txBody>
-          <a:bodyPr rtlCol="0" anchor="ctr"/>
-          <a:lstStyle/>
-          <a:p>
-            <a:pPr algn="ctr"/>
-            <a:endParaRPr lang="en-US"/>
-          </a:p>
-        </p:txBody>
-      </p:sp>
-      <p:pic>
-        <p:nvPicPr>
-          <p:cNvPr id="10" name="Picture 9"/>
+          <p:cNvPr id="3" name="Picture 2"/>
           <p:cNvPicPr>
             <a:picLocks noChangeAspect="1"/>
           </p:cNvPicPr>
           <p:nvPr/>
         </p:nvPicPr>
         <p:blipFill>
-          <a:blip r:embed="rId6">
+          <a:blip r:embed="rId3">
             <a:extLst>
               <a:ext uri="{28A0092B-C50C-407E-A947-70E740481C1C}">
                 <a14:useLocalDpi xmlns:a14="http://schemas.microsoft.com/office/drawing/2010/main" val="0"/>
@@ -7940,97 +7329,47 @@
         </p:blipFill>
         <p:spPr>
           <a:xfrm>
-            <a:off x="5136234" y="1472537"/>
-            <a:ext cx="2348342" cy="2076575"/>
+            <a:off x="619270" y="926876"/>
+            <a:ext cx="4813967" cy="5674885"/>
           </a:xfrm>
           <a:prstGeom prst="rect">
             <a:avLst/>
           </a:prstGeom>
         </p:spPr>
       </p:pic>
-      <p:sp>
-        <p:nvSpPr>
-          <p:cNvPr id="17" name="Right Arrow 16"/>
-          <p:cNvSpPr/>
+      <p:pic>
+        <p:nvPicPr>
+          <p:cNvPr id="7" name="Picture 6"/>
+          <p:cNvPicPr>
+            <a:picLocks noChangeAspect="1"/>
+          </p:cNvPicPr>
           <p:nvPr/>
-        </p:nvSpPr>
-        <p:spPr>
-          <a:xfrm rot="10800000">
-            <a:off x="7822618" y="2329361"/>
-            <a:ext cx="597665" cy="262744"/>
-          </a:xfrm>
-          <a:prstGeom prst="rightArrow">
-            <a:avLst/>
-          </a:prstGeom>
-          <a:noFill/>
-        </p:spPr>
-        <p:style>
-          <a:lnRef idx="2">
-            <a:schemeClr val="accent1">
-              <a:shade val="50000"/>
-            </a:schemeClr>
-          </a:lnRef>
-          <a:fillRef idx="1">
-            <a:schemeClr val="accent1"/>
-          </a:fillRef>
-          <a:effectRef idx="0">
-            <a:schemeClr val="accent1"/>
-          </a:effectRef>
-          <a:fontRef idx="minor">
-            <a:schemeClr val="lt1"/>
-          </a:fontRef>
-        </p:style>
-        <p:txBody>
-          <a:bodyPr rtlCol="0" anchor="ctr"/>
-          <a:lstStyle/>
-          <a:p>
-            <a:pPr algn="ctr"/>
-            <a:endParaRPr lang="en-US"/>
-          </a:p>
-        </p:txBody>
-      </p:sp>
-      <p:sp>
-        <p:nvSpPr>
-          <p:cNvPr id="18" name="TextBox 17"/>
-          <p:cNvSpPr txBox="1"/>
-          <p:nvPr/>
-        </p:nvSpPr>
-        <p:spPr>
-          <a:xfrm>
-            <a:off x="5167700" y="5922480"/>
-            <a:ext cx="1856598" cy="369332"/>
+        </p:nvPicPr>
+        <p:blipFill rotWithShape="1">
+          <a:blip r:embed="rId4">
+            <a:extLst>
+              <a:ext uri="{28A0092B-C50C-407E-A947-70E740481C1C}">
+                <a14:useLocalDpi xmlns:a14="http://schemas.microsoft.com/office/drawing/2010/main" val="0"/>
+              </a:ext>
+            </a:extLst>
+          </a:blip>
+          <a:srcRect l="1" r="-2028" b="22325"/>
+          <a:stretch/>
+        </p:blipFill>
+        <p:spPr>
+          <a:xfrm>
+            <a:off x="5911830" y="1058963"/>
+            <a:ext cx="5935533" cy="5326912"/>
           </a:xfrm>
           <a:prstGeom prst="rect">
             <a:avLst/>
           </a:prstGeom>
-          <a:noFill/>
-        </p:spPr>
-        <p:txBody>
-          <a:bodyPr wrap="none" rtlCol="0">
-            <a:spAutoFit/>
-          </a:bodyPr>
-          <a:lstStyle/>
-          <a:p>
-            <a:r>
-              <a:rPr lang="en-US" b="1" dirty="0" smtClean="0">
-                <a:solidFill>
-                  <a:srgbClr val="0070C0"/>
-                </a:solidFill>
-              </a:rPr>
-              <a:t>Update Book Info</a:t>
-            </a:r>
-            <a:endParaRPr lang="en-US" b="1" dirty="0">
-              <a:solidFill>
-                <a:srgbClr val="0070C0"/>
-              </a:solidFill>
-            </a:endParaRPr>
-          </a:p>
-        </p:txBody>
-      </p:sp>
+        </p:spPr>
+      </p:pic>
     </p:spTree>
     <p:extLst>
       <p:ext uri="{BB962C8B-B14F-4D97-AF65-F5344CB8AC3E}">
-        <p14:creationId xmlns:p14="http://schemas.microsoft.com/office/powerpoint/2010/main" val="2695939307"/>
+        <p14:creationId xmlns:p14="http://schemas.microsoft.com/office/powerpoint/2010/main" val="3822979501"/>
       </p:ext>
     </p:extLst>
   </p:cSld>
@@ -8115,7 +7454,7 @@
                 <a:latin typeface="Helvetica Neue Light" panose="02000403000000020004" pitchFamily="2" charset="0"/>
                 <a:ea typeface="Helvetica Neue Light" panose="02000403000000020004" pitchFamily="2" charset="0"/>
               </a:rPr>
-              <a:t>UI Design</a:t>
+              <a:t>Sequence Diagram</a:t>
             </a:r>
           </a:p>
         </p:txBody>
@@ -8222,49 +7561,11 @@
           </a:p>
         </p:txBody>
       </p:sp>
-      <p:sp>
-        <p:nvSpPr>
-          <p:cNvPr id="7" name="TextBox 6"/>
-          <p:cNvSpPr txBox="1"/>
-          <p:nvPr/>
-        </p:nvSpPr>
-        <p:spPr>
-          <a:xfrm>
-            <a:off x="5447423" y="3530719"/>
-            <a:ext cx="1431802" cy="369332"/>
-          </a:xfrm>
-          <a:prstGeom prst="rect">
-            <a:avLst/>
-          </a:prstGeom>
-          <a:noFill/>
-        </p:spPr>
-        <p:txBody>
-          <a:bodyPr wrap="none" rtlCol="0">
-            <a:spAutoFit/>
-          </a:bodyPr>
-          <a:lstStyle/>
-          <a:p>
-            <a:r>
-              <a:rPr lang="en-US" b="1" dirty="0" smtClean="0">
-                <a:solidFill>
-                  <a:srgbClr val="0070C0"/>
-                </a:solidFill>
-              </a:rPr>
-              <a:t>Admin Menu</a:t>
-            </a:r>
-            <a:endParaRPr lang="en-US" b="1" dirty="0">
-              <a:solidFill>
-                <a:srgbClr val="0070C0"/>
-              </a:solidFill>
-            </a:endParaRPr>
-          </a:p>
-        </p:txBody>
-      </p:sp>
       <p:pic>
         <p:nvPicPr>
-          <p:cNvPr id="11266" name="Picture 2" descr="manageUserMenu"/>
+          <p:cNvPr id="3" name="Picture 2"/>
           <p:cNvPicPr>
-            <a:picLocks noChangeAspect="1" noChangeArrowheads="1"/>
+            <a:picLocks noChangeAspect="1"/>
           </p:cNvPicPr>
           <p:nvPr/>
         </p:nvPicPr>
@@ -8276,53 +7577,29 @@
               </a:ext>
             </a:extLst>
           </a:blip>
-          <a:srcRect/>
           <a:stretch>
             <a:fillRect/>
           </a:stretch>
         </p:blipFill>
-        <p:spPr bwMode="auto">
-          <a:xfrm>
-            <a:off x="1745574" y="4164788"/>
-            <a:ext cx="2250833" cy="1708086"/>
+        <p:spPr>
+          <a:xfrm>
+            <a:off x="1024707" y="926876"/>
+            <a:ext cx="3842650" cy="5614159"/>
           </a:xfrm>
           <a:prstGeom prst="rect">
             <a:avLst/>
           </a:prstGeom>
-          <a:noFill/>
-          <a:ln>
-            <a:noFill/>
-          </a:ln>
-          <a:extLst>
-            <a:ext uri="{909E8E84-426E-40DD-AFC4-6F175D3DCCD1}">
-              <a14:hiddenFill xmlns:a14="http://schemas.microsoft.com/office/drawing/2010/main">
-                <a:solidFill>
-                  <a:srgbClr val="FFFFFF"/>
-                </a:solidFill>
-              </a14:hiddenFill>
-            </a:ext>
-            <a:ext uri="{91240B29-F687-4F45-9708-019B960494DF}">
-              <a14:hiddenLine xmlns:a14="http://schemas.microsoft.com/office/drawing/2010/main" w="9525">
-                <a:solidFill>
-                  <a:srgbClr val="000000"/>
-                </a:solidFill>
-                <a:miter lim="800000"/>
-                <a:headEnd/>
-                <a:tailEnd/>
-              </a14:hiddenLine>
-            </a:ext>
-          </a:extLst>
         </p:spPr>
       </p:pic>
       <p:pic>
         <p:nvPicPr>
-          <p:cNvPr id="8" name="Picture 2" descr="adminMenu"/>
+          <p:cNvPr id="8" name="Picture 7"/>
           <p:cNvPicPr>
-            <a:picLocks noChangeAspect="1" noChangeArrowheads="1"/>
+            <a:picLocks noChangeAspect="1"/>
           </p:cNvPicPr>
           <p:nvPr/>
         </p:nvPicPr>
-        <p:blipFill>
+        <p:blipFill rotWithShape="1">
           <a:blip r:embed="rId4">
             <a:extLst>
               <a:ext uri="{28A0092B-C50C-407E-A947-70E740481C1C}">
@@ -8330,181 +7607,23 @@
               </a:ext>
             </a:extLst>
           </a:blip>
-          <a:srcRect/>
-          <a:stretch>
-            <a:fillRect/>
-          </a:stretch>
+          <a:srcRect r="-565" b="14883"/>
+          <a:stretch/>
         </p:blipFill>
-        <p:spPr bwMode="auto">
-          <a:xfrm>
-            <a:off x="4029835" y="1138058"/>
-            <a:ext cx="4132325" cy="2392661"/>
+        <p:spPr>
+          <a:xfrm>
+            <a:off x="5642915" y="945446"/>
+            <a:ext cx="5589627" cy="5577018"/>
           </a:xfrm>
           <a:prstGeom prst="rect">
             <a:avLst/>
           </a:prstGeom>
-          <a:noFill/>
-          <a:ln>
-            <a:noFill/>
-          </a:ln>
-          <a:extLst>
-            <a:ext uri="{909E8E84-426E-40DD-AFC4-6F175D3DCCD1}">
-              <a14:hiddenFill xmlns:a14="http://schemas.microsoft.com/office/drawing/2010/main">
-                <a:solidFill>
-                  <a:srgbClr val="FFFFFF"/>
-                </a:solidFill>
-              </a14:hiddenFill>
-            </a:ext>
-            <a:ext uri="{91240B29-F687-4F45-9708-019B960494DF}">
-              <a14:hiddenLine xmlns:a14="http://schemas.microsoft.com/office/drawing/2010/main" w="9525">
-                <a:solidFill>
-                  <a:srgbClr val="000000"/>
-                </a:solidFill>
-                <a:miter lim="800000"/>
-                <a:headEnd/>
-                <a:tailEnd/>
-              </a14:hiddenLine>
-            </a:ext>
-          </a:extLst>
         </p:spPr>
       </p:pic>
-      <p:pic>
-        <p:nvPicPr>
-          <p:cNvPr id="11267" name="Picture 3" descr="DeactivateUser"/>
-          <p:cNvPicPr>
-            <a:picLocks noChangeAspect="1" noChangeArrowheads="1"/>
-          </p:cNvPicPr>
-          <p:nvPr/>
-        </p:nvPicPr>
-        <p:blipFill>
-          <a:blip r:embed="rId5">
-            <a:extLst>
-              <a:ext uri="{28A0092B-C50C-407E-A947-70E740481C1C}">
-                <a14:useLocalDpi xmlns:a14="http://schemas.microsoft.com/office/drawing/2010/main" val="0"/>
-              </a:ext>
-            </a:extLst>
-          </a:blip>
-          <a:srcRect/>
-          <a:stretch>
-            <a:fillRect/>
-          </a:stretch>
-        </p:blipFill>
-        <p:spPr bwMode="auto">
-          <a:xfrm>
-            <a:off x="5895201" y="4241749"/>
-            <a:ext cx="5045702" cy="1554163"/>
-          </a:xfrm>
-          <a:prstGeom prst="rect">
-            <a:avLst/>
-          </a:prstGeom>
-          <a:noFill/>
-          <a:ln>
-            <a:noFill/>
-          </a:ln>
-          <a:extLst>
-            <a:ext uri="{909E8E84-426E-40DD-AFC4-6F175D3DCCD1}">
-              <a14:hiddenFill xmlns:a14="http://schemas.microsoft.com/office/drawing/2010/main">
-                <a:solidFill>
-                  <a:srgbClr val="FFFFFF"/>
-                </a:solidFill>
-              </a14:hiddenFill>
-            </a:ext>
-            <a:ext uri="{91240B29-F687-4F45-9708-019B960494DF}">
-              <a14:hiddenLine xmlns:a14="http://schemas.microsoft.com/office/drawing/2010/main" w="9525">
-                <a:solidFill>
-                  <a:srgbClr val="000000"/>
-                </a:solidFill>
-                <a:miter lim="800000"/>
-                <a:headEnd/>
-                <a:tailEnd/>
-              </a14:hiddenLine>
-            </a:ext>
-          </a:extLst>
-        </p:spPr>
-      </p:pic>
-      <p:sp>
-        <p:nvSpPr>
-          <p:cNvPr id="11" name="Right Arrow 10"/>
-          <p:cNvSpPr/>
-          <p:nvPr/>
-        </p:nvSpPr>
-        <p:spPr>
-          <a:xfrm>
-            <a:off x="4444184" y="4848849"/>
-            <a:ext cx="1003239" cy="463588"/>
-          </a:xfrm>
-          <a:prstGeom prst="rightArrow">
-            <a:avLst/>
-          </a:prstGeom>
-          <a:noFill/>
-        </p:spPr>
-        <p:style>
-          <a:lnRef idx="2">
-            <a:schemeClr val="accent1">
-              <a:shade val="50000"/>
-            </a:schemeClr>
-          </a:lnRef>
-          <a:fillRef idx="1">
-            <a:schemeClr val="accent1"/>
-          </a:fillRef>
-          <a:effectRef idx="0">
-            <a:schemeClr val="accent1"/>
-          </a:effectRef>
-          <a:fontRef idx="minor">
-            <a:schemeClr val="lt1"/>
-          </a:fontRef>
-        </p:style>
-        <p:txBody>
-          <a:bodyPr rtlCol="0" anchor="ctr"/>
-          <a:lstStyle/>
-          <a:p>
-            <a:pPr algn="ctr"/>
-            <a:endParaRPr lang="en-US"/>
-          </a:p>
-        </p:txBody>
-      </p:sp>
-      <p:sp>
-        <p:nvSpPr>
-          <p:cNvPr id="12" name="TextBox 11"/>
-          <p:cNvSpPr txBox="1"/>
-          <p:nvPr/>
-        </p:nvSpPr>
-        <p:spPr>
-          <a:xfrm>
-            <a:off x="5393177" y="6052559"/>
-            <a:ext cx="1540293" cy="369332"/>
-          </a:xfrm>
-          <a:prstGeom prst="rect">
-            <a:avLst/>
-          </a:prstGeom>
-          <a:noFill/>
-        </p:spPr>
-        <p:txBody>
-          <a:bodyPr wrap="none" rtlCol="0">
-            <a:spAutoFit/>
-          </a:bodyPr>
-          <a:lstStyle/>
-          <a:p>
-            <a:r>
-              <a:rPr lang="en-US" b="1" dirty="0" smtClean="0">
-                <a:solidFill>
-                  <a:srgbClr val="0070C0"/>
-                </a:solidFill>
-              </a:rPr>
-              <a:t>Manage Users</a:t>
-            </a:r>
-            <a:endParaRPr lang="en-US" b="1" dirty="0">
-              <a:solidFill>
-                <a:srgbClr val="0070C0"/>
-              </a:solidFill>
-            </a:endParaRPr>
-          </a:p>
-        </p:txBody>
-      </p:sp>
     </p:spTree>
     <p:extLst>
       <p:ext uri="{BB962C8B-B14F-4D97-AF65-F5344CB8AC3E}">
-        <p14:creationId xmlns:p14="http://schemas.microsoft.com/office/powerpoint/2010/main" val="3427134598"/>
+        <p14:creationId xmlns:p14="http://schemas.microsoft.com/office/powerpoint/2010/main" val="900182501"/>
       </p:ext>
     </p:extLst>
   </p:cSld>
@@ -8589,7 +7708,7 @@
                 <a:latin typeface="Helvetica Neue Light" panose="02000403000000020004" pitchFamily="2" charset="0"/>
                 <a:ea typeface="Helvetica Neue Light" panose="02000403000000020004" pitchFamily="2" charset="0"/>
               </a:rPr>
-              <a:t>UI Design</a:t>
+              <a:t>Sequence Diagram</a:t>
             </a:r>
           </a:p>
         </p:txBody>
@@ -8696,289 +7815,39 @@
           </a:p>
         </p:txBody>
       </p:sp>
-      <p:sp>
-        <p:nvSpPr>
-          <p:cNvPr id="7" name="TextBox 6"/>
-          <p:cNvSpPr txBox="1"/>
+      <p:pic>
+        <p:nvPicPr>
+          <p:cNvPr id="7" name="Picture 6"/>
+          <p:cNvPicPr>
+            <a:picLocks noChangeAspect="1"/>
+          </p:cNvPicPr>
           <p:nvPr/>
-        </p:nvSpPr>
-        <p:spPr>
-          <a:xfrm>
-            <a:off x="5447423" y="3530719"/>
-            <a:ext cx="1241045" cy="369332"/>
+        </p:nvPicPr>
+        <p:blipFill rotWithShape="1">
+          <a:blip r:embed="rId3">
+            <a:extLst>
+              <a:ext uri="{28A0092B-C50C-407E-A947-70E740481C1C}">
+                <a14:useLocalDpi xmlns:a14="http://schemas.microsoft.com/office/drawing/2010/main" val="0"/>
+              </a:ext>
+            </a:extLst>
+          </a:blip>
+          <a:srcRect r="-277" b="6047"/>
+          <a:stretch/>
+        </p:blipFill>
+        <p:spPr>
+          <a:xfrm>
+            <a:off x="3307792" y="879100"/>
+            <a:ext cx="5453436" cy="5700542"/>
           </a:xfrm>
           <a:prstGeom prst="rect">
             <a:avLst/>
           </a:prstGeom>
-          <a:noFill/>
-        </p:spPr>
-        <p:txBody>
-          <a:bodyPr wrap="none" rtlCol="0">
-            <a:spAutoFit/>
-          </a:bodyPr>
-          <a:lstStyle/>
-          <a:p>
-            <a:r>
-              <a:rPr lang="en-US" b="1" dirty="0" smtClean="0">
-                <a:solidFill>
-                  <a:srgbClr val="0070C0"/>
-                </a:solidFill>
-              </a:rPr>
-              <a:t>User Menu</a:t>
-            </a:r>
-            <a:endParaRPr lang="en-US" b="1" dirty="0">
-              <a:solidFill>
-                <a:srgbClr val="0070C0"/>
-              </a:solidFill>
-            </a:endParaRPr>
-          </a:p>
-        </p:txBody>
-      </p:sp>
-      <p:pic>
-        <p:nvPicPr>
-          <p:cNvPr id="12290" name="Picture 2" descr="userMenu"/>
-          <p:cNvPicPr>
-            <a:picLocks noChangeAspect="1" noChangeArrowheads="1"/>
-          </p:cNvPicPr>
-          <p:nvPr/>
-        </p:nvPicPr>
-        <p:blipFill>
-          <a:blip r:embed="rId3">
-            <a:extLst>
-              <a:ext uri="{28A0092B-C50C-407E-A947-70E740481C1C}">
-                <a14:useLocalDpi xmlns:a14="http://schemas.microsoft.com/office/drawing/2010/main" val="0"/>
-              </a:ext>
-            </a:extLst>
-          </a:blip>
-          <a:srcRect/>
-          <a:stretch>
-            <a:fillRect/>
-          </a:stretch>
-        </p:blipFill>
-        <p:spPr bwMode="auto">
-          <a:xfrm>
-            <a:off x="4281778" y="1221832"/>
-            <a:ext cx="3629618" cy="2308887"/>
-          </a:xfrm>
-          <a:prstGeom prst="rect">
-            <a:avLst/>
-          </a:prstGeom>
-          <a:noFill/>
-          <a:ln>
-            <a:noFill/>
-          </a:ln>
-          <a:extLst>
-            <a:ext uri="{909E8E84-426E-40DD-AFC4-6F175D3DCCD1}">
-              <a14:hiddenFill xmlns:a14="http://schemas.microsoft.com/office/drawing/2010/main">
-                <a:solidFill>
-                  <a:srgbClr val="FFFFFF"/>
-                </a:solidFill>
-              </a14:hiddenFill>
-            </a:ext>
-            <a:ext uri="{91240B29-F687-4F45-9708-019B960494DF}">
-              <a14:hiddenLine xmlns:a14="http://schemas.microsoft.com/office/drawing/2010/main" w="9525">
-                <a:solidFill>
-                  <a:srgbClr val="000000"/>
-                </a:solidFill>
-                <a:miter lim="800000"/>
-                <a:headEnd/>
-                <a:tailEnd/>
-              </a14:hiddenLine>
-            </a:ext>
-          </a:extLst>
         </p:spPr>
       </p:pic>
-      <p:pic>
-        <p:nvPicPr>
-          <p:cNvPr id="12291" name="Picture 3" descr="userInfoMenu"/>
-          <p:cNvPicPr>
-            <a:picLocks noChangeAspect="1" noChangeArrowheads="1"/>
-          </p:cNvPicPr>
-          <p:nvPr/>
-        </p:nvPicPr>
-        <p:blipFill>
-          <a:blip r:embed="rId4">
-            <a:extLst>
-              <a:ext uri="{28A0092B-C50C-407E-A947-70E740481C1C}">
-                <a14:useLocalDpi xmlns:a14="http://schemas.microsoft.com/office/drawing/2010/main" val="0"/>
-              </a:ext>
-            </a:extLst>
-          </a:blip>
-          <a:srcRect/>
-          <a:stretch>
-            <a:fillRect/>
-          </a:stretch>
-        </p:blipFill>
-        <p:spPr bwMode="auto">
-          <a:xfrm>
-            <a:off x="2785147" y="4158811"/>
-            <a:ext cx="2446444" cy="1634988"/>
-          </a:xfrm>
-          <a:prstGeom prst="rect">
-            <a:avLst/>
-          </a:prstGeom>
-          <a:noFill/>
-          <a:ln>
-            <a:noFill/>
-          </a:ln>
-          <a:extLst>
-            <a:ext uri="{909E8E84-426E-40DD-AFC4-6F175D3DCCD1}">
-              <a14:hiddenFill xmlns:a14="http://schemas.microsoft.com/office/drawing/2010/main">
-                <a:solidFill>
-                  <a:srgbClr val="FFFFFF"/>
-                </a:solidFill>
-              </a14:hiddenFill>
-            </a:ext>
-            <a:ext uri="{91240B29-F687-4F45-9708-019B960494DF}">
-              <a14:hiddenLine xmlns:a14="http://schemas.microsoft.com/office/drawing/2010/main" w="9525">
-                <a:solidFill>
-                  <a:srgbClr val="000000"/>
-                </a:solidFill>
-                <a:miter lim="800000"/>
-                <a:headEnd/>
-                <a:tailEnd/>
-              </a14:hiddenLine>
-            </a:ext>
-          </a:extLst>
-        </p:spPr>
-      </p:pic>
-      <p:pic>
-        <p:nvPicPr>
-          <p:cNvPr id="12292" name="Picture 4" descr="updateInfo"/>
-          <p:cNvPicPr>
-            <a:picLocks noChangeAspect="1" noChangeArrowheads="1"/>
-          </p:cNvPicPr>
-          <p:nvPr/>
-        </p:nvPicPr>
-        <p:blipFill>
-          <a:blip r:embed="rId5">
-            <a:extLst>
-              <a:ext uri="{28A0092B-C50C-407E-A947-70E740481C1C}">
-                <a14:useLocalDpi xmlns:a14="http://schemas.microsoft.com/office/drawing/2010/main" val="0"/>
-              </a:ext>
-            </a:extLst>
-          </a:blip>
-          <a:srcRect/>
-          <a:stretch>
-            <a:fillRect/>
-          </a:stretch>
-        </p:blipFill>
-        <p:spPr bwMode="auto">
-          <a:xfrm>
-            <a:off x="7095054" y="3857114"/>
-            <a:ext cx="2092491" cy="2195445"/>
-          </a:xfrm>
-          <a:prstGeom prst="rect">
-            <a:avLst/>
-          </a:prstGeom>
-          <a:noFill/>
-          <a:ln>
-            <a:noFill/>
-          </a:ln>
-          <a:extLst>
-            <a:ext uri="{909E8E84-426E-40DD-AFC4-6F175D3DCCD1}">
-              <a14:hiddenFill xmlns:a14="http://schemas.microsoft.com/office/drawing/2010/main">
-                <a:solidFill>
-                  <a:srgbClr val="FFFFFF"/>
-                </a:solidFill>
-              </a14:hiddenFill>
-            </a:ext>
-            <a:ext uri="{91240B29-F687-4F45-9708-019B960494DF}">
-              <a14:hiddenLine xmlns:a14="http://schemas.microsoft.com/office/drawing/2010/main" w="9525">
-                <a:solidFill>
-                  <a:srgbClr val="000000"/>
-                </a:solidFill>
-                <a:miter lim="800000"/>
-                <a:headEnd/>
-                <a:tailEnd/>
-              </a14:hiddenLine>
-            </a:ext>
-          </a:extLst>
-        </p:spPr>
-      </p:pic>
-      <p:sp>
-        <p:nvSpPr>
-          <p:cNvPr id="10" name="Right Arrow 9"/>
-          <p:cNvSpPr/>
-          <p:nvPr/>
-        </p:nvSpPr>
-        <p:spPr>
-          <a:xfrm>
-            <a:off x="5661703" y="4744511"/>
-            <a:ext cx="1003239" cy="463588"/>
-          </a:xfrm>
-          <a:prstGeom prst="rightArrow">
-            <a:avLst/>
-          </a:prstGeom>
-          <a:noFill/>
-        </p:spPr>
-        <p:style>
-          <a:lnRef idx="2">
-            <a:schemeClr val="accent1">
-              <a:shade val="50000"/>
-            </a:schemeClr>
-          </a:lnRef>
-          <a:fillRef idx="1">
-            <a:schemeClr val="accent1"/>
-          </a:fillRef>
-          <a:effectRef idx="0">
-            <a:schemeClr val="accent1"/>
-          </a:effectRef>
-          <a:fontRef idx="minor">
-            <a:schemeClr val="lt1"/>
-          </a:fontRef>
-        </p:style>
-        <p:txBody>
-          <a:bodyPr rtlCol="0" anchor="ctr"/>
-          <a:lstStyle/>
-          <a:p>
-            <a:pPr algn="ctr"/>
-            <a:endParaRPr lang="en-US"/>
-          </a:p>
-        </p:txBody>
-      </p:sp>
-      <p:sp>
-        <p:nvSpPr>
-          <p:cNvPr id="11" name="TextBox 10"/>
-          <p:cNvSpPr txBox="1"/>
-          <p:nvPr/>
-        </p:nvSpPr>
-        <p:spPr>
-          <a:xfrm>
-            <a:off x="5011462" y="6095925"/>
-            <a:ext cx="2148280" cy="369332"/>
-          </a:xfrm>
-          <a:prstGeom prst="rect">
-            <a:avLst/>
-          </a:prstGeom>
-          <a:noFill/>
-        </p:spPr>
-        <p:txBody>
-          <a:bodyPr wrap="none" rtlCol="0">
-            <a:spAutoFit/>
-          </a:bodyPr>
-          <a:lstStyle/>
-          <a:p>
-            <a:r>
-              <a:rPr lang="en-US" b="1" dirty="0" smtClean="0">
-                <a:solidFill>
-                  <a:srgbClr val="0070C0"/>
-                </a:solidFill>
-              </a:rPr>
-              <a:t>Update Account Info</a:t>
-            </a:r>
-            <a:endParaRPr lang="en-US" b="1" dirty="0">
-              <a:solidFill>
-                <a:srgbClr val="0070C0"/>
-              </a:solidFill>
-            </a:endParaRPr>
-          </a:p>
-        </p:txBody>
-      </p:sp>
     </p:spTree>
     <p:extLst>
       <p:ext uri="{BB962C8B-B14F-4D97-AF65-F5344CB8AC3E}">
-        <p14:creationId xmlns:p14="http://schemas.microsoft.com/office/powerpoint/2010/main" val="1242839820"/>
+        <p14:creationId xmlns:p14="http://schemas.microsoft.com/office/powerpoint/2010/main" val="2182332806"/>
       </p:ext>
     </p:extLst>
   </p:cSld>
@@ -9063,7 +7932,7 @@
                 <a:latin typeface="Helvetica Neue Light" panose="02000403000000020004" pitchFamily="2" charset="0"/>
                 <a:ea typeface="Helvetica Neue Light" panose="02000403000000020004" pitchFamily="2" charset="0"/>
               </a:rPr>
-              <a:t>UI Design</a:t>
+              <a:t>Entity Relationship Diagram</a:t>
             </a:r>
           </a:p>
         </p:txBody>
@@ -9172,9 +8041,9 @@
       </p:sp>
       <p:pic>
         <p:nvPicPr>
-          <p:cNvPr id="12290" name="Picture 2" descr="userMenu"/>
+          <p:cNvPr id="3" name="Picture 2"/>
           <p:cNvPicPr>
-            <a:picLocks noChangeAspect="1" noChangeArrowheads="1"/>
+            <a:picLocks noChangeAspect="1"/>
           </p:cNvPicPr>
           <p:nvPr/>
         </p:nvPicPr>
@@ -9186,279 +8055,24 @@
               </a:ext>
             </a:extLst>
           </a:blip>
-          <a:srcRect/>
           <a:stretch>
             <a:fillRect/>
           </a:stretch>
         </p:blipFill>
-        <p:spPr bwMode="auto">
-          <a:xfrm>
-            <a:off x="2106383" y="1214455"/>
-            <a:ext cx="2863301" cy="1821414"/>
+        <p:spPr>
+          <a:xfrm>
+            <a:off x="2854453" y="1111359"/>
+            <a:ext cx="6483092" cy="5208051"/>
           </a:xfrm>
           <a:prstGeom prst="rect">
             <a:avLst/>
           </a:prstGeom>
-          <a:noFill/>
-          <a:ln>
-            <a:noFill/>
-          </a:ln>
-          <a:extLst>
-            <a:ext uri="{909E8E84-426E-40DD-AFC4-6F175D3DCCD1}">
-              <a14:hiddenFill xmlns:a14="http://schemas.microsoft.com/office/drawing/2010/main">
-                <a:solidFill>
-                  <a:srgbClr val="FFFFFF"/>
-                </a:solidFill>
-              </a14:hiddenFill>
-            </a:ext>
-            <a:ext uri="{91240B29-F687-4F45-9708-019B960494DF}">
-              <a14:hiddenLine xmlns:a14="http://schemas.microsoft.com/office/drawing/2010/main" w="9525">
-                <a:solidFill>
-                  <a:srgbClr val="000000"/>
-                </a:solidFill>
-                <a:miter lim="800000"/>
-                <a:headEnd/>
-                <a:tailEnd/>
-              </a14:hiddenLine>
-            </a:ext>
-          </a:extLst>
         </p:spPr>
       </p:pic>
-      <p:sp>
-        <p:nvSpPr>
-          <p:cNvPr id="10" name="Right Arrow 9"/>
-          <p:cNvSpPr/>
-          <p:nvPr/>
-        </p:nvSpPr>
-        <p:spPr>
-          <a:xfrm>
-            <a:off x="5375304" y="1893368"/>
-            <a:ext cx="1003239" cy="463588"/>
-          </a:xfrm>
-          <a:prstGeom prst="rightArrow">
-            <a:avLst/>
-          </a:prstGeom>
-          <a:noFill/>
-        </p:spPr>
-        <p:style>
-          <a:lnRef idx="2">
-            <a:schemeClr val="accent1">
-              <a:shade val="50000"/>
-            </a:schemeClr>
-          </a:lnRef>
-          <a:fillRef idx="1">
-            <a:schemeClr val="accent1"/>
-          </a:fillRef>
-          <a:effectRef idx="0">
-            <a:schemeClr val="accent1"/>
-          </a:effectRef>
-          <a:fontRef idx="minor">
-            <a:schemeClr val="lt1"/>
-          </a:fontRef>
-        </p:style>
-        <p:txBody>
-          <a:bodyPr rtlCol="0" anchor="ctr"/>
-          <a:lstStyle/>
-          <a:p>
-            <a:pPr algn="ctr"/>
-            <a:endParaRPr lang="en-US"/>
-          </a:p>
-        </p:txBody>
-      </p:sp>
-      <p:sp>
-        <p:nvSpPr>
-          <p:cNvPr id="11" name="TextBox 10"/>
-          <p:cNvSpPr txBox="1"/>
-          <p:nvPr/>
-        </p:nvSpPr>
-        <p:spPr>
-          <a:xfrm>
-            <a:off x="5300781" y="6035492"/>
-            <a:ext cx="1590435" cy="369332"/>
-          </a:xfrm>
-          <a:prstGeom prst="rect">
-            <a:avLst/>
-          </a:prstGeom>
-          <a:noFill/>
-        </p:spPr>
-        <p:txBody>
-          <a:bodyPr wrap="none" rtlCol="0">
-            <a:spAutoFit/>
-          </a:bodyPr>
-          <a:lstStyle/>
-          <a:p>
-            <a:r>
-              <a:rPr lang="en-US" b="1" dirty="0" smtClean="0">
-                <a:solidFill>
-                  <a:srgbClr val="0070C0"/>
-                </a:solidFill>
-              </a:rPr>
-              <a:t>Purchase Book</a:t>
-            </a:r>
-            <a:endParaRPr lang="en-US" b="1" dirty="0">
-              <a:solidFill>
-                <a:srgbClr val="0070C0"/>
-              </a:solidFill>
-            </a:endParaRPr>
-          </a:p>
-        </p:txBody>
-      </p:sp>
-      <p:pic>
-        <p:nvPicPr>
-          <p:cNvPr id="13314" name="Picture 2" descr="purchaseMenu"/>
-          <p:cNvPicPr>
-            <a:picLocks noChangeAspect="1" noChangeArrowheads="1"/>
-          </p:cNvPicPr>
-          <p:nvPr/>
-        </p:nvPicPr>
-        <p:blipFill>
-          <a:blip r:embed="rId4">
-            <a:extLst>
-              <a:ext uri="{28A0092B-C50C-407E-A947-70E740481C1C}">
-                <a14:useLocalDpi xmlns:a14="http://schemas.microsoft.com/office/drawing/2010/main" val="0"/>
-              </a:ext>
-            </a:extLst>
-          </a:blip>
-          <a:srcRect/>
-          <a:stretch>
-            <a:fillRect/>
-          </a:stretch>
-        </p:blipFill>
-        <p:spPr bwMode="auto">
-          <a:xfrm>
-            <a:off x="6784162" y="1214455"/>
-            <a:ext cx="3082851" cy="1822648"/>
-          </a:xfrm>
-          <a:prstGeom prst="rect">
-            <a:avLst/>
-          </a:prstGeom>
-          <a:noFill/>
-          <a:ln>
-            <a:noFill/>
-          </a:ln>
-          <a:extLst>
-            <a:ext uri="{909E8E84-426E-40DD-AFC4-6F175D3DCCD1}">
-              <a14:hiddenFill xmlns:a14="http://schemas.microsoft.com/office/drawing/2010/main">
-                <a:solidFill>
-                  <a:srgbClr val="FFFFFF"/>
-                </a:solidFill>
-              </a14:hiddenFill>
-            </a:ext>
-            <a:ext uri="{91240B29-F687-4F45-9708-019B960494DF}">
-              <a14:hiddenLine xmlns:a14="http://schemas.microsoft.com/office/drawing/2010/main" w="9525">
-                <a:solidFill>
-                  <a:srgbClr val="000000"/>
-                </a:solidFill>
-                <a:miter lim="800000"/>
-                <a:headEnd/>
-                <a:tailEnd/>
-              </a14:hiddenLine>
-            </a:ext>
-          </a:extLst>
-        </p:spPr>
-      </p:pic>
-      <p:pic>
-        <p:nvPicPr>
-          <p:cNvPr id="13315" name="Picture 3" descr="createOrder"/>
-          <p:cNvPicPr>
-            <a:picLocks noChangeAspect="1" noChangeArrowheads="1"/>
-          </p:cNvPicPr>
-          <p:nvPr/>
-        </p:nvPicPr>
-        <p:blipFill>
-          <a:blip r:embed="rId5">
-            <a:extLst>
-              <a:ext uri="{28A0092B-C50C-407E-A947-70E740481C1C}">
-                <a14:useLocalDpi xmlns:a14="http://schemas.microsoft.com/office/drawing/2010/main" val="0"/>
-              </a:ext>
-            </a:extLst>
-          </a:blip>
-          <a:srcRect/>
-          <a:stretch>
-            <a:fillRect/>
-          </a:stretch>
-        </p:blipFill>
-        <p:spPr bwMode="auto">
-          <a:xfrm>
-            <a:off x="2629417" y="3799869"/>
-            <a:ext cx="6714961" cy="2066998"/>
-          </a:xfrm>
-          <a:prstGeom prst="rect">
-            <a:avLst/>
-          </a:prstGeom>
-          <a:noFill/>
-          <a:ln>
-            <a:noFill/>
-          </a:ln>
-          <a:extLst>
-            <a:ext uri="{909E8E84-426E-40DD-AFC4-6F175D3DCCD1}">
-              <a14:hiddenFill xmlns:a14="http://schemas.microsoft.com/office/drawing/2010/main">
-                <a:solidFill>
-                  <a:srgbClr val="FFFFFF"/>
-                </a:solidFill>
-              </a14:hiddenFill>
-            </a:ext>
-            <a:ext uri="{91240B29-F687-4F45-9708-019B960494DF}">
-              <a14:hiddenLine xmlns:a14="http://schemas.microsoft.com/office/drawing/2010/main" w="9525">
-                <a:solidFill>
-                  <a:srgbClr val="000000"/>
-                </a:solidFill>
-                <a:miter lim="800000"/>
-                <a:headEnd/>
-                <a:tailEnd/>
-              </a14:hiddenLine>
-            </a:ext>
-          </a:extLst>
-        </p:spPr>
-      </p:pic>
-      <p:sp>
-        <p:nvSpPr>
-          <p:cNvPr id="14" name="Right Arrow 13"/>
-          <p:cNvSpPr/>
-          <p:nvPr/>
-        </p:nvSpPr>
-        <p:spPr>
-          <a:xfrm rot="5400000">
-            <a:off x="7936801" y="3288394"/>
-            <a:ext cx="514543" cy="263028"/>
-          </a:xfrm>
-          <a:prstGeom prst="rightArrow">
-            <a:avLst>
-              <a:gd name="adj1" fmla="val 50000"/>
-              <a:gd name="adj2" fmla="val 82340"/>
-            </a:avLst>
-          </a:prstGeom>
-          <a:noFill/>
-        </p:spPr>
-        <p:style>
-          <a:lnRef idx="2">
-            <a:schemeClr val="accent1">
-              <a:shade val="50000"/>
-            </a:schemeClr>
-          </a:lnRef>
-          <a:fillRef idx="1">
-            <a:schemeClr val="accent1"/>
-          </a:fillRef>
-          <a:effectRef idx="0">
-            <a:schemeClr val="accent1"/>
-          </a:effectRef>
-          <a:fontRef idx="minor">
-            <a:schemeClr val="lt1"/>
-          </a:fontRef>
-        </p:style>
-        <p:txBody>
-          <a:bodyPr rtlCol="0" anchor="ctr"/>
-          <a:lstStyle/>
-          <a:p>
-            <a:pPr algn="ctr"/>
-            <a:endParaRPr lang="en-US"/>
-          </a:p>
-        </p:txBody>
-      </p:sp>
     </p:spTree>
     <p:extLst>
       <p:ext uri="{BB962C8B-B14F-4D97-AF65-F5344CB8AC3E}">
-        <p14:creationId xmlns:p14="http://schemas.microsoft.com/office/powerpoint/2010/main" val="2128393421"/>
+        <p14:creationId xmlns:p14="http://schemas.microsoft.com/office/powerpoint/2010/main" val="2667165334"/>
       </p:ext>
     </p:extLst>
   </p:cSld>
@@ -9543,7 +8157,7 @@
                 <a:latin typeface="Helvetica Neue Light" panose="02000403000000020004" pitchFamily="2" charset="0"/>
                 <a:ea typeface="Helvetica Neue Light" panose="02000403000000020004" pitchFamily="2" charset="0"/>
               </a:rPr>
-              <a:t>Class Diagram</a:t>
+              <a:t>UI Design</a:t>
             </a:r>
           </a:p>
         </p:txBody>
@@ -9652,7 +8266,7 @@
       </p:sp>
       <p:pic>
         <p:nvPicPr>
-          <p:cNvPr id="14338" name="Picture 2" descr="classDiagram"/>
+          <p:cNvPr id="8194" name="Picture 2" descr="MainMenu"/>
           <p:cNvPicPr>
             <a:picLocks noChangeAspect="1" noChangeArrowheads="1"/>
           </p:cNvPicPr>
@@ -9673,8 +8287,8 @@
         </p:blipFill>
         <p:spPr bwMode="auto">
           <a:xfrm>
-            <a:off x="2828869" y="1278316"/>
-            <a:ext cx="6534260" cy="4874138"/>
+            <a:off x="4010574" y="1279411"/>
+            <a:ext cx="4170849" cy="2212698"/>
           </a:xfrm>
           <a:prstGeom prst="rect">
             <a:avLst/>
@@ -9704,10 +8318,232 @@
           </a:extLst>
         </p:spPr>
       </p:pic>
+      <p:sp>
+        <p:nvSpPr>
+          <p:cNvPr id="7" name="TextBox 6"/>
+          <p:cNvSpPr txBox="1"/>
+          <p:nvPr/>
+        </p:nvSpPr>
+        <p:spPr>
+          <a:xfrm>
+            <a:off x="5447423" y="3530719"/>
+            <a:ext cx="1297150" cy="369332"/>
+          </a:xfrm>
+          <a:prstGeom prst="rect">
+            <a:avLst/>
+          </a:prstGeom>
+          <a:noFill/>
+        </p:spPr>
+        <p:txBody>
+          <a:bodyPr wrap="none" rtlCol="0">
+            <a:spAutoFit/>
+          </a:bodyPr>
+          <a:lstStyle/>
+          <a:p>
+            <a:r>
+              <a:rPr lang="en-US" b="1" dirty="0" smtClean="0">
+                <a:solidFill>
+                  <a:srgbClr val="0070C0"/>
+                </a:solidFill>
+              </a:rPr>
+              <a:t>Main Menu</a:t>
+            </a:r>
+            <a:endParaRPr lang="en-US" b="1" dirty="0">
+              <a:solidFill>
+                <a:srgbClr val="0070C0"/>
+              </a:solidFill>
+            </a:endParaRPr>
+          </a:p>
+        </p:txBody>
+      </p:sp>
+      <p:pic>
+        <p:nvPicPr>
+          <p:cNvPr id="8195" name="Picture 3" descr="SignIn"/>
+          <p:cNvPicPr>
+            <a:picLocks noChangeAspect="1" noChangeArrowheads="1"/>
+          </p:cNvPicPr>
+          <p:nvPr/>
+        </p:nvPicPr>
+        <p:blipFill>
+          <a:blip r:embed="rId4">
+            <a:extLst>
+              <a:ext uri="{28A0092B-C50C-407E-A947-70E740481C1C}">
+                <a14:useLocalDpi xmlns:a14="http://schemas.microsoft.com/office/drawing/2010/main" val="0"/>
+              </a:ext>
+            </a:extLst>
+          </a:blip>
+          <a:srcRect/>
+          <a:stretch>
+            <a:fillRect/>
+          </a:stretch>
+        </p:blipFill>
+        <p:spPr bwMode="auto">
+          <a:xfrm>
+            <a:off x="7001450" y="4265263"/>
+            <a:ext cx="2929582" cy="1468526"/>
+          </a:xfrm>
+          <a:prstGeom prst="rect">
+            <a:avLst/>
+          </a:prstGeom>
+          <a:noFill/>
+          <a:ln>
+            <a:noFill/>
+          </a:ln>
+          <a:extLst>
+            <a:ext uri="{909E8E84-426E-40DD-AFC4-6F175D3DCCD1}">
+              <a14:hiddenFill xmlns:a14="http://schemas.microsoft.com/office/drawing/2010/main">
+                <a:solidFill>
+                  <a:srgbClr val="FFFFFF"/>
+                </a:solidFill>
+              </a14:hiddenFill>
+            </a:ext>
+            <a:ext uri="{91240B29-F687-4F45-9708-019B960494DF}">
+              <a14:hiddenLine xmlns:a14="http://schemas.microsoft.com/office/drawing/2010/main" w="9525">
+                <a:solidFill>
+                  <a:srgbClr val="000000"/>
+                </a:solidFill>
+                <a:miter lim="800000"/>
+                <a:headEnd/>
+                <a:tailEnd/>
+              </a14:hiddenLine>
+            </a:ext>
+          </a:extLst>
+        </p:spPr>
+      </p:pic>
+      <p:pic>
+        <p:nvPicPr>
+          <p:cNvPr id="8196" name="Picture 4" descr="Log In"/>
+          <p:cNvPicPr>
+            <a:picLocks noChangeAspect="1" noChangeArrowheads="1"/>
+          </p:cNvPicPr>
+          <p:nvPr/>
+        </p:nvPicPr>
+        <p:blipFill>
+          <a:blip r:embed="rId5">
+            <a:extLst>
+              <a:ext uri="{28A0092B-C50C-407E-A947-70E740481C1C}">
+                <a14:useLocalDpi xmlns:a14="http://schemas.microsoft.com/office/drawing/2010/main" val="0"/>
+              </a:ext>
+            </a:extLst>
+          </a:blip>
+          <a:srcRect/>
+          <a:stretch>
+            <a:fillRect/>
+          </a:stretch>
+        </p:blipFill>
+        <p:spPr bwMode="auto">
+          <a:xfrm>
+            <a:off x="1864385" y="4408041"/>
+            <a:ext cx="3335632" cy="1325748"/>
+          </a:xfrm>
+          <a:prstGeom prst="rect">
+            <a:avLst/>
+          </a:prstGeom>
+          <a:noFill/>
+          <a:ln>
+            <a:noFill/>
+          </a:ln>
+          <a:extLst>
+            <a:ext uri="{909E8E84-426E-40DD-AFC4-6F175D3DCCD1}">
+              <a14:hiddenFill xmlns:a14="http://schemas.microsoft.com/office/drawing/2010/main">
+                <a:solidFill>
+                  <a:srgbClr val="FFFFFF"/>
+                </a:solidFill>
+              </a14:hiddenFill>
+            </a:ext>
+            <a:ext uri="{91240B29-F687-4F45-9708-019B960494DF}">
+              <a14:hiddenLine xmlns:a14="http://schemas.microsoft.com/office/drawing/2010/main" w="9525">
+                <a:solidFill>
+                  <a:srgbClr val="000000"/>
+                </a:solidFill>
+                <a:miter lim="800000"/>
+                <a:headEnd/>
+                <a:tailEnd/>
+              </a14:hiddenLine>
+            </a:ext>
+          </a:extLst>
+        </p:spPr>
+      </p:pic>
+      <p:sp>
+        <p:nvSpPr>
+          <p:cNvPr id="11" name="TextBox 10"/>
+          <p:cNvSpPr txBox="1"/>
+          <p:nvPr/>
+        </p:nvSpPr>
+        <p:spPr>
+          <a:xfrm>
+            <a:off x="2745403" y="5767133"/>
+            <a:ext cx="1408462" cy="369332"/>
+          </a:xfrm>
+          <a:prstGeom prst="rect">
+            <a:avLst/>
+          </a:prstGeom>
+          <a:noFill/>
+        </p:spPr>
+        <p:txBody>
+          <a:bodyPr wrap="none" rtlCol="0">
+            <a:spAutoFit/>
+          </a:bodyPr>
+          <a:lstStyle/>
+          <a:p>
+            <a:r>
+              <a:rPr lang="en-US" b="1" dirty="0" smtClean="0">
+                <a:solidFill>
+                  <a:srgbClr val="0070C0"/>
+                </a:solidFill>
+              </a:rPr>
+              <a:t>Login Option</a:t>
+            </a:r>
+            <a:endParaRPr lang="en-US" b="1" dirty="0">
+              <a:solidFill>
+                <a:srgbClr val="0070C0"/>
+              </a:solidFill>
+            </a:endParaRPr>
+          </a:p>
+        </p:txBody>
+      </p:sp>
+      <p:sp>
+        <p:nvSpPr>
+          <p:cNvPr id="12" name="TextBox 11"/>
+          <p:cNvSpPr txBox="1"/>
+          <p:nvPr/>
+        </p:nvSpPr>
+        <p:spPr>
+          <a:xfrm>
+            <a:off x="7699493" y="5767133"/>
+            <a:ext cx="1533497" cy="369332"/>
+          </a:xfrm>
+          <a:prstGeom prst="rect">
+            <a:avLst/>
+          </a:prstGeom>
+          <a:noFill/>
+        </p:spPr>
+        <p:txBody>
+          <a:bodyPr wrap="none" rtlCol="0">
+            <a:spAutoFit/>
+          </a:bodyPr>
+          <a:lstStyle/>
+          <a:p>
+            <a:r>
+              <a:rPr lang="en-US" b="1" dirty="0" smtClean="0">
+                <a:solidFill>
+                  <a:srgbClr val="0070C0"/>
+                </a:solidFill>
+              </a:rPr>
+              <a:t>Sign In Option</a:t>
+            </a:r>
+            <a:endParaRPr lang="en-US" b="1" dirty="0">
+              <a:solidFill>
+                <a:srgbClr val="0070C0"/>
+              </a:solidFill>
+            </a:endParaRPr>
+          </a:p>
+        </p:txBody>
+      </p:sp>
     </p:spTree>
     <p:extLst>
       <p:ext uri="{BB962C8B-B14F-4D97-AF65-F5344CB8AC3E}">
-        <p14:creationId xmlns:p14="http://schemas.microsoft.com/office/powerpoint/2010/main" val="2037354468"/>
+        <p14:creationId xmlns:p14="http://schemas.microsoft.com/office/powerpoint/2010/main" val="1512216451"/>
       </p:ext>
     </p:extLst>
   </p:cSld>
@@ -9792,7 +8628,7 @@
                 <a:latin typeface="Helvetica Neue Light" panose="02000403000000020004" pitchFamily="2" charset="0"/>
                 <a:ea typeface="Helvetica Neue Light" panose="02000403000000020004" pitchFamily="2" charset="0"/>
               </a:rPr>
-              <a:t>Sequence Diagram</a:t>
+              <a:t>UI Design</a:t>
             </a:r>
           </a:p>
         </p:txBody>
@@ -9899,9 +8735,47 @@
           </a:p>
         </p:txBody>
       </p:sp>
+      <p:sp>
+        <p:nvSpPr>
+          <p:cNvPr id="7" name="TextBox 6"/>
+          <p:cNvSpPr txBox="1"/>
+          <p:nvPr/>
+        </p:nvSpPr>
+        <p:spPr>
+          <a:xfrm>
+            <a:off x="5369701" y="3637045"/>
+            <a:ext cx="1431802" cy="369332"/>
+          </a:xfrm>
+          <a:prstGeom prst="rect">
+            <a:avLst/>
+          </a:prstGeom>
+          <a:noFill/>
+        </p:spPr>
+        <p:txBody>
+          <a:bodyPr wrap="none" rtlCol="0">
+            <a:spAutoFit/>
+          </a:bodyPr>
+          <a:lstStyle/>
+          <a:p>
+            <a:r>
+              <a:rPr lang="en-US" b="1" dirty="0" smtClean="0">
+                <a:solidFill>
+                  <a:srgbClr val="0070C0"/>
+                </a:solidFill>
+              </a:rPr>
+              <a:t>Admin Menu</a:t>
+            </a:r>
+            <a:endParaRPr lang="en-US" b="1" dirty="0">
+              <a:solidFill>
+                <a:srgbClr val="0070C0"/>
+              </a:solidFill>
+            </a:endParaRPr>
+          </a:p>
+        </p:txBody>
+      </p:sp>
       <p:pic>
         <p:nvPicPr>
-          <p:cNvPr id="15362" name="Picture 2" descr="SQ_Login"/>
+          <p:cNvPr id="9218" name="Picture 2" descr="adminMenu"/>
           <p:cNvPicPr>
             <a:picLocks noChangeAspect="1" noChangeArrowheads="1"/>
           </p:cNvPicPr>
@@ -9922,8 +8796,8 @@
         </p:blipFill>
         <p:spPr bwMode="auto">
           <a:xfrm>
-            <a:off x="6457138" y="1309447"/>
-            <a:ext cx="4317978" cy="5001637"/>
+            <a:off x="4029835" y="1138058"/>
+            <a:ext cx="4132325" cy="2392661"/>
           </a:xfrm>
           <a:prstGeom prst="rect">
             <a:avLst/>
@@ -9955,7 +8829,7 @@
       </p:pic>
       <p:pic>
         <p:nvPicPr>
-          <p:cNvPr id="15363" name="Picture 3" descr="SQ_SignIn"/>
+          <p:cNvPr id="9219" name="Picture 3" descr="managebook"/>
           <p:cNvPicPr>
             <a:picLocks noChangeAspect="1" noChangeArrowheads="1"/>
           </p:cNvPicPr>
@@ -9976,8 +8850,8 @@
         </p:blipFill>
         <p:spPr bwMode="auto">
           <a:xfrm>
-            <a:off x="1376364" y="1285030"/>
-            <a:ext cx="4312056" cy="5026054"/>
+            <a:off x="1727555" y="4175940"/>
+            <a:ext cx="2384730" cy="1794758"/>
           </a:xfrm>
           <a:prstGeom prst="rect">
             <a:avLst/>
@@ -10007,10 +8881,143 @@
           </a:extLst>
         </p:spPr>
       </p:pic>
+      <p:pic>
+        <p:nvPicPr>
+          <p:cNvPr id="9220" name="Picture 4" descr="addbook"/>
+          <p:cNvPicPr>
+            <a:picLocks noChangeAspect="1" noChangeArrowheads="1"/>
+          </p:cNvPicPr>
+          <p:nvPr/>
+        </p:nvPicPr>
+        <p:blipFill>
+          <a:blip r:embed="rId5">
+            <a:extLst>
+              <a:ext uri="{28A0092B-C50C-407E-A947-70E740481C1C}">
+                <a14:useLocalDpi xmlns:a14="http://schemas.microsoft.com/office/drawing/2010/main" val="0"/>
+              </a:ext>
+            </a:extLst>
+          </a:blip>
+          <a:srcRect/>
+          <a:stretch>
+            <a:fillRect/>
+          </a:stretch>
+        </p:blipFill>
+        <p:spPr bwMode="auto">
+          <a:xfrm>
+            <a:off x="5965268" y="4175940"/>
+            <a:ext cx="4689374" cy="1838401"/>
+          </a:xfrm>
+          <a:prstGeom prst="rect">
+            <a:avLst/>
+          </a:prstGeom>
+          <a:noFill/>
+          <a:ln>
+            <a:noFill/>
+          </a:ln>
+          <a:extLst>
+            <a:ext uri="{909E8E84-426E-40DD-AFC4-6F175D3DCCD1}">
+              <a14:hiddenFill xmlns:a14="http://schemas.microsoft.com/office/drawing/2010/main">
+                <a:solidFill>
+                  <a:srgbClr val="FFFFFF"/>
+                </a:solidFill>
+              </a14:hiddenFill>
+            </a:ext>
+            <a:ext uri="{91240B29-F687-4F45-9708-019B960494DF}">
+              <a14:hiddenLine xmlns:a14="http://schemas.microsoft.com/office/drawing/2010/main" w="9525">
+                <a:solidFill>
+                  <a:srgbClr val="000000"/>
+                </a:solidFill>
+                <a:miter lim="800000"/>
+                <a:headEnd/>
+                <a:tailEnd/>
+              </a14:hiddenLine>
+            </a:ext>
+          </a:extLst>
+        </p:spPr>
+      </p:pic>
+      <p:sp>
+        <p:nvSpPr>
+          <p:cNvPr id="3" name="Right Arrow 2"/>
+          <p:cNvSpPr/>
+          <p:nvPr/>
+        </p:nvSpPr>
+        <p:spPr>
+          <a:xfrm>
+            <a:off x="4537157" y="4809382"/>
+            <a:ext cx="1003239" cy="463588"/>
+          </a:xfrm>
+          <a:prstGeom prst="rightArrow">
+            <a:avLst/>
+          </a:prstGeom>
+          <a:noFill/>
+        </p:spPr>
+        <p:style>
+          <a:lnRef idx="2">
+            <a:schemeClr val="accent1">
+              <a:shade val="50000"/>
+            </a:schemeClr>
+          </a:lnRef>
+          <a:fillRef idx="1">
+            <a:schemeClr val="accent1"/>
+          </a:fillRef>
+          <a:effectRef idx="0">
+            <a:schemeClr val="accent1"/>
+          </a:effectRef>
+          <a:fontRef idx="minor">
+            <a:schemeClr val="lt1"/>
+          </a:fontRef>
+        </p:style>
+        <p:txBody>
+          <a:bodyPr rtlCol="0" anchor="ctr"/>
+          <a:lstStyle/>
+          <a:p>
+            <a:pPr algn="ctr"/>
+            <a:endParaRPr lang="en-US"/>
+          </a:p>
+        </p:txBody>
+      </p:sp>
+      <p:sp>
+        <p:nvSpPr>
+          <p:cNvPr id="16" name="TextBox 15"/>
+          <p:cNvSpPr txBox="1"/>
+          <p:nvPr/>
+        </p:nvSpPr>
+        <p:spPr>
+          <a:xfrm>
+            <a:off x="5540396" y="6075976"/>
+            <a:ext cx="1111202" cy="369332"/>
+          </a:xfrm>
+          <a:prstGeom prst="rect">
+            <a:avLst/>
+          </a:prstGeom>
+          <a:noFill/>
+        </p:spPr>
+        <p:txBody>
+          <a:bodyPr wrap="none" rtlCol="0">
+            <a:spAutoFit/>
+          </a:bodyPr>
+          <a:lstStyle/>
+          <a:p>
+            <a:r>
+              <a:rPr lang="en-US" b="1" dirty="0" smtClean="0">
+                <a:solidFill>
+                  <a:srgbClr val="0070C0"/>
+                </a:solidFill>
+              </a:rPr>
+              <a:t>Add Book</a:t>
+            </a:r>
+            <a:endParaRPr lang="en-US" b="1" dirty="0">
+              <a:solidFill>
+                <a:srgbClr val="0070C0"/>
+              </a:solidFill>
+            </a:endParaRPr>
+          </a:p>
+        </p:txBody>
+      </p:sp>
     </p:spTree>
     <p:extLst>
       <p:ext uri="{BB962C8B-B14F-4D97-AF65-F5344CB8AC3E}">
-        <p14:creationId xmlns:p14="http://schemas.microsoft.com/office/powerpoint/2010/main" val="1824775772"/>
+        <p14:creationId xmlns:p14="http://schemas.microsoft.com/office/powerpoint/2010/main" val="2211274466"/>
       </p:ext>
     </p:extLst>
   </p:cSld>
@@ -10095,7 +9102,7 @@
                 <a:latin typeface="Helvetica Neue Light" panose="02000403000000020004" pitchFamily="2" charset="0"/>
                 <a:ea typeface="Helvetica Neue Light" panose="02000403000000020004" pitchFamily="2" charset="0"/>
               </a:rPr>
-              <a:t>Sequence Diagram</a:t>
+              <a:t>UI Design</a:t>
             </a:r>
           </a:p>
         </p:txBody>
@@ -10204,7 +9211,7 @@
       </p:sp>
       <p:pic>
         <p:nvPicPr>
-          <p:cNvPr id="16387" name="Picture 3" descr="SQ_DeactivateUser"/>
+          <p:cNvPr id="9219" name="Picture 3" descr="managebook"/>
           <p:cNvPicPr>
             <a:picLocks noChangeAspect="1" noChangeArrowheads="1"/>
           </p:cNvPicPr>
@@ -10225,8 +9232,8 @@
         </p:blipFill>
         <p:spPr bwMode="auto">
           <a:xfrm>
-            <a:off x="875045" y="1486095"/>
-            <a:ext cx="4869218" cy="4450609"/>
+            <a:off x="1040772" y="1472537"/>
+            <a:ext cx="2098057" cy="1579007"/>
           </a:xfrm>
           <a:prstGeom prst="rect">
             <a:avLst/>
@@ -10256,9 +9263,50 @@
           </a:extLst>
         </p:spPr>
       </p:pic>
+      <p:sp>
+        <p:nvSpPr>
+          <p:cNvPr id="3" name="Right Arrow 2"/>
+          <p:cNvSpPr/>
+          <p:nvPr/>
+        </p:nvSpPr>
+        <p:spPr>
+          <a:xfrm>
+            <a:off x="7855219" y="4727707"/>
+            <a:ext cx="597665" cy="262744"/>
+          </a:xfrm>
+          <a:prstGeom prst="rightArrow">
+            <a:avLst/>
+          </a:prstGeom>
+          <a:noFill/>
+        </p:spPr>
+        <p:style>
+          <a:lnRef idx="2">
+            <a:schemeClr val="accent1">
+              <a:shade val="50000"/>
+            </a:schemeClr>
+          </a:lnRef>
+          <a:fillRef idx="1">
+            <a:schemeClr val="accent1"/>
+          </a:fillRef>
+          <a:effectRef idx="0">
+            <a:schemeClr val="accent1"/>
+          </a:effectRef>
+          <a:fontRef idx="minor">
+            <a:schemeClr val="lt1"/>
+          </a:fontRef>
+        </p:style>
+        <p:txBody>
+          <a:bodyPr rtlCol="0" anchor="ctr"/>
+          <a:lstStyle/>
+          <a:p>
+            <a:pPr algn="ctr"/>
+            <a:endParaRPr lang="en-US"/>
+          </a:p>
+        </p:txBody>
+      </p:sp>
       <p:pic>
         <p:nvPicPr>
-          <p:cNvPr id="16388" name="Picture 4" descr="SQ_UpdateAccInfo"/>
+          <p:cNvPr id="10242" name="Picture 2" descr="BookSearch"/>
           <p:cNvPicPr>
             <a:picLocks noChangeAspect="1" noChangeArrowheads="1"/>
           </p:cNvPicPr>
@@ -10279,8 +9327,8 @@
         </p:blipFill>
         <p:spPr bwMode="auto">
           <a:xfrm>
-            <a:off x="6489036" y="1486096"/>
-            <a:ext cx="4412947" cy="4450609"/>
+            <a:off x="1040772" y="3994590"/>
+            <a:ext cx="6443804" cy="1667078"/>
           </a:xfrm>
           <a:prstGeom prst="rect">
             <a:avLst/>
@@ -10310,10 +9358,201 @@
           </a:extLst>
         </p:spPr>
       </p:pic>
+      <p:pic>
+        <p:nvPicPr>
+          <p:cNvPr id="10243" name="Picture 3" descr="updatebookInfo"/>
+          <p:cNvPicPr>
+            <a:picLocks noChangeAspect="1" noChangeArrowheads="1"/>
+          </p:cNvPicPr>
+          <p:nvPr/>
+        </p:nvPicPr>
+        <p:blipFill>
+          <a:blip r:embed="rId5">
+            <a:extLst>
+              <a:ext uri="{28A0092B-C50C-407E-A947-70E740481C1C}">
+                <a14:useLocalDpi xmlns:a14="http://schemas.microsoft.com/office/drawing/2010/main" val="0"/>
+              </a:ext>
+            </a:extLst>
+          </a:blip>
+          <a:srcRect/>
+          <a:stretch>
+            <a:fillRect/>
+          </a:stretch>
+        </p:blipFill>
+        <p:spPr bwMode="auto">
+          <a:xfrm>
+            <a:off x="8858458" y="1472537"/>
+            <a:ext cx="2700355" cy="4001330"/>
+          </a:xfrm>
+          <a:prstGeom prst="rect">
+            <a:avLst/>
+          </a:prstGeom>
+          <a:noFill/>
+          <a:extLst>
+            <a:ext uri="{909E8E84-426E-40DD-AFC4-6F175D3DCCD1}">
+              <a14:hiddenFill xmlns:a14="http://schemas.microsoft.com/office/drawing/2010/main">
+                <a:solidFill>
+                  <a:srgbClr val="FFFFFF"/>
+                </a:solidFill>
+              </a14:hiddenFill>
+            </a:ext>
+          </a:extLst>
+        </p:spPr>
+      </p:pic>
+      <p:sp>
+        <p:nvSpPr>
+          <p:cNvPr id="13" name="Right Arrow 12"/>
+          <p:cNvSpPr/>
+          <p:nvPr/>
+        </p:nvSpPr>
+        <p:spPr>
+          <a:xfrm rot="5400000">
+            <a:off x="1790967" y="3417740"/>
+            <a:ext cx="597665" cy="262744"/>
+          </a:xfrm>
+          <a:prstGeom prst="rightArrow">
+            <a:avLst/>
+          </a:prstGeom>
+          <a:noFill/>
+        </p:spPr>
+        <p:style>
+          <a:lnRef idx="2">
+            <a:schemeClr val="accent1">
+              <a:shade val="50000"/>
+            </a:schemeClr>
+          </a:lnRef>
+          <a:fillRef idx="1">
+            <a:schemeClr val="accent1"/>
+          </a:fillRef>
+          <a:effectRef idx="0">
+            <a:schemeClr val="accent1"/>
+          </a:effectRef>
+          <a:fontRef idx="minor">
+            <a:schemeClr val="lt1"/>
+          </a:fontRef>
+        </p:style>
+        <p:txBody>
+          <a:bodyPr rtlCol="0" anchor="ctr"/>
+          <a:lstStyle/>
+          <a:p>
+            <a:pPr algn="ctr"/>
+            <a:endParaRPr lang="en-US"/>
+          </a:p>
+        </p:txBody>
+      </p:sp>
+      <p:pic>
+        <p:nvPicPr>
+          <p:cNvPr id="10" name="Picture 9"/>
+          <p:cNvPicPr>
+            <a:picLocks noChangeAspect="1"/>
+          </p:cNvPicPr>
+          <p:nvPr/>
+        </p:nvPicPr>
+        <p:blipFill>
+          <a:blip r:embed="rId6">
+            <a:extLst>
+              <a:ext uri="{28A0092B-C50C-407E-A947-70E740481C1C}">
+                <a14:useLocalDpi xmlns:a14="http://schemas.microsoft.com/office/drawing/2010/main" val="0"/>
+              </a:ext>
+            </a:extLst>
+          </a:blip>
+          <a:stretch>
+            <a:fillRect/>
+          </a:stretch>
+        </p:blipFill>
+        <p:spPr>
+          <a:xfrm>
+            <a:off x="5136234" y="1472537"/>
+            <a:ext cx="2348342" cy="2076575"/>
+          </a:xfrm>
+          <a:prstGeom prst="rect">
+            <a:avLst/>
+          </a:prstGeom>
+        </p:spPr>
+      </p:pic>
+      <p:sp>
+        <p:nvSpPr>
+          <p:cNvPr id="17" name="Right Arrow 16"/>
+          <p:cNvSpPr/>
+          <p:nvPr/>
+        </p:nvSpPr>
+        <p:spPr>
+          <a:xfrm rot="10800000">
+            <a:off x="7822618" y="2329361"/>
+            <a:ext cx="597665" cy="262744"/>
+          </a:xfrm>
+          <a:prstGeom prst="rightArrow">
+            <a:avLst/>
+          </a:prstGeom>
+          <a:noFill/>
+        </p:spPr>
+        <p:style>
+          <a:lnRef idx="2">
+            <a:schemeClr val="accent1">
+              <a:shade val="50000"/>
+            </a:schemeClr>
+          </a:lnRef>
+          <a:fillRef idx="1">
+            <a:schemeClr val="accent1"/>
+          </a:fillRef>
+          <a:effectRef idx="0">
+            <a:schemeClr val="accent1"/>
+          </a:effectRef>
+          <a:fontRef idx="minor">
+            <a:schemeClr val="lt1"/>
+          </a:fontRef>
+        </p:style>
+        <p:txBody>
+          <a:bodyPr rtlCol="0" anchor="ctr"/>
+          <a:lstStyle/>
+          <a:p>
+            <a:pPr algn="ctr"/>
+            <a:endParaRPr lang="en-US"/>
+          </a:p>
+        </p:txBody>
+      </p:sp>
+      <p:sp>
+        <p:nvSpPr>
+          <p:cNvPr id="18" name="TextBox 17"/>
+          <p:cNvSpPr txBox="1"/>
+          <p:nvPr/>
+        </p:nvSpPr>
+        <p:spPr>
+          <a:xfrm>
+            <a:off x="5167700" y="5922480"/>
+            <a:ext cx="1856598" cy="369332"/>
+          </a:xfrm>
+          <a:prstGeom prst="rect">
+            <a:avLst/>
+          </a:prstGeom>
+          <a:noFill/>
+        </p:spPr>
+        <p:txBody>
+          <a:bodyPr wrap="none" rtlCol="0">
+            <a:spAutoFit/>
+          </a:bodyPr>
+          <a:lstStyle/>
+          <a:p>
+            <a:r>
+              <a:rPr lang="en-US" b="1" dirty="0" smtClean="0">
+                <a:solidFill>
+                  <a:srgbClr val="0070C0"/>
+                </a:solidFill>
+              </a:rPr>
+              <a:t>Update Book Info</a:t>
+            </a:r>
+            <a:endParaRPr lang="en-US" b="1" dirty="0">
+              <a:solidFill>
+                <a:srgbClr val="0070C0"/>
+              </a:solidFill>
+            </a:endParaRPr>
+          </a:p>
+        </p:txBody>
+      </p:sp>
     </p:spTree>
     <p:extLst>
       <p:ext uri="{BB962C8B-B14F-4D97-AF65-F5344CB8AC3E}">
-        <p14:creationId xmlns:p14="http://schemas.microsoft.com/office/powerpoint/2010/main" val="3822979501"/>
+        <p14:creationId xmlns:p14="http://schemas.microsoft.com/office/powerpoint/2010/main" val="2695939307"/>
       </p:ext>
     </p:extLst>
   </p:cSld>
@@ -10398,7 +9637,7 @@
                 <a:latin typeface="Helvetica Neue Light" panose="02000403000000020004" pitchFamily="2" charset="0"/>
                 <a:ea typeface="Helvetica Neue Light" panose="02000403000000020004" pitchFamily="2" charset="0"/>
               </a:rPr>
-              <a:t>Sequence Diagram</a:t>
+              <a:t>UI Design</a:t>
             </a:r>
           </a:p>
         </p:txBody>
@@ -10505,9 +9744,47 @@
           </a:p>
         </p:txBody>
       </p:sp>
+      <p:sp>
+        <p:nvSpPr>
+          <p:cNvPr id="7" name="TextBox 6"/>
+          <p:cNvSpPr txBox="1"/>
+          <p:nvPr/>
+        </p:nvSpPr>
+        <p:spPr>
+          <a:xfrm>
+            <a:off x="5447423" y="3530719"/>
+            <a:ext cx="1431802" cy="369332"/>
+          </a:xfrm>
+          <a:prstGeom prst="rect">
+            <a:avLst/>
+          </a:prstGeom>
+          <a:noFill/>
+        </p:spPr>
+        <p:txBody>
+          <a:bodyPr wrap="none" rtlCol="0">
+            <a:spAutoFit/>
+          </a:bodyPr>
+          <a:lstStyle/>
+          <a:p>
+            <a:r>
+              <a:rPr lang="en-US" b="1" dirty="0" smtClean="0">
+                <a:solidFill>
+                  <a:srgbClr val="0070C0"/>
+                </a:solidFill>
+              </a:rPr>
+              <a:t>Admin Menu</a:t>
+            </a:r>
+            <a:endParaRPr lang="en-US" b="1" dirty="0">
+              <a:solidFill>
+                <a:srgbClr val="0070C0"/>
+              </a:solidFill>
+            </a:endParaRPr>
+          </a:p>
+        </p:txBody>
+      </p:sp>
       <p:pic>
         <p:nvPicPr>
-          <p:cNvPr id="7" name="Picture 2" descr="SQ_AddBook"/>
+          <p:cNvPr id="8" name="Picture 2" descr="adminMenu"/>
           <p:cNvPicPr>
             <a:picLocks noChangeAspect="1" noChangeArrowheads="1"/>
           </p:cNvPicPr>
@@ -10528,8 +9805,8 @@
         </p:blipFill>
         <p:spPr bwMode="auto">
           <a:xfrm>
-            <a:off x="1204188" y="1120851"/>
-            <a:ext cx="4435745" cy="5177181"/>
+            <a:off x="4029835" y="1138058"/>
+            <a:ext cx="4132325" cy="2392661"/>
           </a:xfrm>
           <a:prstGeom prst="rect">
             <a:avLst/>
@@ -10559,11 +9836,49 @@
           </a:extLst>
         </p:spPr>
       </p:pic>
+      <p:sp>
+        <p:nvSpPr>
+          <p:cNvPr id="12" name="TextBox 11"/>
+          <p:cNvSpPr txBox="1"/>
+          <p:nvPr/>
+        </p:nvSpPr>
+        <p:spPr>
+          <a:xfrm>
+            <a:off x="5393177" y="6052559"/>
+            <a:ext cx="1540293" cy="369332"/>
+          </a:xfrm>
+          <a:prstGeom prst="rect">
+            <a:avLst/>
+          </a:prstGeom>
+          <a:noFill/>
+        </p:spPr>
+        <p:txBody>
+          <a:bodyPr wrap="none" rtlCol="0">
+            <a:spAutoFit/>
+          </a:bodyPr>
+          <a:lstStyle/>
+          <a:p>
+            <a:r>
+              <a:rPr lang="en-US" b="1" dirty="0" smtClean="0">
+                <a:solidFill>
+                  <a:srgbClr val="0070C0"/>
+                </a:solidFill>
+              </a:rPr>
+              <a:t>Manage Users</a:t>
+            </a:r>
+            <a:endParaRPr lang="en-US" b="1" dirty="0">
+              <a:solidFill>
+                <a:srgbClr val="0070C0"/>
+              </a:solidFill>
+            </a:endParaRPr>
+          </a:p>
+        </p:txBody>
+      </p:sp>
       <p:pic>
         <p:nvPicPr>
-          <p:cNvPr id="17410" name="Picture 2" descr="SQ_Purchase"/>
+          <p:cNvPr id="3" name="Picture 2"/>
           <p:cNvPicPr>
-            <a:picLocks noChangeAspect="1" noChangeArrowheads="1"/>
+            <a:picLocks noChangeAspect="1"/>
           </p:cNvPicPr>
           <p:nvPr/>
         </p:nvPicPr>
@@ -10575,48 +9890,24 @@
               </a:ext>
             </a:extLst>
           </a:blip>
-          <a:srcRect/>
           <a:stretch>
             <a:fillRect/>
           </a:stretch>
         </p:blipFill>
-        <p:spPr bwMode="auto">
-          <a:xfrm>
-            <a:off x="6287018" y="1101697"/>
-            <a:ext cx="4962229" cy="5196335"/>
+        <p:spPr>
+          <a:xfrm>
+            <a:off x="3562557" y="3900051"/>
+            <a:ext cx="5201532" cy="2214254"/>
           </a:xfrm>
           <a:prstGeom prst="rect">
             <a:avLst/>
           </a:prstGeom>
-          <a:noFill/>
-          <a:ln>
-            <a:noFill/>
-          </a:ln>
-          <a:extLst>
-            <a:ext uri="{909E8E84-426E-40DD-AFC4-6F175D3DCCD1}">
-              <a14:hiddenFill xmlns:a14="http://schemas.microsoft.com/office/drawing/2010/main">
-                <a:solidFill>
-                  <a:srgbClr val="FFFFFF"/>
-                </a:solidFill>
-              </a14:hiddenFill>
-            </a:ext>
-            <a:ext uri="{91240B29-F687-4F45-9708-019B960494DF}">
-              <a14:hiddenLine xmlns:a14="http://schemas.microsoft.com/office/drawing/2010/main" w="9525">
-                <a:solidFill>
-                  <a:srgbClr val="000000"/>
-                </a:solidFill>
-                <a:miter lim="800000"/>
-                <a:headEnd/>
-                <a:tailEnd/>
-              </a14:hiddenLine>
-            </a:ext>
-          </a:extLst>
         </p:spPr>
       </p:pic>
     </p:spTree>
     <p:extLst>
       <p:ext uri="{BB962C8B-B14F-4D97-AF65-F5344CB8AC3E}">
-        <p14:creationId xmlns:p14="http://schemas.microsoft.com/office/powerpoint/2010/main" val="900182501"/>
+        <p14:creationId xmlns:p14="http://schemas.microsoft.com/office/powerpoint/2010/main" val="3427134598"/>
       </p:ext>
     </p:extLst>
   </p:cSld>
@@ -11029,7 +10320,7 @@
                 <a:latin typeface="Helvetica Neue Light" panose="02000403000000020004" pitchFamily="2" charset="0"/>
                 <a:ea typeface="Helvetica Neue Light" panose="02000403000000020004" pitchFamily="2" charset="0"/>
               </a:rPr>
-              <a:t>Entity Relationship Diagram</a:t>
+              <a:t>UI Design</a:t>
             </a:r>
           </a:p>
         </p:txBody>
@@ -11136,9 +10427,47 @@
           </a:p>
         </p:txBody>
       </p:sp>
+      <p:sp>
+        <p:nvSpPr>
+          <p:cNvPr id="7" name="TextBox 6"/>
+          <p:cNvSpPr txBox="1"/>
+          <p:nvPr/>
+        </p:nvSpPr>
+        <p:spPr>
+          <a:xfrm>
+            <a:off x="5447423" y="3530719"/>
+            <a:ext cx="1241045" cy="369332"/>
+          </a:xfrm>
+          <a:prstGeom prst="rect">
+            <a:avLst/>
+          </a:prstGeom>
+          <a:noFill/>
+        </p:spPr>
+        <p:txBody>
+          <a:bodyPr wrap="none" rtlCol="0">
+            <a:spAutoFit/>
+          </a:bodyPr>
+          <a:lstStyle/>
+          <a:p>
+            <a:r>
+              <a:rPr lang="en-US" b="1" dirty="0" smtClean="0">
+                <a:solidFill>
+                  <a:srgbClr val="0070C0"/>
+                </a:solidFill>
+              </a:rPr>
+              <a:t>User Menu</a:t>
+            </a:r>
+            <a:endParaRPr lang="en-US" b="1" dirty="0">
+              <a:solidFill>
+                <a:srgbClr val="0070C0"/>
+              </a:solidFill>
+            </a:endParaRPr>
+          </a:p>
+        </p:txBody>
+      </p:sp>
       <p:pic>
         <p:nvPicPr>
-          <p:cNvPr id="18434" name="Picture 2" descr="ERD"/>
+          <p:cNvPr id="12290" name="Picture 2" descr="userMenu"/>
           <p:cNvPicPr>
             <a:picLocks noChangeAspect="1" noChangeArrowheads="1"/>
           </p:cNvPicPr>
@@ -11159,8 +10488,8 @@
         </p:blipFill>
         <p:spPr bwMode="auto">
           <a:xfrm>
-            <a:off x="2920146" y="1082120"/>
-            <a:ext cx="6330912" cy="5266530"/>
+            <a:off x="4281778" y="1221832"/>
+            <a:ext cx="3629618" cy="2308887"/>
           </a:xfrm>
           <a:prstGeom prst="rect">
             <a:avLst/>
@@ -11190,10 +10519,197 @@
           </a:extLst>
         </p:spPr>
       </p:pic>
+      <p:pic>
+        <p:nvPicPr>
+          <p:cNvPr id="12291" name="Picture 3" descr="userInfoMenu"/>
+          <p:cNvPicPr>
+            <a:picLocks noChangeAspect="1" noChangeArrowheads="1"/>
+          </p:cNvPicPr>
+          <p:nvPr/>
+        </p:nvPicPr>
+        <p:blipFill>
+          <a:blip r:embed="rId4">
+            <a:extLst>
+              <a:ext uri="{28A0092B-C50C-407E-A947-70E740481C1C}">
+                <a14:useLocalDpi xmlns:a14="http://schemas.microsoft.com/office/drawing/2010/main" val="0"/>
+              </a:ext>
+            </a:extLst>
+          </a:blip>
+          <a:srcRect/>
+          <a:stretch>
+            <a:fillRect/>
+          </a:stretch>
+        </p:blipFill>
+        <p:spPr bwMode="auto">
+          <a:xfrm>
+            <a:off x="2785147" y="4158811"/>
+            <a:ext cx="2446444" cy="1634988"/>
+          </a:xfrm>
+          <a:prstGeom prst="rect">
+            <a:avLst/>
+          </a:prstGeom>
+          <a:noFill/>
+          <a:ln>
+            <a:noFill/>
+          </a:ln>
+          <a:extLst>
+            <a:ext uri="{909E8E84-426E-40DD-AFC4-6F175D3DCCD1}">
+              <a14:hiddenFill xmlns:a14="http://schemas.microsoft.com/office/drawing/2010/main">
+                <a:solidFill>
+                  <a:srgbClr val="FFFFFF"/>
+                </a:solidFill>
+              </a14:hiddenFill>
+            </a:ext>
+            <a:ext uri="{91240B29-F687-4F45-9708-019B960494DF}">
+              <a14:hiddenLine xmlns:a14="http://schemas.microsoft.com/office/drawing/2010/main" w="9525">
+                <a:solidFill>
+                  <a:srgbClr val="000000"/>
+                </a:solidFill>
+                <a:miter lim="800000"/>
+                <a:headEnd/>
+                <a:tailEnd/>
+              </a14:hiddenLine>
+            </a:ext>
+          </a:extLst>
+        </p:spPr>
+      </p:pic>
+      <p:pic>
+        <p:nvPicPr>
+          <p:cNvPr id="12292" name="Picture 4" descr="updateInfo"/>
+          <p:cNvPicPr>
+            <a:picLocks noChangeAspect="1" noChangeArrowheads="1"/>
+          </p:cNvPicPr>
+          <p:nvPr/>
+        </p:nvPicPr>
+        <p:blipFill>
+          <a:blip r:embed="rId5">
+            <a:extLst>
+              <a:ext uri="{28A0092B-C50C-407E-A947-70E740481C1C}">
+                <a14:useLocalDpi xmlns:a14="http://schemas.microsoft.com/office/drawing/2010/main" val="0"/>
+              </a:ext>
+            </a:extLst>
+          </a:blip>
+          <a:srcRect/>
+          <a:stretch>
+            <a:fillRect/>
+          </a:stretch>
+        </p:blipFill>
+        <p:spPr bwMode="auto">
+          <a:xfrm>
+            <a:off x="7095054" y="3857114"/>
+            <a:ext cx="2092491" cy="2195445"/>
+          </a:xfrm>
+          <a:prstGeom prst="rect">
+            <a:avLst/>
+          </a:prstGeom>
+          <a:noFill/>
+          <a:ln>
+            <a:noFill/>
+          </a:ln>
+          <a:extLst>
+            <a:ext uri="{909E8E84-426E-40DD-AFC4-6F175D3DCCD1}">
+              <a14:hiddenFill xmlns:a14="http://schemas.microsoft.com/office/drawing/2010/main">
+                <a:solidFill>
+                  <a:srgbClr val="FFFFFF"/>
+                </a:solidFill>
+              </a14:hiddenFill>
+            </a:ext>
+            <a:ext uri="{91240B29-F687-4F45-9708-019B960494DF}">
+              <a14:hiddenLine xmlns:a14="http://schemas.microsoft.com/office/drawing/2010/main" w="9525">
+                <a:solidFill>
+                  <a:srgbClr val="000000"/>
+                </a:solidFill>
+                <a:miter lim="800000"/>
+                <a:headEnd/>
+                <a:tailEnd/>
+              </a14:hiddenLine>
+            </a:ext>
+          </a:extLst>
+        </p:spPr>
+      </p:pic>
+      <p:sp>
+        <p:nvSpPr>
+          <p:cNvPr id="10" name="Right Arrow 9"/>
+          <p:cNvSpPr/>
+          <p:nvPr/>
+        </p:nvSpPr>
+        <p:spPr>
+          <a:xfrm>
+            <a:off x="5661703" y="4744511"/>
+            <a:ext cx="1003239" cy="463588"/>
+          </a:xfrm>
+          <a:prstGeom prst="rightArrow">
+            <a:avLst/>
+          </a:prstGeom>
+          <a:noFill/>
+        </p:spPr>
+        <p:style>
+          <a:lnRef idx="2">
+            <a:schemeClr val="accent1">
+              <a:shade val="50000"/>
+            </a:schemeClr>
+          </a:lnRef>
+          <a:fillRef idx="1">
+            <a:schemeClr val="accent1"/>
+          </a:fillRef>
+          <a:effectRef idx="0">
+            <a:schemeClr val="accent1"/>
+          </a:effectRef>
+          <a:fontRef idx="minor">
+            <a:schemeClr val="lt1"/>
+          </a:fontRef>
+        </p:style>
+        <p:txBody>
+          <a:bodyPr rtlCol="0" anchor="ctr"/>
+          <a:lstStyle/>
+          <a:p>
+            <a:pPr algn="ctr"/>
+            <a:endParaRPr lang="en-US"/>
+          </a:p>
+        </p:txBody>
+      </p:sp>
+      <p:sp>
+        <p:nvSpPr>
+          <p:cNvPr id="11" name="TextBox 10"/>
+          <p:cNvSpPr txBox="1"/>
+          <p:nvPr/>
+        </p:nvSpPr>
+        <p:spPr>
+          <a:xfrm>
+            <a:off x="5011462" y="6095925"/>
+            <a:ext cx="2148280" cy="369332"/>
+          </a:xfrm>
+          <a:prstGeom prst="rect">
+            <a:avLst/>
+          </a:prstGeom>
+          <a:noFill/>
+        </p:spPr>
+        <p:txBody>
+          <a:bodyPr wrap="none" rtlCol="0">
+            <a:spAutoFit/>
+          </a:bodyPr>
+          <a:lstStyle/>
+          <a:p>
+            <a:r>
+              <a:rPr lang="en-US" b="1" dirty="0" smtClean="0">
+                <a:solidFill>
+                  <a:srgbClr val="0070C0"/>
+                </a:solidFill>
+              </a:rPr>
+              <a:t>Update Account Info</a:t>
+            </a:r>
+            <a:endParaRPr lang="en-US" b="1" dirty="0">
+              <a:solidFill>
+                <a:srgbClr val="0070C0"/>
+              </a:solidFill>
+            </a:endParaRPr>
+          </a:p>
+        </p:txBody>
+      </p:sp>
     </p:spTree>
     <p:extLst>
       <p:ext uri="{BB962C8B-B14F-4D97-AF65-F5344CB8AC3E}">
-        <p14:creationId xmlns:p14="http://schemas.microsoft.com/office/powerpoint/2010/main" val="2667165334"/>
+        <p14:creationId xmlns:p14="http://schemas.microsoft.com/office/powerpoint/2010/main" val="1242839820"/>
       </p:ext>
     </p:extLst>
   </p:cSld>
@@ -11225,6 +10741,14 @@
 <file path=ppt/slides/slide21.xml><?xml version="1.0" encoding="utf-8"?>
 <p:sld xmlns:a="http://schemas.openxmlformats.org/drawingml/2006/main" xmlns:r="http://schemas.openxmlformats.org/officeDocument/2006/relationships" xmlns:p="http://schemas.openxmlformats.org/presentationml/2006/main">
   <p:cSld>
+    <p:bg>
+      <p:bgPr>
+        <a:solidFill>
+          <a:schemeClr val="bg1"/>
+        </a:solidFill>
+        <a:effectLst/>
+      </p:bgPr>
+    </p:bg>
     <p:spTree>
       <p:nvGrpSpPr>
         <p:cNvPr id="1" name=""/>
@@ -11270,7 +10794,7 @@
                 <a:latin typeface="Helvetica Neue Light" panose="02000403000000020004" pitchFamily="2" charset="0"/>
                 <a:ea typeface="Helvetica Neue Light" panose="02000403000000020004" pitchFamily="2" charset="0"/>
               </a:rPr>
-              <a:t>Deployment Diagram</a:t>
+              <a:t>UI Design</a:t>
             </a:r>
           </a:p>
         </p:txBody>
@@ -11372,6 +10896,478 @@
             <a:fld id="{B9BA5F68-B450-774B-A94B-86322AF8B758}" type="slidenum">
               <a:rPr lang="en-US" smtClean="0"/>
               <a:t>21</a:t>
+            </a:fld>
+            <a:endParaRPr lang="en-US" dirty="0"/>
+          </a:p>
+        </p:txBody>
+      </p:sp>
+      <p:pic>
+        <p:nvPicPr>
+          <p:cNvPr id="12290" name="Picture 2" descr="userMenu"/>
+          <p:cNvPicPr>
+            <a:picLocks noChangeAspect="1" noChangeArrowheads="1"/>
+          </p:cNvPicPr>
+          <p:nvPr/>
+        </p:nvPicPr>
+        <p:blipFill>
+          <a:blip r:embed="rId3">
+            <a:extLst>
+              <a:ext uri="{28A0092B-C50C-407E-A947-70E740481C1C}">
+                <a14:useLocalDpi xmlns:a14="http://schemas.microsoft.com/office/drawing/2010/main" val="0"/>
+              </a:ext>
+            </a:extLst>
+          </a:blip>
+          <a:srcRect/>
+          <a:stretch>
+            <a:fillRect/>
+          </a:stretch>
+        </p:blipFill>
+        <p:spPr bwMode="auto">
+          <a:xfrm>
+            <a:off x="2106383" y="1214455"/>
+            <a:ext cx="2863301" cy="1821414"/>
+          </a:xfrm>
+          <a:prstGeom prst="rect">
+            <a:avLst/>
+          </a:prstGeom>
+          <a:noFill/>
+          <a:ln>
+            <a:noFill/>
+          </a:ln>
+          <a:extLst>
+            <a:ext uri="{909E8E84-426E-40DD-AFC4-6F175D3DCCD1}">
+              <a14:hiddenFill xmlns:a14="http://schemas.microsoft.com/office/drawing/2010/main">
+                <a:solidFill>
+                  <a:srgbClr val="FFFFFF"/>
+                </a:solidFill>
+              </a14:hiddenFill>
+            </a:ext>
+            <a:ext uri="{91240B29-F687-4F45-9708-019B960494DF}">
+              <a14:hiddenLine xmlns:a14="http://schemas.microsoft.com/office/drawing/2010/main" w="9525">
+                <a:solidFill>
+                  <a:srgbClr val="000000"/>
+                </a:solidFill>
+                <a:miter lim="800000"/>
+                <a:headEnd/>
+                <a:tailEnd/>
+              </a14:hiddenLine>
+            </a:ext>
+          </a:extLst>
+        </p:spPr>
+      </p:pic>
+      <p:sp>
+        <p:nvSpPr>
+          <p:cNvPr id="10" name="Right Arrow 9"/>
+          <p:cNvSpPr/>
+          <p:nvPr/>
+        </p:nvSpPr>
+        <p:spPr>
+          <a:xfrm>
+            <a:off x="5375304" y="1893368"/>
+            <a:ext cx="1003239" cy="463588"/>
+          </a:xfrm>
+          <a:prstGeom prst="rightArrow">
+            <a:avLst/>
+          </a:prstGeom>
+          <a:noFill/>
+        </p:spPr>
+        <p:style>
+          <a:lnRef idx="2">
+            <a:schemeClr val="accent1">
+              <a:shade val="50000"/>
+            </a:schemeClr>
+          </a:lnRef>
+          <a:fillRef idx="1">
+            <a:schemeClr val="accent1"/>
+          </a:fillRef>
+          <a:effectRef idx="0">
+            <a:schemeClr val="accent1"/>
+          </a:effectRef>
+          <a:fontRef idx="minor">
+            <a:schemeClr val="lt1"/>
+          </a:fontRef>
+        </p:style>
+        <p:txBody>
+          <a:bodyPr rtlCol="0" anchor="ctr"/>
+          <a:lstStyle/>
+          <a:p>
+            <a:pPr algn="ctr"/>
+            <a:endParaRPr lang="en-US"/>
+          </a:p>
+        </p:txBody>
+      </p:sp>
+      <p:sp>
+        <p:nvSpPr>
+          <p:cNvPr id="11" name="TextBox 10"/>
+          <p:cNvSpPr txBox="1"/>
+          <p:nvPr/>
+        </p:nvSpPr>
+        <p:spPr>
+          <a:xfrm>
+            <a:off x="5300781" y="6035492"/>
+            <a:ext cx="1590435" cy="369332"/>
+          </a:xfrm>
+          <a:prstGeom prst="rect">
+            <a:avLst/>
+          </a:prstGeom>
+          <a:noFill/>
+        </p:spPr>
+        <p:txBody>
+          <a:bodyPr wrap="none" rtlCol="0">
+            <a:spAutoFit/>
+          </a:bodyPr>
+          <a:lstStyle/>
+          <a:p>
+            <a:r>
+              <a:rPr lang="en-US" b="1" dirty="0" smtClean="0">
+                <a:solidFill>
+                  <a:srgbClr val="0070C0"/>
+                </a:solidFill>
+              </a:rPr>
+              <a:t>Purchase Book</a:t>
+            </a:r>
+            <a:endParaRPr lang="en-US" b="1" dirty="0">
+              <a:solidFill>
+                <a:srgbClr val="0070C0"/>
+              </a:solidFill>
+            </a:endParaRPr>
+          </a:p>
+        </p:txBody>
+      </p:sp>
+      <p:pic>
+        <p:nvPicPr>
+          <p:cNvPr id="13314" name="Picture 2" descr="purchaseMenu"/>
+          <p:cNvPicPr>
+            <a:picLocks noChangeAspect="1" noChangeArrowheads="1"/>
+          </p:cNvPicPr>
+          <p:nvPr/>
+        </p:nvPicPr>
+        <p:blipFill>
+          <a:blip r:embed="rId4">
+            <a:extLst>
+              <a:ext uri="{28A0092B-C50C-407E-A947-70E740481C1C}">
+                <a14:useLocalDpi xmlns:a14="http://schemas.microsoft.com/office/drawing/2010/main" val="0"/>
+              </a:ext>
+            </a:extLst>
+          </a:blip>
+          <a:srcRect/>
+          <a:stretch>
+            <a:fillRect/>
+          </a:stretch>
+        </p:blipFill>
+        <p:spPr bwMode="auto">
+          <a:xfrm>
+            <a:off x="6784162" y="1214455"/>
+            <a:ext cx="3082851" cy="1822648"/>
+          </a:xfrm>
+          <a:prstGeom prst="rect">
+            <a:avLst/>
+          </a:prstGeom>
+          <a:noFill/>
+          <a:ln>
+            <a:noFill/>
+          </a:ln>
+          <a:extLst>
+            <a:ext uri="{909E8E84-426E-40DD-AFC4-6F175D3DCCD1}">
+              <a14:hiddenFill xmlns:a14="http://schemas.microsoft.com/office/drawing/2010/main">
+                <a:solidFill>
+                  <a:srgbClr val="FFFFFF"/>
+                </a:solidFill>
+              </a14:hiddenFill>
+            </a:ext>
+            <a:ext uri="{91240B29-F687-4F45-9708-019B960494DF}">
+              <a14:hiddenLine xmlns:a14="http://schemas.microsoft.com/office/drawing/2010/main" w="9525">
+                <a:solidFill>
+                  <a:srgbClr val="000000"/>
+                </a:solidFill>
+                <a:miter lim="800000"/>
+                <a:headEnd/>
+                <a:tailEnd/>
+              </a14:hiddenLine>
+            </a:ext>
+          </a:extLst>
+        </p:spPr>
+      </p:pic>
+      <p:pic>
+        <p:nvPicPr>
+          <p:cNvPr id="13315" name="Picture 3" descr="createOrder"/>
+          <p:cNvPicPr>
+            <a:picLocks noChangeAspect="1" noChangeArrowheads="1"/>
+          </p:cNvPicPr>
+          <p:nvPr/>
+        </p:nvPicPr>
+        <p:blipFill>
+          <a:blip r:embed="rId5">
+            <a:extLst>
+              <a:ext uri="{28A0092B-C50C-407E-A947-70E740481C1C}">
+                <a14:useLocalDpi xmlns:a14="http://schemas.microsoft.com/office/drawing/2010/main" val="0"/>
+              </a:ext>
+            </a:extLst>
+          </a:blip>
+          <a:srcRect/>
+          <a:stretch>
+            <a:fillRect/>
+          </a:stretch>
+        </p:blipFill>
+        <p:spPr bwMode="auto">
+          <a:xfrm>
+            <a:off x="2629417" y="3799869"/>
+            <a:ext cx="6714961" cy="2066998"/>
+          </a:xfrm>
+          <a:prstGeom prst="rect">
+            <a:avLst/>
+          </a:prstGeom>
+          <a:noFill/>
+          <a:ln>
+            <a:noFill/>
+          </a:ln>
+          <a:extLst>
+            <a:ext uri="{909E8E84-426E-40DD-AFC4-6F175D3DCCD1}">
+              <a14:hiddenFill xmlns:a14="http://schemas.microsoft.com/office/drawing/2010/main">
+                <a:solidFill>
+                  <a:srgbClr val="FFFFFF"/>
+                </a:solidFill>
+              </a14:hiddenFill>
+            </a:ext>
+            <a:ext uri="{91240B29-F687-4F45-9708-019B960494DF}">
+              <a14:hiddenLine xmlns:a14="http://schemas.microsoft.com/office/drawing/2010/main" w="9525">
+                <a:solidFill>
+                  <a:srgbClr val="000000"/>
+                </a:solidFill>
+                <a:miter lim="800000"/>
+                <a:headEnd/>
+                <a:tailEnd/>
+              </a14:hiddenLine>
+            </a:ext>
+          </a:extLst>
+        </p:spPr>
+      </p:pic>
+      <p:sp>
+        <p:nvSpPr>
+          <p:cNvPr id="14" name="Right Arrow 13"/>
+          <p:cNvSpPr/>
+          <p:nvPr/>
+        </p:nvSpPr>
+        <p:spPr>
+          <a:xfrm rot="5400000">
+            <a:off x="7936801" y="3288394"/>
+            <a:ext cx="514543" cy="263028"/>
+          </a:xfrm>
+          <a:prstGeom prst="rightArrow">
+            <a:avLst>
+              <a:gd name="adj1" fmla="val 50000"/>
+              <a:gd name="adj2" fmla="val 82340"/>
+            </a:avLst>
+          </a:prstGeom>
+          <a:noFill/>
+        </p:spPr>
+        <p:style>
+          <a:lnRef idx="2">
+            <a:schemeClr val="accent1">
+              <a:shade val="50000"/>
+            </a:schemeClr>
+          </a:lnRef>
+          <a:fillRef idx="1">
+            <a:schemeClr val="accent1"/>
+          </a:fillRef>
+          <a:effectRef idx="0">
+            <a:schemeClr val="accent1"/>
+          </a:effectRef>
+          <a:fontRef idx="minor">
+            <a:schemeClr val="lt1"/>
+          </a:fontRef>
+        </p:style>
+        <p:txBody>
+          <a:bodyPr rtlCol="0" anchor="ctr"/>
+          <a:lstStyle/>
+          <a:p>
+            <a:pPr algn="ctr"/>
+            <a:endParaRPr lang="en-US"/>
+          </a:p>
+        </p:txBody>
+      </p:sp>
+    </p:spTree>
+    <p:extLst>
+      <p:ext uri="{BB962C8B-B14F-4D97-AF65-F5344CB8AC3E}">
+        <p14:creationId xmlns:p14="http://schemas.microsoft.com/office/powerpoint/2010/main" val="2128393421"/>
+      </p:ext>
+    </p:extLst>
+  </p:cSld>
+  <p:clrMapOvr>
+    <a:masterClrMapping/>
+  </p:clrMapOvr>
+  <mc:AlternateContent xmlns:mc="http://schemas.openxmlformats.org/markup-compatibility/2006" xmlns:p14="http://schemas.microsoft.com/office/powerpoint/2010/main">
+    <mc:Choice Requires="p14">
+      <p:transition spd="med" p14:dur="700">
+        <p:fade/>
+      </p:transition>
+    </mc:Choice>
+    <mc:Fallback xmlns="">
+      <p:transition spd="med">
+        <p:fade/>
+      </p:transition>
+    </mc:Fallback>
+  </mc:AlternateContent>
+  <p:timing>
+    <p:tnLst>
+      <p:par>
+        <p:cTn id="1" dur="indefinite" restart="never" nodeType="tmRoot"/>
+      </p:par>
+    </p:tnLst>
+  </p:timing>
+</p:sld>
+</file>
+
+<file path=ppt/slides/slide22.xml><?xml version="1.0" encoding="utf-8"?>
+<p:sld xmlns:a="http://schemas.openxmlformats.org/drawingml/2006/main" xmlns:r="http://schemas.openxmlformats.org/officeDocument/2006/relationships" xmlns:p="http://schemas.openxmlformats.org/presentationml/2006/main">
+  <p:cSld>
+    <p:spTree>
+      <p:nvGrpSpPr>
+        <p:cNvPr id="1" name=""/>
+        <p:cNvGrpSpPr/>
+        <p:nvPr/>
+      </p:nvGrpSpPr>
+      <p:grpSpPr>
+        <a:xfrm>
+          <a:off x="0" y="0"/>
+          <a:ext cx="0" cy="0"/>
+          <a:chOff x="0" y="0"/>
+          <a:chExt cx="0" cy="0"/>
+        </a:xfrm>
+      </p:grpSpPr>
+      <p:sp>
+        <p:nvSpPr>
+          <p:cNvPr id="2" name="Title 1">
+            <a:extLst>
+              <a:ext uri="{FF2B5EF4-FFF2-40B4-BE49-F238E27FC236}">
+                <a16:creationId xmlns:a16="http://schemas.microsoft.com/office/drawing/2014/main" id="{AD226F5C-4F30-CE40-A40F-5A13C8C2C1EF}"/>
+              </a:ext>
+            </a:extLst>
+          </p:cNvPr>
+          <p:cNvSpPr>
+            <a:spLocks noGrp="1"/>
+          </p:cNvSpPr>
+          <p:nvPr>
+            <p:ph type="title"/>
+          </p:nvPr>
+        </p:nvSpPr>
+        <p:spPr>
+          <a:xfrm>
+            <a:off x="163103" y="263301"/>
+            <a:ext cx="11844998" cy="663575"/>
+          </a:xfrm>
+        </p:spPr>
+        <p:txBody>
+          <a:bodyPr/>
+          <a:lstStyle/>
+          <a:p>
+            <a:r>
+              <a:rPr lang="en-US" dirty="0">
+                <a:latin typeface="Helvetica Neue Light" panose="02000403000000020004" pitchFamily="2" charset="0"/>
+                <a:ea typeface="Helvetica Neue Light" panose="02000403000000020004" pitchFamily="2" charset="0"/>
+              </a:rPr>
+              <a:t>Deployment Diagram</a:t>
+            </a:r>
+          </a:p>
+        </p:txBody>
+      </p:sp>
+      <p:sp>
+        <p:nvSpPr>
+          <p:cNvPr id="4" name="Date Placeholder 3">
+            <a:extLst>
+              <a:ext uri="{FF2B5EF4-FFF2-40B4-BE49-F238E27FC236}">
+                <a16:creationId xmlns:a16="http://schemas.microsoft.com/office/drawing/2014/main" id="{291E8C4B-4E8D-F64F-BE3C-62B56F17ACA1}"/>
+              </a:ext>
+            </a:extLst>
+          </p:cNvPr>
+          <p:cNvSpPr>
+            <a:spLocks noGrp="1"/>
+          </p:cNvSpPr>
+          <p:nvPr>
+            <p:ph type="dt" sz="half" idx="10"/>
+          </p:nvPr>
+        </p:nvSpPr>
+        <p:spPr>
+          <a:xfrm>
+            <a:off x="140677" y="6503894"/>
+            <a:ext cx="1382488" cy="365125"/>
+          </a:xfrm>
+        </p:spPr>
+        <p:txBody>
+          <a:bodyPr/>
+          <a:lstStyle/>
+          <a:p>
+            <a:r>
+              <a:rPr lang="en-US" smtClean="0"/>
+              <a:t>© VTC Academy</a:t>
+            </a:r>
+            <a:endParaRPr lang="en-US" dirty="0"/>
+          </a:p>
+        </p:txBody>
+      </p:sp>
+      <p:sp>
+        <p:nvSpPr>
+          <p:cNvPr id="5" name="Footer Placeholder 4">
+            <a:extLst>
+              <a:ext uri="{FF2B5EF4-FFF2-40B4-BE49-F238E27FC236}">
+                <a16:creationId xmlns:a16="http://schemas.microsoft.com/office/drawing/2014/main" id="{65422569-5ADE-0445-9723-785B8D5A14D9}"/>
+              </a:ext>
+            </a:extLst>
+          </p:cNvPr>
+          <p:cNvSpPr>
+            <a:spLocks noGrp="1"/>
+          </p:cNvSpPr>
+          <p:nvPr>
+            <p:ph type="ftr" sz="quarter" idx="11"/>
+          </p:nvPr>
+        </p:nvSpPr>
+        <p:spPr>
+          <a:xfrm>
+            <a:off x="1735015" y="6506943"/>
+            <a:ext cx="8721969" cy="365125"/>
+          </a:xfrm>
+        </p:spPr>
+        <p:txBody>
+          <a:bodyPr/>
+          <a:lstStyle/>
+          <a:p>
+            <a:r>
+              <a:rPr lang="en-US" smtClean="0"/>
+              <a:t>Book Store</a:t>
+            </a:r>
+            <a:endParaRPr lang="en-US"/>
+          </a:p>
+        </p:txBody>
+      </p:sp>
+      <p:sp>
+        <p:nvSpPr>
+          <p:cNvPr id="6" name="Slide Number Placeholder 5">
+            <a:extLst>
+              <a:ext uri="{FF2B5EF4-FFF2-40B4-BE49-F238E27FC236}">
+                <a16:creationId xmlns:a16="http://schemas.microsoft.com/office/drawing/2014/main" id="{1CC4D354-512F-CC4A-B39A-EDEC6E17F71C}"/>
+              </a:ext>
+            </a:extLst>
+          </p:cNvPr>
+          <p:cNvSpPr>
+            <a:spLocks noGrp="1"/>
+          </p:cNvSpPr>
+          <p:nvPr>
+            <p:ph type="sldNum" sz="quarter" idx="12"/>
+          </p:nvPr>
+        </p:nvSpPr>
+        <p:spPr>
+          <a:xfrm>
+            <a:off x="10654642" y="6517962"/>
+            <a:ext cx="1353459" cy="365125"/>
+          </a:xfrm>
+        </p:spPr>
+        <p:txBody>
+          <a:bodyPr/>
+          <a:lstStyle/>
+          <a:p>
+            <a:fld id="{B9BA5F68-B450-774B-A94B-86322AF8B758}" type="slidenum">
+              <a:rPr lang="en-US" smtClean="0"/>
+              <a:t>22</a:t>
             </a:fld>
             <a:endParaRPr lang="en-US" dirty="0"/>
           </a:p>
@@ -11439,7 +11435,7 @@
 </p:sld>
 </file>
 
-<file path=ppt/slides/slide22.xml><?xml version="1.0" encoding="utf-8"?>
+<file path=ppt/slides/slide23.xml><?xml version="1.0" encoding="utf-8"?>
 <p:sld xmlns:a="http://schemas.openxmlformats.org/drawingml/2006/main" xmlns:r="http://schemas.openxmlformats.org/officeDocument/2006/relationships" xmlns:p="http://schemas.openxmlformats.org/presentationml/2006/main">
   <p:cSld>
     <p:bg>
@@ -11596,7 +11592,7 @@
           <a:p>
             <a:fld id="{B9BA5F68-B450-774B-A94B-86322AF8B758}" type="slidenum">
               <a:rPr lang="en-US" smtClean="0"/>
-              <a:t>22</a:t>
+              <a:t>23</a:t>
             </a:fld>
             <a:endParaRPr lang="en-US" dirty="0"/>
           </a:p>
@@ -11604,21 +11600,21 @@
       </p:sp>
       <p:graphicFrame>
         <p:nvGraphicFramePr>
-          <p:cNvPr id="3" name="Table 2"/>
+          <p:cNvPr id="7" name="Table 6"/>
           <p:cNvGraphicFramePr>
             <a:graphicFrameLocks noGrp="1"/>
           </p:cNvGraphicFramePr>
           <p:nvPr>
             <p:extLst>
               <p:ext uri="{D42A27DB-BD31-4B8C-83A1-F6EECF244321}">
-                <p14:modId xmlns:p14="http://schemas.microsoft.com/office/powerpoint/2010/main" val="1062809670"/>
+                <p14:modId xmlns:p14="http://schemas.microsoft.com/office/powerpoint/2010/main" val="302498017"/>
               </p:ext>
             </p:extLst>
           </p:nvPr>
         </p:nvGraphicFramePr>
         <p:xfrm>
-          <a:off x="1230812" y="1940698"/>
-          <a:ext cx="9730373" cy="4016320"/>
+          <a:off x="1465711" y="1584112"/>
+          <a:ext cx="9239781" cy="4263285"/>
         </p:xfrm>
         <a:graphic>
           <a:graphicData uri="http://schemas.openxmlformats.org/drawingml/2006/table">
@@ -11627,57 +11623,57 @@
                 <a:tableStyleId>{5C22544A-7EE6-4342-B048-85BDC9FD1C3A}</a:tableStyleId>
               </a:tblPr>
               <a:tblGrid>
-                <a:gridCol w="832519">
+                <a:gridCol w="790544">
                   <a:extLst>
                     <a:ext uri="{9D8B030D-6E8A-4147-A177-3AD203B41FA5}">
-                      <a16:colId xmlns:a16="http://schemas.microsoft.com/office/drawing/2014/main" val="669819161"/>
+                      <a16:colId xmlns:a16="http://schemas.microsoft.com/office/drawing/2014/main" val="2021288837"/>
                     </a:ext>
                   </a:extLst>
                 </a:gridCol>
-                <a:gridCol w="1564038">
+                <a:gridCol w="1485180">
                   <a:extLst>
                     <a:ext uri="{9D8B030D-6E8A-4147-A177-3AD203B41FA5}">
-                      <a16:colId xmlns:a16="http://schemas.microsoft.com/office/drawing/2014/main" val="526004389"/>
+                      <a16:colId xmlns:a16="http://schemas.microsoft.com/office/drawing/2014/main" val="3577614152"/>
                     </a:ext>
                   </a:extLst>
                 </a:gridCol>
-                <a:gridCol w="1765057">
+                <a:gridCol w="1676066">
                   <a:extLst>
                     <a:ext uri="{9D8B030D-6E8A-4147-A177-3AD203B41FA5}">
-                      <a16:colId xmlns:a16="http://schemas.microsoft.com/office/drawing/2014/main" val="1177919487"/>
+                      <a16:colId xmlns:a16="http://schemas.microsoft.com/office/drawing/2014/main" val="3775610815"/>
                     </a:ext>
                   </a:extLst>
                 </a:gridCol>
-                <a:gridCol w="1323793">
+                <a:gridCol w="1257049">
                   <a:extLst>
                     <a:ext uri="{9D8B030D-6E8A-4147-A177-3AD203B41FA5}">
-                      <a16:colId xmlns:a16="http://schemas.microsoft.com/office/drawing/2014/main" val="4052781511"/>
+                      <a16:colId xmlns:a16="http://schemas.microsoft.com/office/drawing/2014/main" val="1907770173"/>
                     </a:ext>
                   </a:extLst>
                 </a:gridCol>
-                <a:gridCol w="1235541">
+                <a:gridCol w="1173247">
                   <a:extLst>
                     <a:ext uri="{9D8B030D-6E8A-4147-A177-3AD203B41FA5}">
-                      <a16:colId xmlns:a16="http://schemas.microsoft.com/office/drawing/2014/main" val="1681453489"/>
+                      <a16:colId xmlns:a16="http://schemas.microsoft.com/office/drawing/2014/main" val="1740325415"/>
                     </a:ext>
                   </a:extLst>
                 </a:gridCol>
-                <a:gridCol w="1897438">
+                <a:gridCol w="1801772">
                   <a:extLst>
                     <a:ext uri="{9D8B030D-6E8A-4147-A177-3AD203B41FA5}">
-                      <a16:colId xmlns:a16="http://schemas.microsoft.com/office/drawing/2014/main" val="1077368007"/>
+                      <a16:colId xmlns:a16="http://schemas.microsoft.com/office/drawing/2014/main" val="824608014"/>
                     </a:ext>
                   </a:extLst>
                 </a:gridCol>
-                <a:gridCol w="1111987">
+                <a:gridCol w="1055923">
                   <a:extLst>
                     <a:ext uri="{9D8B030D-6E8A-4147-A177-3AD203B41FA5}">
-                      <a16:colId xmlns:a16="http://schemas.microsoft.com/office/drawing/2014/main" val="4026412766"/>
+                      <a16:colId xmlns:a16="http://schemas.microsoft.com/office/drawing/2014/main" val="498695786"/>
                     </a:ext>
                   </a:extLst>
                 </a:gridCol>
               </a:tblGrid>
-              <a:tr h="786556">
+              <a:tr h="742196">
                 <a:tc>
                   <a:txBody>
                     <a:bodyPr/>
@@ -11695,12 +11691,12 @@
                         </a:spcAft>
                       </a:pPr>
                       <a:r>
-                        <a:rPr lang="en-US" sz="1800">
+                        <a:rPr lang="en-US" sz="1600" dirty="0">
                           <a:effectLst/>
                         </a:rPr>
                         <a:t>TBN Group</a:t>
                       </a:r>
-                      <a:endParaRPr lang="en-US" sz="1800">
+                      <a:endParaRPr lang="en-US" sz="1600" dirty="0">
                         <a:effectLst/>
                         <a:latin typeface="Calibri" panose="020F0502020204030204" pitchFamily="34" charset="0"/>
                         <a:ea typeface="Calibri" panose="020F0502020204030204" pitchFamily="34" charset="0"/>
@@ -11727,12 +11723,12 @@
                         </a:spcAft>
                       </a:pPr>
                       <a:r>
-                        <a:rPr lang="en-US" sz="1800">
+                        <a:rPr lang="en-US" sz="1600" dirty="0">
                           <a:effectLst/>
                         </a:rPr>
                         <a:t>Book Store</a:t>
                       </a:r>
-                      <a:endParaRPr lang="en-US" sz="1800">
+                      <a:endParaRPr lang="en-US" sz="1600" dirty="0">
                         <a:effectLst/>
                         <a:latin typeface="Calibri" panose="020F0502020204030204" pitchFamily="34" charset="0"/>
                         <a:ea typeface="Calibri" panose="020F0502020204030204" pitchFamily="34" charset="0"/>
@@ -11794,11 +11790,11 @@
                 </a:tc>
                 <a:extLst>
                   <a:ext uri="{0D108BD9-81ED-4DB2-BD59-A6C34878D82A}">
-                    <a16:rowId xmlns:a16="http://schemas.microsoft.com/office/drawing/2014/main" val="3509425201"/>
+                    <a16:rowId xmlns:a16="http://schemas.microsoft.com/office/drawing/2014/main" val="1182233696"/>
                   </a:ext>
                 </a:extLst>
               </a:tr>
-              <a:tr h="1135394">
+              <a:tr h="1071363">
                 <a:tc>
                   <a:txBody>
                     <a:bodyPr/>
@@ -11816,12 +11812,12 @@
                         </a:spcAft>
                       </a:pPr>
                       <a:r>
-                        <a:rPr lang="vi-VN" sz="1800">
+                        <a:rPr lang="vi-VN" sz="1600">
                           <a:effectLst/>
                         </a:rPr>
                         <a:t>No</a:t>
                       </a:r>
-                      <a:endParaRPr lang="en-US" sz="1800">
+                      <a:endParaRPr lang="en-US" sz="1600">
                         <a:effectLst/>
                         <a:latin typeface="Calibri" panose="020F0502020204030204" pitchFamily="34" charset="0"/>
                         <a:ea typeface="Calibri" panose="020F0502020204030204" pitchFamily="34" charset="0"/>
@@ -11848,12 +11844,12 @@
                         </a:spcAft>
                       </a:pPr>
                       <a:r>
-                        <a:rPr lang="vi-VN" sz="1800">
+                        <a:rPr lang="vi-VN" sz="1600" dirty="0">
                           <a:effectLst/>
                         </a:rPr>
                         <a:t>Task name</a:t>
                       </a:r>
-                      <a:endParaRPr lang="en-US" sz="1800">
+                      <a:endParaRPr lang="en-US" sz="1600" dirty="0">
                         <a:effectLst/>
                         <a:latin typeface="Calibri" panose="020F0502020204030204" pitchFamily="34" charset="0"/>
                         <a:ea typeface="Calibri" panose="020F0502020204030204" pitchFamily="34" charset="0"/>
@@ -11880,12 +11876,12 @@
                         </a:spcAft>
                       </a:pPr>
                       <a:r>
-                        <a:rPr lang="vi-VN" sz="1800">
+                        <a:rPr lang="vi-VN" sz="1600" dirty="0">
                           <a:effectLst/>
                         </a:rPr>
                         <a:t>Description</a:t>
                       </a:r>
-                      <a:endParaRPr lang="en-US" sz="1800">
+                      <a:endParaRPr lang="en-US" sz="1600" dirty="0">
                         <a:effectLst/>
                         <a:latin typeface="Calibri" panose="020F0502020204030204" pitchFamily="34" charset="0"/>
                         <a:ea typeface="Calibri" panose="020F0502020204030204" pitchFamily="34" charset="0"/>
@@ -11912,12 +11908,12 @@
                         </a:spcAft>
                       </a:pPr>
                       <a:r>
-                        <a:rPr lang="vi-VN" sz="1800">
+                        <a:rPr lang="vi-VN" sz="1600">
                           <a:effectLst/>
                         </a:rPr>
                         <a:t>Start Date</a:t>
                       </a:r>
-                      <a:endParaRPr lang="en-US" sz="1800">
+                      <a:endParaRPr lang="en-US" sz="1600">
                         <a:effectLst/>
                         <a:latin typeface="Calibri" panose="020F0502020204030204" pitchFamily="34" charset="0"/>
                         <a:ea typeface="Calibri" panose="020F0502020204030204" pitchFamily="34" charset="0"/>
@@ -11944,12 +11940,12 @@
                         </a:spcAft>
                       </a:pPr>
                       <a:r>
-                        <a:rPr lang="vi-VN" sz="1800">
+                        <a:rPr lang="vi-VN" sz="1600">
                           <a:effectLst/>
                         </a:rPr>
                         <a:t>End Date</a:t>
                       </a:r>
-                      <a:endParaRPr lang="en-US" sz="1800">
+                      <a:endParaRPr lang="en-US" sz="1600">
                         <a:effectLst/>
                         <a:latin typeface="Calibri" panose="020F0502020204030204" pitchFamily="34" charset="0"/>
                         <a:ea typeface="Calibri" panose="020F0502020204030204" pitchFamily="34" charset="0"/>
@@ -11976,12 +11972,12 @@
                         </a:spcAft>
                       </a:pPr>
                       <a:r>
-                        <a:rPr lang="vi-VN" sz="1800">
+                        <a:rPr lang="vi-VN" sz="1600">
                           <a:effectLst/>
                         </a:rPr>
                         <a:t>Member</a:t>
                       </a:r>
-                      <a:endParaRPr lang="en-US" sz="1800">
+                      <a:endParaRPr lang="en-US" sz="1600">
                         <a:effectLst/>
                         <a:latin typeface="Calibri" panose="020F0502020204030204" pitchFamily="34" charset="0"/>
                         <a:ea typeface="Calibri" panose="020F0502020204030204" pitchFamily="34" charset="0"/>
@@ -12008,12 +12004,12 @@
                         </a:spcAft>
                       </a:pPr>
                       <a:r>
-                        <a:rPr lang="vi-VN" sz="1800">
+                        <a:rPr lang="vi-VN" sz="1600" dirty="0">
                           <a:effectLst/>
                         </a:rPr>
                         <a:t>Self assessment</a:t>
                       </a:r>
-                      <a:endParaRPr lang="en-US" sz="1800">
+                      <a:endParaRPr lang="en-US" sz="1600" dirty="0">
                         <a:effectLst/>
                         <a:latin typeface="Calibri" panose="020F0502020204030204" pitchFamily="34" charset="0"/>
                         <a:ea typeface="Calibri" panose="020F0502020204030204" pitchFamily="34" charset="0"/>
@@ -12025,11 +12021,11 @@
                 </a:tc>
                 <a:extLst>
                   <a:ext uri="{0D108BD9-81ED-4DB2-BD59-A6C34878D82A}">
-                    <a16:rowId xmlns:a16="http://schemas.microsoft.com/office/drawing/2014/main" val="794093573"/>
+                    <a16:rowId xmlns:a16="http://schemas.microsoft.com/office/drawing/2014/main" val="2876230024"/>
                   </a:ext>
                 </a:extLst>
               </a:tr>
-              <a:tr h="501773">
+              <a:tr h="473474">
                 <a:tc>
                   <a:txBody>
                     <a:bodyPr/>
@@ -12047,12 +12043,12 @@
                         </a:spcAft>
                       </a:pPr>
                       <a:r>
-                        <a:rPr lang="en-US" sz="1800">
+                        <a:rPr lang="en-US" sz="1600">
                           <a:effectLst/>
                         </a:rPr>
                         <a:t>1</a:t>
                       </a:r>
-                      <a:endParaRPr lang="en-US" sz="1800">
+                      <a:endParaRPr lang="en-US" sz="1600">
                         <a:effectLst/>
                         <a:latin typeface="Calibri" panose="020F0502020204030204" pitchFamily="34" charset="0"/>
                         <a:ea typeface="Calibri" panose="020F0502020204030204" pitchFamily="34" charset="0"/>
@@ -12079,12 +12075,12 @@
                         </a:spcAft>
                       </a:pPr>
                       <a:r>
-                        <a:rPr lang="en-US" sz="1800">
+                        <a:rPr lang="en-US" sz="1600">
                           <a:effectLst/>
                         </a:rPr>
-                        <a:t>Code</a:t>
+                        <a:t>Design</a:t>
                       </a:r>
-                      <a:endParaRPr lang="en-US" sz="1800">
+                      <a:endParaRPr lang="en-US" sz="1600">
                         <a:effectLst/>
                         <a:latin typeface="Calibri" panose="020F0502020204030204" pitchFamily="34" charset="0"/>
                         <a:ea typeface="Calibri" panose="020F0502020204030204" pitchFamily="34" charset="0"/>
@@ -12111,12 +12107,12 @@
                         </a:spcAft>
                       </a:pPr>
                       <a:r>
-                        <a:rPr lang="en-US" sz="1800">
+                        <a:rPr lang="en-US" sz="1600" dirty="0">
                           <a:effectLst/>
                         </a:rPr>
                         <a:t> </a:t>
                       </a:r>
-                      <a:endParaRPr lang="en-US" sz="1800">
+                      <a:endParaRPr lang="en-US" sz="1600" dirty="0">
                         <a:effectLst/>
                         <a:latin typeface="Calibri" panose="020F0502020204030204" pitchFamily="34" charset="0"/>
                         <a:ea typeface="Calibri" panose="020F0502020204030204" pitchFamily="34" charset="0"/>
@@ -12143,12 +12139,12 @@
                         </a:spcAft>
                       </a:pPr>
                       <a:r>
-                        <a:rPr lang="en-US" sz="1800">
+                        <a:rPr lang="en-US" sz="1600" dirty="0">
                           <a:effectLst/>
                         </a:rPr>
                         <a:t>July 1</a:t>
                       </a:r>
-                      <a:endParaRPr lang="en-US" sz="1800">
+                      <a:endParaRPr lang="en-US" sz="1600" dirty="0">
                         <a:effectLst/>
                         <a:latin typeface="Calibri" panose="020F0502020204030204" pitchFamily="34" charset="0"/>
                         <a:ea typeface="Calibri" panose="020F0502020204030204" pitchFamily="34" charset="0"/>
@@ -12175,12 +12171,12 @@
                         </a:spcAft>
                       </a:pPr>
                       <a:r>
-                        <a:rPr lang="en-US" sz="1800">
+                        <a:rPr lang="en-US" sz="1600">
                           <a:effectLst/>
                         </a:rPr>
                         <a:t>July 7</a:t>
                       </a:r>
-                      <a:endParaRPr lang="en-US" sz="1800">
+                      <a:endParaRPr lang="en-US" sz="1600">
                         <a:effectLst/>
                         <a:latin typeface="Calibri" panose="020F0502020204030204" pitchFamily="34" charset="0"/>
                         <a:ea typeface="Calibri" panose="020F0502020204030204" pitchFamily="34" charset="0"/>
@@ -12207,12 +12203,12 @@
                         </a:spcAft>
                       </a:pPr>
                       <a:r>
-                        <a:rPr lang="en-US" sz="1800">
+                        <a:rPr lang="en-US" sz="1600">
                           <a:effectLst/>
                         </a:rPr>
-                        <a:t>Nga</a:t>
+                        <a:t>Thanh</a:t>
                       </a:r>
-                      <a:endParaRPr lang="en-US" sz="1800">
+                      <a:endParaRPr lang="en-US" sz="1600">
                         <a:effectLst/>
                         <a:latin typeface="Calibri" panose="020F0502020204030204" pitchFamily="34" charset="0"/>
                         <a:ea typeface="Calibri" panose="020F0502020204030204" pitchFamily="34" charset="0"/>
@@ -12239,12 +12235,12 @@
                         </a:spcAft>
                       </a:pPr>
                       <a:r>
-                        <a:rPr lang="en-US" sz="1800">
+                        <a:rPr lang="en-US" sz="1600">
                           <a:effectLst/>
                         </a:rPr>
                         <a:t> </a:t>
                       </a:r>
-                      <a:endParaRPr lang="en-US" sz="1800">
+                      <a:endParaRPr lang="en-US" sz="1600">
                         <a:effectLst/>
                         <a:latin typeface="Calibri" panose="020F0502020204030204" pitchFamily="34" charset="0"/>
                         <a:ea typeface="Calibri" panose="020F0502020204030204" pitchFamily="34" charset="0"/>
@@ -12256,17 +12252,17 @@
                 </a:tc>
                 <a:extLst>
                   <a:ext uri="{0D108BD9-81ED-4DB2-BD59-A6C34878D82A}">
-                    <a16:rowId xmlns:a16="http://schemas.microsoft.com/office/drawing/2014/main" val="2790144542"/>
+                    <a16:rowId xmlns:a16="http://schemas.microsoft.com/office/drawing/2014/main" val="3373034006"/>
                   </a:ext>
                 </a:extLst>
               </a:tr>
-              <a:tr h="500438">
+              <a:tr h="473474">
                 <a:tc>
                   <a:txBody>
                     <a:bodyPr/>
                     <a:lstStyle/>
                     <a:p>
-                      <a:pPr marL="0" marR="0" indent="19685" algn="ctr">
+                      <a:pPr marL="0" marR="0" algn="ctr">
                         <a:lnSpc>
                           <a:spcPct val="115000"/>
                         </a:lnSpc>
@@ -12278,12 +12274,12 @@
                         </a:spcAft>
                       </a:pPr>
                       <a:r>
-                        <a:rPr lang="en-US" sz="1800">
+                        <a:rPr lang="en-US" sz="1600">
                           <a:effectLst/>
                         </a:rPr>
                         <a:t>2</a:t>
                       </a:r>
-                      <a:endParaRPr lang="en-US" sz="1800">
+                      <a:endParaRPr lang="en-US" sz="1600">
                         <a:effectLst/>
                         <a:latin typeface="Calibri" panose="020F0502020204030204" pitchFamily="34" charset="0"/>
                         <a:ea typeface="Calibri" panose="020F0502020204030204" pitchFamily="34" charset="0"/>
@@ -12310,12 +12306,12 @@
                         </a:spcAft>
                       </a:pPr>
                       <a:r>
-                        <a:rPr lang="en-US" sz="1800">
+                        <a:rPr lang="en-US" sz="1600">
                           <a:effectLst/>
                         </a:rPr>
                         <a:t>Code</a:t>
                       </a:r>
-                      <a:endParaRPr lang="en-US" sz="1800">
+                      <a:endParaRPr lang="en-US" sz="1600">
                         <a:effectLst/>
                         <a:latin typeface="Calibri" panose="020F0502020204030204" pitchFamily="34" charset="0"/>
                         <a:ea typeface="Calibri" panose="020F0502020204030204" pitchFamily="34" charset="0"/>
@@ -12342,12 +12338,12 @@
                         </a:spcAft>
                       </a:pPr>
                       <a:r>
-                        <a:rPr lang="en-US" sz="1800">
+                        <a:rPr lang="en-US" sz="1600">
                           <a:effectLst/>
                         </a:rPr>
                         <a:t> </a:t>
                       </a:r>
-                      <a:endParaRPr lang="en-US" sz="1800">
+                      <a:endParaRPr lang="en-US" sz="1600">
                         <a:effectLst/>
                         <a:latin typeface="Calibri" panose="020F0502020204030204" pitchFamily="34" charset="0"/>
                         <a:ea typeface="Calibri" panose="020F0502020204030204" pitchFamily="34" charset="0"/>
@@ -12374,12 +12370,12 @@
                         </a:spcAft>
                       </a:pPr>
                       <a:r>
-                        <a:rPr lang="en-US" sz="1800">
+                        <a:rPr lang="en-US" sz="1600" dirty="0">
                           <a:effectLst/>
                         </a:rPr>
-                        <a:t>July 8</a:t>
+                        <a:t>July 1</a:t>
                       </a:r>
-                      <a:endParaRPr lang="en-US" sz="1800">
+                      <a:endParaRPr lang="en-US" sz="1600" dirty="0">
                         <a:effectLst/>
                         <a:latin typeface="Calibri" panose="020F0502020204030204" pitchFamily="34" charset="0"/>
                         <a:ea typeface="Calibri" panose="020F0502020204030204" pitchFamily="34" charset="0"/>
@@ -12406,12 +12402,12 @@
                         </a:spcAft>
                       </a:pPr>
                       <a:r>
-                        <a:rPr lang="en-US" sz="1800">
+                        <a:rPr lang="en-US" sz="1600" dirty="0">
                           <a:effectLst/>
                         </a:rPr>
-                        <a:t>July 20</a:t>
+                        <a:t>July 7</a:t>
                       </a:r>
-                      <a:endParaRPr lang="en-US" sz="1800">
+                      <a:endParaRPr lang="en-US" sz="1600" dirty="0">
                         <a:effectLst/>
                         <a:latin typeface="Calibri" panose="020F0502020204030204" pitchFamily="34" charset="0"/>
                         <a:ea typeface="Calibri" panose="020F0502020204030204" pitchFamily="34" charset="0"/>
@@ -12438,12 +12434,12 @@
                         </a:spcAft>
                       </a:pPr>
                       <a:r>
-                        <a:rPr lang="en-US" sz="1800">
+                        <a:rPr lang="en-US" sz="1600">
                           <a:effectLst/>
                         </a:rPr>
-                        <a:t>Thanh &amp; Nga</a:t>
+                        <a:t>Nga</a:t>
                       </a:r>
-                      <a:endParaRPr lang="en-US" sz="1800">
+                      <a:endParaRPr lang="en-US" sz="1600">
                         <a:effectLst/>
                         <a:latin typeface="Calibri" panose="020F0502020204030204" pitchFamily="34" charset="0"/>
                         <a:ea typeface="Calibri" panose="020F0502020204030204" pitchFamily="34" charset="0"/>
@@ -12470,12 +12466,12 @@
                         </a:spcAft>
                       </a:pPr>
                       <a:r>
-                        <a:rPr lang="en-US" sz="1800">
+                        <a:rPr lang="en-US" sz="1600">
                           <a:effectLst/>
                         </a:rPr>
                         <a:t> </a:t>
                       </a:r>
-                      <a:endParaRPr lang="en-US" sz="1800">
+                      <a:endParaRPr lang="en-US" sz="1600">
                         <a:effectLst/>
                         <a:latin typeface="Calibri" panose="020F0502020204030204" pitchFamily="34" charset="0"/>
                         <a:ea typeface="Calibri" panose="020F0502020204030204" pitchFamily="34" charset="0"/>
@@ -12487,11 +12483,11 @@
                 </a:tc>
                 <a:extLst>
                   <a:ext uri="{0D108BD9-81ED-4DB2-BD59-A6C34878D82A}">
-                    <a16:rowId xmlns:a16="http://schemas.microsoft.com/office/drawing/2014/main" val="1558054693"/>
+                    <a16:rowId xmlns:a16="http://schemas.microsoft.com/office/drawing/2014/main" val="3534628418"/>
                   </a:ext>
                 </a:extLst>
               </a:tr>
-              <a:tr h="364053">
+              <a:tr h="472215">
                 <a:tc>
                   <a:txBody>
                     <a:bodyPr/>
@@ -12509,12 +12505,12 @@
                         </a:spcAft>
                       </a:pPr>
                       <a:r>
-                        <a:rPr lang="en-US" sz="1800">
+                        <a:rPr lang="en-US" sz="1600">
                           <a:effectLst/>
                         </a:rPr>
                         <a:t>3</a:t>
                       </a:r>
-                      <a:endParaRPr lang="en-US" sz="1800">
+                      <a:endParaRPr lang="en-US" sz="1600">
                         <a:effectLst/>
                         <a:latin typeface="Calibri" panose="020F0502020204030204" pitchFamily="34" charset="0"/>
                         <a:ea typeface="Calibri" panose="020F0502020204030204" pitchFamily="34" charset="0"/>
@@ -12541,12 +12537,12 @@
                         </a:spcAft>
                       </a:pPr>
                       <a:r>
-                        <a:rPr lang="en-US" sz="1800">
+                        <a:rPr lang="en-US" sz="1600" dirty="0">
                           <a:effectLst/>
                         </a:rPr>
                         <a:t>Code</a:t>
                       </a:r>
-                      <a:endParaRPr lang="en-US" sz="1800">
+                      <a:endParaRPr lang="en-US" sz="1600" dirty="0">
                         <a:effectLst/>
                         <a:latin typeface="Calibri" panose="020F0502020204030204" pitchFamily="34" charset="0"/>
                         <a:ea typeface="Calibri" panose="020F0502020204030204" pitchFamily="34" charset="0"/>
@@ -12573,12 +12569,12 @@
                         </a:spcAft>
                       </a:pPr>
                       <a:r>
-                        <a:rPr lang="en-US" sz="1800">
+                        <a:rPr lang="en-US" sz="1600">
                           <a:effectLst/>
                         </a:rPr>
                         <a:t> </a:t>
                       </a:r>
-                      <a:endParaRPr lang="en-US" sz="1800">
+                      <a:endParaRPr lang="en-US" sz="1600">
                         <a:effectLst/>
                         <a:latin typeface="Calibri" panose="020F0502020204030204" pitchFamily="34" charset="0"/>
                         <a:ea typeface="Calibri" panose="020F0502020204030204" pitchFamily="34" charset="0"/>
@@ -12605,12 +12601,12 @@
                         </a:spcAft>
                       </a:pPr>
                       <a:r>
-                        <a:rPr lang="en-US" sz="1800">
+                        <a:rPr lang="en-US" sz="1600">
                           <a:effectLst/>
                         </a:rPr>
-                        <a:t>July 8 </a:t>
+                        <a:t>July 8</a:t>
                       </a:r>
-                      <a:endParaRPr lang="en-US" sz="1800">
+                      <a:endParaRPr lang="en-US" sz="1600">
                         <a:effectLst/>
                         <a:latin typeface="Calibri" panose="020F0502020204030204" pitchFamily="34" charset="0"/>
                         <a:ea typeface="Calibri" panose="020F0502020204030204" pitchFamily="34" charset="0"/>
@@ -12637,12 +12633,12 @@
                         </a:spcAft>
                       </a:pPr>
                       <a:r>
-                        <a:rPr lang="en-US" sz="1800">
+                        <a:rPr lang="en-US" sz="1600" dirty="0">
                           <a:effectLst/>
                         </a:rPr>
-                        <a:t>July 15</a:t>
+                        <a:t>July 20</a:t>
                       </a:r>
-                      <a:endParaRPr lang="en-US" sz="1800">
+                      <a:endParaRPr lang="en-US" sz="1600" dirty="0">
                         <a:effectLst/>
                         <a:latin typeface="Calibri" panose="020F0502020204030204" pitchFamily="34" charset="0"/>
                         <a:ea typeface="Calibri" panose="020F0502020204030204" pitchFamily="34" charset="0"/>
@@ -12669,12 +12665,24 @@
                         </a:spcAft>
                       </a:pPr>
                       <a:r>
-                        <a:rPr lang="en-US" sz="1800">
+                        <a:rPr lang="en-US" sz="1600" dirty="0" err="1">
                           <a:effectLst/>
                         </a:rPr>
-                        <a:t>Binh</a:t>
+                        <a:t>Thanh</a:t>
                       </a:r>
-                      <a:endParaRPr lang="en-US" sz="1800">
+                      <a:r>
+                        <a:rPr lang="en-US" sz="1600" dirty="0">
+                          <a:effectLst/>
+                        </a:rPr>
+                        <a:t> &amp; </a:t>
+                      </a:r>
+                      <a:r>
+                        <a:rPr lang="en-US" sz="1600" dirty="0" err="1">
+                          <a:effectLst/>
+                        </a:rPr>
+                        <a:t>Nga</a:t>
+                      </a:r>
+                      <a:endParaRPr lang="en-US" sz="1600" dirty="0">
                         <a:effectLst/>
                         <a:latin typeface="Calibri" panose="020F0502020204030204" pitchFamily="34" charset="0"/>
                         <a:ea typeface="Calibri" panose="020F0502020204030204" pitchFamily="34" charset="0"/>
@@ -12701,12 +12709,12 @@
                         </a:spcAft>
                       </a:pPr>
                       <a:r>
-                        <a:rPr lang="en-US" sz="1800">
+                        <a:rPr lang="en-US" sz="1600">
                           <a:effectLst/>
                         </a:rPr>
                         <a:t> </a:t>
                       </a:r>
-                      <a:endParaRPr lang="en-US" sz="1800">
+                      <a:endParaRPr lang="en-US" sz="1600">
                         <a:effectLst/>
                         <a:latin typeface="Calibri" panose="020F0502020204030204" pitchFamily="34" charset="0"/>
                         <a:ea typeface="Calibri" panose="020F0502020204030204" pitchFamily="34" charset="0"/>
@@ -12718,11 +12726,11 @@
                 </a:tc>
                 <a:extLst>
                   <a:ext uri="{0D108BD9-81ED-4DB2-BD59-A6C34878D82A}">
-                    <a16:rowId xmlns:a16="http://schemas.microsoft.com/office/drawing/2014/main" val="3194997618"/>
+                    <a16:rowId xmlns:a16="http://schemas.microsoft.com/office/drawing/2014/main" val="548228157"/>
                   </a:ext>
                 </a:extLst>
               </a:tr>
-              <a:tr h="364053">
+              <a:tr h="343521">
                 <a:tc>
                   <a:txBody>
                     <a:bodyPr/>
@@ -12740,12 +12748,12 @@
                         </a:spcAft>
                       </a:pPr>
                       <a:r>
-                        <a:rPr lang="en-US" sz="1800">
+                        <a:rPr lang="en-US" sz="1600">
                           <a:effectLst/>
                         </a:rPr>
                         <a:t>4</a:t>
                       </a:r>
-                      <a:endParaRPr lang="en-US" sz="1800">
+                      <a:endParaRPr lang="en-US" sz="1600">
                         <a:effectLst/>
                         <a:latin typeface="Calibri" panose="020F0502020204030204" pitchFamily="34" charset="0"/>
                         <a:ea typeface="Calibri" panose="020F0502020204030204" pitchFamily="34" charset="0"/>
@@ -12772,12 +12780,12 @@
                         </a:spcAft>
                       </a:pPr>
                       <a:r>
-                        <a:rPr lang="en-US" sz="1800">
+                        <a:rPr lang="en-US" sz="1600">
                           <a:effectLst/>
                         </a:rPr>
-                        <a:t>Control</a:t>
+                        <a:t>Code</a:t>
                       </a:r>
-                      <a:endParaRPr lang="en-US" sz="1800">
+                      <a:endParaRPr lang="en-US" sz="1600">
                         <a:effectLst/>
                         <a:latin typeface="Calibri" panose="020F0502020204030204" pitchFamily="34" charset="0"/>
                         <a:ea typeface="Calibri" panose="020F0502020204030204" pitchFamily="34" charset="0"/>
@@ -12804,12 +12812,12 @@
                         </a:spcAft>
                       </a:pPr>
                       <a:r>
-                        <a:rPr lang="en-US" sz="1800">
+                        <a:rPr lang="en-US" sz="1600">
                           <a:effectLst/>
                         </a:rPr>
                         <a:t> </a:t>
                       </a:r>
-                      <a:endParaRPr lang="en-US" sz="1800">
+                      <a:endParaRPr lang="en-US" sz="1600">
                         <a:effectLst/>
                         <a:latin typeface="Calibri" panose="020F0502020204030204" pitchFamily="34" charset="0"/>
                         <a:ea typeface="Calibri" panose="020F0502020204030204" pitchFamily="34" charset="0"/>
@@ -12836,12 +12844,12 @@
                         </a:spcAft>
                       </a:pPr>
                       <a:r>
-                        <a:rPr lang="en-US" sz="1800">
+                        <a:rPr lang="en-US" sz="1600">
                           <a:effectLst/>
                         </a:rPr>
-                        <a:t>July 21</a:t>
+                        <a:t>July 8 </a:t>
                       </a:r>
-                      <a:endParaRPr lang="en-US" sz="1800">
+                      <a:endParaRPr lang="en-US" sz="1600">
                         <a:effectLst/>
                         <a:latin typeface="Calibri" panose="020F0502020204030204" pitchFamily="34" charset="0"/>
                         <a:ea typeface="Calibri" panose="020F0502020204030204" pitchFamily="34" charset="0"/>
@@ -12868,12 +12876,12 @@
                         </a:spcAft>
                       </a:pPr>
                       <a:r>
-                        <a:rPr lang="en-US" sz="1800">
+                        <a:rPr lang="en-US" sz="1600">
                           <a:effectLst/>
                         </a:rPr>
-                        <a:t>July 27</a:t>
+                        <a:t>July 15</a:t>
                       </a:r>
-                      <a:endParaRPr lang="en-US" sz="1800">
+                      <a:endParaRPr lang="en-US" sz="1600">
                         <a:effectLst/>
                         <a:latin typeface="Calibri" panose="020F0502020204030204" pitchFamily="34" charset="0"/>
                         <a:ea typeface="Calibri" panose="020F0502020204030204" pitchFamily="34" charset="0"/>
@@ -12900,12 +12908,12 @@
                         </a:spcAft>
                       </a:pPr>
                       <a:r>
-                        <a:rPr lang="en-US" sz="1800">
+                        <a:rPr lang="en-US" sz="1600" dirty="0" err="1">
                           <a:effectLst/>
                         </a:rPr>
-                        <a:t>Thanh &amp; Binh</a:t>
+                        <a:t>Binh</a:t>
                       </a:r>
-                      <a:endParaRPr lang="en-US" sz="1800">
+                      <a:endParaRPr lang="en-US" sz="1600" dirty="0">
                         <a:effectLst/>
                         <a:latin typeface="Calibri" panose="020F0502020204030204" pitchFamily="34" charset="0"/>
                         <a:ea typeface="Calibri" panose="020F0502020204030204" pitchFamily="34" charset="0"/>
@@ -12932,12 +12940,12 @@
                         </a:spcAft>
                       </a:pPr>
                       <a:r>
-                        <a:rPr lang="en-US" sz="1800" dirty="0">
+                        <a:rPr lang="en-US" sz="1600">
                           <a:effectLst/>
                         </a:rPr>
                         <a:t> </a:t>
                       </a:r>
-                      <a:endParaRPr lang="en-US" sz="1800" dirty="0">
+                      <a:endParaRPr lang="en-US" sz="1600">
                         <a:effectLst/>
                         <a:latin typeface="Calibri" panose="020F0502020204030204" pitchFamily="34" charset="0"/>
                         <a:ea typeface="Calibri" panose="020F0502020204030204" pitchFamily="34" charset="0"/>
@@ -12949,11 +12957,11 @@
                 </a:tc>
                 <a:extLst>
                   <a:ext uri="{0D108BD9-81ED-4DB2-BD59-A6C34878D82A}">
-                    <a16:rowId xmlns:a16="http://schemas.microsoft.com/office/drawing/2014/main" val="995385522"/>
+                    <a16:rowId xmlns:a16="http://schemas.microsoft.com/office/drawing/2014/main" val="2910463082"/>
                   </a:ext>
                 </a:extLst>
               </a:tr>
-              <a:tr h="364053">
+              <a:tr h="343521">
                 <a:tc>
                   <a:txBody>
                     <a:bodyPr/>
@@ -12971,12 +12979,12 @@
                         </a:spcAft>
                       </a:pPr>
                       <a:r>
-                        <a:rPr lang="en-US" sz="1800">
+                        <a:rPr lang="en-US" sz="1600">
                           <a:effectLst/>
                         </a:rPr>
                         <a:t>5</a:t>
                       </a:r>
-                      <a:endParaRPr lang="en-US" sz="1800">
+                      <a:endParaRPr lang="en-US" sz="1600">
                         <a:effectLst/>
                         <a:latin typeface="Calibri" panose="020F0502020204030204" pitchFamily="34" charset="0"/>
                         <a:ea typeface="Calibri" panose="020F0502020204030204" pitchFamily="34" charset="0"/>
@@ -13003,12 +13011,12 @@
                         </a:spcAft>
                       </a:pPr>
                       <a:r>
-                        <a:rPr lang="en-US" sz="1800">
+                        <a:rPr lang="en-US" sz="1600">
                           <a:effectLst/>
                         </a:rPr>
-                        <a:t>Write Report</a:t>
+                        <a:t>Control</a:t>
                       </a:r>
-                      <a:endParaRPr lang="en-US" sz="1800">
+                      <a:endParaRPr lang="en-US" sz="1600">
                         <a:effectLst/>
                         <a:latin typeface="Calibri" panose="020F0502020204030204" pitchFamily="34" charset="0"/>
                         <a:ea typeface="Calibri" panose="020F0502020204030204" pitchFamily="34" charset="0"/>
@@ -13035,12 +13043,12 @@
                         </a:spcAft>
                       </a:pPr>
                       <a:r>
-                        <a:rPr lang="en-US" sz="1800">
+                        <a:rPr lang="en-US" sz="1600">
                           <a:effectLst/>
                         </a:rPr>
                         <a:t> </a:t>
                       </a:r>
-                      <a:endParaRPr lang="en-US" sz="1800">
+                      <a:endParaRPr lang="en-US" sz="1600">
                         <a:effectLst/>
                         <a:latin typeface="Calibri" panose="020F0502020204030204" pitchFamily="34" charset="0"/>
                         <a:ea typeface="Calibri" panose="020F0502020204030204" pitchFamily="34" charset="0"/>
@@ -13067,12 +13075,12 @@
                         </a:spcAft>
                       </a:pPr>
                       <a:r>
-                        <a:rPr lang="en-US" sz="1800">
+                        <a:rPr lang="en-US" sz="1600">
                           <a:effectLst/>
                         </a:rPr>
                         <a:t>July 21</a:t>
                       </a:r>
-                      <a:endParaRPr lang="en-US" sz="1800">
+                      <a:endParaRPr lang="en-US" sz="1600">
                         <a:effectLst/>
                         <a:latin typeface="Calibri" panose="020F0502020204030204" pitchFamily="34" charset="0"/>
                         <a:ea typeface="Calibri" panose="020F0502020204030204" pitchFamily="34" charset="0"/>
@@ -13099,12 +13107,12 @@
                         </a:spcAft>
                       </a:pPr>
                       <a:r>
-                        <a:rPr lang="en-US" sz="1800">
+                        <a:rPr lang="en-US" sz="1600">
                           <a:effectLst/>
                         </a:rPr>
                         <a:t>July 27</a:t>
                       </a:r>
-                      <a:endParaRPr lang="en-US" sz="1800">
+                      <a:endParaRPr lang="en-US" sz="1600">
                         <a:effectLst/>
                         <a:latin typeface="Calibri" panose="020F0502020204030204" pitchFamily="34" charset="0"/>
                         <a:ea typeface="Calibri" panose="020F0502020204030204" pitchFamily="34" charset="0"/>
@@ -13131,12 +13139,24 @@
                         </a:spcAft>
                       </a:pPr>
                       <a:r>
-                        <a:rPr lang="en-US" sz="1800" dirty="0" err="1">
+                        <a:rPr lang="en-US" sz="1600" dirty="0" err="1">
                           <a:effectLst/>
                         </a:rPr>
                         <a:t>Thanh</a:t>
                       </a:r>
-                      <a:endParaRPr lang="en-US" sz="1800" dirty="0">
+                      <a:r>
+                        <a:rPr lang="en-US" sz="1600" dirty="0">
+                          <a:effectLst/>
+                        </a:rPr>
+                        <a:t> &amp; </a:t>
+                      </a:r>
+                      <a:r>
+                        <a:rPr lang="en-US" sz="1600" dirty="0" err="1">
+                          <a:effectLst/>
+                        </a:rPr>
+                        <a:t>Binh</a:t>
+                      </a:r>
+                      <a:endParaRPr lang="en-US" sz="1600" dirty="0">
                         <a:effectLst/>
                         <a:latin typeface="Calibri" panose="020F0502020204030204" pitchFamily="34" charset="0"/>
                         <a:ea typeface="Calibri" panose="020F0502020204030204" pitchFamily="34" charset="0"/>
@@ -13163,12 +13183,12 @@
                         </a:spcAft>
                       </a:pPr>
                       <a:r>
-                        <a:rPr lang="en-US" sz="1800" dirty="0">
+                        <a:rPr lang="en-US" sz="1600">
                           <a:effectLst/>
                         </a:rPr>
                         <a:t> </a:t>
                       </a:r>
-                      <a:endParaRPr lang="en-US" sz="1800" dirty="0">
+                      <a:endParaRPr lang="en-US" sz="1600">
                         <a:effectLst/>
                         <a:latin typeface="Calibri" panose="020F0502020204030204" pitchFamily="34" charset="0"/>
                         <a:ea typeface="Calibri" panose="020F0502020204030204" pitchFamily="34" charset="0"/>
@@ -13180,7 +13200,238 @@
                 </a:tc>
                 <a:extLst>
                   <a:ext uri="{0D108BD9-81ED-4DB2-BD59-A6C34878D82A}">
-                    <a16:rowId xmlns:a16="http://schemas.microsoft.com/office/drawing/2014/main" val="2774146404"/>
+                    <a16:rowId xmlns:a16="http://schemas.microsoft.com/office/drawing/2014/main" val="3510743861"/>
+                  </a:ext>
+                </a:extLst>
+              </a:tr>
+              <a:tr h="343521">
+                <a:tc>
+                  <a:txBody>
+                    <a:bodyPr/>
+                    <a:lstStyle/>
+                    <a:p>
+                      <a:pPr marL="0" marR="0" indent="19685" algn="ctr">
+                        <a:lnSpc>
+                          <a:spcPct val="115000"/>
+                        </a:lnSpc>
+                        <a:spcBef>
+                          <a:spcPts val="0"/>
+                        </a:spcBef>
+                        <a:spcAft>
+                          <a:spcPts val="0"/>
+                        </a:spcAft>
+                      </a:pPr>
+                      <a:r>
+                        <a:rPr lang="en-US" sz="1600">
+                          <a:effectLst/>
+                        </a:rPr>
+                        <a:t>6</a:t>
+                      </a:r>
+                      <a:endParaRPr lang="en-US" sz="1600">
+                        <a:effectLst/>
+                        <a:latin typeface="Calibri" panose="020F0502020204030204" pitchFamily="34" charset="0"/>
+                        <a:ea typeface="Calibri" panose="020F0502020204030204" pitchFamily="34" charset="0"/>
+                        <a:cs typeface="Times New Roman" panose="02020603050405020304" pitchFamily="18" charset="0"/>
+                      </a:endParaRPr>
+                    </a:p>
+                  </a:txBody>
+                  <a:tcPr marL="68580" marR="68580" marT="0" marB="0"/>
+                </a:tc>
+                <a:tc>
+                  <a:txBody>
+                    <a:bodyPr/>
+                    <a:lstStyle/>
+                    <a:p>
+                      <a:pPr marL="0" marR="0" indent="19685">
+                        <a:lnSpc>
+                          <a:spcPct val="115000"/>
+                        </a:lnSpc>
+                        <a:spcBef>
+                          <a:spcPts val="0"/>
+                        </a:spcBef>
+                        <a:spcAft>
+                          <a:spcPts val="0"/>
+                        </a:spcAft>
+                      </a:pPr>
+                      <a:r>
+                        <a:rPr lang="en-US" sz="1600">
+                          <a:effectLst/>
+                        </a:rPr>
+                        <a:t>Write Report</a:t>
+                      </a:r>
+                      <a:endParaRPr lang="en-US" sz="1600">
+                        <a:effectLst/>
+                        <a:latin typeface="Calibri" panose="020F0502020204030204" pitchFamily="34" charset="0"/>
+                        <a:ea typeface="Calibri" panose="020F0502020204030204" pitchFamily="34" charset="0"/>
+                        <a:cs typeface="Times New Roman" panose="02020603050405020304" pitchFamily="18" charset="0"/>
+                      </a:endParaRPr>
+                    </a:p>
+                  </a:txBody>
+                  <a:tcPr marL="68580" marR="68580" marT="0" marB="0"/>
+                </a:tc>
+                <a:tc>
+                  <a:txBody>
+                    <a:bodyPr/>
+                    <a:lstStyle/>
+                    <a:p>
+                      <a:pPr marL="0" marR="0" indent="19685">
+                        <a:lnSpc>
+                          <a:spcPct val="115000"/>
+                        </a:lnSpc>
+                        <a:spcBef>
+                          <a:spcPts val="0"/>
+                        </a:spcBef>
+                        <a:spcAft>
+                          <a:spcPts val="0"/>
+                        </a:spcAft>
+                      </a:pPr>
+                      <a:r>
+                        <a:rPr lang="en-US" sz="1600">
+                          <a:effectLst/>
+                        </a:rPr>
+                        <a:t> </a:t>
+                      </a:r>
+                      <a:endParaRPr lang="en-US" sz="1600">
+                        <a:effectLst/>
+                        <a:latin typeface="Calibri" panose="020F0502020204030204" pitchFamily="34" charset="0"/>
+                        <a:ea typeface="Calibri" panose="020F0502020204030204" pitchFamily="34" charset="0"/>
+                        <a:cs typeface="Times New Roman" panose="02020603050405020304" pitchFamily="18" charset="0"/>
+                      </a:endParaRPr>
+                    </a:p>
+                  </a:txBody>
+                  <a:tcPr marL="68580" marR="68580" marT="0" marB="0"/>
+                </a:tc>
+                <a:tc>
+                  <a:txBody>
+                    <a:bodyPr/>
+                    <a:lstStyle/>
+                    <a:p>
+                      <a:pPr marL="0" marR="0" indent="19685">
+                        <a:lnSpc>
+                          <a:spcPct val="115000"/>
+                        </a:lnSpc>
+                        <a:spcBef>
+                          <a:spcPts val="0"/>
+                        </a:spcBef>
+                        <a:spcAft>
+                          <a:spcPts val="0"/>
+                        </a:spcAft>
+                      </a:pPr>
+                      <a:r>
+                        <a:rPr lang="en-US" sz="1600">
+                          <a:effectLst/>
+                        </a:rPr>
+                        <a:t>July 21</a:t>
+                      </a:r>
+                      <a:endParaRPr lang="en-US" sz="1600">
+                        <a:effectLst/>
+                        <a:latin typeface="Calibri" panose="020F0502020204030204" pitchFamily="34" charset="0"/>
+                        <a:ea typeface="Calibri" panose="020F0502020204030204" pitchFamily="34" charset="0"/>
+                        <a:cs typeface="Times New Roman" panose="02020603050405020304" pitchFamily="18" charset="0"/>
+                      </a:endParaRPr>
+                    </a:p>
+                  </a:txBody>
+                  <a:tcPr marL="68580" marR="68580" marT="0" marB="0"/>
+                </a:tc>
+                <a:tc>
+                  <a:txBody>
+                    <a:bodyPr/>
+                    <a:lstStyle/>
+                    <a:p>
+                      <a:pPr marL="0" marR="0" indent="19685">
+                        <a:lnSpc>
+                          <a:spcPct val="115000"/>
+                        </a:lnSpc>
+                        <a:spcBef>
+                          <a:spcPts val="0"/>
+                        </a:spcBef>
+                        <a:spcAft>
+                          <a:spcPts val="0"/>
+                        </a:spcAft>
+                      </a:pPr>
+                      <a:r>
+                        <a:rPr lang="en-US" sz="1600">
+                          <a:effectLst/>
+                        </a:rPr>
+                        <a:t>July 27</a:t>
+                      </a:r>
+                      <a:endParaRPr lang="en-US" sz="1600">
+                        <a:effectLst/>
+                        <a:latin typeface="Calibri" panose="020F0502020204030204" pitchFamily="34" charset="0"/>
+                        <a:ea typeface="Calibri" panose="020F0502020204030204" pitchFamily="34" charset="0"/>
+                        <a:cs typeface="Times New Roman" panose="02020603050405020304" pitchFamily="18" charset="0"/>
+                      </a:endParaRPr>
+                    </a:p>
+                  </a:txBody>
+                  <a:tcPr marL="68580" marR="68580" marT="0" marB="0"/>
+                </a:tc>
+                <a:tc>
+                  <a:txBody>
+                    <a:bodyPr/>
+                    <a:lstStyle/>
+                    <a:p>
+                      <a:pPr marL="0" marR="0" indent="19685">
+                        <a:lnSpc>
+                          <a:spcPct val="115000"/>
+                        </a:lnSpc>
+                        <a:spcBef>
+                          <a:spcPts val="0"/>
+                        </a:spcBef>
+                        <a:spcAft>
+                          <a:spcPts val="0"/>
+                        </a:spcAft>
+                      </a:pPr>
+                      <a:r>
+                        <a:rPr lang="en-US" sz="1600" dirty="0" err="1">
+                          <a:effectLst/>
+                        </a:rPr>
+                        <a:t>Thanh</a:t>
+                      </a:r>
+                      <a:endParaRPr lang="en-US" sz="1600" dirty="0">
+                        <a:effectLst/>
+                        <a:latin typeface="Calibri" panose="020F0502020204030204" pitchFamily="34" charset="0"/>
+                        <a:ea typeface="Calibri" panose="020F0502020204030204" pitchFamily="34" charset="0"/>
+                        <a:cs typeface="Times New Roman" panose="02020603050405020304" pitchFamily="18" charset="0"/>
+                      </a:endParaRPr>
+                    </a:p>
+                  </a:txBody>
+                  <a:tcPr marL="68580" marR="68580" marT="0" marB="0"/>
+                </a:tc>
+                <a:tc>
+                  <a:txBody>
+                    <a:bodyPr/>
+                    <a:lstStyle/>
+                    <a:p>
+                      <a:pPr marL="0" marR="0" indent="19685">
+                        <a:lnSpc>
+                          <a:spcPct val="115000"/>
+                        </a:lnSpc>
+                        <a:spcBef>
+                          <a:spcPts val="0"/>
+                        </a:spcBef>
+                        <a:spcAft>
+                          <a:spcPts val="0"/>
+                        </a:spcAft>
+                      </a:pPr>
+                      <a:r>
+                        <a:rPr lang="en-US" sz="1600" dirty="0">
+                          <a:effectLst/>
+                        </a:rPr>
+                        <a:t> </a:t>
+                      </a:r>
+                      <a:endParaRPr lang="en-US" sz="1600" dirty="0">
+                        <a:effectLst/>
+                        <a:latin typeface="Calibri" panose="020F0502020204030204" pitchFamily="34" charset="0"/>
+                        <a:ea typeface="Calibri" panose="020F0502020204030204" pitchFamily="34" charset="0"/>
+                        <a:cs typeface="Times New Roman" panose="02020603050405020304" pitchFamily="18" charset="0"/>
+                      </a:endParaRPr>
+                    </a:p>
+                  </a:txBody>
+                  <a:tcPr marL="68580" marR="68580" marT="0" marB="0"/>
+                </a:tc>
+                <a:extLst>
+                  <a:ext uri="{0D108BD9-81ED-4DB2-BD59-A6C34878D82A}">
+                    <a16:rowId xmlns:a16="http://schemas.microsoft.com/office/drawing/2014/main" val="143261052"/>
                   </a:ext>
                 </a:extLst>
               </a:tr>
@@ -13192,396 +13443,6 @@
     <p:extLst>
       <p:ext uri="{BB962C8B-B14F-4D97-AF65-F5344CB8AC3E}">
         <p14:creationId xmlns:p14="http://schemas.microsoft.com/office/powerpoint/2010/main" val="3661484614"/>
-      </p:ext>
-    </p:extLst>
-  </p:cSld>
-  <p:clrMapOvr>
-    <a:masterClrMapping/>
-  </p:clrMapOvr>
-  <mc:AlternateContent xmlns:mc="http://schemas.openxmlformats.org/markup-compatibility/2006" xmlns:p14="http://schemas.microsoft.com/office/powerpoint/2010/main">
-    <mc:Choice Requires="p14">
-      <p:transition spd="med" p14:dur="700">
-        <p:fade/>
-      </p:transition>
-    </mc:Choice>
-    <mc:Fallback xmlns="">
-      <p:transition spd="med">
-        <p:fade/>
-      </p:transition>
-    </mc:Fallback>
-  </mc:AlternateContent>
-  <p:timing>
-    <p:tnLst>
-      <p:par>
-        <p:cTn id="1" dur="indefinite" restart="never" nodeType="tmRoot"/>
-      </p:par>
-    </p:tnLst>
-  </p:timing>
-</p:sld>
-</file>
-
-<file path=ppt/slides/slide23.xml><?xml version="1.0" encoding="utf-8"?>
-<p:sld xmlns:a="http://schemas.openxmlformats.org/drawingml/2006/main" xmlns:r="http://schemas.openxmlformats.org/officeDocument/2006/relationships" xmlns:p="http://schemas.openxmlformats.org/presentationml/2006/main">
-  <p:cSld>
-    <p:spTree>
-      <p:nvGrpSpPr>
-        <p:cNvPr id="1" name=""/>
-        <p:cNvGrpSpPr/>
-        <p:nvPr/>
-      </p:nvGrpSpPr>
-      <p:grpSpPr>
-        <a:xfrm>
-          <a:off x="0" y="0"/>
-          <a:ext cx="0" cy="0"/>
-          <a:chOff x="0" y="0"/>
-          <a:chExt cx="0" cy="0"/>
-        </a:xfrm>
-      </p:grpSpPr>
-      <p:sp>
-        <p:nvSpPr>
-          <p:cNvPr id="2" name="Title 1">
-            <a:extLst>
-              <a:ext uri="{FF2B5EF4-FFF2-40B4-BE49-F238E27FC236}">
-                <a16:creationId xmlns:a16="http://schemas.microsoft.com/office/drawing/2014/main" id="{AD226F5C-4F30-CE40-A40F-5A13C8C2C1EF}"/>
-              </a:ext>
-            </a:extLst>
-          </p:cNvPr>
-          <p:cNvSpPr>
-            <a:spLocks noGrp="1"/>
-          </p:cNvSpPr>
-          <p:nvPr>
-            <p:ph type="title"/>
-          </p:nvPr>
-        </p:nvSpPr>
-        <p:spPr>
-          <a:xfrm>
-            <a:off x="163103" y="263301"/>
-            <a:ext cx="11844998" cy="663575"/>
-          </a:xfrm>
-        </p:spPr>
-        <p:txBody>
-          <a:bodyPr/>
-          <a:lstStyle/>
-          <a:p>
-            <a:r>
-              <a:rPr lang="en-US" dirty="0">
-                <a:latin typeface="Helvetica Neue Light" panose="02000403000000020004" pitchFamily="2" charset="0"/>
-                <a:ea typeface="Helvetica Neue Light" panose="02000403000000020004" pitchFamily="2" charset="0"/>
-              </a:rPr>
-              <a:t>Experience Learned</a:t>
-            </a:r>
-          </a:p>
-        </p:txBody>
-      </p:sp>
-      <p:sp>
-        <p:nvSpPr>
-          <p:cNvPr id="4" name="Date Placeholder 3">
-            <a:extLst>
-              <a:ext uri="{FF2B5EF4-FFF2-40B4-BE49-F238E27FC236}">
-                <a16:creationId xmlns:a16="http://schemas.microsoft.com/office/drawing/2014/main" id="{291E8C4B-4E8D-F64F-BE3C-62B56F17ACA1}"/>
-              </a:ext>
-            </a:extLst>
-          </p:cNvPr>
-          <p:cNvSpPr>
-            <a:spLocks noGrp="1"/>
-          </p:cNvSpPr>
-          <p:nvPr>
-            <p:ph type="dt" sz="half" idx="10"/>
-          </p:nvPr>
-        </p:nvSpPr>
-        <p:spPr>
-          <a:xfrm>
-            <a:off x="140677" y="6503894"/>
-            <a:ext cx="1382488" cy="365125"/>
-          </a:xfrm>
-        </p:spPr>
-        <p:txBody>
-          <a:bodyPr/>
-          <a:lstStyle/>
-          <a:p>
-            <a:r>
-              <a:rPr lang="en-US" smtClean="0"/>
-              <a:t>© VTC Academy</a:t>
-            </a:r>
-            <a:endParaRPr lang="en-US" dirty="0"/>
-          </a:p>
-        </p:txBody>
-      </p:sp>
-      <p:sp>
-        <p:nvSpPr>
-          <p:cNvPr id="5" name="Footer Placeholder 4">
-            <a:extLst>
-              <a:ext uri="{FF2B5EF4-FFF2-40B4-BE49-F238E27FC236}">
-                <a16:creationId xmlns:a16="http://schemas.microsoft.com/office/drawing/2014/main" id="{65422569-5ADE-0445-9723-785B8D5A14D9}"/>
-              </a:ext>
-            </a:extLst>
-          </p:cNvPr>
-          <p:cNvSpPr>
-            <a:spLocks noGrp="1"/>
-          </p:cNvSpPr>
-          <p:nvPr>
-            <p:ph type="ftr" sz="quarter" idx="11"/>
-          </p:nvPr>
-        </p:nvSpPr>
-        <p:spPr>
-          <a:xfrm>
-            <a:off x="1735015" y="6506943"/>
-            <a:ext cx="8721969" cy="365125"/>
-          </a:xfrm>
-        </p:spPr>
-        <p:txBody>
-          <a:bodyPr/>
-          <a:lstStyle/>
-          <a:p>
-            <a:r>
-              <a:rPr lang="en-US" smtClean="0"/>
-              <a:t>Book Store</a:t>
-            </a:r>
-            <a:endParaRPr lang="en-US"/>
-          </a:p>
-        </p:txBody>
-      </p:sp>
-      <p:sp>
-        <p:nvSpPr>
-          <p:cNvPr id="6" name="Slide Number Placeholder 5">
-            <a:extLst>
-              <a:ext uri="{FF2B5EF4-FFF2-40B4-BE49-F238E27FC236}">
-                <a16:creationId xmlns:a16="http://schemas.microsoft.com/office/drawing/2014/main" id="{1CC4D354-512F-CC4A-B39A-EDEC6E17F71C}"/>
-              </a:ext>
-            </a:extLst>
-          </p:cNvPr>
-          <p:cNvSpPr>
-            <a:spLocks noGrp="1"/>
-          </p:cNvSpPr>
-          <p:nvPr>
-            <p:ph type="sldNum" sz="quarter" idx="12"/>
-          </p:nvPr>
-        </p:nvSpPr>
-        <p:spPr>
-          <a:xfrm>
-            <a:off x="10654642" y="6517962"/>
-            <a:ext cx="1353459" cy="365125"/>
-          </a:xfrm>
-        </p:spPr>
-        <p:txBody>
-          <a:bodyPr/>
-          <a:lstStyle/>
-          <a:p>
-            <a:fld id="{B9BA5F68-B450-774B-A94B-86322AF8B758}" type="slidenum">
-              <a:rPr lang="en-US" smtClean="0"/>
-              <a:t>23</a:t>
-            </a:fld>
-            <a:endParaRPr lang="en-US" dirty="0"/>
-          </a:p>
-        </p:txBody>
-      </p:sp>
-      <p:sp>
-        <p:nvSpPr>
-          <p:cNvPr id="3" name="Rectangle 2"/>
-          <p:cNvSpPr/>
-          <p:nvPr/>
-        </p:nvSpPr>
-        <p:spPr>
-          <a:xfrm>
-            <a:off x="1379573" y="1598760"/>
-            <a:ext cx="9432852" cy="4247317"/>
-          </a:xfrm>
-          <a:prstGeom prst="rect">
-            <a:avLst/>
-          </a:prstGeom>
-        </p:spPr>
-        <p:txBody>
-          <a:bodyPr wrap="square">
-            <a:spAutoFit/>
-          </a:bodyPr>
-          <a:lstStyle/>
-          <a:p>
-            <a:r>
-              <a:rPr lang="en-US" b="1" dirty="0" smtClean="0"/>
-              <a:t>1. </a:t>
-            </a:r>
-            <a:r>
-              <a:rPr lang="en-US" b="1" dirty="0"/>
-              <a:t>Technical Skills Development</a:t>
-            </a:r>
-          </a:p>
-          <a:p>
-            <a:pPr>
-              <a:buFont typeface="Arial" panose="020B0604020202020204" pitchFamily="34" charset="0"/>
-              <a:buChar char="•"/>
-            </a:pPr>
-            <a:r>
-              <a:rPr lang="en-US" b="1" dirty="0"/>
-              <a:t>Programming in C#</a:t>
-            </a:r>
-            <a:r>
-              <a:rPr lang="en-US" dirty="0"/>
-              <a:t>: Gaining proficiency in C# and its application in developing </a:t>
-            </a:r>
-            <a:r>
-              <a:rPr lang="en-US" dirty="0" smtClean="0"/>
-              <a:t>application.</a:t>
-            </a:r>
-            <a:endParaRPr lang="en-US" dirty="0"/>
-          </a:p>
-          <a:p>
-            <a:pPr>
-              <a:buFont typeface="Arial" panose="020B0604020202020204" pitchFamily="34" charset="0"/>
-              <a:buChar char="•"/>
-            </a:pPr>
-            <a:r>
-              <a:rPr lang="en-US" b="1" dirty="0"/>
-              <a:t>Database Design and Management</a:t>
-            </a:r>
-            <a:r>
-              <a:rPr lang="en-US" dirty="0"/>
-              <a:t>: Learning how to design and manage a relational database using MySQL, including writing efficient SQL queries.</a:t>
-            </a:r>
-          </a:p>
-          <a:p>
-            <a:pPr>
-              <a:buFont typeface="Arial" panose="020B0604020202020204" pitchFamily="34" charset="0"/>
-              <a:buChar char="•"/>
-            </a:pPr>
-            <a:r>
-              <a:rPr lang="en-US" b="1" dirty="0"/>
-              <a:t>Database Connectivity</a:t>
-            </a:r>
-            <a:r>
-              <a:rPr lang="en-US" dirty="0"/>
-              <a:t>: Understanding how to use MySQL Connector for .NET to establish a connection between the C# application and the MySQL database.</a:t>
-            </a:r>
-          </a:p>
-          <a:p>
-            <a:pPr>
-              <a:buFont typeface="Arial" panose="020B0604020202020204" pitchFamily="34" charset="0"/>
-              <a:buChar char="•"/>
-            </a:pPr>
-            <a:r>
-              <a:rPr lang="en-US" b="1" dirty="0"/>
-              <a:t>GUI Design</a:t>
-            </a:r>
-            <a:r>
-              <a:rPr lang="en-US" dirty="0"/>
-              <a:t>: Enhancing skills in designing user-friendly graphical user interfaces that provide a good user experience</a:t>
-            </a:r>
-            <a:r>
-              <a:rPr lang="en-US" dirty="0" smtClean="0"/>
-              <a:t>.</a:t>
-            </a:r>
-          </a:p>
-          <a:p>
-            <a:pPr>
-              <a:buFont typeface="Arial" panose="020B0604020202020204" pitchFamily="34" charset="0"/>
-              <a:buChar char="•"/>
-            </a:pPr>
-            <a:endParaRPr lang="en-US" dirty="0"/>
-          </a:p>
-          <a:p>
-            <a:r>
-              <a:rPr lang="en-US" b="1" dirty="0" smtClean="0"/>
-              <a:t>2. </a:t>
-            </a:r>
-            <a:r>
-              <a:rPr lang="en-US" b="1" dirty="0"/>
-              <a:t>Software Development Practices</a:t>
-            </a:r>
-          </a:p>
-          <a:p>
-            <a:pPr>
-              <a:buFont typeface="Arial" panose="020B0604020202020204" pitchFamily="34" charset="0"/>
-              <a:buChar char="•"/>
-            </a:pPr>
-            <a:r>
-              <a:rPr lang="en-US" b="1" dirty="0"/>
-              <a:t>Modular Design</a:t>
-            </a:r>
-            <a:r>
-              <a:rPr lang="en-US" dirty="0"/>
-              <a:t>: Learning the importance of modularizing code for better maintainability and scalability.</a:t>
-            </a:r>
-          </a:p>
-          <a:p>
-            <a:pPr>
-              <a:buFont typeface="Arial" panose="020B0604020202020204" pitchFamily="34" charset="0"/>
-              <a:buChar char="•"/>
-            </a:pPr>
-            <a:r>
-              <a:rPr lang="en-US" b="1" dirty="0"/>
-              <a:t>Error Handling</a:t>
-            </a:r>
-            <a:r>
-              <a:rPr lang="en-US" dirty="0"/>
-              <a:t>: Implementing robust error handling to improve the reliability of the application.</a:t>
-            </a:r>
-          </a:p>
-          <a:p>
-            <a:pPr>
-              <a:buFont typeface="Arial" panose="020B0604020202020204" pitchFamily="34" charset="0"/>
-              <a:buChar char="•"/>
-            </a:pPr>
-            <a:r>
-              <a:rPr lang="en-US" b="1" dirty="0"/>
-              <a:t>Code Documentation</a:t>
-            </a:r>
-            <a:r>
-              <a:rPr lang="en-US" dirty="0"/>
-              <a:t>: Recognizing the value of well-documented code for future maintenance and for other developers who may work on the project</a:t>
-            </a:r>
-            <a:r>
-              <a:rPr lang="en-US" dirty="0" smtClean="0"/>
-              <a:t>.</a:t>
-            </a:r>
-            <a:endParaRPr lang="en-US" dirty="0"/>
-          </a:p>
-        </p:txBody>
-      </p:sp>
-      <p:sp>
-        <p:nvSpPr>
-          <p:cNvPr id="7" name="Rectangle 6"/>
-          <p:cNvSpPr/>
-          <p:nvPr/>
-        </p:nvSpPr>
-        <p:spPr>
-          <a:xfrm>
-            <a:off x="1233377" y="1467293"/>
-            <a:ext cx="9421265" cy="4508205"/>
-          </a:xfrm>
-          <a:prstGeom prst="rect">
-            <a:avLst/>
-          </a:prstGeom>
-          <a:noFill/>
-          <a:ln w="38100"/>
-        </p:spPr>
-        <p:style>
-          <a:lnRef idx="2">
-            <a:schemeClr val="accent1">
-              <a:shade val="50000"/>
-            </a:schemeClr>
-          </a:lnRef>
-          <a:fillRef idx="1">
-            <a:schemeClr val="accent1"/>
-          </a:fillRef>
-          <a:effectRef idx="0">
-            <a:schemeClr val="accent1"/>
-          </a:effectRef>
-          <a:fontRef idx="minor">
-            <a:schemeClr val="lt1"/>
-          </a:fontRef>
-        </p:style>
-        <p:txBody>
-          <a:bodyPr rtlCol="0" anchor="ctr"/>
-          <a:lstStyle/>
-          <a:p>
-            <a:pPr algn="ctr"/>
-            <a:endParaRPr lang="en-US"/>
-          </a:p>
-        </p:txBody>
-      </p:sp>
-    </p:spTree>
-    <p:extLst>
-      <p:ext uri="{BB962C8B-B14F-4D97-AF65-F5344CB8AC3E}">
-        <p14:creationId xmlns:p14="http://schemas.microsoft.com/office/powerpoint/2010/main" val="2698680696"/>
       </p:ext>
     </p:extLst>
   </p:cSld>
@@ -13627,6 +13488,396 @@
           <a:chExt cx="0" cy="0"/>
         </a:xfrm>
       </p:grpSpPr>
+      <p:sp>
+        <p:nvSpPr>
+          <p:cNvPr id="2" name="Title 1">
+            <a:extLst>
+              <a:ext uri="{FF2B5EF4-FFF2-40B4-BE49-F238E27FC236}">
+                <a16:creationId xmlns:a16="http://schemas.microsoft.com/office/drawing/2014/main" id="{AD226F5C-4F30-CE40-A40F-5A13C8C2C1EF}"/>
+              </a:ext>
+            </a:extLst>
+          </p:cNvPr>
+          <p:cNvSpPr>
+            <a:spLocks noGrp="1"/>
+          </p:cNvSpPr>
+          <p:nvPr>
+            <p:ph type="title"/>
+          </p:nvPr>
+        </p:nvSpPr>
+        <p:spPr>
+          <a:xfrm>
+            <a:off x="163103" y="263301"/>
+            <a:ext cx="11844998" cy="663575"/>
+          </a:xfrm>
+        </p:spPr>
+        <p:txBody>
+          <a:bodyPr/>
+          <a:lstStyle/>
+          <a:p>
+            <a:r>
+              <a:rPr lang="en-US" dirty="0">
+                <a:latin typeface="Helvetica Neue Light" panose="02000403000000020004" pitchFamily="2" charset="0"/>
+                <a:ea typeface="Helvetica Neue Light" panose="02000403000000020004" pitchFamily="2" charset="0"/>
+              </a:rPr>
+              <a:t>Experience Learned</a:t>
+            </a:r>
+          </a:p>
+        </p:txBody>
+      </p:sp>
+      <p:sp>
+        <p:nvSpPr>
+          <p:cNvPr id="4" name="Date Placeholder 3">
+            <a:extLst>
+              <a:ext uri="{FF2B5EF4-FFF2-40B4-BE49-F238E27FC236}">
+                <a16:creationId xmlns:a16="http://schemas.microsoft.com/office/drawing/2014/main" id="{291E8C4B-4E8D-F64F-BE3C-62B56F17ACA1}"/>
+              </a:ext>
+            </a:extLst>
+          </p:cNvPr>
+          <p:cNvSpPr>
+            <a:spLocks noGrp="1"/>
+          </p:cNvSpPr>
+          <p:nvPr>
+            <p:ph type="dt" sz="half" idx="10"/>
+          </p:nvPr>
+        </p:nvSpPr>
+        <p:spPr>
+          <a:xfrm>
+            <a:off x="140677" y="6503894"/>
+            <a:ext cx="1382488" cy="365125"/>
+          </a:xfrm>
+        </p:spPr>
+        <p:txBody>
+          <a:bodyPr/>
+          <a:lstStyle/>
+          <a:p>
+            <a:r>
+              <a:rPr lang="en-US" smtClean="0"/>
+              <a:t>© VTC Academy</a:t>
+            </a:r>
+            <a:endParaRPr lang="en-US" dirty="0"/>
+          </a:p>
+        </p:txBody>
+      </p:sp>
+      <p:sp>
+        <p:nvSpPr>
+          <p:cNvPr id="5" name="Footer Placeholder 4">
+            <a:extLst>
+              <a:ext uri="{FF2B5EF4-FFF2-40B4-BE49-F238E27FC236}">
+                <a16:creationId xmlns:a16="http://schemas.microsoft.com/office/drawing/2014/main" id="{65422569-5ADE-0445-9723-785B8D5A14D9}"/>
+              </a:ext>
+            </a:extLst>
+          </p:cNvPr>
+          <p:cNvSpPr>
+            <a:spLocks noGrp="1"/>
+          </p:cNvSpPr>
+          <p:nvPr>
+            <p:ph type="ftr" sz="quarter" idx="11"/>
+          </p:nvPr>
+        </p:nvSpPr>
+        <p:spPr>
+          <a:xfrm>
+            <a:off x="1735015" y="6506943"/>
+            <a:ext cx="8721969" cy="365125"/>
+          </a:xfrm>
+        </p:spPr>
+        <p:txBody>
+          <a:bodyPr/>
+          <a:lstStyle/>
+          <a:p>
+            <a:r>
+              <a:rPr lang="en-US" smtClean="0"/>
+              <a:t>Book Store</a:t>
+            </a:r>
+            <a:endParaRPr lang="en-US"/>
+          </a:p>
+        </p:txBody>
+      </p:sp>
+      <p:sp>
+        <p:nvSpPr>
+          <p:cNvPr id="6" name="Slide Number Placeholder 5">
+            <a:extLst>
+              <a:ext uri="{FF2B5EF4-FFF2-40B4-BE49-F238E27FC236}">
+                <a16:creationId xmlns:a16="http://schemas.microsoft.com/office/drawing/2014/main" id="{1CC4D354-512F-CC4A-B39A-EDEC6E17F71C}"/>
+              </a:ext>
+            </a:extLst>
+          </p:cNvPr>
+          <p:cNvSpPr>
+            <a:spLocks noGrp="1"/>
+          </p:cNvSpPr>
+          <p:nvPr>
+            <p:ph type="sldNum" sz="quarter" idx="12"/>
+          </p:nvPr>
+        </p:nvSpPr>
+        <p:spPr>
+          <a:xfrm>
+            <a:off x="10654642" y="6517962"/>
+            <a:ext cx="1353459" cy="365125"/>
+          </a:xfrm>
+        </p:spPr>
+        <p:txBody>
+          <a:bodyPr/>
+          <a:lstStyle/>
+          <a:p>
+            <a:fld id="{B9BA5F68-B450-774B-A94B-86322AF8B758}" type="slidenum">
+              <a:rPr lang="en-US" smtClean="0"/>
+              <a:t>24</a:t>
+            </a:fld>
+            <a:endParaRPr lang="en-US" dirty="0"/>
+          </a:p>
+        </p:txBody>
+      </p:sp>
+      <p:sp>
+        <p:nvSpPr>
+          <p:cNvPr id="3" name="Rectangle 2"/>
+          <p:cNvSpPr/>
+          <p:nvPr/>
+        </p:nvSpPr>
+        <p:spPr>
+          <a:xfrm>
+            <a:off x="1379573" y="1598760"/>
+            <a:ext cx="9432852" cy="4247317"/>
+          </a:xfrm>
+          <a:prstGeom prst="rect">
+            <a:avLst/>
+          </a:prstGeom>
+        </p:spPr>
+        <p:txBody>
+          <a:bodyPr wrap="square">
+            <a:spAutoFit/>
+          </a:bodyPr>
+          <a:lstStyle/>
+          <a:p>
+            <a:r>
+              <a:rPr lang="en-US" b="1" dirty="0" smtClean="0"/>
+              <a:t>1. </a:t>
+            </a:r>
+            <a:r>
+              <a:rPr lang="en-US" b="1" dirty="0"/>
+              <a:t>Technical Skills Development</a:t>
+            </a:r>
+          </a:p>
+          <a:p>
+            <a:pPr>
+              <a:buFont typeface="Arial" panose="020B0604020202020204" pitchFamily="34" charset="0"/>
+              <a:buChar char="•"/>
+            </a:pPr>
+            <a:r>
+              <a:rPr lang="en-US" b="1" dirty="0"/>
+              <a:t>Programming in C#</a:t>
+            </a:r>
+            <a:r>
+              <a:rPr lang="en-US" dirty="0"/>
+              <a:t>: Gaining proficiency in C# and its application in developing </a:t>
+            </a:r>
+            <a:r>
+              <a:rPr lang="en-US" dirty="0" smtClean="0"/>
+              <a:t>application.</a:t>
+            </a:r>
+            <a:endParaRPr lang="en-US" dirty="0"/>
+          </a:p>
+          <a:p>
+            <a:pPr>
+              <a:buFont typeface="Arial" panose="020B0604020202020204" pitchFamily="34" charset="0"/>
+              <a:buChar char="•"/>
+            </a:pPr>
+            <a:r>
+              <a:rPr lang="en-US" b="1" dirty="0"/>
+              <a:t>Database Design and Management</a:t>
+            </a:r>
+            <a:r>
+              <a:rPr lang="en-US" dirty="0"/>
+              <a:t>: Learning how to design and manage a relational database using MySQL, including writing efficient SQL queries.</a:t>
+            </a:r>
+          </a:p>
+          <a:p>
+            <a:pPr>
+              <a:buFont typeface="Arial" panose="020B0604020202020204" pitchFamily="34" charset="0"/>
+              <a:buChar char="•"/>
+            </a:pPr>
+            <a:r>
+              <a:rPr lang="en-US" b="1" dirty="0"/>
+              <a:t>Database Connectivity</a:t>
+            </a:r>
+            <a:r>
+              <a:rPr lang="en-US" dirty="0"/>
+              <a:t>: Understanding how to use MySQL Connector for .NET to establish a connection between the C# application and the MySQL database.</a:t>
+            </a:r>
+          </a:p>
+          <a:p>
+            <a:pPr>
+              <a:buFont typeface="Arial" panose="020B0604020202020204" pitchFamily="34" charset="0"/>
+              <a:buChar char="•"/>
+            </a:pPr>
+            <a:r>
+              <a:rPr lang="en-US" b="1" dirty="0"/>
+              <a:t>GUI Design</a:t>
+            </a:r>
+            <a:r>
+              <a:rPr lang="en-US" dirty="0"/>
+              <a:t>: Enhancing skills in designing user-friendly graphical user interfaces that provide a good user experience</a:t>
+            </a:r>
+            <a:r>
+              <a:rPr lang="en-US" dirty="0" smtClean="0"/>
+              <a:t>.</a:t>
+            </a:r>
+          </a:p>
+          <a:p>
+            <a:pPr>
+              <a:buFont typeface="Arial" panose="020B0604020202020204" pitchFamily="34" charset="0"/>
+              <a:buChar char="•"/>
+            </a:pPr>
+            <a:endParaRPr lang="en-US" dirty="0"/>
+          </a:p>
+          <a:p>
+            <a:r>
+              <a:rPr lang="en-US" b="1" dirty="0" smtClean="0"/>
+              <a:t>2. </a:t>
+            </a:r>
+            <a:r>
+              <a:rPr lang="en-US" b="1" dirty="0"/>
+              <a:t>Software Development Practices</a:t>
+            </a:r>
+          </a:p>
+          <a:p>
+            <a:pPr>
+              <a:buFont typeface="Arial" panose="020B0604020202020204" pitchFamily="34" charset="0"/>
+              <a:buChar char="•"/>
+            </a:pPr>
+            <a:r>
+              <a:rPr lang="en-US" b="1" dirty="0"/>
+              <a:t>Modular Design</a:t>
+            </a:r>
+            <a:r>
+              <a:rPr lang="en-US" dirty="0"/>
+              <a:t>: Learning the importance of modularizing code for better maintainability and scalability.</a:t>
+            </a:r>
+          </a:p>
+          <a:p>
+            <a:pPr>
+              <a:buFont typeface="Arial" panose="020B0604020202020204" pitchFamily="34" charset="0"/>
+              <a:buChar char="•"/>
+            </a:pPr>
+            <a:r>
+              <a:rPr lang="en-US" b="1" dirty="0"/>
+              <a:t>Error Handling</a:t>
+            </a:r>
+            <a:r>
+              <a:rPr lang="en-US" dirty="0"/>
+              <a:t>: Implementing robust error handling to improve the reliability of the application.</a:t>
+            </a:r>
+          </a:p>
+          <a:p>
+            <a:pPr>
+              <a:buFont typeface="Arial" panose="020B0604020202020204" pitchFamily="34" charset="0"/>
+              <a:buChar char="•"/>
+            </a:pPr>
+            <a:r>
+              <a:rPr lang="en-US" b="1" dirty="0"/>
+              <a:t>Code Documentation</a:t>
+            </a:r>
+            <a:r>
+              <a:rPr lang="en-US" dirty="0"/>
+              <a:t>: Recognizing the value of well-documented code for future maintenance and for other developers who may work on the project</a:t>
+            </a:r>
+            <a:r>
+              <a:rPr lang="en-US" dirty="0" smtClean="0"/>
+              <a:t>.</a:t>
+            </a:r>
+            <a:endParaRPr lang="en-US" dirty="0"/>
+          </a:p>
+        </p:txBody>
+      </p:sp>
+      <p:sp>
+        <p:nvSpPr>
+          <p:cNvPr id="7" name="Rectangle 6"/>
+          <p:cNvSpPr/>
+          <p:nvPr/>
+        </p:nvSpPr>
+        <p:spPr>
+          <a:xfrm>
+            <a:off x="1233377" y="1467293"/>
+            <a:ext cx="9421265" cy="4508205"/>
+          </a:xfrm>
+          <a:prstGeom prst="rect">
+            <a:avLst/>
+          </a:prstGeom>
+          <a:noFill/>
+          <a:ln w="38100"/>
+        </p:spPr>
+        <p:style>
+          <a:lnRef idx="2">
+            <a:schemeClr val="accent1">
+              <a:shade val="50000"/>
+            </a:schemeClr>
+          </a:lnRef>
+          <a:fillRef idx="1">
+            <a:schemeClr val="accent1"/>
+          </a:fillRef>
+          <a:effectRef idx="0">
+            <a:schemeClr val="accent1"/>
+          </a:effectRef>
+          <a:fontRef idx="minor">
+            <a:schemeClr val="lt1"/>
+          </a:fontRef>
+        </p:style>
+        <p:txBody>
+          <a:bodyPr rtlCol="0" anchor="ctr"/>
+          <a:lstStyle/>
+          <a:p>
+            <a:pPr algn="ctr"/>
+            <a:endParaRPr lang="en-US"/>
+          </a:p>
+        </p:txBody>
+      </p:sp>
+    </p:spTree>
+    <p:extLst>
+      <p:ext uri="{BB962C8B-B14F-4D97-AF65-F5344CB8AC3E}">
+        <p14:creationId xmlns:p14="http://schemas.microsoft.com/office/powerpoint/2010/main" val="2698680696"/>
+      </p:ext>
+    </p:extLst>
+  </p:cSld>
+  <p:clrMapOvr>
+    <a:masterClrMapping/>
+  </p:clrMapOvr>
+  <mc:AlternateContent xmlns:mc="http://schemas.openxmlformats.org/markup-compatibility/2006" xmlns:p14="http://schemas.microsoft.com/office/powerpoint/2010/main">
+    <mc:Choice Requires="p14">
+      <p:transition spd="med" p14:dur="700">
+        <p:fade/>
+      </p:transition>
+    </mc:Choice>
+    <mc:Fallback xmlns="">
+      <p:transition spd="med">
+        <p:fade/>
+      </p:transition>
+    </mc:Fallback>
+  </mc:AlternateContent>
+  <p:timing>
+    <p:tnLst>
+      <p:par>
+        <p:cTn id="1" dur="indefinite" restart="never" nodeType="tmRoot"/>
+      </p:par>
+    </p:tnLst>
+  </p:timing>
+</p:sld>
+</file>
+
+<file path=ppt/slides/slide25.xml><?xml version="1.0" encoding="utf-8"?>
+<p:sld xmlns:a="http://schemas.openxmlformats.org/drawingml/2006/main" xmlns:r="http://schemas.openxmlformats.org/officeDocument/2006/relationships" xmlns:p="http://schemas.openxmlformats.org/presentationml/2006/main">
+  <p:cSld>
+    <p:spTree>
+      <p:nvGrpSpPr>
+        <p:cNvPr id="1" name=""/>
+        <p:cNvGrpSpPr/>
+        <p:nvPr/>
+      </p:nvGrpSpPr>
+      <p:grpSpPr>
+        <a:xfrm>
+          <a:off x="0" y="0"/>
+          <a:ext cx="0" cy="0"/>
+          <a:chOff x="0" y="0"/>
+          <a:chExt cx="0" cy="0"/>
+        </a:xfrm>
+      </p:grpSpPr>
       <p:pic>
         <p:nvPicPr>
           <p:cNvPr id="6" name="Picture 5">
@@ -13689,7 +13940,7 @@
 </p:sld>
 </file>
 
-<file path=ppt/slides/slide25.xml><?xml version="1.0" encoding="utf-8"?>
+<file path=ppt/slides/slide26.xml><?xml version="1.0" encoding="utf-8"?>
 <p:sld xmlns:a="http://schemas.openxmlformats.org/drawingml/2006/main" xmlns:r="http://schemas.openxmlformats.org/officeDocument/2006/relationships" xmlns:p="http://schemas.openxmlformats.org/presentationml/2006/main">
   <p:cSld>
     <p:spTree>
@@ -15542,7 +15793,7 @@
       </p:sp>
       <p:pic>
         <p:nvPicPr>
-          <p:cNvPr id="7" name="Picture 6"/>
+          <p:cNvPr id="3" name="Picture 2"/>
           <p:cNvPicPr>
             <a:picLocks noChangeAspect="1"/>
           </p:cNvPicPr>
@@ -15562,42 +15813,12 @@
         </p:blipFill>
         <p:spPr>
           <a:xfrm>
-            <a:off x="3140217" y="1352980"/>
-            <a:ext cx="5890770" cy="4724809"/>
+            <a:off x="2658472" y="1239826"/>
+            <a:ext cx="6559956" cy="5048647"/>
           </a:xfrm>
           <a:prstGeom prst="rect">
             <a:avLst/>
           </a:prstGeom>
-          <a:solidFill>
-            <a:srgbClr val="FFFFFF">
-              <a:shade val="85000"/>
-            </a:srgbClr>
-          </a:solidFill>
-          <a:ln w="88900" cap="sq">
-            <a:solidFill>
-              <a:srgbClr val="FFFFFF"/>
-            </a:solidFill>
-            <a:miter lim="800000"/>
-          </a:ln>
-          <a:effectLst>
-            <a:outerShdw blurRad="55000" dist="18000" dir="5400000" algn="tl" rotWithShape="0">
-              <a:srgbClr val="000000">
-                <a:alpha val="40000"/>
-              </a:srgbClr>
-            </a:outerShdw>
-          </a:effectLst>
-          <a:scene3d>
-            <a:camera prst="orthographicFront"/>
-            <a:lightRig rig="twoPt" dir="t">
-              <a:rot lat="0" lon="0" rev="7200000"/>
-            </a:lightRig>
-          </a:scene3d>
-          <a:sp3d>
-            <a:bevelT w="25400" h="19050"/>
-            <a:contourClr>
-              <a:srgbClr val="FFFFFF"/>
-            </a:contourClr>
-          </a:sp3d>
         </p:spPr>
       </p:pic>
     </p:spTree>
@@ -15797,9 +16018,9 @@
       </p:sp>
       <p:pic>
         <p:nvPicPr>
-          <p:cNvPr id="4098" name="Picture 2" descr="AD_CreateAccount"/>
+          <p:cNvPr id="3" name="Picture 2"/>
           <p:cNvPicPr>
-            <a:picLocks noChangeAspect="1" noChangeArrowheads="1"/>
+            <a:picLocks noChangeAspect="1"/>
           </p:cNvPicPr>
           <p:nvPr/>
         </p:nvPicPr>
@@ -15811,49 +16032,25 @@
               </a:ext>
             </a:extLst>
           </a:blip>
-          <a:srcRect/>
           <a:stretch>
             <a:fillRect/>
           </a:stretch>
         </p:blipFill>
-        <p:spPr bwMode="auto">
-          <a:xfrm>
-            <a:off x="2091917" y="1385082"/>
-            <a:ext cx="3617766" cy="4541921"/>
+        <p:spPr>
+          <a:xfrm>
+            <a:off x="1523165" y="1123881"/>
+            <a:ext cx="4231880" cy="5179959"/>
           </a:xfrm>
           <a:prstGeom prst="rect">
             <a:avLst/>
           </a:prstGeom>
-          <a:noFill/>
-          <a:ln>
-            <a:noFill/>
-          </a:ln>
-          <a:extLst>
-            <a:ext uri="{909E8E84-426E-40DD-AFC4-6F175D3DCCD1}">
-              <a14:hiddenFill xmlns:a14="http://schemas.microsoft.com/office/drawing/2010/main">
-                <a:solidFill>
-                  <a:srgbClr val="FFFFFF"/>
-                </a:solidFill>
-              </a14:hiddenFill>
-            </a:ext>
-            <a:ext uri="{91240B29-F687-4F45-9708-019B960494DF}">
-              <a14:hiddenLine xmlns:a14="http://schemas.microsoft.com/office/drawing/2010/main" w="9525">
-                <a:solidFill>
-                  <a:srgbClr val="000000"/>
-                </a:solidFill>
-                <a:miter lim="800000"/>
-                <a:headEnd/>
-                <a:tailEnd/>
-              </a14:hiddenLine>
-            </a:ext>
-          </a:extLst>
         </p:spPr>
       </p:pic>
       <p:pic>
         <p:nvPicPr>
-          <p:cNvPr id="4099" name="Picture 3" descr="AD_Login"/>
+          <p:cNvPr id="10" name="Picture 9"/>
           <p:cNvPicPr>
-            <a:picLocks noChangeAspect="1" noChangeArrowheads="1"/>
+            <a:picLocks noChangeAspect="1"/>
           </p:cNvPicPr>
           <p:nvPr/>
         </p:nvPicPr>
@@ -15865,48 +16062,24 @@
               </a:ext>
             </a:extLst>
           </a:blip>
-          <a:srcRect/>
           <a:stretch>
             <a:fillRect/>
           </a:stretch>
         </p:blipFill>
-        <p:spPr bwMode="auto">
-          <a:xfrm>
-            <a:off x="6435874" y="1405577"/>
-            <a:ext cx="3775853" cy="4500930"/>
+        <p:spPr>
+          <a:xfrm>
+            <a:off x="6657931" y="1145906"/>
+            <a:ext cx="4134116" cy="5153025"/>
           </a:xfrm>
           <a:prstGeom prst="rect">
             <a:avLst/>
           </a:prstGeom>
-          <a:noFill/>
-          <a:ln>
-            <a:noFill/>
-          </a:ln>
-          <a:extLst>
-            <a:ext uri="{909E8E84-426E-40DD-AFC4-6F175D3DCCD1}">
-              <a14:hiddenFill xmlns:a14="http://schemas.microsoft.com/office/drawing/2010/main">
-                <a:solidFill>
-                  <a:srgbClr val="FFFFFF"/>
-                </a:solidFill>
-              </a14:hiddenFill>
-            </a:ext>
-            <a:ext uri="{91240B29-F687-4F45-9708-019B960494DF}">
-              <a14:hiddenLine xmlns:a14="http://schemas.microsoft.com/office/drawing/2010/main" w="9525">
-                <a:solidFill>
-                  <a:srgbClr val="000000"/>
-                </a:solidFill>
-                <a:miter lim="800000"/>
-                <a:headEnd/>
-                <a:tailEnd/>
-              </a14:hiddenLine>
-            </a:ext>
-          </a:extLst>
         </p:spPr>
       </p:pic>
     </p:spTree>
     <p:extLst>
       <p:ext uri="{BB962C8B-B14F-4D97-AF65-F5344CB8AC3E}">
-        <p14:creationId xmlns:p14="http://schemas.microsoft.com/office/powerpoint/2010/main" val="2431512275"/>
+        <p14:creationId xmlns:p14="http://schemas.microsoft.com/office/powerpoint/2010/main" val="3903096720"/>
       </p:ext>
     </p:extLst>
   </p:cSld>
@@ -16100,9 +16273,9 @@
       </p:sp>
       <p:pic>
         <p:nvPicPr>
-          <p:cNvPr id="5122" name="Picture 2" descr="AD_AddBook"/>
+          <p:cNvPr id="3" name="Picture 2"/>
           <p:cNvPicPr>
-            <a:picLocks noChangeAspect="1" noChangeArrowheads="1"/>
+            <a:picLocks noChangeAspect="1"/>
           </p:cNvPicPr>
           <p:nvPr/>
         </p:nvPicPr>
@@ -16114,49 +16287,25 @@
               </a:ext>
             </a:extLst>
           </a:blip>
-          <a:srcRect/>
           <a:stretch>
             <a:fillRect/>
           </a:stretch>
         </p:blipFill>
-        <p:spPr bwMode="auto">
-          <a:xfrm>
-            <a:off x="2152663" y="1166322"/>
-            <a:ext cx="3163617" cy="5080961"/>
+        <p:spPr>
+          <a:xfrm>
+            <a:off x="1168805" y="1375473"/>
+            <a:ext cx="4772025" cy="4676775"/>
           </a:xfrm>
           <a:prstGeom prst="rect">
             <a:avLst/>
           </a:prstGeom>
-          <a:noFill/>
-          <a:ln>
-            <a:noFill/>
-          </a:ln>
-          <a:extLst>
-            <a:ext uri="{909E8E84-426E-40DD-AFC4-6F175D3DCCD1}">
-              <a14:hiddenFill xmlns:a14="http://schemas.microsoft.com/office/drawing/2010/main">
-                <a:solidFill>
-                  <a:srgbClr val="FFFFFF"/>
-                </a:solidFill>
-              </a14:hiddenFill>
-            </a:ext>
-            <a:ext uri="{91240B29-F687-4F45-9708-019B960494DF}">
-              <a14:hiddenLine xmlns:a14="http://schemas.microsoft.com/office/drawing/2010/main" w="9525">
-                <a:solidFill>
-                  <a:srgbClr val="000000"/>
-                </a:solidFill>
-                <a:miter lim="800000"/>
-                <a:headEnd/>
-                <a:tailEnd/>
-              </a14:hiddenLine>
-            </a:ext>
-          </a:extLst>
         </p:spPr>
       </p:pic>
       <p:pic>
         <p:nvPicPr>
-          <p:cNvPr id="5123" name="Picture 3" descr="AD_UpdateBook"/>
+          <p:cNvPr id="10" name="Picture 9"/>
           <p:cNvPicPr>
-            <a:picLocks noChangeAspect="1" noChangeArrowheads="1"/>
+            <a:picLocks noChangeAspect="1"/>
           </p:cNvPicPr>
           <p:nvPr/>
         </p:nvPicPr>
@@ -16168,48 +16317,24 @@
               </a:ext>
             </a:extLst>
           </a:blip>
-          <a:srcRect/>
           <a:stretch>
             <a:fillRect/>
           </a:stretch>
         </p:blipFill>
-        <p:spPr bwMode="auto">
-          <a:xfrm>
-            <a:off x="6394800" y="1177340"/>
-            <a:ext cx="3759294" cy="5090157"/>
+        <p:spPr>
+          <a:xfrm>
+            <a:off x="6344720" y="1028883"/>
+            <a:ext cx="4593559" cy="5387072"/>
           </a:xfrm>
           <a:prstGeom prst="rect">
             <a:avLst/>
           </a:prstGeom>
-          <a:noFill/>
-          <a:ln>
-            <a:noFill/>
-          </a:ln>
-          <a:extLst>
-            <a:ext uri="{909E8E84-426E-40DD-AFC4-6F175D3DCCD1}">
-              <a14:hiddenFill xmlns:a14="http://schemas.microsoft.com/office/drawing/2010/main">
-                <a:solidFill>
-                  <a:srgbClr val="FFFFFF"/>
-                </a:solidFill>
-              </a14:hiddenFill>
-            </a:ext>
-            <a:ext uri="{91240B29-F687-4F45-9708-019B960494DF}">
-              <a14:hiddenLine xmlns:a14="http://schemas.microsoft.com/office/drawing/2010/main" w="9525">
-                <a:solidFill>
-                  <a:srgbClr val="000000"/>
-                </a:solidFill>
-                <a:miter lim="800000"/>
-                <a:headEnd/>
-                <a:tailEnd/>
-              </a14:hiddenLine>
-            </a:ext>
-          </a:extLst>
         </p:spPr>
       </p:pic>
     </p:spTree>
     <p:extLst>
       <p:ext uri="{BB962C8B-B14F-4D97-AF65-F5344CB8AC3E}">
-        <p14:creationId xmlns:p14="http://schemas.microsoft.com/office/powerpoint/2010/main" val="2553344038"/>
+        <p14:creationId xmlns:p14="http://schemas.microsoft.com/office/powerpoint/2010/main" val="2431512275"/>
       </p:ext>
     </p:extLst>
   </p:cSld>
@@ -16403,9 +16528,9 @@
       </p:sp>
       <p:pic>
         <p:nvPicPr>
-          <p:cNvPr id="6146" name="Picture 2" descr="AD_DeleteUser"/>
+          <p:cNvPr id="3" name="Picture 2"/>
           <p:cNvPicPr>
-            <a:picLocks noChangeAspect="1" noChangeArrowheads="1"/>
+            <a:picLocks noChangeAspect="1"/>
           </p:cNvPicPr>
           <p:nvPr/>
         </p:nvPicPr>
@@ -16417,49 +16542,25 @@
               </a:ext>
             </a:extLst>
           </a:blip>
-          <a:srcRect/>
           <a:stretch>
             <a:fillRect/>
           </a:stretch>
         </p:blipFill>
-        <p:spPr bwMode="auto">
-          <a:xfrm>
-            <a:off x="2129220" y="1150900"/>
-            <a:ext cx="3580463" cy="5068461"/>
+        <p:spPr>
+          <a:xfrm>
+            <a:off x="747059" y="1022446"/>
+            <a:ext cx="4516057" cy="5475350"/>
           </a:xfrm>
           <a:prstGeom prst="rect">
             <a:avLst/>
           </a:prstGeom>
-          <a:noFill/>
-          <a:ln>
-            <a:noFill/>
-          </a:ln>
-          <a:extLst>
-            <a:ext uri="{909E8E84-426E-40DD-AFC4-6F175D3DCCD1}">
-              <a14:hiddenFill xmlns:a14="http://schemas.microsoft.com/office/drawing/2010/main">
-                <a:solidFill>
-                  <a:srgbClr val="FFFFFF"/>
-                </a:solidFill>
-              </a14:hiddenFill>
-            </a:ext>
-            <a:ext uri="{91240B29-F687-4F45-9708-019B960494DF}">
-              <a14:hiddenLine xmlns:a14="http://schemas.microsoft.com/office/drawing/2010/main" w="9525">
-                <a:solidFill>
-                  <a:srgbClr val="000000"/>
-                </a:solidFill>
-                <a:miter lim="800000"/>
-                <a:headEnd/>
-                <a:tailEnd/>
-              </a14:hiddenLine>
-            </a:ext>
-          </a:extLst>
         </p:spPr>
       </p:pic>
       <p:pic>
         <p:nvPicPr>
-          <p:cNvPr id="6147" name="Picture 3" descr="AD_UpdateUser"/>
+          <p:cNvPr id="7" name="Picture 6"/>
           <p:cNvPicPr>
-            <a:picLocks noChangeAspect="1" noChangeArrowheads="1"/>
+            <a:picLocks noChangeAspect="1"/>
           </p:cNvPicPr>
           <p:nvPr/>
         </p:nvPicPr>
@@ -16471,48 +16572,24 @@
               </a:ext>
             </a:extLst>
           </a:blip>
-          <a:srcRect/>
           <a:stretch>
             <a:fillRect/>
           </a:stretch>
         </p:blipFill>
-        <p:spPr bwMode="auto">
-          <a:xfrm>
-            <a:off x="6382415" y="1214458"/>
-            <a:ext cx="3642135" cy="5036778"/>
+        <p:spPr>
+          <a:xfrm>
+            <a:off x="5869498" y="1022446"/>
+            <a:ext cx="5616842" cy="5478399"/>
           </a:xfrm>
           <a:prstGeom prst="rect">
             <a:avLst/>
           </a:prstGeom>
-          <a:noFill/>
-          <a:ln>
-            <a:noFill/>
-          </a:ln>
-          <a:extLst>
-            <a:ext uri="{909E8E84-426E-40DD-AFC4-6F175D3DCCD1}">
-              <a14:hiddenFill xmlns:a14="http://schemas.microsoft.com/office/drawing/2010/main">
-                <a:solidFill>
-                  <a:srgbClr val="FFFFFF"/>
-                </a:solidFill>
-              </a14:hiddenFill>
-            </a:ext>
-            <a:ext uri="{91240B29-F687-4F45-9708-019B960494DF}">
-              <a14:hiddenLine xmlns:a14="http://schemas.microsoft.com/office/drawing/2010/main" w="9525">
-                <a:solidFill>
-                  <a:srgbClr val="000000"/>
-                </a:solidFill>
-                <a:miter lim="800000"/>
-                <a:headEnd/>
-                <a:tailEnd/>
-              </a14:hiddenLine>
-            </a:ext>
-          </a:extLst>
         </p:spPr>
       </p:pic>
     </p:spTree>
     <p:extLst>
       <p:ext uri="{BB962C8B-B14F-4D97-AF65-F5344CB8AC3E}">
-        <p14:creationId xmlns:p14="http://schemas.microsoft.com/office/powerpoint/2010/main" val="3903096720"/>
+        <p14:creationId xmlns:p14="http://schemas.microsoft.com/office/powerpoint/2010/main" val="2553344038"/>
       </p:ext>
     </p:extLst>
   </p:cSld>
@@ -16706,9 +16783,9 @@
       </p:sp>
       <p:pic>
         <p:nvPicPr>
-          <p:cNvPr id="7170" name="Picture 2" descr="AD_CreateOrder"/>
+          <p:cNvPr id="3" name="Picture 2"/>
           <p:cNvPicPr>
-            <a:picLocks noChangeAspect="1" noChangeArrowheads="1"/>
+            <a:picLocks noChangeAspect="1"/>
           </p:cNvPicPr>
           <p:nvPr/>
         </p:nvPicPr>
@@ -16720,42 +16797,18 @@
               </a:ext>
             </a:extLst>
           </a:blip>
-          <a:srcRect/>
           <a:stretch>
             <a:fillRect/>
           </a:stretch>
         </p:blipFill>
-        <p:spPr bwMode="auto">
-          <a:xfrm>
-            <a:off x="4270963" y="1013459"/>
-            <a:ext cx="3629277" cy="5403852"/>
+        <p:spPr>
+          <a:xfrm>
+            <a:off x="4348468" y="872996"/>
+            <a:ext cx="3474268" cy="5698847"/>
           </a:xfrm>
           <a:prstGeom prst="rect">
             <a:avLst/>
           </a:prstGeom>
-          <a:noFill/>
-          <a:ln>
-            <a:noFill/>
-          </a:ln>
-          <a:extLst>
-            <a:ext uri="{909E8E84-426E-40DD-AFC4-6F175D3DCCD1}">
-              <a14:hiddenFill xmlns:a14="http://schemas.microsoft.com/office/drawing/2010/main">
-                <a:solidFill>
-                  <a:srgbClr val="FFFFFF"/>
-                </a:solidFill>
-              </a14:hiddenFill>
-            </a:ext>
-            <a:ext uri="{91240B29-F687-4F45-9708-019B960494DF}">
-              <a14:hiddenLine xmlns:a14="http://schemas.microsoft.com/office/drawing/2010/main" w="9525">
-                <a:solidFill>
-                  <a:srgbClr val="000000"/>
-                </a:solidFill>
-                <a:miter lim="800000"/>
-                <a:headEnd/>
-                <a:tailEnd/>
-              </a14:hiddenLine>
-            </a:ext>
-          </a:extLst>
         </p:spPr>
       </p:pic>
     </p:spTree>

--- a/Project Slide.pptx
+++ b/Project Slide.pptx
@@ -5,7 +5,7 @@
     <p:sldMasterId id="2147483677" r:id="rId1"/>
   </p:sldMasterIdLst>
   <p:notesMasterIdLst>
-    <p:notesMasterId r:id="rId28"/>
+    <p:notesMasterId r:id="rId33"/>
   </p:notesMasterIdLst>
   <p:sldIdLst>
     <p:sldId id="282" r:id="rId2"/>
@@ -15,25 +15,30 @@
     <p:sldId id="288" r:id="rId6"/>
     <p:sldId id="300" r:id="rId7"/>
     <p:sldId id="289" r:id="rId8"/>
-    <p:sldId id="299" r:id="rId9"/>
-    <p:sldId id="301" r:id="rId10"/>
-    <p:sldId id="292" r:id="rId11"/>
-    <p:sldId id="290" r:id="rId12"/>
-    <p:sldId id="309" r:id="rId13"/>
-    <p:sldId id="310" r:id="rId14"/>
-    <p:sldId id="311" r:id="rId15"/>
-    <p:sldId id="293" r:id="rId16"/>
-    <p:sldId id="291" r:id="rId17"/>
-    <p:sldId id="302" r:id="rId18"/>
-    <p:sldId id="306" r:id="rId19"/>
-    <p:sldId id="305" r:id="rId20"/>
-    <p:sldId id="304" r:id="rId21"/>
-    <p:sldId id="308" r:id="rId22"/>
-    <p:sldId id="296" r:id="rId23"/>
-    <p:sldId id="295" r:id="rId24"/>
-    <p:sldId id="297" r:id="rId25"/>
-    <p:sldId id="263" r:id="rId26"/>
-    <p:sldId id="286" r:id="rId27"/>
+    <p:sldId id="313" r:id="rId9"/>
+    <p:sldId id="299" r:id="rId10"/>
+    <p:sldId id="312" r:id="rId11"/>
+    <p:sldId id="301" r:id="rId12"/>
+    <p:sldId id="292" r:id="rId13"/>
+    <p:sldId id="314" r:id="rId14"/>
+    <p:sldId id="290" r:id="rId15"/>
+    <p:sldId id="309" r:id="rId16"/>
+    <p:sldId id="315" r:id="rId17"/>
+    <p:sldId id="310" r:id="rId18"/>
+    <p:sldId id="316" r:id="rId19"/>
+    <p:sldId id="311" r:id="rId20"/>
+    <p:sldId id="293" r:id="rId21"/>
+    <p:sldId id="291" r:id="rId22"/>
+    <p:sldId id="302" r:id="rId23"/>
+    <p:sldId id="306" r:id="rId24"/>
+    <p:sldId id="305" r:id="rId25"/>
+    <p:sldId id="304" r:id="rId26"/>
+    <p:sldId id="308" r:id="rId27"/>
+    <p:sldId id="296" r:id="rId28"/>
+    <p:sldId id="295" r:id="rId29"/>
+    <p:sldId id="297" r:id="rId30"/>
+    <p:sldId id="263" r:id="rId31"/>
+    <p:sldId id="286" r:id="rId32"/>
   </p:sldIdLst>
   <p:sldSz cx="12192000" cy="6858000"/>
   <p:notesSz cx="6858000" cy="9144000"/>
@@ -222,7 +227,7 @@
           <a:p>
             <a:fld id="{9CCDC2CD-8613-D146-8518-AC99D946DF95}" type="datetimeFigureOut">
               <a:rPr lang="en-US" smtClean="0"/>
-              <a:t>8/4/2024</a:t>
+              <a:t>8/6/2024</a:t>
             </a:fld>
             <a:endParaRPr lang="en-US"/>
           </a:p>
@@ -617,7 +622,7 @@
           <a:bodyPr/>
           <a:lstStyle/>
           <a:p>
-            <a:endParaRPr lang="en-US"/>
+            <a:endParaRPr lang="en-US" dirty="0"/>
           </a:p>
         </p:txBody>
       </p:sp>
@@ -647,7 +652,7 @@
     </p:spTree>
     <p:extLst>
       <p:ext uri="{BB962C8B-B14F-4D97-AF65-F5344CB8AC3E}">
-        <p14:creationId xmlns:p14="http://schemas.microsoft.com/office/powerpoint/2010/main" val="1761166516"/>
+        <p14:creationId xmlns:p14="http://schemas.microsoft.com/office/powerpoint/2010/main" val="1492456983"/>
       </p:ext>
     </p:extLst>
   </p:cSld>
@@ -731,7 +736,7 @@
     </p:spTree>
     <p:extLst>
       <p:ext uri="{BB962C8B-B14F-4D97-AF65-F5344CB8AC3E}">
-        <p14:creationId xmlns:p14="http://schemas.microsoft.com/office/powerpoint/2010/main" val="3010843482"/>
+        <p14:creationId xmlns:p14="http://schemas.microsoft.com/office/powerpoint/2010/main" val="3183584915"/>
       </p:ext>
     </p:extLst>
   </p:cSld>
@@ -785,7 +790,7 @@
           <a:bodyPr/>
           <a:lstStyle/>
           <a:p>
-            <a:endParaRPr lang="en-US" dirty="0"/>
+            <a:endParaRPr lang="en-US"/>
           </a:p>
         </p:txBody>
       </p:sp>
@@ -815,7 +820,7 @@
     </p:spTree>
     <p:extLst>
       <p:ext uri="{BB962C8B-B14F-4D97-AF65-F5344CB8AC3E}">
-        <p14:creationId xmlns:p14="http://schemas.microsoft.com/office/powerpoint/2010/main" val="1495115415"/>
+        <p14:creationId xmlns:p14="http://schemas.microsoft.com/office/powerpoint/2010/main" val="1761166516"/>
       </p:ext>
     </p:extLst>
   </p:cSld>
@@ -899,7 +904,7 @@
     </p:spTree>
     <p:extLst>
       <p:ext uri="{BB962C8B-B14F-4D97-AF65-F5344CB8AC3E}">
-        <p14:creationId xmlns:p14="http://schemas.microsoft.com/office/powerpoint/2010/main" val="2602959999"/>
+        <p14:creationId xmlns:p14="http://schemas.microsoft.com/office/powerpoint/2010/main" val="1574165131"/>
       </p:ext>
     </p:extLst>
   </p:cSld>
@@ -983,7 +988,7 @@
     </p:spTree>
     <p:extLst>
       <p:ext uri="{BB962C8B-B14F-4D97-AF65-F5344CB8AC3E}">
-        <p14:creationId xmlns:p14="http://schemas.microsoft.com/office/powerpoint/2010/main" val="1255551560"/>
+        <p14:creationId xmlns:p14="http://schemas.microsoft.com/office/powerpoint/2010/main" val="3010843482"/>
       </p:ext>
     </p:extLst>
   </p:cSld>
@@ -1037,7 +1042,7 @@
           <a:bodyPr/>
           <a:lstStyle/>
           <a:p>
-            <a:endParaRPr lang="en-US"/>
+            <a:endParaRPr lang="en-US" dirty="0"/>
           </a:p>
         </p:txBody>
       </p:sp>
@@ -1067,7 +1072,7 @@
     </p:spTree>
     <p:extLst>
       <p:ext uri="{BB962C8B-B14F-4D97-AF65-F5344CB8AC3E}">
-        <p14:creationId xmlns:p14="http://schemas.microsoft.com/office/powerpoint/2010/main" val="1392350477"/>
+        <p14:creationId xmlns:p14="http://schemas.microsoft.com/office/powerpoint/2010/main" val="1495115415"/>
       </p:ext>
     </p:extLst>
   </p:cSld>
@@ -1151,7 +1156,7 @@
     </p:spTree>
     <p:extLst>
       <p:ext uri="{BB962C8B-B14F-4D97-AF65-F5344CB8AC3E}">
-        <p14:creationId xmlns:p14="http://schemas.microsoft.com/office/powerpoint/2010/main" val="838658729"/>
+        <p14:creationId xmlns:p14="http://schemas.microsoft.com/office/powerpoint/2010/main" val="651235546"/>
       </p:ext>
     </p:extLst>
   </p:cSld>
@@ -1235,7 +1240,7 @@
     </p:spTree>
     <p:extLst>
       <p:ext uri="{BB962C8B-B14F-4D97-AF65-F5344CB8AC3E}">
-        <p14:creationId xmlns:p14="http://schemas.microsoft.com/office/powerpoint/2010/main" val="2579545324"/>
+        <p14:creationId xmlns:p14="http://schemas.microsoft.com/office/powerpoint/2010/main" val="2602959999"/>
       </p:ext>
     </p:extLst>
   </p:cSld>
@@ -1319,7 +1324,7 @@
     </p:spTree>
     <p:extLst>
       <p:ext uri="{BB962C8B-B14F-4D97-AF65-F5344CB8AC3E}">
-        <p14:creationId xmlns:p14="http://schemas.microsoft.com/office/powerpoint/2010/main" val="255201464"/>
+        <p14:creationId xmlns:p14="http://schemas.microsoft.com/office/powerpoint/2010/main" val="1995139184"/>
       </p:ext>
     </p:extLst>
   </p:cSld>
@@ -1403,7 +1408,7 @@
     </p:spTree>
     <p:extLst>
       <p:ext uri="{BB962C8B-B14F-4D97-AF65-F5344CB8AC3E}">
-        <p14:creationId xmlns:p14="http://schemas.microsoft.com/office/powerpoint/2010/main" val="3186644536"/>
+        <p14:creationId xmlns:p14="http://schemas.microsoft.com/office/powerpoint/2010/main" val="1255551560"/>
       </p:ext>
     </p:extLst>
   </p:cSld>
@@ -1541,7 +1546,7 @@
           <a:bodyPr/>
           <a:lstStyle/>
           <a:p>
-            <a:endParaRPr lang="en-US" dirty="0"/>
+            <a:endParaRPr lang="en-US"/>
           </a:p>
         </p:txBody>
       </p:sp>
@@ -1571,7 +1576,7 @@
     </p:spTree>
     <p:extLst>
       <p:ext uri="{BB962C8B-B14F-4D97-AF65-F5344CB8AC3E}">
-        <p14:creationId xmlns:p14="http://schemas.microsoft.com/office/powerpoint/2010/main" val="98065625"/>
+        <p14:creationId xmlns:p14="http://schemas.microsoft.com/office/powerpoint/2010/main" val="1392350477"/>
       </p:ext>
     </p:extLst>
   </p:cSld>
@@ -1655,7 +1660,7 @@
     </p:spTree>
     <p:extLst>
       <p:ext uri="{BB962C8B-B14F-4D97-AF65-F5344CB8AC3E}">
-        <p14:creationId xmlns:p14="http://schemas.microsoft.com/office/powerpoint/2010/main" val="2618272564"/>
+        <p14:creationId xmlns:p14="http://schemas.microsoft.com/office/powerpoint/2010/main" val="838658729"/>
       </p:ext>
     </p:extLst>
   </p:cSld>
@@ -1709,7 +1714,7 @@
           <a:bodyPr/>
           <a:lstStyle/>
           <a:p>
-            <a:endParaRPr lang="en-US"/>
+            <a:endParaRPr lang="en-US" dirty="0"/>
           </a:p>
         </p:txBody>
       </p:sp>
@@ -1739,7 +1744,7 @@
     </p:spTree>
     <p:extLst>
       <p:ext uri="{BB962C8B-B14F-4D97-AF65-F5344CB8AC3E}">
-        <p14:creationId xmlns:p14="http://schemas.microsoft.com/office/powerpoint/2010/main" val="2140077023"/>
+        <p14:creationId xmlns:p14="http://schemas.microsoft.com/office/powerpoint/2010/main" val="2579545324"/>
       </p:ext>
     </p:extLst>
   </p:cSld>
@@ -1823,7 +1828,7 @@
     </p:spTree>
     <p:extLst>
       <p:ext uri="{BB962C8B-B14F-4D97-AF65-F5344CB8AC3E}">
-        <p14:creationId xmlns:p14="http://schemas.microsoft.com/office/powerpoint/2010/main" val="3876321132"/>
+        <p14:creationId xmlns:p14="http://schemas.microsoft.com/office/powerpoint/2010/main" val="255201464"/>
       </p:ext>
     </p:extLst>
   </p:cSld>
@@ -1907,7 +1912,7 @@
     </p:spTree>
     <p:extLst>
       <p:ext uri="{BB962C8B-B14F-4D97-AF65-F5344CB8AC3E}">
-        <p14:creationId xmlns:p14="http://schemas.microsoft.com/office/powerpoint/2010/main" val="85917785"/>
+        <p14:creationId xmlns:p14="http://schemas.microsoft.com/office/powerpoint/2010/main" val="3186644536"/>
       </p:ext>
     </p:extLst>
   </p:cSld>
@@ -1961,7 +1966,7 @@
           <a:bodyPr/>
           <a:lstStyle/>
           <a:p>
-            <a:endParaRPr lang="en-US"/>
+            <a:endParaRPr lang="en-US" dirty="0"/>
           </a:p>
         </p:txBody>
       </p:sp>
@@ -1991,7 +1996,7 @@
     </p:spTree>
     <p:extLst>
       <p:ext uri="{BB962C8B-B14F-4D97-AF65-F5344CB8AC3E}">
-        <p14:creationId xmlns:p14="http://schemas.microsoft.com/office/powerpoint/2010/main" val="1436347083"/>
+        <p14:creationId xmlns:p14="http://schemas.microsoft.com/office/powerpoint/2010/main" val="98065625"/>
       </p:ext>
     </p:extLst>
   </p:cSld>
@@ -2045,7 +2050,7 @@
           <a:bodyPr/>
           <a:lstStyle/>
           <a:p>
-            <a:endParaRPr lang="en-US"/>
+            <a:endParaRPr lang="en-US" dirty="0"/>
           </a:p>
         </p:txBody>
       </p:sp>
@@ -2075,7 +2080,259 @@
     </p:spTree>
     <p:extLst>
       <p:ext uri="{BB962C8B-B14F-4D97-AF65-F5344CB8AC3E}">
-        <p14:creationId xmlns:p14="http://schemas.microsoft.com/office/powerpoint/2010/main" val="1682312674"/>
+        <p14:creationId xmlns:p14="http://schemas.microsoft.com/office/powerpoint/2010/main" val="2618272564"/>
+      </p:ext>
+    </p:extLst>
+  </p:cSld>
+  <p:clrMapOvr>
+    <a:masterClrMapping/>
+  </p:clrMapOvr>
+</p:notes>
+</file>
+
+<file path=ppt/notesSlides/notesSlide27.xml><?xml version="1.0" encoding="utf-8"?>
+<p:notes xmlns:a="http://schemas.openxmlformats.org/drawingml/2006/main" xmlns:r="http://schemas.openxmlformats.org/officeDocument/2006/relationships" xmlns:p="http://schemas.openxmlformats.org/presentationml/2006/main">
+  <p:cSld>
+    <p:spTree>
+      <p:nvGrpSpPr>
+        <p:cNvPr id="1" name=""/>
+        <p:cNvGrpSpPr/>
+        <p:nvPr/>
+      </p:nvGrpSpPr>
+      <p:grpSpPr>
+        <a:xfrm>
+          <a:off x="0" y="0"/>
+          <a:ext cx="0" cy="0"/>
+          <a:chOff x="0" y="0"/>
+          <a:chExt cx="0" cy="0"/>
+        </a:xfrm>
+      </p:grpSpPr>
+      <p:sp>
+        <p:nvSpPr>
+          <p:cNvPr id="2" name="Slide Image Placeholder 1"/>
+          <p:cNvSpPr>
+            <a:spLocks noGrp="1" noRot="1" noChangeAspect="1"/>
+          </p:cNvSpPr>
+          <p:nvPr>
+            <p:ph type="sldImg"/>
+          </p:nvPr>
+        </p:nvSpPr>
+        <p:spPr/>
+      </p:sp>
+      <p:sp>
+        <p:nvSpPr>
+          <p:cNvPr id="3" name="Notes Placeholder 2"/>
+          <p:cNvSpPr>
+            <a:spLocks noGrp="1"/>
+          </p:cNvSpPr>
+          <p:nvPr>
+            <p:ph type="body" idx="1"/>
+          </p:nvPr>
+        </p:nvSpPr>
+        <p:spPr/>
+        <p:txBody>
+          <a:bodyPr/>
+          <a:lstStyle/>
+          <a:p>
+            <a:endParaRPr lang="en-US"/>
+          </a:p>
+        </p:txBody>
+      </p:sp>
+      <p:sp>
+        <p:nvSpPr>
+          <p:cNvPr id="4" name="Slide Number Placeholder 3"/>
+          <p:cNvSpPr>
+            <a:spLocks noGrp="1"/>
+          </p:cNvSpPr>
+          <p:nvPr>
+            <p:ph type="sldNum" sz="quarter" idx="5"/>
+          </p:nvPr>
+        </p:nvSpPr>
+        <p:spPr/>
+        <p:txBody>
+          <a:bodyPr/>
+          <a:lstStyle/>
+          <a:p>
+            <a:fld id="{04EC4CF9-69BC-034A-86DA-E1DADC6FAF10}" type="slidenum">
+              <a:rPr lang="en-US" smtClean="0"/>
+              <a:t>27</a:t>
+            </a:fld>
+            <a:endParaRPr lang="en-US"/>
+          </a:p>
+        </p:txBody>
+      </p:sp>
+    </p:spTree>
+    <p:extLst>
+      <p:ext uri="{BB962C8B-B14F-4D97-AF65-F5344CB8AC3E}">
+        <p14:creationId xmlns:p14="http://schemas.microsoft.com/office/powerpoint/2010/main" val="2140077023"/>
+      </p:ext>
+    </p:extLst>
+  </p:cSld>
+  <p:clrMapOvr>
+    <a:masterClrMapping/>
+  </p:clrMapOvr>
+</p:notes>
+</file>
+
+<file path=ppt/notesSlides/notesSlide28.xml><?xml version="1.0" encoding="utf-8"?>
+<p:notes xmlns:a="http://schemas.openxmlformats.org/drawingml/2006/main" xmlns:r="http://schemas.openxmlformats.org/officeDocument/2006/relationships" xmlns:p="http://schemas.openxmlformats.org/presentationml/2006/main">
+  <p:cSld>
+    <p:spTree>
+      <p:nvGrpSpPr>
+        <p:cNvPr id="1" name=""/>
+        <p:cNvGrpSpPr/>
+        <p:nvPr/>
+      </p:nvGrpSpPr>
+      <p:grpSpPr>
+        <a:xfrm>
+          <a:off x="0" y="0"/>
+          <a:ext cx="0" cy="0"/>
+          <a:chOff x="0" y="0"/>
+          <a:chExt cx="0" cy="0"/>
+        </a:xfrm>
+      </p:grpSpPr>
+      <p:sp>
+        <p:nvSpPr>
+          <p:cNvPr id="2" name="Slide Image Placeholder 1"/>
+          <p:cNvSpPr>
+            <a:spLocks noGrp="1" noRot="1" noChangeAspect="1"/>
+          </p:cNvSpPr>
+          <p:nvPr>
+            <p:ph type="sldImg"/>
+          </p:nvPr>
+        </p:nvSpPr>
+        <p:spPr/>
+      </p:sp>
+      <p:sp>
+        <p:nvSpPr>
+          <p:cNvPr id="3" name="Notes Placeholder 2"/>
+          <p:cNvSpPr>
+            <a:spLocks noGrp="1"/>
+          </p:cNvSpPr>
+          <p:nvPr>
+            <p:ph type="body" idx="1"/>
+          </p:nvPr>
+        </p:nvSpPr>
+        <p:spPr/>
+        <p:txBody>
+          <a:bodyPr/>
+          <a:lstStyle/>
+          <a:p>
+            <a:endParaRPr lang="en-US" dirty="0"/>
+          </a:p>
+        </p:txBody>
+      </p:sp>
+      <p:sp>
+        <p:nvSpPr>
+          <p:cNvPr id="4" name="Slide Number Placeholder 3"/>
+          <p:cNvSpPr>
+            <a:spLocks noGrp="1"/>
+          </p:cNvSpPr>
+          <p:nvPr>
+            <p:ph type="sldNum" sz="quarter" idx="5"/>
+          </p:nvPr>
+        </p:nvSpPr>
+        <p:spPr/>
+        <p:txBody>
+          <a:bodyPr/>
+          <a:lstStyle/>
+          <a:p>
+            <a:fld id="{04EC4CF9-69BC-034A-86DA-E1DADC6FAF10}" type="slidenum">
+              <a:rPr lang="en-US" smtClean="0"/>
+              <a:t>28</a:t>
+            </a:fld>
+            <a:endParaRPr lang="en-US"/>
+          </a:p>
+        </p:txBody>
+      </p:sp>
+    </p:spTree>
+    <p:extLst>
+      <p:ext uri="{BB962C8B-B14F-4D97-AF65-F5344CB8AC3E}">
+        <p14:creationId xmlns:p14="http://schemas.microsoft.com/office/powerpoint/2010/main" val="3876321132"/>
+      </p:ext>
+    </p:extLst>
+  </p:cSld>
+  <p:clrMapOvr>
+    <a:masterClrMapping/>
+  </p:clrMapOvr>
+</p:notes>
+</file>
+
+<file path=ppt/notesSlides/notesSlide29.xml><?xml version="1.0" encoding="utf-8"?>
+<p:notes xmlns:a="http://schemas.openxmlformats.org/drawingml/2006/main" xmlns:r="http://schemas.openxmlformats.org/officeDocument/2006/relationships" xmlns:p="http://schemas.openxmlformats.org/presentationml/2006/main">
+  <p:cSld>
+    <p:spTree>
+      <p:nvGrpSpPr>
+        <p:cNvPr id="1" name=""/>
+        <p:cNvGrpSpPr/>
+        <p:nvPr/>
+      </p:nvGrpSpPr>
+      <p:grpSpPr>
+        <a:xfrm>
+          <a:off x="0" y="0"/>
+          <a:ext cx="0" cy="0"/>
+          <a:chOff x="0" y="0"/>
+          <a:chExt cx="0" cy="0"/>
+        </a:xfrm>
+      </p:grpSpPr>
+      <p:sp>
+        <p:nvSpPr>
+          <p:cNvPr id="2" name="Slide Image Placeholder 1"/>
+          <p:cNvSpPr>
+            <a:spLocks noGrp="1" noRot="1" noChangeAspect="1"/>
+          </p:cNvSpPr>
+          <p:nvPr>
+            <p:ph type="sldImg"/>
+          </p:nvPr>
+        </p:nvSpPr>
+        <p:spPr/>
+      </p:sp>
+      <p:sp>
+        <p:nvSpPr>
+          <p:cNvPr id="3" name="Notes Placeholder 2"/>
+          <p:cNvSpPr>
+            <a:spLocks noGrp="1"/>
+          </p:cNvSpPr>
+          <p:nvPr>
+            <p:ph type="body" idx="1"/>
+          </p:nvPr>
+        </p:nvSpPr>
+        <p:spPr/>
+        <p:txBody>
+          <a:bodyPr/>
+          <a:lstStyle/>
+          <a:p>
+            <a:endParaRPr lang="en-US" dirty="0"/>
+          </a:p>
+        </p:txBody>
+      </p:sp>
+      <p:sp>
+        <p:nvSpPr>
+          <p:cNvPr id="4" name="Slide Number Placeholder 3"/>
+          <p:cNvSpPr>
+            <a:spLocks noGrp="1"/>
+          </p:cNvSpPr>
+          <p:nvPr>
+            <p:ph type="sldNum" sz="quarter" idx="5"/>
+          </p:nvPr>
+        </p:nvSpPr>
+        <p:spPr/>
+        <p:txBody>
+          <a:bodyPr/>
+          <a:lstStyle/>
+          <a:p>
+            <a:fld id="{04EC4CF9-69BC-034A-86DA-E1DADC6FAF10}" type="slidenum">
+              <a:rPr lang="en-US" smtClean="0"/>
+              <a:t>29</a:t>
+            </a:fld>
+            <a:endParaRPr lang="en-US"/>
+          </a:p>
+        </p:txBody>
+      </p:sp>
+    </p:spTree>
+    <p:extLst>
+      <p:ext uri="{BB962C8B-B14F-4D97-AF65-F5344CB8AC3E}">
+        <p14:creationId xmlns:p14="http://schemas.microsoft.com/office/powerpoint/2010/main" val="85917785"/>
       </p:ext>
     </p:extLst>
   </p:cSld>
@@ -2160,6 +2417,174 @@
     <p:extLst>
       <p:ext uri="{BB962C8B-B14F-4D97-AF65-F5344CB8AC3E}">
         <p14:creationId xmlns:p14="http://schemas.microsoft.com/office/powerpoint/2010/main" val="1359032535"/>
+      </p:ext>
+    </p:extLst>
+  </p:cSld>
+  <p:clrMapOvr>
+    <a:masterClrMapping/>
+  </p:clrMapOvr>
+</p:notes>
+</file>
+
+<file path=ppt/notesSlides/notesSlide30.xml><?xml version="1.0" encoding="utf-8"?>
+<p:notes xmlns:a="http://schemas.openxmlformats.org/drawingml/2006/main" xmlns:r="http://schemas.openxmlformats.org/officeDocument/2006/relationships" xmlns:p="http://schemas.openxmlformats.org/presentationml/2006/main">
+  <p:cSld>
+    <p:spTree>
+      <p:nvGrpSpPr>
+        <p:cNvPr id="1" name=""/>
+        <p:cNvGrpSpPr/>
+        <p:nvPr/>
+      </p:nvGrpSpPr>
+      <p:grpSpPr>
+        <a:xfrm>
+          <a:off x="0" y="0"/>
+          <a:ext cx="0" cy="0"/>
+          <a:chOff x="0" y="0"/>
+          <a:chExt cx="0" cy="0"/>
+        </a:xfrm>
+      </p:grpSpPr>
+      <p:sp>
+        <p:nvSpPr>
+          <p:cNvPr id="2" name="Slide Image Placeholder 1"/>
+          <p:cNvSpPr>
+            <a:spLocks noGrp="1" noRot="1" noChangeAspect="1"/>
+          </p:cNvSpPr>
+          <p:nvPr>
+            <p:ph type="sldImg"/>
+          </p:nvPr>
+        </p:nvSpPr>
+        <p:spPr/>
+      </p:sp>
+      <p:sp>
+        <p:nvSpPr>
+          <p:cNvPr id="3" name="Notes Placeholder 2"/>
+          <p:cNvSpPr>
+            <a:spLocks noGrp="1"/>
+          </p:cNvSpPr>
+          <p:nvPr>
+            <p:ph type="body" idx="1"/>
+          </p:nvPr>
+        </p:nvSpPr>
+        <p:spPr/>
+        <p:txBody>
+          <a:bodyPr/>
+          <a:lstStyle/>
+          <a:p>
+            <a:endParaRPr lang="en-US"/>
+          </a:p>
+        </p:txBody>
+      </p:sp>
+      <p:sp>
+        <p:nvSpPr>
+          <p:cNvPr id="4" name="Slide Number Placeholder 3"/>
+          <p:cNvSpPr>
+            <a:spLocks noGrp="1"/>
+          </p:cNvSpPr>
+          <p:nvPr>
+            <p:ph type="sldNum" sz="quarter" idx="5"/>
+          </p:nvPr>
+        </p:nvSpPr>
+        <p:spPr/>
+        <p:txBody>
+          <a:bodyPr/>
+          <a:lstStyle/>
+          <a:p>
+            <a:fld id="{04EC4CF9-69BC-034A-86DA-E1DADC6FAF10}" type="slidenum">
+              <a:rPr lang="en-US" smtClean="0"/>
+              <a:t>30</a:t>
+            </a:fld>
+            <a:endParaRPr lang="en-US"/>
+          </a:p>
+        </p:txBody>
+      </p:sp>
+    </p:spTree>
+    <p:extLst>
+      <p:ext uri="{BB962C8B-B14F-4D97-AF65-F5344CB8AC3E}">
+        <p14:creationId xmlns:p14="http://schemas.microsoft.com/office/powerpoint/2010/main" val="1436347083"/>
+      </p:ext>
+    </p:extLst>
+  </p:cSld>
+  <p:clrMapOvr>
+    <a:masterClrMapping/>
+  </p:clrMapOvr>
+</p:notes>
+</file>
+
+<file path=ppt/notesSlides/notesSlide31.xml><?xml version="1.0" encoding="utf-8"?>
+<p:notes xmlns:a="http://schemas.openxmlformats.org/drawingml/2006/main" xmlns:r="http://schemas.openxmlformats.org/officeDocument/2006/relationships" xmlns:p="http://schemas.openxmlformats.org/presentationml/2006/main">
+  <p:cSld>
+    <p:spTree>
+      <p:nvGrpSpPr>
+        <p:cNvPr id="1" name=""/>
+        <p:cNvGrpSpPr/>
+        <p:nvPr/>
+      </p:nvGrpSpPr>
+      <p:grpSpPr>
+        <a:xfrm>
+          <a:off x="0" y="0"/>
+          <a:ext cx="0" cy="0"/>
+          <a:chOff x="0" y="0"/>
+          <a:chExt cx="0" cy="0"/>
+        </a:xfrm>
+      </p:grpSpPr>
+      <p:sp>
+        <p:nvSpPr>
+          <p:cNvPr id="2" name="Slide Image Placeholder 1"/>
+          <p:cNvSpPr>
+            <a:spLocks noGrp="1" noRot="1" noChangeAspect="1"/>
+          </p:cNvSpPr>
+          <p:nvPr>
+            <p:ph type="sldImg"/>
+          </p:nvPr>
+        </p:nvSpPr>
+        <p:spPr/>
+      </p:sp>
+      <p:sp>
+        <p:nvSpPr>
+          <p:cNvPr id="3" name="Notes Placeholder 2"/>
+          <p:cNvSpPr>
+            <a:spLocks noGrp="1"/>
+          </p:cNvSpPr>
+          <p:nvPr>
+            <p:ph type="body" idx="1"/>
+          </p:nvPr>
+        </p:nvSpPr>
+        <p:spPr/>
+        <p:txBody>
+          <a:bodyPr/>
+          <a:lstStyle/>
+          <a:p>
+            <a:endParaRPr lang="en-US"/>
+          </a:p>
+        </p:txBody>
+      </p:sp>
+      <p:sp>
+        <p:nvSpPr>
+          <p:cNvPr id="4" name="Slide Number Placeholder 3"/>
+          <p:cNvSpPr>
+            <a:spLocks noGrp="1"/>
+          </p:cNvSpPr>
+          <p:nvPr>
+            <p:ph type="sldNum" sz="quarter" idx="5"/>
+          </p:nvPr>
+        </p:nvSpPr>
+        <p:spPr/>
+        <p:txBody>
+          <a:bodyPr/>
+          <a:lstStyle/>
+          <a:p>
+            <a:fld id="{04EC4CF9-69BC-034A-86DA-E1DADC6FAF10}" type="slidenum">
+              <a:rPr lang="en-US" smtClean="0"/>
+              <a:t>31</a:t>
+            </a:fld>
+            <a:endParaRPr lang="en-US"/>
+          </a:p>
+        </p:txBody>
+      </p:sp>
+    </p:spTree>
+    <p:extLst>
+      <p:ext uri="{BB962C8B-B14F-4D97-AF65-F5344CB8AC3E}">
+        <p14:creationId xmlns:p14="http://schemas.microsoft.com/office/powerpoint/2010/main" val="1682312674"/>
       </p:ext>
     </p:extLst>
   </p:cSld>
@@ -2579,7 +3004,7 @@
     </p:spTree>
     <p:extLst>
       <p:ext uri="{BB962C8B-B14F-4D97-AF65-F5344CB8AC3E}">
-        <p14:creationId xmlns:p14="http://schemas.microsoft.com/office/powerpoint/2010/main" val="3930434824"/>
+        <p14:creationId xmlns:p14="http://schemas.microsoft.com/office/powerpoint/2010/main" val="232199231"/>
       </p:ext>
     </p:extLst>
   </p:cSld>
@@ -2663,7 +3088,7 @@
     </p:spTree>
     <p:extLst>
       <p:ext uri="{BB962C8B-B14F-4D97-AF65-F5344CB8AC3E}">
-        <p14:creationId xmlns:p14="http://schemas.microsoft.com/office/powerpoint/2010/main" val="3183584915"/>
+        <p14:creationId xmlns:p14="http://schemas.microsoft.com/office/powerpoint/2010/main" val="3930434824"/>
       </p:ext>
     </p:extLst>
   </p:cSld>
@@ -6720,7 +7145,7 @@
                 <a:latin typeface="Helvetica Neue Light" panose="02000403000000020004" pitchFamily="2" charset="0"/>
                 <a:ea typeface="Helvetica Neue Light" panose="02000403000000020004" pitchFamily="2" charset="0"/>
               </a:rPr>
-              <a:t>Class Diagram</a:t>
+              <a:t>Activity Diagram</a:t>
             </a:r>
           </a:p>
         </p:txBody>
@@ -6786,10 +7211,10 @@
           <a:lstStyle/>
           <a:p>
             <a:r>
-              <a:rPr lang="en-US" smtClean="0"/>
+              <a:rPr lang="en-US" dirty="0" smtClean="0"/>
               <a:t>Book Store</a:t>
             </a:r>
-            <a:endParaRPr lang="en-US"/>
+            <a:endParaRPr lang="en-US" dirty="0"/>
           </a:p>
         </p:txBody>
       </p:sp>
@@ -6829,7 +7254,7 @@
       </p:sp>
       <p:pic>
         <p:nvPicPr>
-          <p:cNvPr id="3" name="Picture 2"/>
+          <p:cNvPr id="7" name="Picture 6"/>
           <p:cNvPicPr>
             <a:picLocks noChangeAspect="1"/>
           </p:cNvPicPr>
@@ -6849,8 +7274,8 @@
         </p:blipFill>
         <p:spPr>
           <a:xfrm>
-            <a:off x="2445970" y="926876"/>
-            <a:ext cx="7279264" cy="5498404"/>
+            <a:off x="3287578" y="976185"/>
+            <a:ext cx="5616842" cy="5478399"/>
           </a:xfrm>
           <a:prstGeom prst="rect">
             <a:avLst/>
@@ -6860,7 +7285,7 @@
     </p:spTree>
     <p:extLst>
       <p:ext uri="{BB962C8B-B14F-4D97-AF65-F5344CB8AC3E}">
-        <p14:creationId xmlns:p14="http://schemas.microsoft.com/office/powerpoint/2010/main" val="2037354468"/>
+        <p14:creationId xmlns:p14="http://schemas.microsoft.com/office/powerpoint/2010/main" val="3518107392"/>
       </p:ext>
     </p:extLst>
   </p:cSld>
@@ -6945,7 +7370,7 @@
                 <a:latin typeface="Helvetica Neue Light" panose="02000403000000020004" pitchFamily="2" charset="0"/>
                 <a:ea typeface="Helvetica Neue Light" panose="02000403000000020004" pitchFamily="2" charset="0"/>
               </a:rPr>
-              <a:t>Sequence Diagram</a:t>
+              <a:t>Activity Diagram</a:t>
             </a:r>
           </a:p>
         </p:txBody>
@@ -7011,10 +7436,10 @@
           <a:lstStyle/>
           <a:p>
             <a:r>
-              <a:rPr lang="en-US" smtClean="0"/>
+              <a:rPr lang="en-US" dirty="0" smtClean="0"/>
               <a:t>Book Store</a:t>
             </a:r>
-            <a:endParaRPr lang="en-US"/>
+            <a:endParaRPr lang="en-US" dirty="0"/>
           </a:p>
         </p:txBody>
       </p:sp>
@@ -7074,38 +7499,8 @@
         </p:blipFill>
         <p:spPr>
           <a:xfrm>
-            <a:off x="1033940" y="952261"/>
-            <a:ext cx="4799472" cy="5656521"/>
-          </a:xfrm>
-          <a:prstGeom prst="rect">
-            <a:avLst/>
-          </a:prstGeom>
-        </p:spPr>
-      </p:pic>
-      <p:pic>
-        <p:nvPicPr>
-          <p:cNvPr id="8" name="Picture 7"/>
-          <p:cNvPicPr>
-            <a:picLocks noChangeAspect="1"/>
-          </p:cNvPicPr>
-          <p:nvPr/>
-        </p:nvPicPr>
-        <p:blipFill>
-          <a:blip r:embed="rId4">
-            <a:extLst>
-              <a:ext uri="{28A0092B-C50C-407E-A947-70E740481C1C}">
-                <a14:useLocalDpi xmlns:a14="http://schemas.microsoft.com/office/drawing/2010/main" val="0"/>
-              </a:ext>
-            </a:extLst>
-          </a:blip>
-          <a:stretch>
-            <a:fillRect/>
-          </a:stretch>
-        </p:blipFill>
-        <p:spPr>
-          <a:xfrm>
-            <a:off x="6374639" y="977648"/>
-            <a:ext cx="4755319" cy="5605749"/>
+            <a:off x="4348468" y="872996"/>
+            <a:ext cx="3474268" cy="5698847"/>
           </a:xfrm>
           <a:prstGeom prst="rect">
             <a:avLst/>
@@ -7115,7 +7510,7 @@
     </p:spTree>
     <p:extLst>
       <p:ext uri="{BB962C8B-B14F-4D97-AF65-F5344CB8AC3E}">
-        <p14:creationId xmlns:p14="http://schemas.microsoft.com/office/powerpoint/2010/main" val="1824775772"/>
+        <p14:creationId xmlns:p14="http://schemas.microsoft.com/office/powerpoint/2010/main" val="606031387"/>
       </p:ext>
     </p:extLst>
   </p:cSld>
@@ -7200,7 +7595,7 @@
                 <a:latin typeface="Helvetica Neue Light" panose="02000403000000020004" pitchFamily="2" charset="0"/>
                 <a:ea typeface="Helvetica Neue Light" panose="02000403000000020004" pitchFamily="2" charset="0"/>
               </a:rPr>
-              <a:t>Sequence Diagram</a:t>
+              <a:t>Class Diagram</a:t>
             </a:r>
           </a:p>
         </p:txBody>
@@ -7329,37 +7724,8 @@
         </p:blipFill>
         <p:spPr>
           <a:xfrm>
-            <a:off x="619270" y="926876"/>
-            <a:ext cx="4813967" cy="5674885"/>
-          </a:xfrm>
-          <a:prstGeom prst="rect">
-            <a:avLst/>
-          </a:prstGeom>
-        </p:spPr>
-      </p:pic>
-      <p:pic>
-        <p:nvPicPr>
-          <p:cNvPr id="7" name="Picture 6"/>
-          <p:cNvPicPr>
-            <a:picLocks noChangeAspect="1"/>
-          </p:cNvPicPr>
-          <p:nvPr/>
-        </p:nvPicPr>
-        <p:blipFill rotWithShape="1">
-          <a:blip r:embed="rId4">
-            <a:extLst>
-              <a:ext uri="{28A0092B-C50C-407E-A947-70E740481C1C}">
-                <a14:useLocalDpi xmlns:a14="http://schemas.microsoft.com/office/drawing/2010/main" val="0"/>
-              </a:ext>
-            </a:extLst>
-          </a:blip>
-          <a:srcRect l="1" r="-2028" b="22325"/>
-          <a:stretch/>
-        </p:blipFill>
-        <p:spPr>
-          <a:xfrm>
-            <a:off x="5911830" y="1058963"/>
-            <a:ext cx="5935533" cy="5326912"/>
+            <a:off x="2445970" y="926876"/>
+            <a:ext cx="7279264" cy="5498404"/>
           </a:xfrm>
           <a:prstGeom prst="rect">
             <a:avLst/>
@@ -7369,7 +7735,7 @@
     </p:spTree>
     <p:extLst>
       <p:ext uri="{BB962C8B-B14F-4D97-AF65-F5344CB8AC3E}">
-        <p14:creationId xmlns:p14="http://schemas.microsoft.com/office/powerpoint/2010/main" val="3822979501"/>
+        <p14:creationId xmlns:p14="http://schemas.microsoft.com/office/powerpoint/2010/main" val="2037354468"/>
       </p:ext>
     </p:extLst>
   </p:cSld>
@@ -7583,37 +7949,8 @@
         </p:blipFill>
         <p:spPr>
           <a:xfrm>
-            <a:off x="1024707" y="926876"/>
-            <a:ext cx="3842650" cy="5614159"/>
-          </a:xfrm>
-          <a:prstGeom prst="rect">
-            <a:avLst/>
-          </a:prstGeom>
-        </p:spPr>
-      </p:pic>
-      <p:pic>
-        <p:nvPicPr>
-          <p:cNvPr id="8" name="Picture 7"/>
-          <p:cNvPicPr>
-            <a:picLocks noChangeAspect="1"/>
-          </p:cNvPicPr>
-          <p:nvPr/>
-        </p:nvPicPr>
-        <p:blipFill rotWithShape="1">
-          <a:blip r:embed="rId4">
-            <a:extLst>
-              <a:ext uri="{28A0092B-C50C-407E-A947-70E740481C1C}">
-                <a14:useLocalDpi xmlns:a14="http://schemas.microsoft.com/office/drawing/2010/main" val="0"/>
-              </a:ext>
-            </a:extLst>
-          </a:blip>
-          <a:srcRect r="-565" b="14883"/>
-          <a:stretch/>
-        </p:blipFill>
-        <p:spPr>
-          <a:xfrm>
-            <a:off x="5642915" y="945446"/>
-            <a:ext cx="5589627" cy="5577018"/>
+            <a:off x="3696263" y="952261"/>
+            <a:ext cx="4799472" cy="5656521"/>
           </a:xfrm>
           <a:prstGeom prst="rect">
             <a:avLst/>
@@ -7623,7 +7960,7 @@
     </p:spTree>
     <p:extLst>
       <p:ext uri="{BB962C8B-B14F-4D97-AF65-F5344CB8AC3E}">
-        <p14:creationId xmlns:p14="http://schemas.microsoft.com/office/powerpoint/2010/main" val="900182501"/>
+        <p14:creationId xmlns:p14="http://schemas.microsoft.com/office/powerpoint/2010/main" val="3465781122"/>
       </p:ext>
     </p:extLst>
   </p:cSld>
@@ -7817,13 +8154,13 @@
       </p:sp>
       <p:pic>
         <p:nvPicPr>
-          <p:cNvPr id="7" name="Picture 6"/>
+          <p:cNvPr id="8" name="Picture 7"/>
           <p:cNvPicPr>
             <a:picLocks noChangeAspect="1"/>
           </p:cNvPicPr>
           <p:nvPr/>
         </p:nvPicPr>
-        <p:blipFill rotWithShape="1">
+        <p:blipFill>
           <a:blip r:embed="rId3">
             <a:extLst>
               <a:ext uri="{28A0092B-C50C-407E-A947-70E740481C1C}">
@@ -7831,13 +8168,14 @@
               </a:ext>
             </a:extLst>
           </a:blip>
-          <a:srcRect r="-277" b="6047"/>
-          <a:stretch/>
+          <a:stretch>
+            <a:fillRect/>
+          </a:stretch>
         </p:blipFill>
         <p:spPr>
           <a:xfrm>
-            <a:off x="3307792" y="879100"/>
-            <a:ext cx="5453436" cy="5700542"/>
+            <a:off x="3707942" y="901194"/>
+            <a:ext cx="4755319" cy="5605749"/>
           </a:xfrm>
           <a:prstGeom prst="rect">
             <a:avLst/>
@@ -7847,7 +8185,7 @@
     </p:spTree>
     <p:extLst>
       <p:ext uri="{BB962C8B-B14F-4D97-AF65-F5344CB8AC3E}">
-        <p14:creationId xmlns:p14="http://schemas.microsoft.com/office/powerpoint/2010/main" val="2182332806"/>
+        <p14:creationId xmlns:p14="http://schemas.microsoft.com/office/powerpoint/2010/main" val="1824775772"/>
       </p:ext>
     </p:extLst>
   </p:cSld>
@@ -7932,7 +8270,7 @@
                 <a:latin typeface="Helvetica Neue Light" panose="02000403000000020004" pitchFamily="2" charset="0"/>
                 <a:ea typeface="Helvetica Neue Light" panose="02000403000000020004" pitchFamily="2" charset="0"/>
               </a:rPr>
-              <a:t>Entity Relationship Diagram</a:t>
+              <a:t>Sequence Diagram</a:t>
             </a:r>
           </a:p>
         </p:txBody>
@@ -8061,8 +8399,8 @@
         </p:blipFill>
         <p:spPr>
           <a:xfrm>
-            <a:off x="2854453" y="1111359"/>
-            <a:ext cx="6483092" cy="5208051"/>
+            <a:off x="3678618" y="926876"/>
+            <a:ext cx="4813967" cy="5674885"/>
           </a:xfrm>
           <a:prstGeom prst="rect">
             <a:avLst/>
@@ -8072,7 +8410,7 @@
     </p:spTree>
     <p:extLst>
       <p:ext uri="{BB962C8B-B14F-4D97-AF65-F5344CB8AC3E}">
-        <p14:creationId xmlns:p14="http://schemas.microsoft.com/office/powerpoint/2010/main" val="2667165334"/>
+        <p14:creationId xmlns:p14="http://schemas.microsoft.com/office/powerpoint/2010/main" val="3822979501"/>
       </p:ext>
     </p:extLst>
   </p:cSld>
@@ -8157,7 +8495,7 @@
                 <a:latin typeface="Helvetica Neue Light" panose="02000403000000020004" pitchFamily="2" charset="0"/>
                 <a:ea typeface="Helvetica Neue Light" panose="02000403000000020004" pitchFamily="2" charset="0"/>
               </a:rPr>
-              <a:t>UI Design</a:t>
+              <a:t>Sequence Diagram</a:t>
             </a:r>
           </a:p>
         </p:txBody>
@@ -8266,13 +8604,13 @@
       </p:sp>
       <p:pic>
         <p:nvPicPr>
-          <p:cNvPr id="8194" name="Picture 2" descr="MainMenu"/>
+          <p:cNvPr id="7" name="Picture 6"/>
           <p:cNvPicPr>
-            <a:picLocks noChangeAspect="1" noChangeArrowheads="1"/>
+            <a:picLocks noChangeAspect="1"/>
           </p:cNvPicPr>
           <p:nvPr/>
         </p:nvPicPr>
-        <p:blipFill>
+        <p:blipFill rotWithShape="1">
           <a:blip r:embed="rId3">
             <a:extLst>
               <a:ext uri="{28A0092B-C50C-407E-A947-70E740481C1C}">
@@ -8280,270 +8618,23 @@
               </a:ext>
             </a:extLst>
           </a:blip>
-          <a:srcRect/>
-          <a:stretch>
-            <a:fillRect/>
-          </a:stretch>
+          <a:srcRect l="1" r="-2028" b="22325"/>
+          <a:stretch/>
         </p:blipFill>
-        <p:spPr bwMode="auto">
-          <a:xfrm>
-            <a:off x="4010574" y="1279411"/>
-            <a:ext cx="4170849" cy="2212698"/>
+        <p:spPr>
+          <a:xfrm>
+            <a:off x="3117835" y="1051929"/>
+            <a:ext cx="5935533" cy="5326912"/>
           </a:xfrm>
           <a:prstGeom prst="rect">
             <a:avLst/>
           </a:prstGeom>
-          <a:noFill/>
-          <a:ln>
-            <a:noFill/>
-          </a:ln>
-          <a:extLst>
-            <a:ext uri="{909E8E84-426E-40DD-AFC4-6F175D3DCCD1}">
-              <a14:hiddenFill xmlns:a14="http://schemas.microsoft.com/office/drawing/2010/main">
-                <a:solidFill>
-                  <a:srgbClr val="FFFFFF"/>
-                </a:solidFill>
-              </a14:hiddenFill>
-            </a:ext>
-            <a:ext uri="{91240B29-F687-4F45-9708-019B960494DF}">
-              <a14:hiddenLine xmlns:a14="http://schemas.microsoft.com/office/drawing/2010/main" w="9525">
-                <a:solidFill>
-                  <a:srgbClr val="000000"/>
-                </a:solidFill>
-                <a:miter lim="800000"/>
-                <a:headEnd/>
-                <a:tailEnd/>
-              </a14:hiddenLine>
-            </a:ext>
-          </a:extLst>
         </p:spPr>
       </p:pic>
-      <p:sp>
-        <p:nvSpPr>
-          <p:cNvPr id="7" name="TextBox 6"/>
-          <p:cNvSpPr txBox="1"/>
-          <p:nvPr/>
-        </p:nvSpPr>
-        <p:spPr>
-          <a:xfrm>
-            <a:off x="5447423" y="3530719"/>
-            <a:ext cx="1297150" cy="369332"/>
-          </a:xfrm>
-          <a:prstGeom prst="rect">
-            <a:avLst/>
-          </a:prstGeom>
-          <a:noFill/>
-        </p:spPr>
-        <p:txBody>
-          <a:bodyPr wrap="none" rtlCol="0">
-            <a:spAutoFit/>
-          </a:bodyPr>
-          <a:lstStyle/>
-          <a:p>
-            <a:r>
-              <a:rPr lang="en-US" b="1" dirty="0" smtClean="0">
-                <a:solidFill>
-                  <a:srgbClr val="0070C0"/>
-                </a:solidFill>
-              </a:rPr>
-              <a:t>Main Menu</a:t>
-            </a:r>
-            <a:endParaRPr lang="en-US" b="1" dirty="0">
-              <a:solidFill>
-                <a:srgbClr val="0070C0"/>
-              </a:solidFill>
-            </a:endParaRPr>
-          </a:p>
-        </p:txBody>
-      </p:sp>
-      <p:pic>
-        <p:nvPicPr>
-          <p:cNvPr id="8195" name="Picture 3" descr="SignIn"/>
-          <p:cNvPicPr>
-            <a:picLocks noChangeAspect="1" noChangeArrowheads="1"/>
-          </p:cNvPicPr>
-          <p:nvPr/>
-        </p:nvPicPr>
-        <p:blipFill>
-          <a:blip r:embed="rId4">
-            <a:extLst>
-              <a:ext uri="{28A0092B-C50C-407E-A947-70E740481C1C}">
-                <a14:useLocalDpi xmlns:a14="http://schemas.microsoft.com/office/drawing/2010/main" val="0"/>
-              </a:ext>
-            </a:extLst>
-          </a:blip>
-          <a:srcRect/>
-          <a:stretch>
-            <a:fillRect/>
-          </a:stretch>
-        </p:blipFill>
-        <p:spPr bwMode="auto">
-          <a:xfrm>
-            <a:off x="7001450" y="4265263"/>
-            <a:ext cx="2929582" cy="1468526"/>
-          </a:xfrm>
-          <a:prstGeom prst="rect">
-            <a:avLst/>
-          </a:prstGeom>
-          <a:noFill/>
-          <a:ln>
-            <a:noFill/>
-          </a:ln>
-          <a:extLst>
-            <a:ext uri="{909E8E84-426E-40DD-AFC4-6F175D3DCCD1}">
-              <a14:hiddenFill xmlns:a14="http://schemas.microsoft.com/office/drawing/2010/main">
-                <a:solidFill>
-                  <a:srgbClr val="FFFFFF"/>
-                </a:solidFill>
-              </a14:hiddenFill>
-            </a:ext>
-            <a:ext uri="{91240B29-F687-4F45-9708-019B960494DF}">
-              <a14:hiddenLine xmlns:a14="http://schemas.microsoft.com/office/drawing/2010/main" w="9525">
-                <a:solidFill>
-                  <a:srgbClr val="000000"/>
-                </a:solidFill>
-                <a:miter lim="800000"/>
-                <a:headEnd/>
-                <a:tailEnd/>
-              </a14:hiddenLine>
-            </a:ext>
-          </a:extLst>
-        </p:spPr>
-      </p:pic>
-      <p:pic>
-        <p:nvPicPr>
-          <p:cNvPr id="8196" name="Picture 4" descr="Log In"/>
-          <p:cNvPicPr>
-            <a:picLocks noChangeAspect="1" noChangeArrowheads="1"/>
-          </p:cNvPicPr>
-          <p:nvPr/>
-        </p:nvPicPr>
-        <p:blipFill>
-          <a:blip r:embed="rId5">
-            <a:extLst>
-              <a:ext uri="{28A0092B-C50C-407E-A947-70E740481C1C}">
-                <a14:useLocalDpi xmlns:a14="http://schemas.microsoft.com/office/drawing/2010/main" val="0"/>
-              </a:ext>
-            </a:extLst>
-          </a:blip>
-          <a:srcRect/>
-          <a:stretch>
-            <a:fillRect/>
-          </a:stretch>
-        </p:blipFill>
-        <p:spPr bwMode="auto">
-          <a:xfrm>
-            <a:off x="1864385" y="4408041"/>
-            <a:ext cx="3335632" cy="1325748"/>
-          </a:xfrm>
-          <a:prstGeom prst="rect">
-            <a:avLst/>
-          </a:prstGeom>
-          <a:noFill/>
-          <a:ln>
-            <a:noFill/>
-          </a:ln>
-          <a:extLst>
-            <a:ext uri="{909E8E84-426E-40DD-AFC4-6F175D3DCCD1}">
-              <a14:hiddenFill xmlns:a14="http://schemas.microsoft.com/office/drawing/2010/main">
-                <a:solidFill>
-                  <a:srgbClr val="FFFFFF"/>
-                </a:solidFill>
-              </a14:hiddenFill>
-            </a:ext>
-            <a:ext uri="{91240B29-F687-4F45-9708-019B960494DF}">
-              <a14:hiddenLine xmlns:a14="http://schemas.microsoft.com/office/drawing/2010/main" w="9525">
-                <a:solidFill>
-                  <a:srgbClr val="000000"/>
-                </a:solidFill>
-                <a:miter lim="800000"/>
-                <a:headEnd/>
-                <a:tailEnd/>
-              </a14:hiddenLine>
-            </a:ext>
-          </a:extLst>
-        </p:spPr>
-      </p:pic>
-      <p:sp>
-        <p:nvSpPr>
-          <p:cNvPr id="11" name="TextBox 10"/>
-          <p:cNvSpPr txBox="1"/>
-          <p:nvPr/>
-        </p:nvSpPr>
-        <p:spPr>
-          <a:xfrm>
-            <a:off x="2745403" y="5767133"/>
-            <a:ext cx="1408462" cy="369332"/>
-          </a:xfrm>
-          <a:prstGeom prst="rect">
-            <a:avLst/>
-          </a:prstGeom>
-          <a:noFill/>
-        </p:spPr>
-        <p:txBody>
-          <a:bodyPr wrap="none" rtlCol="0">
-            <a:spAutoFit/>
-          </a:bodyPr>
-          <a:lstStyle/>
-          <a:p>
-            <a:r>
-              <a:rPr lang="en-US" b="1" dirty="0" smtClean="0">
-                <a:solidFill>
-                  <a:srgbClr val="0070C0"/>
-                </a:solidFill>
-              </a:rPr>
-              <a:t>Login Option</a:t>
-            </a:r>
-            <a:endParaRPr lang="en-US" b="1" dirty="0">
-              <a:solidFill>
-                <a:srgbClr val="0070C0"/>
-              </a:solidFill>
-            </a:endParaRPr>
-          </a:p>
-        </p:txBody>
-      </p:sp>
-      <p:sp>
-        <p:nvSpPr>
-          <p:cNvPr id="12" name="TextBox 11"/>
-          <p:cNvSpPr txBox="1"/>
-          <p:nvPr/>
-        </p:nvSpPr>
-        <p:spPr>
-          <a:xfrm>
-            <a:off x="7699493" y="5767133"/>
-            <a:ext cx="1533497" cy="369332"/>
-          </a:xfrm>
-          <a:prstGeom prst="rect">
-            <a:avLst/>
-          </a:prstGeom>
-          <a:noFill/>
-        </p:spPr>
-        <p:txBody>
-          <a:bodyPr wrap="none" rtlCol="0">
-            <a:spAutoFit/>
-          </a:bodyPr>
-          <a:lstStyle/>
-          <a:p>
-            <a:r>
-              <a:rPr lang="en-US" b="1" dirty="0" smtClean="0">
-                <a:solidFill>
-                  <a:srgbClr val="0070C0"/>
-                </a:solidFill>
-              </a:rPr>
-              <a:t>Sign In Option</a:t>
-            </a:r>
-            <a:endParaRPr lang="en-US" b="1" dirty="0">
-              <a:solidFill>
-                <a:srgbClr val="0070C0"/>
-              </a:solidFill>
-            </a:endParaRPr>
-          </a:p>
-        </p:txBody>
-      </p:sp>
     </p:spTree>
     <p:extLst>
       <p:ext uri="{BB962C8B-B14F-4D97-AF65-F5344CB8AC3E}">
-        <p14:creationId xmlns:p14="http://schemas.microsoft.com/office/powerpoint/2010/main" val="1512216451"/>
+        <p14:creationId xmlns:p14="http://schemas.microsoft.com/office/powerpoint/2010/main" val="1664108907"/>
       </p:ext>
     </p:extLst>
   </p:cSld>
@@ -8628,7 +8719,7 @@
                 <a:latin typeface="Helvetica Neue Light" panose="02000403000000020004" pitchFamily="2" charset="0"/>
                 <a:ea typeface="Helvetica Neue Light" panose="02000403000000020004" pitchFamily="2" charset="0"/>
               </a:rPr>
-              <a:t>UI Design</a:t>
+              <a:t>Sequence Diagram</a:t>
             </a:r>
           </a:p>
         </p:txBody>
@@ -8735,49 +8826,11 @@
           </a:p>
         </p:txBody>
       </p:sp>
-      <p:sp>
-        <p:nvSpPr>
-          <p:cNvPr id="7" name="TextBox 6"/>
-          <p:cNvSpPr txBox="1"/>
-          <p:nvPr/>
-        </p:nvSpPr>
-        <p:spPr>
-          <a:xfrm>
-            <a:off x="5369701" y="3637045"/>
-            <a:ext cx="1431802" cy="369332"/>
-          </a:xfrm>
-          <a:prstGeom prst="rect">
-            <a:avLst/>
-          </a:prstGeom>
-          <a:noFill/>
-        </p:spPr>
-        <p:txBody>
-          <a:bodyPr wrap="none" rtlCol="0">
-            <a:spAutoFit/>
-          </a:bodyPr>
-          <a:lstStyle/>
-          <a:p>
-            <a:r>
-              <a:rPr lang="en-US" b="1" dirty="0" smtClean="0">
-                <a:solidFill>
-                  <a:srgbClr val="0070C0"/>
-                </a:solidFill>
-              </a:rPr>
-              <a:t>Admin Menu</a:t>
-            </a:r>
-            <a:endParaRPr lang="en-US" b="1" dirty="0">
-              <a:solidFill>
-                <a:srgbClr val="0070C0"/>
-              </a:solidFill>
-            </a:endParaRPr>
-          </a:p>
-        </p:txBody>
-      </p:sp>
       <p:pic>
         <p:nvPicPr>
-          <p:cNvPr id="9218" name="Picture 2" descr="adminMenu"/>
+          <p:cNvPr id="3" name="Picture 2"/>
           <p:cNvPicPr>
-            <a:picLocks noChangeAspect="1" noChangeArrowheads="1"/>
+            <a:picLocks noChangeAspect="1"/>
           </p:cNvPicPr>
           <p:nvPr/>
         </p:nvPicPr>
@@ -8789,235 +8842,24 @@
               </a:ext>
             </a:extLst>
           </a:blip>
-          <a:srcRect/>
           <a:stretch>
             <a:fillRect/>
           </a:stretch>
         </p:blipFill>
-        <p:spPr bwMode="auto">
-          <a:xfrm>
-            <a:off x="4029835" y="1138058"/>
-            <a:ext cx="4132325" cy="2392661"/>
+        <p:spPr>
+          <a:xfrm>
+            <a:off x="4174674" y="926876"/>
+            <a:ext cx="3842650" cy="5614159"/>
           </a:xfrm>
           <a:prstGeom prst="rect">
             <a:avLst/>
           </a:prstGeom>
-          <a:noFill/>
-          <a:ln>
-            <a:noFill/>
-          </a:ln>
-          <a:extLst>
-            <a:ext uri="{909E8E84-426E-40DD-AFC4-6F175D3DCCD1}">
-              <a14:hiddenFill xmlns:a14="http://schemas.microsoft.com/office/drawing/2010/main">
-                <a:solidFill>
-                  <a:srgbClr val="FFFFFF"/>
-                </a:solidFill>
-              </a14:hiddenFill>
-            </a:ext>
-            <a:ext uri="{91240B29-F687-4F45-9708-019B960494DF}">
-              <a14:hiddenLine xmlns:a14="http://schemas.microsoft.com/office/drawing/2010/main" w="9525">
-                <a:solidFill>
-                  <a:srgbClr val="000000"/>
-                </a:solidFill>
-                <a:miter lim="800000"/>
-                <a:headEnd/>
-                <a:tailEnd/>
-              </a14:hiddenLine>
-            </a:ext>
-          </a:extLst>
         </p:spPr>
       </p:pic>
-      <p:pic>
-        <p:nvPicPr>
-          <p:cNvPr id="9219" name="Picture 3" descr="managebook"/>
-          <p:cNvPicPr>
-            <a:picLocks noChangeAspect="1" noChangeArrowheads="1"/>
-          </p:cNvPicPr>
-          <p:nvPr/>
-        </p:nvPicPr>
-        <p:blipFill>
-          <a:blip r:embed="rId4">
-            <a:extLst>
-              <a:ext uri="{28A0092B-C50C-407E-A947-70E740481C1C}">
-                <a14:useLocalDpi xmlns:a14="http://schemas.microsoft.com/office/drawing/2010/main" val="0"/>
-              </a:ext>
-            </a:extLst>
-          </a:blip>
-          <a:srcRect/>
-          <a:stretch>
-            <a:fillRect/>
-          </a:stretch>
-        </p:blipFill>
-        <p:spPr bwMode="auto">
-          <a:xfrm>
-            <a:off x="1727555" y="4175940"/>
-            <a:ext cx="2384730" cy="1794758"/>
-          </a:xfrm>
-          <a:prstGeom prst="rect">
-            <a:avLst/>
-          </a:prstGeom>
-          <a:noFill/>
-          <a:ln>
-            <a:noFill/>
-          </a:ln>
-          <a:extLst>
-            <a:ext uri="{909E8E84-426E-40DD-AFC4-6F175D3DCCD1}">
-              <a14:hiddenFill xmlns:a14="http://schemas.microsoft.com/office/drawing/2010/main">
-                <a:solidFill>
-                  <a:srgbClr val="FFFFFF"/>
-                </a:solidFill>
-              </a14:hiddenFill>
-            </a:ext>
-            <a:ext uri="{91240B29-F687-4F45-9708-019B960494DF}">
-              <a14:hiddenLine xmlns:a14="http://schemas.microsoft.com/office/drawing/2010/main" w="9525">
-                <a:solidFill>
-                  <a:srgbClr val="000000"/>
-                </a:solidFill>
-                <a:miter lim="800000"/>
-                <a:headEnd/>
-                <a:tailEnd/>
-              </a14:hiddenLine>
-            </a:ext>
-          </a:extLst>
-        </p:spPr>
-      </p:pic>
-      <p:pic>
-        <p:nvPicPr>
-          <p:cNvPr id="9220" name="Picture 4" descr="addbook"/>
-          <p:cNvPicPr>
-            <a:picLocks noChangeAspect="1" noChangeArrowheads="1"/>
-          </p:cNvPicPr>
-          <p:nvPr/>
-        </p:nvPicPr>
-        <p:blipFill>
-          <a:blip r:embed="rId5">
-            <a:extLst>
-              <a:ext uri="{28A0092B-C50C-407E-A947-70E740481C1C}">
-                <a14:useLocalDpi xmlns:a14="http://schemas.microsoft.com/office/drawing/2010/main" val="0"/>
-              </a:ext>
-            </a:extLst>
-          </a:blip>
-          <a:srcRect/>
-          <a:stretch>
-            <a:fillRect/>
-          </a:stretch>
-        </p:blipFill>
-        <p:spPr bwMode="auto">
-          <a:xfrm>
-            <a:off x="5965268" y="4175940"/>
-            <a:ext cx="4689374" cy="1838401"/>
-          </a:xfrm>
-          <a:prstGeom prst="rect">
-            <a:avLst/>
-          </a:prstGeom>
-          <a:noFill/>
-          <a:ln>
-            <a:noFill/>
-          </a:ln>
-          <a:extLst>
-            <a:ext uri="{909E8E84-426E-40DD-AFC4-6F175D3DCCD1}">
-              <a14:hiddenFill xmlns:a14="http://schemas.microsoft.com/office/drawing/2010/main">
-                <a:solidFill>
-                  <a:srgbClr val="FFFFFF"/>
-                </a:solidFill>
-              </a14:hiddenFill>
-            </a:ext>
-            <a:ext uri="{91240B29-F687-4F45-9708-019B960494DF}">
-              <a14:hiddenLine xmlns:a14="http://schemas.microsoft.com/office/drawing/2010/main" w="9525">
-                <a:solidFill>
-                  <a:srgbClr val="000000"/>
-                </a:solidFill>
-                <a:miter lim="800000"/>
-                <a:headEnd/>
-                <a:tailEnd/>
-              </a14:hiddenLine>
-            </a:ext>
-          </a:extLst>
-        </p:spPr>
-      </p:pic>
-      <p:sp>
-        <p:nvSpPr>
-          <p:cNvPr id="3" name="Right Arrow 2"/>
-          <p:cNvSpPr/>
-          <p:nvPr/>
-        </p:nvSpPr>
-        <p:spPr>
-          <a:xfrm>
-            <a:off x="4537157" y="4809382"/>
-            <a:ext cx="1003239" cy="463588"/>
-          </a:xfrm>
-          <a:prstGeom prst="rightArrow">
-            <a:avLst/>
-          </a:prstGeom>
-          <a:noFill/>
-        </p:spPr>
-        <p:style>
-          <a:lnRef idx="2">
-            <a:schemeClr val="accent1">
-              <a:shade val="50000"/>
-            </a:schemeClr>
-          </a:lnRef>
-          <a:fillRef idx="1">
-            <a:schemeClr val="accent1"/>
-          </a:fillRef>
-          <a:effectRef idx="0">
-            <a:schemeClr val="accent1"/>
-          </a:effectRef>
-          <a:fontRef idx="minor">
-            <a:schemeClr val="lt1"/>
-          </a:fontRef>
-        </p:style>
-        <p:txBody>
-          <a:bodyPr rtlCol="0" anchor="ctr"/>
-          <a:lstStyle/>
-          <a:p>
-            <a:pPr algn="ctr"/>
-            <a:endParaRPr lang="en-US"/>
-          </a:p>
-        </p:txBody>
-      </p:sp>
-      <p:sp>
-        <p:nvSpPr>
-          <p:cNvPr id="16" name="TextBox 15"/>
-          <p:cNvSpPr txBox="1"/>
-          <p:nvPr/>
-        </p:nvSpPr>
-        <p:spPr>
-          <a:xfrm>
-            <a:off x="5540396" y="6075976"/>
-            <a:ext cx="1111202" cy="369332"/>
-          </a:xfrm>
-          <a:prstGeom prst="rect">
-            <a:avLst/>
-          </a:prstGeom>
-          <a:noFill/>
-        </p:spPr>
-        <p:txBody>
-          <a:bodyPr wrap="none" rtlCol="0">
-            <a:spAutoFit/>
-          </a:bodyPr>
-          <a:lstStyle/>
-          <a:p>
-            <a:r>
-              <a:rPr lang="en-US" b="1" dirty="0" smtClean="0">
-                <a:solidFill>
-                  <a:srgbClr val="0070C0"/>
-                </a:solidFill>
-              </a:rPr>
-              <a:t>Add Book</a:t>
-            </a:r>
-            <a:endParaRPr lang="en-US" b="1" dirty="0">
-              <a:solidFill>
-                <a:srgbClr val="0070C0"/>
-              </a:solidFill>
-            </a:endParaRPr>
-          </a:p>
-        </p:txBody>
-      </p:sp>
     </p:spTree>
     <p:extLst>
       <p:ext uri="{BB962C8B-B14F-4D97-AF65-F5344CB8AC3E}">
-        <p14:creationId xmlns:p14="http://schemas.microsoft.com/office/powerpoint/2010/main" val="2211274466"/>
+        <p14:creationId xmlns:p14="http://schemas.microsoft.com/office/powerpoint/2010/main" val="900182501"/>
       </p:ext>
     </p:extLst>
   </p:cSld>
@@ -9102,7 +8944,7 @@
                 <a:latin typeface="Helvetica Neue Light" panose="02000403000000020004" pitchFamily="2" charset="0"/>
                 <a:ea typeface="Helvetica Neue Light" panose="02000403000000020004" pitchFamily="2" charset="0"/>
               </a:rPr>
-              <a:t>UI Design</a:t>
+              <a:t>Sequence Diagram</a:t>
             </a:r>
           </a:p>
         </p:txBody>
@@ -9211,348 +9053,37 @@
       </p:sp>
       <p:pic>
         <p:nvPicPr>
-          <p:cNvPr id="9219" name="Picture 3" descr="managebook"/>
-          <p:cNvPicPr>
-            <a:picLocks noChangeAspect="1" noChangeArrowheads="1"/>
-          </p:cNvPicPr>
-          <p:nvPr/>
-        </p:nvPicPr>
-        <p:blipFill>
-          <a:blip r:embed="rId3">
-            <a:extLst>
-              <a:ext uri="{28A0092B-C50C-407E-A947-70E740481C1C}">
-                <a14:useLocalDpi xmlns:a14="http://schemas.microsoft.com/office/drawing/2010/main" val="0"/>
-              </a:ext>
-            </a:extLst>
-          </a:blip>
-          <a:srcRect/>
-          <a:stretch>
-            <a:fillRect/>
-          </a:stretch>
-        </p:blipFill>
-        <p:spPr bwMode="auto">
-          <a:xfrm>
-            <a:off x="1040772" y="1472537"/>
-            <a:ext cx="2098057" cy="1579007"/>
-          </a:xfrm>
-          <a:prstGeom prst="rect">
-            <a:avLst/>
-          </a:prstGeom>
-          <a:noFill/>
-          <a:ln>
-            <a:noFill/>
-          </a:ln>
-          <a:extLst>
-            <a:ext uri="{909E8E84-426E-40DD-AFC4-6F175D3DCCD1}">
-              <a14:hiddenFill xmlns:a14="http://schemas.microsoft.com/office/drawing/2010/main">
-                <a:solidFill>
-                  <a:srgbClr val="FFFFFF"/>
-                </a:solidFill>
-              </a14:hiddenFill>
-            </a:ext>
-            <a:ext uri="{91240B29-F687-4F45-9708-019B960494DF}">
-              <a14:hiddenLine xmlns:a14="http://schemas.microsoft.com/office/drawing/2010/main" w="9525">
-                <a:solidFill>
-                  <a:srgbClr val="000000"/>
-                </a:solidFill>
-                <a:miter lim="800000"/>
-                <a:headEnd/>
-                <a:tailEnd/>
-              </a14:hiddenLine>
-            </a:ext>
-          </a:extLst>
-        </p:spPr>
-      </p:pic>
-      <p:sp>
-        <p:nvSpPr>
-          <p:cNvPr id="3" name="Right Arrow 2"/>
-          <p:cNvSpPr/>
-          <p:nvPr/>
-        </p:nvSpPr>
-        <p:spPr>
-          <a:xfrm>
-            <a:off x="7855219" y="4727707"/>
-            <a:ext cx="597665" cy="262744"/>
-          </a:xfrm>
-          <a:prstGeom prst="rightArrow">
-            <a:avLst/>
-          </a:prstGeom>
-          <a:noFill/>
-        </p:spPr>
-        <p:style>
-          <a:lnRef idx="2">
-            <a:schemeClr val="accent1">
-              <a:shade val="50000"/>
-            </a:schemeClr>
-          </a:lnRef>
-          <a:fillRef idx="1">
-            <a:schemeClr val="accent1"/>
-          </a:fillRef>
-          <a:effectRef idx="0">
-            <a:schemeClr val="accent1"/>
-          </a:effectRef>
-          <a:fontRef idx="minor">
-            <a:schemeClr val="lt1"/>
-          </a:fontRef>
-        </p:style>
-        <p:txBody>
-          <a:bodyPr rtlCol="0" anchor="ctr"/>
-          <a:lstStyle/>
-          <a:p>
-            <a:pPr algn="ctr"/>
-            <a:endParaRPr lang="en-US"/>
-          </a:p>
-        </p:txBody>
-      </p:sp>
-      <p:pic>
-        <p:nvPicPr>
-          <p:cNvPr id="10242" name="Picture 2" descr="BookSearch"/>
-          <p:cNvPicPr>
-            <a:picLocks noChangeAspect="1" noChangeArrowheads="1"/>
-          </p:cNvPicPr>
-          <p:nvPr/>
-        </p:nvPicPr>
-        <p:blipFill>
-          <a:blip r:embed="rId4">
-            <a:extLst>
-              <a:ext uri="{28A0092B-C50C-407E-A947-70E740481C1C}">
-                <a14:useLocalDpi xmlns:a14="http://schemas.microsoft.com/office/drawing/2010/main" val="0"/>
-              </a:ext>
-            </a:extLst>
-          </a:blip>
-          <a:srcRect/>
-          <a:stretch>
-            <a:fillRect/>
-          </a:stretch>
-        </p:blipFill>
-        <p:spPr bwMode="auto">
-          <a:xfrm>
-            <a:off x="1040772" y="3994590"/>
-            <a:ext cx="6443804" cy="1667078"/>
-          </a:xfrm>
-          <a:prstGeom prst="rect">
-            <a:avLst/>
-          </a:prstGeom>
-          <a:noFill/>
-          <a:ln>
-            <a:noFill/>
-          </a:ln>
-          <a:extLst>
-            <a:ext uri="{909E8E84-426E-40DD-AFC4-6F175D3DCCD1}">
-              <a14:hiddenFill xmlns:a14="http://schemas.microsoft.com/office/drawing/2010/main">
-                <a:solidFill>
-                  <a:srgbClr val="FFFFFF"/>
-                </a:solidFill>
-              </a14:hiddenFill>
-            </a:ext>
-            <a:ext uri="{91240B29-F687-4F45-9708-019B960494DF}">
-              <a14:hiddenLine xmlns:a14="http://schemas.microsoft.com/office/drawing/2010/main" w="9525">
-                <a:solidFill>
-                  <a:srgbClr val="000000"/>
-                </a:solidFill>
-                <a:miter lim="800000"/>
-                <a:headEnd/>
-                <a:tailEnd/>
-              </a14:hiddenLine>
-            </a:ext>
-          </a:extLst>
-        </p:spPr>
-      </p:pic>
-      <p:pic>
-        <p:nvPicPr>
-          <p:cNvPr id="10243" name="Picture 3" descr="updatebookInfo"/>
-          <p:cNvPicPr>
-            <a:picLocks noChangeAspect="1" noChangeArrowheads="1"/>
-          </p:cNvPicPr>
-          <p:nvPr/>
-        </p:nvPicPr>
-        <p:blipFill>
-          <a:blip r:embed="rId5">
-            <a:extLst>
-              <a:ext uri="{28A0092B-C50C-407E-A947-70E740481C1C}">
-                <a14:useLocalDpi xmlns:a14="http://schemas.microsoft.com/office/drawing/2010/main" val="0"/>
-              </a:ext>
-            </a:extLst>
-          </a:blip>
-          <a:srcRect/>
-          <a:stretch>
-            <a:fillRect/>
-          </a:stretch>
-        </p:blipFill>
-        <p:spPr bwMode="auto">
-          <a:xfrm>
-            <a:off x="8858458" y="1472537"/>
-            <a:ext cx="2700355" cy="4001330"/>
-          </a:xfrm>
-          <a:prstGeom prst="rect">
-            <a:avLst/>
-          </a:prstGeom>
-          <a:noFill/>
-          <a:extLst>
-            <a:ext uri="{909E8E84-426E-40DD-AFC4-6F175D3DCCD1}">
-              <a14:hiddenFill xmlns:a14="http://schemas.microsoft.com/office/drawing/2010/main">
-                <a:solidFill>
-                  <a:srgbClr val="FFFFFF"/>
-                </a:solidFill>
-              </a14:hiddenFill>
-            </a:ext>
-          </a:extLst>
-        </p:spPr>
-      </p:pic>
-      <p:sp>
-        <p:nvSpPr>
-          <p:cNvPr id="13" name="Right Arrow 12"/>
-          <p:cNvSpPr/>
-          <p:nvPr/>
-        </p:nvSpPr>
-        <p:spPr>
-          <a:xfrm rot="5400000">
-            <a:off x="1790967" y="3417740"/>
-            <a:ext cx="597665" cy="262744"/>
-          </a:xfrm>
-          <a:prstGeom prst="rightArrow">
-            <a:avLst/>
-          </a:prstGeom>
-          <a:noFill/>
-        </p:spPr>
-        <p:style>
-          <a:lnRef idx="2">
-            <a:schemeClr val="accent1">
-              <a:shade val="50000"/>
-            </a:schemeClr>
-          </a:lnRef>
-          <a:fillRef idx="1">
-            <a:schemeClr val="accent1"/>
-          </a:fillRef>
-          <a:effectRef idx="0">
-            <a:schemeClr val="accent1"/>
-          </a:effectRef>
-          <a:fontRef idx="minor">
-            <a:schemeClr val="lt1"/>
-          </a:fontRef>
-        </p:style>
-        <p:txBody>
-          <a:bodyPr rtlCol="0" anchor="ctr"/>
-          <a:lstStyle/>
-          <a:p>
-            <a:pPr algn="ctr"/>
-            <a:endParaRPr lang="en-US"/>
-          </a:p>
-        </p:txBody>
-      </p:sp>
-      <p:pic>
-        <p:nvPicPr>
-          <p:cNvPr id="10" name="Picture 9"/>
+          <p:cNvPr id="8" name="Picture 7"/>
           <p:cNvPicPr>
             <a:picLocks noChangeAspect="1"/>
           </p:cNvPicPr>
           <p:nvPr/>
         </p:nvPicPr>
-        <p:blipFill>
-          <a:blip r:embed="rId6">
+        <p:blipFill rotWithShape="1">
+          <a:blip r:embed="rId3">
             <a:extLst>
               <a:ext uri="{28A0092B-C50C-407E-A947-70E740481C1C}">
                 <a14:useLocalDpi xmlns:a14="http://schemas.microsoft.com/office/drawing/2010/main" val="0"/>
               </a:ext>
             </a:extLst>
           </a:blip>
-          <a:stretch>
-            <a:fillRect/>
-          </a:stretch>
+          <a:srcRect r="-565" b="14883"/>
+          <a:stretch/>
         </p:blipFill>
         <p:spPr>
           <a:xfrm>
-            <a:off x="5136234" y="1472537"/>
-            <a:ext cx="2348342" cy="2076575"/>
+            <a:off x="3301185" y="945446"/>
+            <a:ext cx="5589627" cy="5577018"/>
           </a:xfrm>
           <a:prstGeom prst="rect">
             <a:avLst/>
           </a:prstGeom>
         </p:spPr>
       </p:pic>
-      <p:sp>
-        <p:nvSpPr>
-          <p:cNvPr id="17" name="Right Arrow 16"/>
-          <p:cNvSpPr/>
-          <p:nvPr/>
-        </p:nvSpPr>
-        <p:spPr>
-          <a:xfrm rot="10800000">
-            <a:off x="7822618" y="2329361"/>
-            <a:ext cx="597665" cy="262744"/>
-          </a:xfrm>
-          <a:prstGeom prst="rightArrow">
-            <a:avLst/>
-          </a:prstGeom>
-          <a:noFill/>
-        </p:spPr>
-        <p:style>
-          <a:lnRef idx="2">
-            <a:schemeClr val="accent1">
-              <a:shade val="50000"/>
-            </a:schemeClr>
-          </a:lnRef>
-          <a:fillRef idx="1">
-            <a:schemeClr val="accent1"/>
-          </a:fillRef>
-          <a:effectRef idx="0">
-            <a:schemeClr val="accent1"/>
-          </a:effectRef>
-          <a:fontRef idx="minor">
-            <a:schemeClr val="lt1"/>
-          </a:fontRef>
-        </p:style>
-        <p:txBody>
-          <a:bodyPr rtlCol="0" anchor="ctr"/>
-          <a:lstStyle/>
-          <a:p>
-            <a:pPr algn="ctr"/>
-            <a:endParaRPr lang="en-US"/>
-          </a:p>
-        </p:txBody>
-      </p:sp>
-      <p:sp>
-        <p:nvSpPr>
-          <p:cNvPr id="18" name="TextBox 17"/>
-          <p:cNvSpPr txBox="1"/>
-          <p:nvPr/>
-        </p:nvSpPr>
-        <p:spPr>
-          <a:xfrm>
-            <a:off x="5167700" y="5922480"/>
-            <a:ext cx="1856598" cy="369332"/>
-          </a:xfrm>
-          <a:prstGeom prst="rect">
-            <a:avLst/>
-          </a:prstGeom>
-          <a:noFill/>
-        </p:spPr>
-        <p:txBody>
-          <a:bodyPr wrap="none" rtlCol="0">
-            <a:spAutoFit/>
-          </a:bodyPr>
-          <a:lstStyle/>
-          <a:p>
-            <a:r>
-              <a:rPr lang="en-US" b="1" dirty="0" smtClean="0">
-                <a:solidFill>
-                  <a:srgbClr val="0070C0"/>
-                </a:solidFill>
-              </a:rPr>
-              <a:t>Update Book Info</a:t>
-            </a:r>
-            <a:endParaRPr lang="en-US" b="1" dirty="0">
-              <a:solidFill>
-                <a:srgbClr val="0070C0"/>
-              </a:solidFill>
-            </a:endParaRPr>
-          </a:p>
-        </p:txBody>
-      </p:sp>
     </p:spTree>
     <p:extLst>
       <p:ext uri="{BB962C8B-B14F-4D97-AF65-F5344CB8AC3E}">
-        <p14:creationId xmlns:p14="http://schemas.microsoft.com/office/powerpoint/2010/main" val="2695939307"/>
+        <p14:creationId xmlns:p14="http://schemas.microsoft.com/office/powerpoint/2010/main" val="4112966366"/>
       </p:ext>
     </p:extLst>
   </p:cSld>
@@ -9637,7 +9168,7 @@
                 <a:latin typeface="Helvetica Neue Light" panose="02000403000000020004" pitchFamily="2" charset="0"/>
                 <a:ea typeface="Helvetica Neue Light" panose="02000403000000020004" pitchFamily="2" charset="0"/>
               </a:rPr>
-              <a:t>UI Design</a:t>
+              <a:t>Sequence Diagram</a:t>
             </a:r>
           </a:p>
         </p:txBody>
@@ -9744,160 +9275,29 @@
           </a:p>
         </p:txBody>
       </p:sp>
-      <p:sp>
-        <p:nvSpPr>
-          <p:cNvPr id="7" name="TextBox 6"/>
-          <p:cNvSpPr txBox="1"/>
-          <p:nvPr/>
-        </p:nvSpPr>
-        <p:spPr>
-          <a:xfrm>
-            <a:off x="5447423" y="3530719"/>
-            <a:ext cx="1431802" cy="369332"/>
-          </a:xfrm>
-          <a:prstGeom prst="rect">
-            <a:avLst/>
-          </a:prstGeom>
-          <a:noFill/>
-        </p:spPr>
-        <p:txBody>
-          <a:bodyPr wrap="none" rtlCol="0">
-            <a:spAutoFit/>
-          </a:bodyPr>
-          <a:lstStyle/>
-          <a:p>
-            <a:r>
-              <a:rPr lang="en-US" b="1" dirty="0" smtClean="0">
-                <a:solidFill>
-                  <a:srgbClr val="0070C0"/>
-                </a:solidFill>
-              </a:rPr>
-              <a:t>Admin Menu</a:t>
-            </a:r>
-            <a:endParaRPr lang="en-US" b="1" dirty="0">
-              <a:solidFill>
-                <a:srgbClr val="0070C0"/>
-              </a:solidFill>
-            </a:endParaRPr>
-          </a:p>
-        </p:txBody>
-      </p:sp>
       <p:pic>
         <p:nvPicPr>
-          <p:cNvPr id="8" name="Picture 2" descr="adminMenu"/>
-          <p:cNvPicPr>
-            <a:picLocks noChangeAspect="1" noChangeArrowheads="1"/>
-          </p:cNvPicPr>
-          <p:nvPr/>
-        </p:nvPicPr>
-        <p:blipFill>
-          <a:blip r:embed="rId3">
-            <a:extLst>
-              <a:ext uri="{28A0092B-C50C-407E-A947-70E740481C1C}">
-                <a14:useLocalDpi xmlns:a14="http://schemas.microsoft.com/office/drawing/2010/main" val="0"/>
-              </a:ext>
-            </a:extLst>
-          </a:blip>
-          <a:srcRect/>
-          <a:stretch>
-            <a:fillRect/>
-          </a:stretch>
-        </p:blipFill>
-        <p:spPr bwMode="auto">
-          <a:xfrm>
-            <a:off x="4029835" y="1138058"/>
-            <a:ext cx="4132325" cy="2392661"/>
-          </a:xfrm>
-          <a:prstGeom prst="rect">
-            <a:avLst/>
-          </a:prstGeom>
-          <a:noFill/>
-          <a:ln>
-            <a:noFill/>
-          </a:ln>
-          <a:extLst>
-            <a:ext uri="{909E8E84-426E-40DD-AFC4-6F175D3DCCD1}">
-              <a14:hiddenFill xmlns:a14="http://schemas.microsoft.com/office/drawing/2010/main">
-                <a:solidFill>
-                  <a:srgbClr val="FFFFFF"/>
-                </a:solidFill>
-              </a14:hiddenFill>
-            </a:ext>
-            <a:ext uri="{91240B29-F687-4F45-9708-019B960494DF}">
-              <a14:hiddenLine xmlns:a14="http://schemas.microsoft.com/office/drawing/2010/main" w="9525">
-                <a:solidFill>
-                  <a:srgbClr val="000000"/>
-                </a:solidFill>
-                <a:miter lim="800000"/>
-                <a:headEnd/>
-                <a:tailEnd/>
-              </a14:hiddenLine>
-            </a:ext>
-          </a:extLst>
-        </p:spPr>
-      </p:pic>
-      <p:sp>
-        <p:nvSpPr>
-          <p:cNvPr id="12" name="TextBox 11"/>
-          <p:cNvSpPr txBox="1"/>
-          <p:nvPr/>
-        </p:nvSpPr>
-        <p:spPr>
-          <a:xfrm>
-            <a:off x="5393177" y="6052559"/>
-            <a:ext cx="1540293" cy="369332"/>
-          </a:xfrm>
-          <a:prstGeom prst="rect">
-            <a:avLst/>
-          </a:prstGeom>
-          <a:noFill/>
-        </p:spPr>
-        <p:txBody>
-          <a:bodyPr wrap="none" rtlCol="0">
-            <a:spAutoFit/>
-          </a:bodyPr>
-          <a:lstStyle/>
-          <a:p>
-            <a:r>
-              <a:rPr lang="en-US" b="1" dirty="0" smtClean="0">
-                <a:solidFill>
-                  <a:srgbClr val="0070C0"/>
-                </a:solidFill>
-              </a:rPr>
-              <a:t>Manage Users</a:t>
-            </a:r>
-            <a:endParaRPr lang="en-US" b="1" dirty="0">
-              <a:solidFill>
-                <a:srgbClr val="0070C0"/>
-              </a:solidFill>
-            </a:endParaRPr>
-          </a:p>
-        </p:txBody>
-      </p:sp>
-      <p:pic>
-        <p:nvPicPr>
-          <p:cNvPr id="3" name="Picture 2"/>
+          <p:cNvPr id="7" name="Picture 6"/>
           <p:cNvPicPr>
             <a:picLocks noChangeAspect="1"/>
           </p:cNvPicPr>
           <p:nvPr/>
         </p:nvPicPr>
-        <p:blipFill>
-          <a:blip r:embed="rId4">
+        <p:blipFill rotWithShape="1">
+          <a:blip r:embed="rId3">
             <a:extLst>
               <a:ext uri="{28A0092B-C50C-407E-A947-70E740481C1C}">
                 <a14:useLocalDpi xmlns:a14="http://schemas.microsoft.com/office/drawing/2010/main" val="0"/>
               </a:ext>
             </a:extLst>
           </a:blip>
-          <a:stretch>
-            <a:fillRect/>
-          </a:stretch>
+          <a:srcRect r="-277" b="6047"/>
+          <a:stretch/>
         </p:blipFill>
         <p:spPr>
           <a:xfrm>
-            <a:off x="3562557" y="3900051"/>
-            <a:ext cx="5201532" cy="2214254"/>
+            <a:off x="3307792" y="879100"/>
+            <a:ext cx="5453436" cy="5700542"/>
           </a:xfrm>
           <a:prstGeom prst="rect">
             <a:avLst/>
@@ -9907,7 +9307,7 @@
     </p:spTree>
     <p:extLst>
       <p:ext uri="{BB962C8B-B14F-4D97-AF65-F5344CB8AC3E}">
-        <p14:creationId xmlns:p14="http://schemas.microsoft.com/office/powerpoint/2010/main" val="3427134598"/>
+        <p14:creationId xmlns:p14="http://schemas.microsoft.com/office/powerpoint/2010/main" val="2182332806"/>
       </p:ext>
     </p:extLst>
   </p:cSld>
@@ -10320,7 +9720,7 @@
                 <a:latin typeface="Helvetica Neue Light" panose="02000403000000020004" pitchFamily="2" charset="0"/>
                 <a:ea typeface="Helvetica Neue Light" panose="02000403000000020004" pitchFamily="2" charset="0"/>
               </a:rPr>
-              <a:t>UI Design</a:t>
+              <a:t>Entity Relationship Diagram</a:t>
             </a:r>
           </a:p>
         </p:txBody>
@@ -10427,49 +9827,11 @@
           </a:p>
         </p:txBody>
       </p:sp>
-      <p:sp>
-        <p:nvSpPr>
-          <p:cNvPr id="7" name="TextBox 6"/>
-          <p:cNvSpPr txBox="1"/>
-          <p:nvPr/>
-        </p:nvSpPr>
-        <p:spPr>
-          <a:xfrm>
-            <a:off x="5447423" y="3530719"/>
-            <a:ext cx="1241045" cy="369332"/>
-          </a:xfrm>
-          <a:prstGeom prst="rect">
-            <a:avLst/>
-          </a:prstGeom>
-          <a:noFill/>
-        </p:spPr>
-        <p:txBody>
-          <a:bodyPr wrap="none" rtlCol="0">
-            <a:spAutoFit/>
-          </a:bodyPr>
-          <a:lstStyle/>
-          <a:p>
-            <a:r>
-              <a:rPr lang="en-US" b="1" dirty="0" smtClean="0">
-                <a:solidFill>
-                  <a:srgbClr val="0070C0"/>
-                </a:solidFill>
-              </a:rPr>
-              <a:t>User Menu</a:t>
-            </a:r>
-            <a:endParaRPr lang="en-US" b="1" dirty="0">
-              <a:solidFill>
-                <a:srgbClr val="0070C0"/>
-              </a:solidFill>
-            </a:endParaRPr>
-          </a:p>
-        </p:txBody>
-      </p:sp>
       <p:pic>
         <p:nvPicPr>
-          <p:cNvPr id="12290" name="Picture 2" descr="userMenu"/>
+          <p:cNvPr id="3" name="Picture 2"/>
           <p:cNvPicPr>
-            <a:picLocks noChangeAspect="1" noChangeArrowheads="1"/>
+            <a:picLocks noChangeAspect="1"/>
           </p:cNvPicPr>
           <p:nvPr/>
         </p:nvPicPr>
@@ -10481,235 +9843,24 @@
               </a:ext>
             </a:extLst>
           </a:blip>
-          <a:srcRect/>
           <a:stretch>
             <a:fillRect/>
           </a:stretch>
         </p:blipFill>
-        <p:spPr bwMode="auto">
-          <a:xfrm>
-            <a:off x="4281778" y="1221832"/>
-            <a:ext cx="3629618" cy="2308887"/>
+        <p:spPr>
+          <a:xfrm>
+            <a:off x="2854453" y="1111359"/>
+            <a:ext cx="6483092" cy="5208051"/>
           </a:xfrm>
           <a:prstGeom prst="rect">
             <a:avLst/>
           </a:prstGeom>
-          <a:noFill/>
-          <a:ln>
-            <a:noFill/>
-          </a:ln>
-          <a:extLst>
-            <a:ext uri="{909E8E84-426E-40DD-AFC4-6F175D3DCCD1}">
-              <a14:hiddenFill xmlns:a14="http://schemas.microsoft.com/office/drawing/2010/main">
-                <a:solidFill>
-                  <a:srgbClr val="FFFFFF"/>
-                </a:solidFill>
-              </a14:hiddenFill>
-            </a:ext>
-            <a:ext uri="{91240B29-F687-4F45-9708-019B960494DF}">
-              <a14:hiddenLine xmlns:a14="http://schemas.microsoft.com/office/drawing/2010/main" w="9525">
-                <a:solidFill>
-                  <a:srgbClr val="000000"/>
-                </a:solidFill>
-                <a:miter lim="800000"/>
-                <a:headEnd/>
-                <a:tailEnd/>
-              </a14:hiddenLine>
-            </a:ext>
-          </a:extLst>
         </p:spPr>
       </p:pic>
-      <p:pic>
-        <p:nvPicPr>
-          <p:cNvPr id="12291" name="Picture 3" descr="userInfoMenu"/>
-          <p:cNvPicPr>
-            <a:picLocks noChangeAspect="1" noChangeArrowheads="1"/>
-          </p:cNvPicPr>
-          <p:nvPr/>
-        </p:nvPicPr>
-        <p:blipFill>
-          <a:blip r:embed="rId4">
-            <a:extLst>
-              <a:ext uri="{28A0092B-C50C-407E-A947-70E740481C1C}">
-                <a14:useLocalDpi xmlns:a14="http://schemas.microsoft.com/office/drawing/2010/main" val="0"/>
-              </a:ext>
-            </a:extLst>
-          </a:blip>
-          <a:srcRect/>
-          <a:stretch>
-            <a:fillRect/>
-          </a:stretch>
-        </p:blipFill>
-        <p:spPr bwMode="auto">
-          <a:xfrm>
-            <a:off x="2785147" y="4158811"/>
-            <a:ext cx="2446444" cy="1634988"/>
-          </a:xfrm>
-          <a:prstGeom prst="rect">
-            <a:avLst/>
-          </a:prstGeom>
-          <a:noFill/>
-          <a:ln>
-            <a:noFill/>
-          </a:ln>
-          <a:extLst>
-            <a:ext uri="{909E8E84-426E-40DD-AFC4-6F175D3DCCD1}">
-              <a14:hiddenFill xmlns:a14="http://schemas.microsoft.com/office/drawing/2010/main">
-                <a:solidFill>
-                  <a:srgbClr val="FFFFFF"/>
-                </a:solidFill>
-              </a14:hiddenFill>
-            </a:ext>
-            <a:ext uri="{91240B29-F687-4F45-9708-019B960494DF}">
-              <a14:hiddenLine xmlns:a14="http://schemas.microsoft.com/office/drawing/2010/main" w="9525">
-                <a:solidFill>
-                  <a:srgbClr val="000000"/>
-                </a:solidFill>
-                <a:miter lim="800000"/>
-                <a:headEnd/>
-                <a:tailEnd/>
-              </a14:hiddenLine>
-            </a:ext>
-          </a:extLst>
-        </p:spPr>
-      </p:pic>
-      <p:pic>
-        <p:nvPicPr>
-          <p:cNvPr id="12292" name="Picture 4" descr="updateInfo"/>
-          <p:cNvPicPr>
-            <a:picLocks noChangeAspect="1" noChangeArrowheads="1"/>
-          </p:cNvPicPr>
-          <p:nvPr/>
-        </p:nvPicPr>
-        <p:blipFill>
-          <a:blip r:embed="rId5">
-            <a:extLst>
-              <a:ext uri="{28A0092B-C50C-407E-A947-70E740481C1C}">
-                <a14:useLocalDpi xmlns:a14="http://schemas.microsoft.com/office/drawing/2010/main" val="0"/>
-              </a:ext>
-            </a:extLst>
-          </a:blip>
-          <a:srcRect/>
-          <a:stretch>
-            <a:fillRect/>
-          </a:stretch>
-        </p:blipFill>
-        <p:spPr bwMode="auto">
-          <a:xfrm>
-            <a:off x="7095054" y="3857114"/>
-            <a:ext cx="2092491" cy="2195445"/>
-          </a:xfrm>
-          <a:prstGeom prst="rect">
-            <a:avLst/>
-          </a:prstGeom>
-          <a:noFill/>
-          <a:ln>
-            <a:noFill/>
-          </a:ln>
-          <a:extLst>
-            <a:ext uri="{909E8E84-426E-40DD-AFC4-6F175D3DCCD1}">
-              <a14:hiddenFill xmlns:a14="http://schemas.microsoft.com/office/drawing/2010/main">
-                <a:solidFill>
-                  <a:srgbClr val="FFFFFF"/>
-                </a:solidFill>
-              </a14:hiddenFill>
-            </a:ext>
-            <a:ext uri="{91240B29-F687-4F45-9708-019B960494DF}">
-              <a14:hiddenLine xmlns:a14="http://schemas.microsoft.com/office/drawing/2010/main" w="9525">
-                <a:solidFill>
-                  <a:srgbClr val="000000"/>
-                </a:solidFill>
-                <a:miter lim="800000"/>
-                <a:headEnd/>
-                <a:tailEnd/>
-              </a14:hiddenLine>
-            </a:ext>
-          </a:extLst>
-        </p:spPr>
-      </p:pic>
-      <p:sp>
-        <p:nvSpPr>
-          <p:cNvPr id="10" name="Right Arrow 9"/>
-          <p:cNvSpPr/>
-          <p:nvPr/>
-        </p:nvSpPr>
-        <p:spPr>
-          <a:xfrm>
-            <a:off x="5661703" y="4744511"/>
-            <a:ext cx="1003239" cy="463588"/>
-          </a:xfrm>
-          <a:prstGeom prst="rightArrow">
-            <a:avLst/>
-          </a:prstGeom>
-          <a:noFill/>
-        </p:spPr>
-        <p:style>
-          <a:lnRef idx="2">
-            <a:schemeClr val="accent1">
-              <a:shade val="50000"/>
-            </a:schemeClr>
-          </a:lnRef>
-          <a:fillRef idx="1">
-            <a:schemeClr val="accent1"/>
-          </a:fillRef>
-          <a:effectRef idx="0">
-            <a:schemeClr val="accent1"/>
-          </a:effectRef>
-          <a:fontRef idx="minor">
-            <a:schemeClr val="lt1"/>
-          </a:fontRef>
-        </p:style>
-        <p:txBody>
-          <a:bodyPr rtlCol="0" anchor="ctr"/>
-          <a:lstStyle/>
-          <a:p>
-            <a:pPr algn="ctr"/>
-            <a:endParaRPr lang="en-US"/>
-          </a:p>
-        </p:txBody>
-      </p:sp>
-      <p:sp>
-        <p:nvSpPr>
-          <p:cNvPr id="11" name="TextBox 10"/>
-          <p:cNvSpPr txBox="1"/>
-          <p:nvPr/>
-        </p:nvSpPr>
-        <p:spPr>
-          <a:xfrm>
-            <a:off x="5011462" y="6095925"/>
-            <a:ext cx="2148280" cy="369332"/>
-          </a:xfrm>
-          <a:prstGeom prst="rect">
-            <a:avLst/>
-          </a:prstGeom>
-          <a:noFill/>
-        </p:spPr>
-        <p:txBody>
-          <a:bodyPr wrap="none" rtlCol="0">
-            <a:spAutoFit/>
-          </a:bodyPr>
-          <a:lstStyle/>
-          <a:p>
-            <a:r>
-              <a:rPr lang="en-US" b="1" dirty="0" smtClean="0">
-                <a:solidFill>
-                  <a:srgbClr val="0070C0"/>
-                </a:solidFill>
-              </a:rPr>
-              <a:t>Update Account Info</a:t>
-            </a:r>
-            <a:endParaRPr lang="en-US" b="1" dirty="0">
-              <a:solidFill>
-                <a:srgbClr val="0070C0"/>
-              </a:solidFill>
-            </a:endParaRPr>
-          </a:p>
-        </p:txBody>
-      </p:sp>
     </p:spTree>
     <p:extLst>
       <p:ext uri="{BB962C8B-B14F-4D97-AF65-F5344CB8AC3E}">
-        <p14:creationId xmlns:p14="http://schemas.microsoft.com/office/powerpoint/2010/main" val="1242839820"/>
+        <p14:creationId xmlns:p14="http://schemas.microsoft.com/office/powerpoint/2010/main" val="2667165334"/>
       </p:ext>
     </p:extLst>
   </p:cSld>
@@ -10903,7 +10054,7 @@
       </p:sp>
       <p:pic>
         <p:nvPicPr>
-          <p:cNvPr id="12290" name="Picture 2" descr="userMenu"/>
+          <p:cNvPr id="8194" name="Picture 2" descr="MainMenu"/>
           <p:cNvPicPr>
             <a:picLocks noChangeAspect="1" noChangeArrowheads="1"/>
           </p:cNvPicPr>
@@ -10924,8 +10075,8 @@
         </p:blipFill>
         <p:spPr bwMode="auto">
           <a:xfrm>
-            <a:off x="2106383" y="1214455"/>
-            <a:ext cx="2863301" cy="1821414"/>
+            <a:off x="4010574" y="1279411"/>
+            <a:ext cx="4170849" cy="2212698"/>
           </a:xfrm>
           <a:prstGeom prst="rect">
             <a:avLst/>
@@ -10957,55 +10108,14 @@
       </p:pic>
       <p:sp>
         <p:nvSpPr>
-          <p:cNvPr id="10" name="Right Arrow 9"/>
-          <p:cNvSpPr/>
-          <p:nvPr/>
-        </p:nvSpPr>
-        <p:spPr>
-          <a:xfrm>
-            <a:off x="5375304" y="1893368"/>
-            <a:ext cx="1003239" cy="463588"/>
-          </a:xfrm>
-          <a:prstGeom prst="rightArrow">
-            <a:avLst/>
-          </a:prstGeom>
-          <a:noFill/>
-        </p:spPr>
-        <p:style>
-          <a:lnRef idx="2">
-            <a:schemeClr val="accent1">
-              <a:shade val="50000"/>
-            </a:schemeClr>
-          </a:lnRef>
-          <a:fillRef idx="1">
-            <a:schemeClr val="accent1"/>
-          </a:fillRef>
-          <a:effectRef idx="0">
-            <a:schemeClr val="accent1"/>
-          </a:effectRef>
-          <a:fontRef idx="minor">
-            <a:schemeClr val="lt1"/>
-          </a:fontRef>
-        </p:style>
-        <p:txBody>
-          <a:bodyPr rtlCol="0" anchor="ctr"/>
-          <a:lstStyle/>
-          <a:p>
-            <a:pPr algn="ctr"/>
-            <a:endParaRPr lang="en-US"/>
-          </a:p>
-        </p:txBody>
-      </p:sp>
-      <p:sp>
-        <p:nvSpPr>
-          <p:cNvPr id="11" name="TextBox 10"/>
+          <p:cNvPr id="7" name="TextBox 6"/>
           <p:cNvSpPr txBox="1"/>
           <p:nvPr/>
         </p:nvSpPr>
         <p:spPr>
           <a:xfrm>
-            <a:off x="5300781" y="6035492"/>
-            <a:ext cx="1590435" cy="369332"/>
+            <a:off x="5447423" y="3530719"/>
+            <a:ext cx="1297150" cy="369332"/>
           </a:xfrm>
           <a:prstGeom prst="rect">
             <a:avLst/>
@@ -11024,7 +10134,7 @@
                   <a:srgbClr val="0070C0"/>
                 </a:solidFill>
               </a:rPr>
-              <a:t>Purchase Book</a:t>
+              <a:t>Main Menu</a:t>
             </a:r>
             <a:endParaRPr lang="en-US" b="1" dirty="0">
               <a:solidFill>
@@ -11036,7 +10146,7 @@
       </p:sp>
       <p:pic>
         <p:nvPicPr>
-          <p:cNvPr id="13314" name="Picture 2" descr="purchaseMenu"/>
+          <p:cNvPr id="8195" name="Picture 3" descr="SignIn"/>
           <p:cNvPicPr>
             <a:picLocks noChangeAspect="1" noChangeArrowheads="1"/>
           </p:cNvPicPr>
@@ -11057,8 +10167,8 @@
         </p:blipFill>
         <p:spPr bwMode="auto">
           <a:xfrm>
-            <a:off x="6784162" y="1214455"/>
-            <a:ext cx="3082851" cy="1822648"/>
+            <a:off x="7001450" y="4265263"/>
+            <a:ext cx="2929582" cy="1468526"/>
           </a:xfrm>
           <a:prstGeom prst="rect">
             <a:avLst/>
@@ -11090,7 +10200,7 @@
       </p:pic>
       <p:pic>
         <p:nvPicPr>
-          <p:cNvPr id="13315" name="Picture 3" descr="createOrder"/>
+          <p:cNvPr id="8196" name="Picture 4" descr="Log In"/>
           <p:cNvPicPr>
             <a:picLocks noChangeAspect="1" noChangeArrowheads="1"/>
           </p:cNvPicPr>
@@ -11111,8 +10221,8 @@
         </p:blipFill>
         <p:spPr bwMode="auto">
           <a:xfrm>
-            <a:off x="2629417" y="3799869"/>
-            <a:ext cx="6714961" cy="2066998"/>
+            <a:off x="1864385" y="4408041"/>
+            <a:ext cx="3335632" cy="1325748"/>
           </a:xfrm>
           <a:prstGeom prst="rect">
             <a:avLst/>
@@ -11144,52 +10254,84 @@
       </p:pic>
       <p:sp>
         <p:nvSpPr>
-          <p:cNvPr id="14" name="Right Arrow 13"/>
-          <p:cNvSpPr/>
+          <p:cNvPr id="11" name="TextBox 10"/>
+          <p:cNvSpPr txBox="1"/>
           <p:nvPr/>
         </p:nvSpPr>
         <p:spPr>
-          <a:xfrm rot="5400000">
-            <a:off x="7936801" y="3288394"/>
-            <a:ext cx="514543" cy="263028"/>
-          </a:xfrm>
-          <a:prstGeom prst="rightArrow">
-            <a:avLst>
-              <a:gd name="adj1" fmla="val 50000"/>
-              <a:gd name="adj2" fmla="val 82340"/>
-            </a:avLst>
+          <a:xfrm>
+            <a:off x="2745403" y="5767133"/>
+            <a:ext cx="1408462" cy="369332"/>
+          </a:xfrm>
+          <a:prstGeom prst="rect">
+            <a:avLst/>
           </a:prstGeom>
           <a:noFill/>
         </p:spPr>
-        <p:style>
-          <a:lnRef idx="2">
-            <a:schemeClr val="accent1">
-              <a:shade val="50000"/>
-            </a:schemeClr>
-          </a:lnRef>
-          <a:fillRef idx="1">
-            <a:schemeClr val="accent1"/>
-          </a:fillRef>
-          <a:effectRef idx="0">
-            <a:schemeClr val="accent1"/>
-          </a:effectRef>
-          <a:fontRef idx="minor">
-            <a:schemeClr val="lt1"/>
-          </a:fontRef>
-        </p:style>
-        <p:txBody>
-          <a:bodyPr rtlCol="0" anchor="ctr"/>
-          <a:lstStyle/>
-          <a:p>
-            <a:pPr algn="ctr"/>
-            <a:endParaRPr lang="en-US"/>
+        <p:txBody>
+          <a:bodyPr wrap="none" rtlCol="0">
+            <a:spAutoFit/>
+          </a:bodyPr>
+          <a:lstStyle/>
+          <a:p>
+            <a:r>
+              <a:rPr lang="en-US" b="1" dirty="0" smtClean="0">
+                <a:solidFill>
+                  <a:srgbClr val="0070C0"/>
+                </a:solidFill>
+              </a:rPr>
+              <a:t>Login Option</a:t>
+            </a:r>
+            <a:endParaRPr lang="en-US" b="1" dirty="0">
+              <a:solidFill>
+                <a:srgbClr val="0070C0"/>
+              </a:solidFill>
+            </a:endParaRPr>
+          </a:p>
+        </p:txBody>
+      </p:sp>
+      <p:sp>
+        <p:nvSpPr>
+          <p:cNvPr id="12" name="TextBox 11"/>
+          <p:cNvSpPr txBox="1"/>
+          <p:nvPr/>
+        </p:nvSpPr>
+        <p:spPr>
+          <a:xfrm>
+            <a:off x="7699493" y="5767133"/>
+            <a:ext cx="1533497" cy="369332"/>
+          </a:xfrm>
+          <a:prstGeom prst="rect">
+            <a:avLst/>
+          </a:prstGeom>
+          <a:noFill/>
+        </p:spPr>
+        <p:txBody>
+          <a:bodyPr wrap="none" rtlCol="0">
+            <a:spAutoFit/>
+          </a:bodyPr>
+          <a:lstStyle/>
+          <a:p>
+            <a:r>
+              <a:rPr lang="en-US" b="1" dirty="0" smtClean="0">
+                <a:solidFill>
+                  <a:srgbClr val="0070C0"/>
+                </a:solidFill>
+              </a:rPr>
+              <a:t>Sign In Option</a:t>
+            </a:r>
+            <a:endParaRPr lang="en-US" b="1" dirty="0">
+              <a:solidFill>
+                <a:srgbClr val="0070C0"/>
+              </a:solidFill>
+            </a:endParaRPr>
           </a:p>
         </p:txBody>
       </p:sp>
     </p:spTree>
     <p:extLst>
       <p:ext uri="{BB962C8B-B14F-4D97-AF65-F5344CB8AC3E}">
-        <p14:creationId xmlns:p14="http://schemas.microsoft.com/office/powerpoint/2010/main" val="2128393421"/>
+        <p14:creationId xmlns:p14="http://schemas.microsoft.com/office/powerpoint/2010/main" val="1512216451"/>
       </p:ext>
     </p:extLst>
   </p:cSld>
@@ -11221,6 +10363,14 @@
 <file path=ppt/slides/slide22.xml><?xml version="1.0" encoding="utf-8"?>
 <p:sld xmlns:a="http://schemas.openxmlformats.org/drawingml/2006/main" xmlns:r="http://schemas.openxmlformats.org/officeDocument/2006/relationships" xmlns:p="http://schemas.openxmlformats.org/presentationml/2006/main">
   <p:cSld>
+    <p:bg>
+      <p:bgPr>
+        <a:solidFill>
+          <a:schemeClr val="bg1"/>
+        </a:solidFill>
+        <a:effectLst/>
+      </p:bgPr>
+    </p:bg>
     <p:spTree>
       <p:nvGrpSpPr>
         <p:cNvPr id="1" name=""/>
@@ -11266,7 +10416,7 @@
                 <a:latin typeface="Helvetica Neue Light" panose="02000403000000020004" pitchFamily="2" charset="0"/>
                 <a:ea typeface="Helvetica Neue Light" panose="02000403000000020004" pitchFamily="2" charset="0"/>
               </a:rPr>
-              <a:t>Deployment Diagram</a:t>
+              <a:t>UI Design</a:t>
             </a:r>
           </a:p>
         </p:txBody>
@@ -11373,11 +10523,49 @@
           </a:p>
         </p:txBody>
       </p:sp>
+      <p:sp>
+        <p:nvSpPr>
+          <p:cNvPr id="7" name="TextBox 6"/>
+          <p:cNvSpPr txBox="1"/>
+          <p:nvPr/>
+        </p:nvSpPr>
+        <p:spPr>
+          <a:xfrm>
+            <a:off x="5369701" y="3637045"/>
+            <a:ext cx="1431802" cy="369332"/>
+          </a:xfrm>
+          <a:prstGeom prst="rect">
+            <a:avLst/>
+          </a:prstGeom>
+          <a:noFill/>
+        </p:spPr>
+        <p:txBody>
+          <a:bodyPr wrap="none" rtlCol="0">
+            <a:spAutoFit/>
+          </a:bodyPr>
+          <a:lstStyle/>
+          <a:p>
+            <a:r>
+              <a:rPr lang="en-US" b="1" dirty="0" smtClean="0">
+                <a:solidFill>
+                  <a:srgbClr val="0070C0"/>
+                </a:solidFill>
+              </a:rPr>
+              <a:t>Admin Menu</a:t>
+            </a:r>
+            <a:endParaRPr lang="en-US" b="1" dirty="0">
+              <a:solidFill>
+                <a:srgbClr val="0070C0"/>
+              </a:solidFill>
+            </a:endParaRPr>
+          </a:p>
+        </p:txBody>
+      </p:sp>
       <p:pic>
         <p:nvPicPr>
-          <p:cNvPr id="7" name="Picture 6"/>
+          <p:cNvPr id="9218" name="Picture 2" descr="adminMenu"/>
           <p:cNvPicPr>
-            <a:picLocks noChangeAspect="1"/>
+            <a:picLocks noChangeAspect="1" noChangeArrowheads="1"/>
           </p:cNvPicPr>
           <p:nvPr/>
         </p:nvPicPr>
@@ -11389,24 +10577,235 @@
               </a:ext>
             </a:extLst>
           </a:blip>
+          <a:srcRect/>
           <a:stretch>
             <a:fillRect/>
           </a:stretch>
         </p:blipFill>
-        <p:spPr>
-          <a:xfrm>
-            <a:off x="2218559" y="1835340"/>
-            <a:ext cx="7734086" cy="3278919"/>
+        <p:spPr bwMode="auto">
+          <a:xfrm>
+            <a:off x="4029835" y="1138058"/>
+            <a:ext cx="4132325" cy="2392661"/>
           </a:xfrm>
           <a:prstGeom prst="rect">
             <a:avLst/>
           </a:prstGeom>
+          <a:noFill/>
+          <a:ln>
+            <a:noFill/>
+          </a:ln>
+          <a:extLst>
+            <a:ext uri="{909E8E84-426E-40DD-AFC4-6F175D3DCCD1}">
+              <a14:hiddenFill xmlns:a14="http://schemas.microsoft.com/office/drawing/2010/main">
+                <a:solidFill>
+                  <a:srgbClr val="FFFFFF"/>
+                </a:solidFill>
+              </a14:hiddenFill>
+            </a:ext>
+            <a:ext uri="{91240B29-F687-4F45-9708-019B960494DF}">
+              <a14:hiddenLine xmlns:a14="http://schemas.microsoft.com/office/drawing/2010/main" w="9525">
+                <a:solidFill>
+                  <a:srgbClr val="000000"/>
+                </a:solidFill>
+                <a:miter lim="800000"/>
+                <a:headEnd/>
+                <a:tailEnd/>
+              </a14:hiddenLine>
+            </a:ext>
+          </a:extLst>
         </p:spPr>
       </p:pic>
+      <p:pic>
+        <p:nvPicPr>
+          <p:cNvPr id="9219" name="Picture 3" descr="managebook"/>
+          <p:cNvPicPr>
+            <a:picLocks noChangeAspect="1" noChangeArrowheads="1"/>
+          </p:cNvPicPr>
+          <p:nvPr/>
+        </p:nvPicPr>
+        <p:blipFill>
+          <a:blip r:embed="rId4">
+            <a:extLst>
+              <a:ext uri="{28A0092B-C50C-407E-A947-70E740481C1C}">
+                <a14:useLocalDpi xmlns:a14="http://schemas.microsoft.com/office/drawing/2010/main" val="0"/>
+              </a:ext>
+            </a:extLst>
+          </a:blip>
+          <a:srcRect/>
+          <a:stretch>
+            <a:fillRect/>
+          </a:stretch>
+        </p:blipFill>
+        <p:spPr bwMode="auto">
+          <a:xfrm>
+            <a:off x="1727555" y="4175940"/>
+            <a:ext cx="2384730" cy="1794758"/>
+          </a:xfrm>
+          <a:prstGeom prst="rect">
+            <a:avLst/>
+          </a:prstGeom>
+          <a:noFill/>
+          <a:ln>
+            <a:noFill/>
+          </a:ln>
+          <a:extLst>
+            <a:ext uri="{909E8E84-426E-40DD-AFC4-6F175D3DCCD1}">
+              <a14:hiddenFill xmlns:a14="http://schemas.microsoft.com/office/drawing/2010/main">
+                <a:solidFill>
+                  <a:srgbClr val="FFFFFF"/>
+                </a:solidFill>
+              </a14:hiddenFill>
+            </a:ext>
+            <a:ext uri="{91240B29-F687-4F45-9708-019B960494DF}">
+              <a14:hiddenLine xmlns:a14="http://schemas.microsoft.com/office/drawing/2010/main" w="9525">
+                <a:solidFill>
+                  <a:srgbClr val="000000"/>
+                </a:solidFill>
+                <a:miter lim="800000"/>
+                <a:headEnd/>
+                <a:tailEnd/>
+              </a14:hiddenLine>
+            </a:ext>
+          </a:extLst>
+        </p:spPr>
+      </p:pic>
+      <p:pic>
+        <p:nvPicPr>
+          <p:cNvPr id="9220" name="Picture 4" descr="addbook"/>
+          <p:cNvPicPr>
+            <a:picLocks noChangeAspect="1" noChangeArrowheads="1"/>
+          </p:cNvPicPr>
+          <p:nvPr/>
+        </p:nvPicPr>
+        <p:blipFill>
+          <a:blip r:embed="rId5">
+            <a:extLst>
+              <a:ext uri="{28A0092B-C50C-407E-A947-70E740481C1C}">
+                <a14:useLocalDpi xmlns:a14="http://schemas.microsoft.com/office/drawing/2010/main" val="0"/>
+              </a:ext>
+            </a:extLst>
+          </a:blip>
+          <a:srcRect/>
+          <a:stretch>
+            <a:fillRect/>
+          </a:stretch>
+        </p:blipFill>
+        <p:spPr bwMode="auto">
+          <a:xfrm>
+            <a:off x="5965268" y="4175940"/>
+            <a:ext cx="4689374" cy="1838401"/>
+          </a:xfrm>
+          <a:prstGeom prst="rect">
+            <a:avLst/>
+          </a:prstGeom>
+          <a:noFill/>
+          <a:ln>
+            <a:noFill/>
+          </a:ln>
+          <a:extLst>
+            <a:ext uri="{909E8E84-426E-40DD-AFC4-6F175D3DCCD1}">
+              <a14:hiddenFill xmlns:a14="http://schemas.microsoft.com/office/drawing/2010/main">
+                <a:solidFill>
+                  <a:srgbClr val="FFFFFF"/>
+                </a:solidFill>
+              </a14:hiddenFill>
+            </a:ext>
+            <a:ext uri="{91240B29-F687-4F45-9708-019B960494DF}">
+              <a14:hiddenLine xmlns:a14="http://schemas.microsoft.com/office/drawing/2010/main" w="9525">
+                <a:solidFill>
+                  <a:srgbClr val="000000"/>
+                </a:solidFill>
+                <a:miter lim="800000"/>
+                <a:headEnd/>
+                <a:tailEnd/>
+              </a14:hiddenLine>
+            </a:ext>
+          </a:extLst>
+        </p:spPr>
+      </p:pic>
+      <p:sp>
+        <p:nvSpPr>
+          <p:cNvPr id="3" name="Right Arrow 2"/>
+          <p:cNvSpPr/>
+          <p:nvPr/>
+        </p:nvSpPr>
+        <p:spPr>
+          <a:xfrm>
+            <a:off x="4537157" y="4809382"/>
+            <a:ext cx="1003239" cy="463588"/>
+          </a:xfrm>
+          <a:prstGeom prst="rightArrow">
+            <a:avLst/>
+          </a:prstGeom>
+          <a:noFill/>
+        </p:spPr>
+        <p:style>
+          <a:lnRef idx="2">
+            <a:schemeClr val="accent1">
+              <a:shade val="50000"/>
+            </a:schemeClr>
+          </a:lnRef>
+          <a:fillRef idx="1">
+            <a:schemeClr val="accent1"/>
+          </a:fillRef>
+          <a:effectRef idx="0">
+            <a:schemeClr val="accent1"/>
+          </a:effectRef>
+          <a:fontRef idx="minor">
+            <a:schemeClr val="lt1"/>
+          </a:fontRef>
+        </p:style>
+        <p:txBody>
+          <a:bodyPr rtlCol="0" anchor="ctr"/>
+          <a:lstStyle/>
+          <a:p>
+            <a:pPr algn="ctr"/>
+            <a:endParaRPr lang="en-US"/>
+          </a:p>
+        </p:txBody>
+      </p:sp>
+      <p:sp>
+        <p:nvSpPr>
+          <p:cNvPr id="16" name="TextBox 15"/>
+          <p:cNvSpPr txBox="1"/>
+          <p:nvPr/>
+        </p:nvSpPr>
+        <p:spPr>
+          <a:xfrm>
+            <a:off x="5540396" y="6075976"/>
+            <a:ext cx="1111202" cy="369332"/>
+          </a:xfrm>
+          <a:prstGeom prst="rect">
+            <a:avLst/>
+          </a:prstGeom>
+          <a:noFill/>
+        </p:spPr>
+        <p:txBody>
+          <a:bodyPr wrap="none" rtlCol="0">
+            <a:spAutoFit/>
+          </a:bodyPr>
+          <a:lstStyle/>
+          <a:p>
+            <a:r>
+              <a:rPr lang="en-US" b="1" dirty="0" smtClean="0">
+                <a:solidFill>
+                  <a:srgbClr val="0070C0"/>
+                </a:solidFill>
+              </a:rPr>
+              <a:t>Add Book</a:t>
+            </a:r>
+            <a:endParaRPr lang="en-US" b="1" dirty="0">
+              <a:solidFill>
+                <a:srgbClr val="0070C0"/>
+              </a:solidFill>
+            </a:endParaRPr>
+          </a:p>
+        </p:txBody>
+      </p:sp>
     </p:spTree>
     <p:extLst>
       <p:ext uri="{BB962C8B-B14F-4D97-AF65-F5344CB8AC3E}">
-        <p14:creationId xmlns:p14="http://schemas.microsoft.com/office/powerpoint/2010/main" val="673445278"/>
+        <p14:creationId xmlns:p14="http://schemas.microsoft.com/office/powerpoint/2010/main" val="2211274466"/>
       </p:ext>
     </p:extLst>
   </p:cSld>
@@ -11491,7 +10890,7 @@
                 <a:latin typeface="Helvetica Neue Light" panose="02000403000000020004" pitchFamily="2" charset="0"/>
                 <a:ea typeface="Helvetica Neue Light" panose="02000403000000020004" pitchFamily="2" charset="0"/>
               </a:rPr>
-              <a:t>Task Assign (to each team member)</a:t>
+              <a:t>UI Design</a:t>
             </a:r>
           </a:p>
         </p:txBody>
@@ -11593,6 +10992,2067 @@
             <a:fld id="{B9BA5F68-B450-774B-A94B-86322AF8B758}" type="slidenum">
               <a:rPr lang="en-US" smtClean="0"/>
               <a:t>23</a:t>
+            </a:fld>
+            <a:endParaRPr lang="en-US" dirty="0"/>
+          </a:p>
+        </p:txBody>
+      </p:sp>
+      <p:pic>
+        <p:nvPicPr>
+          <p:cNvPr id="9219" name="Picture 3" descr="managebook"/>
+          <p:cNvPicPr>
+            <a:picLocks noChangeAspect="1" noChangeArrowheads="1"/>
+          </p:cNvPicPr>
+          <p:nvPr/>
+        </p:nvPicPr>
+        <p:blipFill>
+          <a:blip r:embed="rId3">
+            <a:extLst>
+              <a:ext uri="{28A0092B-C50C-407E-A947-70E740481C1C}">
+                <a14:useLocalDpi xmlns:a14="http://schemas.microsoft.com/office/drawing/2010/main" val="0"/>
+              </a:ext>
+            </a:extLst>
+          </a:blip>
+          <a:srcRect/>
+          <a:stretch>
+            <a:fillRect/>
+          </a:stretch>
+        </p:blipFill>
+        <p:spPr bwMode="auto">
+          <a:xfrm>
+            <a:off x="1040772" y="1472537"/>
+            <a:ext cx="2098057" cy="1579007"/>
+          </a:xfrm>
+          <a:prstGeom prst="rect">
+            <a:avLst/>
+          </a:prstGeom>
+          <a:noFill/>
+          <a:ln>
+            <a:noFill/>
+          </a:ln>
+          <a:extLst>
+            <a:ext uri="{909E8E84-426E-40DD-AFC4-6F175D3DCCD1}">
+              <a14:hiddenFill xmlns:a14="http://schemas.microsoft.com/office/drawing/2010/main">
+                <a:solidFill>
+                  <a:srgbClr val="FFFFFF"/>
+                </a:solidFill>
+              </a14:hiddenFill>
+            </a:ext>
+            <a:ext uri="{91240B29-F687-4F45-9708-019B960494DF}">
+              <a14:hiddenLine xmlns:a14="http://schemas.microsoft.com/office/drawing/2010/main" w="9525">
+                <a:solidFill>
+                  <a:srgbClr val="000000"/>
+                </a:solidFill>
+                <a:miter lim="800000"/>
+                <a:headEnd/>
+                <a:tailEnd/>
+              </a14:hiddenLine>
+            </a:ext>
+          </a:extLst>
+        </p:spPr>
+      </p:pic>
+      <p:sp>
+        <p:nvSpPr>
+          <p:cNvPr id="3" name="Right Arrow 2"/>
+          <p:cNvSpPr/>
+          <p:nvPr/>
+        </p:nvSpPr>
+        <p:spPr>
+          <a:xfrm>
+            <a:off x="7855219" y="4727707"/>
+            <a:ext cx="597665" cy="262744"/>
+          </a:xfrm>
+          <a:prstGeom prst="rightArrow">
+            <a:avLst/>
+          </a:prstGeom>
+          <a:noFill/>
+        </p:spPr>
+        <p:style>
+          <a:lnRef idx="2">
+            <a:schemeClr val="accent1">
+              <a:shade val="50000"/>
+            </a:schemeClr>
+          </a:lnRef>
+          <a:fillRef idx="1">
+            <a:schemeClr val="accent1"/>
+          </a:fillRef>
+          <a:effectRef idx="0">
+            <a:schemeClr val="accent1"/>
+          </a:effectRef>
+          <a:fontRef idx="minor">
+            <a:schemeClr val="lt1"/>
+          </a:fontRef>
+        </p:style>
+        <p:txBody>
+          <a:bodyPr rtlCol="0" anchor="ctr"/>
+          <a:lstStyle/>
+          <a:p>
+            <a:pPr algn="ctr"/>
+            <a:endParaRPr lang="en-US"/>
+          </a:p>
+        </p:txBody>
+      </p:sp>
+      <p:pic>
+        <p:nvPicPr>
+          <p:cNvPr id="10242" name="Picture 2" descr="BookSearch"/>
+          <p:cNvPicPr>
+            <a:picLocks noChangeAspect="1" noChangeArrowheads="1"/>
+          </p:cNvPicPr>
+          <p:nvPr/>
+        </p:nvPicPr>
+        <p:blipFill>
+          <a:blip r:embed="rId4">
+            <a:extLst>
+              <a:ext uri="{28A0092B-C50C-407E-A947-70E740481C1C}">
+                <a14:useLocalDpi xmlns:a14="http://schemas.microsoft.com/office/drawing/2010/main" val="0"/>
+              </a:ext>
+            </a:extLst>
+          </a:blip>
+          <a:srcRect/>
+          <a:stretch>
+            <a:fillRect/>
+          </a:stretch>
+        </p:blipFill>
+        <p:spPr bwMode="auto">
+          <a:xfrm>
+            <a:off x="1040772" y="3994590"/>
+            <a:ext cx="6443804" cy="1667078"/>
+          </a:xfrm>
+          <a:prstGeom prst="rect">
+            <a:avLst/>
+          </a:prstGeom>
+          <a:noFill/>
+          <a:ln>
+            <a:noFill/>
+          </a:ln>
+          <a:extLst>
+            <a:ext uri="{909E8E84-426E-40DD-AFC4-6F175D3DCCD1}">
+              <a14:hiddenFill xmlns:a14="http://schemas.microsoft.com/office/drawing/2010/main">
+                <a:solidFill>
+                  <a:srgbClr val="FFFFFF"/>
+                </a:solidFill>
+              </a14:hiddenFill>
+            </a:ext>
+            <a:ext uri="{91240B29-F687-4F45-9708-019B960494DF}">
+              <a14:hiddenLine xmlns:a14="http://schemas.microsoft.com/office/drawing/2010/main" w="9525">
+                <a:solidFill>
+                  <a:srgbClr val="000000"/>
+                </a:solidFill>
+                <a:miter lim="800000"/>
+                <a:headEnd/>
+                <a:tailEnd/>
+              </a14:hiddenLine>
+            </a:ext>
+          </a:extLst>
+        </p:spPr>
+      </p:pic>
+      <p:pic>
+        <p:nvPicPr>
+          <p:cNvPr id="10243" name="Picture 3" descr="updatebookInfo"/>
+          <p:cNvPicPr>
+            <a:picLocks noChangeAspect="1" noChangeArrowheads="1"/>
+          </p:cNvPicPr>
+          <p:nvPr/>
+        </p:nvPicPr>
+        <p:blipFill>
+          <a:blip r:embed="rId5">
+            <a:extLst>
+              <a:ext uri="{28A0092B-C50C-407E-A947-70E740481C1C}">
+                <a14:useLocalDpi xmlns:a14="http://schemas.microsoft.com/office/drawing/2010/main" val="0"/>
+              </a:ext>
+            </a:extLst>
+          </a:blip>
+          <a:srcRect/>
+          <a:stretch>
+            <a:fillRect/>
+          </a:stretch>
+        </p:blipFill>
+        <p:spPr bwMode="auto">
+          <a:xfrm>
+            <a:off x="8858458" y="1472537"/>
+            <a:ext cx="2700355" cy="4001330"/>
+          </a:xfrm>
+          <a:prstGeom prst="rect">
+            <a:avLst/>
+          </a:prstGeom>
+          <a:noFill/>
+          <a:extLst>
+            <a:ext uri="{909E8E84-426E-40DD-AFC4-6F175D3DCCD1}">
+              <a14:hiddenFill xmlns:a14="http://schemas.microsoft.com/office/drawing/2010/main">
+                <a:solidFill>
+                  <a:srgbClr val="FFFFFF"/>
+                </a:solidFill>
+              </a14:hiddenFill>
+            </a:ext>
+          </a:extLst>
+        </p:spPr>
+      </p:pic>
+      <p:sp>
+        <p:nvSpPr>
+          <p:cNvPr id="13" name="Right Arrow 12"/>
+          <p:cNvSpPr/>
+          <p:nvPr/>
+        </p:nvSpPr>
+        <p:spPr>
+          <a:xfrm rot="5400000">
+            <a:off x="1790967" y="3417740"/>
+            <a:ext cx="597665" cy="262744"/>
+          </a:xfrm>
+          <a:prstGeom prst="rightArrow">
+            <a:avLst/>
+          </a:prstGeom>
+          <a:noFill/>
+        </p:spPr>
+        <p:style>
+          <a:lnRef idx="2">
+            <a:schemeClr val="accent1">
+              <a:shade val="50000"/>
+            </a:schemeClr>
+          </a:lnRef>
+          <a:fillRef idx="1">
+            <a:schemeClr val="accent1"/>
+          </a:fillRef>
+          <a:effectRef idx="0">
+            <a:schemeClr val="accent1"/>
+          </a:effectRef>
+          <a:fontRef idx="minor">
+            <a:schemeClr val="lt1"/>
+          </a:fontRef>
+        </p:style>
+        <p:txBody>
+          <a:bodyPr rtlCol="0" anchor="ctr"/>
+          <a:lstStyle/>
+          <a:p>
+            <a:pPr algn="ctr"/>
+            <a:endParaRPr lang="en-US"/>
+          </a:p>
+        </p:txBody>
+      </p:sp>
+      <p:pic>
+        <p:nvPicPr>
+          <p:cNvPr id="10" name="Picture 9"/>
+          <p:cNvPicPr>
+            <a:picLocks noChangeAspect="1"/>
+          </p:cNvPicPr>
+          <p:nvPr/>
+        </p:nvPicPr>
+        <p:blipFill>
+          <a:blip r:embed="rId6">
+            <a:extLst>
+              <a:ext uri="{28A0092B-C50C-407E-A947-70E740481C1C}">
+                <a14:useLocalDpi xmlns:a14="http://schemas.microsoft.com/office/drawing/2010/main" val="0"/>
+              </a:ext>
+            </a:extLst>
+          </a:blip>
+          <a:stretch>
+            <a:fillRect/>
+          </a:stretch>
+        </p:blipFill>
+        <p:spPr>
+          <a:xfrm>
+            <a:off x="5136234" y="1472537"/>
+            <a:ext cx="2348342" cy="2076575"/>
+          </a:xfrm>
+          <a:prstGeom prst="rect">
+            <a:avLst/>
+          </a:prstGeom>
+        </p:spPr>
+      </p:pic>
+      <p:sp>
+        <p:nvSpPr>
+          <p:cNvPr id="17" name="Right Arrow 16"/>
+          <p:cNvSpPr/>
+          <p:nvPr/>
+        </p:nvSpPr>
+        <p:spPr>
+          <a:xfrm rot="10800000">
+            <a:off x="7822618" y="2329361"/>
+            <a:ext cx="597665" cy="262744"/>
+          </a:xfrm>
+          <a:prstGeom prst="rightArrow">
+            <a:avLst/>
+          </a:prstGeom>
+          <a:noFill/>
+        </p:spPr>
+        <p:style>
+          <a:lnRef idx="2">
+            <a:schemeClr val="accent1">
+              <a:shade val="50000"/>
+            </a:schemeClr>
+          </a:lnRef>
+          <a:fillRef idx="1">
+            <a:schemeClr val="accent1"/>
+          </a:fillRef>
+          <a:effectRef idx="0">
+            <a:schemeClr val="accent1"/>
+          </a:effectRef>
+          <a:fontRef idx="minor">
+            <a:schemeClr val="lt1"/>
+          </a:fontRef>
+        </p:style>
+        <p:txBody>
+          <a:bodyPr rtlCol="0" anchor="ctr"/>
+          <a:lstStyle/>
+          <a:p>
+            <a:pPr algn="ctr"/>
+            <a:endParaRPr lang="en-US"/>
+          </a:p>
+        </p:txBody>
+      </p:sp>
+      <p:sp>
+        <p:nvSpPr>
+          <p:cNvPr id="18" name="TextBox 17"/>
+          <p:cNvSpPr txBox="1"/>
+          <p:nvPr/>
+        </p:nvSpPr>
+        <p:spPr>
+          <a:xfrm>
+            <a:off x="5167700" y="5922480"/>
+            <a:ext cx="1856598" cy="369332"/>
+          </a:xfrm>
+          <a:prstGeom prst="rect">
+            <a:avLst/>
+          </a:prstGeom>
+          <a:noFill/>
+        </p:spPr>
+        <p:txBody>
+          <a:bodyPr wrap="none" rtlCol="0">
+            <a:spAutoFit/>
+          </a:bodyPr>
+          <a:lstStyle/>
+          <a:p>
+            <a:r>
+              <a:rPr lang="en-US" b="1" dirty="0" smtClean="0">
+                <a:solidFill>
+                  <a:srgbClr val="0070C0"/>
+                </a:solidFill>
+              </a:rPr>
+              <a:t>Update Book Info</a:t>
+            </a:r>
+            <a:endParaRPr lang="en-US" b="1" dirty="0">
+              <a:solidFill>
+                <a:srgbClr val="0070C0"/>
+              </a:solidFill>
+            </a:endParaRPr>
+          </a:p>
+        </p:txBody>
+      </p:sp>
+    </p:spTree>
+    <p:extLst>
+      <p:ext uri="{BB962C8B-B14F-4D97-AF65-F5344CB8AC3E}">
+        <p14:creationId xmlns:p14="http://schemas.microsoft.com/office/powerpoint/2010/main" val="2695939307"/>
+      </p:ext>
+    </p:extLst>
+  </p:cSld>
+  <p:clrMapOvr>
+    <a:masterClrMapping/>
+  </p:clrMapOvr>
+  <mc:AlternateContent xmlns:mc="http://schemas.openxmlformats.org/markup-compatibility/2006" xmlns:p14="http://schemas.microsoft.com/office/powerpoint/2010/main">
+    <mc:Choice Requires="p14">
+      <p:transition spd="med" p14:dur="700">
+        <p:fade/>
+      </p:transition>
+    </mc:Choice>
+    <mc:Fallback xmlns="">
+      <p:transition spd="med">
+        <p:fade/>
+      </p:transition>
+    </mc:Fallback>
+  </mc:AlternateContent>
+  <p:timing>
+    <p:tnLst>
+      <p:par>
+        <p:cTn id="1" dur="indefinite" restart="never" nodeType="tmRoot"/>
+      </p:par>
+    </p:tnLst>
+  </p:timing>
+</p:sld>
+</file>
+
+<file path=ppt/slides/slide24.xml><?xml version="1.0" encoding="utf-8"?>
+<p:sld xmlns:a="http://schemas.openxmlformats.org/drawingml/2006/main" xmlns:r="http://schemas.openxmlformats.org/officeDocument/2006/relationships" xmlns:p="http://schemas.openxmlformats.org/presentationml/2006/main">
+  <p:cSld>
+    <p:bg>
+      <p:bgPr>
+        <a:solidFill>
+          <a:schemeClr val="bg1"/>
+        </a:solidFill>
+        <a:effectLst/>
+      </p:bgPr>
+    </p:bg>
+    <p:spTree>
+      <p:nvGrpSpPr>
+        <p:cNvPr id="1" name=""/>
+        <p:cNvGrpSpPr/>
+        <p:nvPr/>
+      </p:nvGrpSpPr>
+      <p:grpSpPr>
+        <a:xfrm>
+          <a:off x="0" y="0"/>
+          <a:ext cx="0" cy="0"/>
+          <a:chOff x="0" y="0"/>
+          <a:chExt cx="0" cy="0"/>
+        </a:xfrm>
+      </p:grpSpPr>
+      <p:sp>
+        <p:nvSpPr>
+          <p:cNvPr id="2" name="Title 1">
+            <a:extLst>
+              <a:ext uri="{FF2B5EF4-FFF2-40B4-BE49-F238E27FC236}">
+                <a16:creationId xmlns:a16="http://schemas.microsoft.com/office/drawing/2014/main" id="{AD226F5C-4F30-CE40-A40F-5A13C8C2C1EF}"/>
+              </a:ext>
+            </a:extLst>
+          </p:cNvPr>
+          <p:cNvSpPr>
+            <a:spLocks noGrp="1"/>
+          </p:cNvSpPr>
+          <p:nvPr>
+            <p:ph type="title"/>
+          </p:nvPr>
+        </p:nvSpPr>
+        <p:spPr>
+          <a:xfrm>
+            <a:off x="163103" y="263301"/>
+            <a:ext cx="11844998" cy="663575"/>
+          </a:xfrm>
+        </p:spPr>
+        <p:txBody>
+          <a:bodyPr/>
+          <a:lstStyle/>
+          <a:p>
+            <a:r>
+              <a:rPr lang="en-US" dirty="0">
+                <a:latin typeface="Helvetica Neue Light" panose="02000403000000020004" pitchFamily="2" charset="0"/>
+                <a:ea typeface="Helvetica Neue Light" panose="02000403000000020004" pitchFamily="2" charset="0"/>
+              </a:rPr>
+              <a:t>UI Design</a:t>
+            </a:r>
+          </a:p>
+        </p:txBody>
+      </p:sp>
+      <p:sp>
+        <p:nvSpPr>
+          <p:cNvPr id="4" name="Date Placeholder 3">
+            <a:extLst>
+              <a:ext uri="{FF2B5EF4-FFF2-40B4-BE49-F238E27FC236}">
+                <a16:creationId xmlns:a16="http://schemas.microsoft.com/office/drawing/2014/main" id="{291E8C4B-4E8D-F64F-BE3C-62B56F17ACA1}"/>
+              </a:ext>
+            </a:extLst>
+          </p:cNvPr>
+          <p:cNvSpPr>
+            <a:spLocks noGrp="1"/>
+          </p:cNvSpPr>
+          <p:nvPr>
+            <p:ph type="dt" sz="half" idx="10"/>
+          </p:nvPr>
+        </p:nvSpPr>
+        <p:spPr>
+          <a:xfrm>
+            <a:off x="140677" y="6503894"/>
+            <a:ext cx="1382488" cy="365125"/>
+          </a:xfrm>
+        </p:spPr>
+        <p:txBody>
+          <a:bodyPr/>
+          <a:lstStyle/>
+          <a:p>
+            <a:r>
+              <a:rPr lang="en-US" smtClean="0"/>
+              <a:t>© VTC Academy</a:t>
+            </a:r>
+            <a:endParaRPr lang="en-US" dirty="0"/>
+          </a:p>
+        </p:txBody>
+      </p:sp>
+      <p:sp>
+        <p:nvSpPr>
+          <p:cNvPr id="5" name="Footer Placeholder 4">
+            <a:extLst>
+              <a:ext uri="{FF2B5EF4-FFF2-40B4-BE49-F238E27FC236}">
+                <a16:creationId xmlns:a16="http://schemas.microsoft.com/office/drawing/2014/main" id="{65422569-5ADE-0445-9723-785B8D5A14D9}"/>
+              </a:ext>
+            </a:extLst>
+          </p:cNvPr>
+          <p:cNvSpPr>
+            <a:spLocks noGrp="1"/>
+          </p:cNvSpPr>
+          <p:nvPr>
+            <p:ph type="ftr" sz="quarter" idx="11"/>
+          </p:nvPr>
+        </p:nvSpPr>
+        <p:spPr>
+          <a:xfrm>
+            <a:off x="1735015" y="6506943"/>
+            <a:ext cx="8721969" cy="365125"/>
+          </a:xfrm>
+        </p:spPr>
+        <p:txBody>
+          <a:bodyPr/>
+          <a:lstStyle/>
+          <a:p>
+            <a:r>
+              <a:rPr lang="en-US" smtClean="0"/>
+              <a:t>Book Store</a:t>
+            </a:r>
+            <a:endParaRPr lang="en-US"/>
+          </a:p>
+        </p:txBody>
+      </p:sp>
+      <p:sp>
+        <p:nvSpPr>
+          <p:cNvPr id="6" name="Slide Number Placeholder 5">
+            <a:extLst>
+              <a:ext uri="{FF2B5EF4-FFF2-40B4-BE49-F238E27FC236}">
+                <a16:creationId xmlns:a16="http://schemas.microsoft.com/office/drawing/2014/main" id="{1CC4D354-512F-CC4A-B39A-EDEC6E17F71C}"/>
+              </a:ext>
+            </a:extLst>
+          </p:cNvPr>
+          <p:cNvSpPr>
+            <a:spLocks noGrp="1"/>
+          </p:cNvSpPr>
+          <p:nvPr>
+            <p:ph type="sldNum" sz="quarter" idx="12"/>
+          </p:nvPr>
+        </p:nvSpPr>
+        <p:spPr>
+          <a:xfrm>
+            <a:off x="10654642" y="6517962"/>
+            <a:ext cx="1353459" cy="365125"/>
+          </a:xfrm>
+        </p:spPr>
+        <p:txBody>
+          <a:bodyPr/>
+          <a:lstStyle/>
+          <a:p>
+            <a:fld id="{B9BA5F68-B450-774B-A94B-86322AF8B758}" type="slidenum">
+              <a:rPr lang="en-US" smtClean="0"/>
+              <a:t>24</a:t>
+            </a:fld>
+            <a:endParaRPr lang="en-US" dirty="0"/>
+          </a:p>
+        </p:txBody>
+      </p:sp>
+      <p:sp>
+        <p:nvSpPr>
+          <p:cNvPr id="7" name="TextBox 6"/>
+          <p:cNvSpPr txBox="1"/>
+          <p:nvPr/>
+        </p:nvSpPr>
+        <p:spPr>
+          <a:xfrm>
+            <a:off x="5447423" y="3530719"/>
+            <a:ext cx="1431802" cy="369332"/>
+          </a:xfrm>
+          <a:prstGeom prst="rect">
+            <a:avLst/>
+          </a:prstGeom>
+          <a:noFill/>
+        </p:spPr>
+        <p:txBody>
+          <a:bodyPr wrap="none" rtlCol="0">
+            <a:spAutoFit/>
+          </a:bodyPr>
+          <a:lstStyle/>
+          <a:p>
+            <a:r>
+              <a:rPr lang="en-US" b="1" dirty="0" smtClean="0">
+                <a:solidFill>
+                  <a:srgbClr val="0070C0"/>
+                </a:solidFill>
+              </a:rPr>
+              <a:t>Admin Menu</a:t>
+            </a:r>
+            <a:endParaRPr lang="en-US" b="1" dirty="0">
+              <a:solidFill>
+                <a:srgbClr val="0070C0"/>
+              </a:solidFill>
+            </a:endParaRPr>
+          </a:p>
+        </p:txBody>
+      </p:sp>
+      <p:pic>
+        <p:nvPicPr>
+          <p:cNvPr id="8" name="Picture 2" descr="adminMenu"/>
+          <p:cNvPicPr>
+            <a:picLocks noChangeAspect="1" noChangeArrowheads="1"/>
+          </p:cNvPicPr>
+          <p:nvPr/>
+        </p:nvPicPr>
+        <p:blipFill>
+          <a:blip r:embed="rId3">
+            <a:extLst>
+              <a:ext uri="{28A0092B-C50C-407E-A947-70E740481C1C}">
+                <a14:useLocalDpi xmlns:a14="http://schemas.microsoft.com/office/drawing/2010/main" val="0"/>
+              </a:ext>
+            </a:extLst>
+          </a:blip>
+          <a:srcRect/>
+          <a:stretch>
+            <a:fillRect/>
+          </a:stretch>
+        </p:blipFill>
+        <p:spPr bwMode="auto">
+          <a:xfrm>
+            <a:off x="4029835" y="1138058"/>
+            <a:ext cx="4132325" cy="2392661"/>
+          </a:xfrm>
+          <a:prstGeom prst="rect">
+            <a:avLst/>
+          </a:prstGeom>
+          <a:noFill/>
+          <a:ln>
+            <a:noFill/>
+          </a:ln>
+          <a:extLst>
+            <a:ext uri="{909E8E84-426E-40DD-AFC4-6F175D3DCCD1}">
+              <a14:hiddenFill xmlns:a14="http://schemas.microsoft.com/office/drawing/2010/main">
+                <a:solidFill>
+                  <a:srgbClr val="FFFFFF"/>
+                </a:solidFill>
+              </a14:hiddenFill>
+            </a:ext>
+            <a:ext uri="{91240B29-F687-4F45-9708-019B960494DF}">
+              <a14:hiddenLine xmlns:a14="http://schemas.microsoft.com/office/drawing/2010/main" w="9525">
+                <a:solidFill>
+                  <a:srgbClr val="000000"/>
+                </a:solidFill>
+                <a:miter lim="800000"/>
+                <a:headEnd/>
+                <a:tailEnd/>
+              </a14:hiddenLine>
+            </a:ext>
+          </a:extLst>
+        </p:spPr>
+      </p:pic>
+      <p:sp>
+        <p:nvSpPr>
+          <p:cNvPr id="12" name="TextBox 11"/>
+          <p:cNvSpPr txBox="1"/>
+          <p:nvPr/>
+        </p:nvSpPr>
+        <p:spPr>
+          <a:xfrm>
+            <a:off x="5393177" y="6052559"/>
+            <a:ext cx="1540293" cy="369332"/>
+          </a:xfrm>
+          <a:prstGeom prst="rect">
+            <a:avLst/>
+          </a:prstGeom>
+          <a:noFill/>
+        </p:spPr>
+        <p:txBody>
+          <a:bodyPr wrap="none" rtlCol="0">
+            <a:spAutoFit/>
+          </a:bodyPr>
+          <a:lstStyle/>
+          <a:p>
+            <a:r>
+              <a:rPr lang="en-US" b="1" dirty="0" smtClean="0">
+                <a:solidFill>
+                  <a:srgbClr val="0070C0"/>
+                </a:solidFill>
+              </a:rPr>
+              <a:t>Manage Users</a:t>
+            </a:r>
+            <a:endParaRPr lang="en-US" b="1" dirty="0">
+              <a:solidFill>
+                <a:srgbClr val="0070C0"/>
+              </a:solidFill>
+            </a:endParaRPr>
+          </a:p>
+        </p:txBody>
+      </p:sp>
+      <p:pic>
+        <p:nvPicPr>
+          <p:cNvPr id="3" name="Picture 2"/>
+          <p:cNvPicPr>
+            <a:picLocks noChangeAspect="1"/>
+          </p:cNvPicPr>
+          <p:nvPr/>
+        </p:nvPicPr>
+        <p:blipFill>
+          <a:blip r:embed="rId4">
+            <a:extLst>
+              <a:ext uri="{28A0092B-C50C-407E-A947-70E740481C1C}">
+                <a14:useLocalDpi xmlns:a14="http://schemas.microsoft.com/office/drawing/2010/main" val="0"/>
+              </a:ext>
+            </a:extLst>
+          </a:blip>
+          <a:stretch>
+            <a:fillRect/>
+          </a:stretch>
+        </p:blipFill>
+        <p:spPr>
+          <a:xfrm>
+            <a:off x="3562557" y="3900051"/>
+            <a:ext cx="5201532" cy="2214254"/>
+          </a:xfrm>
+          <a:prstGeom prst="rect">
+            <a:avLst/>
+          </a:prstGeom>
+        </p:spPr>
+      </p:pic>
+    </p:spTree>
+    <p:extLst>
+      <p:ext uri="{BB962C8B-B14F-4D97-AF65-F5344CB8AC3E}">
+        <p14:creationId xmlns:p14="http://schemas.microsoft.com/office/powerpoint/2010/main" val="3427134598"/>
+      </p:ext>
+    </p:extLst>
+  </p:cSld>
+  <p:clrMapOvr>
+    <a:masterClrMapping/>
+  </p:clrMapOvr>
+  <mc:AlternateContent xmlns:mc="http://schemas.openxmlformats.org/markup-compatibility/2006" xmlns:p14="http://schemas.microsoft.com/office/powerpoint/2010/main">
+    <mc:Choice Requires="p14">
+      <p:transition spd="med" p14:dur="700">
+        <p:fade/>
+      </p:transition>
+    </mc:Choice>
+    <mc:Fallback xmlns="">
+      <p:transition spd="med">
+        <p:fade/>
+      </p:transition>
+    </mc:Fallback>
+  </mc:AlternateContent>
+  <p:timing>
+    <p:tnLst>
+      <p:par>
+        <p:cTn id="1" dur="indefinite" restart="never" nodeType="tmRoot"/>
+      </p:par>
+    </p:tnLst>
+  </p:timing>
+</p:sld>
+</file>
+
+<file path=ppt/slides/slide25.xml><?xml version="1.0" encoding="utf-8"?>
+<p:sld xmlns:a="http://schemas.openxmlformats.org/drawingml/2006/main" xmlns:r="http://schemas.openxmlformats.org/officeDocument/2006/relationships" xmlns:p="http://schemas.openxmlformats.org/presentationml/2006/main">
+  <p:cSld>
+    <p:bg>
+      <p:bgPr>
+        <a:solidFill>
+          <a:schemeClr val="bg1"/>
+        </a:solidFill>
+        <a:effectLst/>
+      </p:bgPr>
+    </p:bg>
+    <p:spTree>
+      <p:nvGrpSpPr>
+        <p:cNvPr id="1" name=""/>
+        <p:cNvGrpSpPr/>
+        <p:nvPr/>
+      </p:nvGrpSpPr>
+      <p:grpSpPr>
+        <a:xfrm>
+          <a:off x="0" y="0"/>
+          <a:ext cx="0" cy="0"/>
+          <a:chOff x="0" y="0"/>
+          <a:chExt cx="0" cy="0"/>
+        </a:xfrm>
+      </p:grpSpPr>
+      <p:sp>
+        <p:nvSpPr>
+          <p:cNvPr id="2" name="Title 1">
+            <a:extLst>
+              <a:ext uri="{FF2B5EF4-FFF2-40B4-BE49-F238E27FC236}">
+                <a16:creationId xmlns:a16="http://schemas.microsoft.com/office/drawing/2014/main" id="{AD226F5C-4F30-CE40-A40F-5A13C8C2C1EF}"/>
+              </a:ext>
+            </a:extLst>
+          </p:cNvPr>
+          <p:cNvSpPr>
+            <a:spLocks noGrp="1"/>
+          </p:cNvSpPr>
+          <p:nvPr>
+            <p:ph type="title"/>
+          </p:nvPr>
+        </p:nvSpPr>
+        <p:spPr>
+          <a:xfrm>
+            <a:off x="163103" y="263301"/>
+            <a:ext cx="11844998" cy="663575"/>
+          </a:xfrm>
+        </p:spPr>
+        <p:txBody>
+          <a:bodyPr/>
+          <a:lstStyle/>
+          <a:p>
+            <a:r>
+              <a:rPr lang="en-US" dirty="0">
+                <a:latin typeface="Helvetica Neue Light" panose="02000403000000020004" pitchFamily="2" charset="0"/>
+                <a:ea typeface="Helvetica Neue Light" panose="02000403000000020004" pitchFamily="2" charset="0"/>
+              </a:rPr>
+              <a:t>UI Design</a:t>
+            </a:r>
+          </a:p>
+        </p:txBody>
+      </p:sp>
+      <p:sp>
+        <p:nvSpPr>
+          <p:cNvPr id="4" name="Date Placeholder 3">
+            <a:extLst>
+              <a:ext uri="{FF2B5EF4-FFF2-40B4-BE49-F238E27FC236}">
+                <a16:creationId xmlns:a16="http://schemas.microsoft.com/office/drawing/2014/main" id="{291E8C4B-4E8D-F64F-BE3C-62B56F17ACA1}"/>
+              </a:ext>
+            </a:extLst>
+          </p:cNvPr>
+          <p:cNvSpPr>
+            <a:spLocks noGrp="1"/>
+          </p:cNvSpPr>
+          <p:nvPr>
+            <p:ph type="dt" sz="half" idx="10"/>
+          </p:nvPr>
+        </p:nvSpPr>
+        <p:spPr>
+          <a:xfrm>
+            <a:off x="140677" y="6503894"/>
+            <a:ext cx="1382488" cy="365125"/>
+          </a:xfrm>
+        </p:spPr>
+        <p:txBody>
+          <a:bodyPr/>
+          <a:lstStyle/>
+          <a:p>
+            <a:r>
+              <a:rPr lang="en-US" smtClean="0"/>
+              <a:t>© VTC Academy</a:t>
+            </a:r>
+            <a:endParaRPr lang="en-US" dirty="0"/>
+          </a:p>
+        </p:txBody>
+      </p:sp>
+      <p:sp>
+        <p:nvSpPr>
+          <p:cNvPr id="5" name="Footer Placeholder 4">
+            <a:extLst>
+              <a:ext uri="{FF2B5EF4-FFF2-40B4-BE49-F238E27FC236}">
+                <a16:creationId xmlns:a16="http://schemas.microsoft.com/office/drawing/2014/main" id="{65422569-5ADE-0445-9723-785B8D5A14D9}"/>
+              </a:ext>
+            </a:extLst>
+          </p:cNvPr>
+          <p:cNvSpPr>
+            <a:spLocks noGrp="1"/>
+          </p:cNvSpPr>
+          <p:nvPr>
+            <p:ph type="ftr" sz="quarter" idx="11"/>
+          </p:nvPr>
+        </p:nvSpPr>
+        <p:spPr>
+          <a:xfrm>
+            <a:off x="1735015" y="6506943"/>
+            <a:ext cx="8721969" cy="365125"/>
+          </a:xfrm>
+        </p:spPr>
+        <p:txBody>
+          <a:bodyPr/>
+          <a:lstStyle/>
+          <a:p>
+            <a:r>
+              <a:rPr lang="en-US" smtClean="0"/>
+              <a:t>Book Store</a:t>
+            </a:r>
+            <a:endParaRPr lang="en-US"/>
+          </a:p>
+        </p:txBody>
+      </p:sp>
+      <p:sp>
+        <p:nvSpPr>
+          <p:cNvPr id="6" name="Slide Number Placeholder 5">
+            <a:extLst>
+              <a:ext uri="{FF2B5EF4-FFF2-40B4-BE49-F238E27FC236}">
+                <a16:creationId xmlns:a16="http://schemas.microsoft.com/office/drawing/2014/main" id="{1CC4D354-512F-CC4A-B39A-EDEC6E17F71C}"/>
+              </a:ext>
+            </a:extLst>
+          </p:cNvPr>
+          <p:cNvSpPr>
+            <a:spLocks noGrp="1"/>
+          </p:cNvSpPr>
+          <p:nvPr>
+            <p:ph type="sldNum" sz="quarter" idx="12"/>
+          </p:nvPr>
+        </p:nvSpPr>
+        <p:spPr>
+          <a:xfrm>
+            <a:off x="10654642" y="6517962"/>
+            <a:ext cx="1353459" cy="365125"/>
+          </a:xfrm>
+        </p:spPr>
+        <p:txBody>
+          <a:bodyPr/>
+          <a:lstStyle/>
+          <a:p>
+            <a:fld id="{B9BA5F68-B450-774B-A94B-86322AF8B758}" type="slidenum">
+              <a:rPr lang="en-US" smtClean="0"/>
+              <a:t>25</a:t>
+            </a:fld>
+            <a:endParaRPr lang="en-US" dirty="0"/>
+          </a:p>
+        </p:txBody>
+      </p:sp>
+      <p:sp>
+        <p:nvSpPr>
+          <p:cNvPr id="7" name="TextBox 6"/>
+          <p:cNvSpPr txBox="1"/>
+          <p:nvPr/>
+        </p:nvSpPr>
+        <p:spPr>
+          <a:xfrm>
+            <a:off x="5447423" y="3530719"/>
+            <a:ext cx="1241045" cy="369332"/>
+          </a:xfrm>
+          <a:prstGeom prst="rect">
+            <a:avLst/>
+          </a:prstGeom>
+          <a:noFill/>
+        </p:spPr>
+        <p:txBody>
+          <a:bodyPr wrap="none" rtlCol="0">
+            <a:spAutoFit/>
+          </a:bodyPr>
+          <a:lstStyle/>
+          <a:p>
+            <a:r>
+              <a:rPr lang="en-US" b="1" dirty="0" smtClean="0">
+                <a:solidFill>
+                  <a:srgbClr val="0070C0"/>
+                </a:solidFill>
+              </a:rPr>
+              <a:t>User Menu</a:t>
+            </a:r>
+            <a:endParaRPr lang="en-US" b="1" dirty="0">
+              <a:solidFill>
+                <a:srgbClr val="0070C0"/>
+              </a:solidFill>
+            </a:endParaRPr>
+          </a:p>
+        </p:txBody>
+      </p:sp>
+      <p:pic>
+        <p:nvPicPr>
+          <p:cNvPr id="12290" name="Picture 2" descr="userMenu"/>
+          <p:cNvPicPr>
+            <a:picLocks noChangeAspect="1" noChangeArrowheads="1"/>
+          </p:cNvPicPr>
+          <p:nvPr/>
+        </p:nvPicPr>
+        <p:blipFill>
+          <a:blip r:embed="rId3">
+            <a:extLst>
+              <a:ext uri="{28A0092B-C50C-407E-A947-70E740481C1C}">
+                <a14:useLocalDpi xmlns:a14="http://schemas.microsoft.com/office/drawing/2010/main" val="0"/>
+              </a:ext>
+            </a:extLst>
+          </a:blip>
+          <a:srcRect/>
+          <a:stretch>
+            <a:fillRect/>
+          </a:stretch>
+        </p:blipFill>
+        <p:spPr bwMode="auto">
+          <a:xfrm>
+            <a:off x="4281778" y="1221832"/>
+            <a:ext cx="3629618" cy="2308887"/>
+          </a:xfrm>
+          <a:prstGeom prst="rect">
+            <a:avLst/>
+          </a:prstGeom>
+          <a:noFill/>
+          <a:ln>
+            <a:noFill/>
+          </a:ln>
+          <a:extLst>
+            <a:ext uri="{909E8E84-426E-40DD-AFC4-6F175D3DCCD1}">
+              <a14:hiddenFill xmlns:a14="http://schemas.microsoft.com/office/drawing/2010/main">
+                <a:solidFill>
+                  <a:srgbClr val="FFFFFF"/>
+                </a:solidFill>
+              </a14:hiddenFill>
+            </a:ext>
+            <a:ext uri="{91240B29-F687-4F45-9708-019B960494DF}">
+              <a14:hiddenLine xmlns:a14="http://schemas.microsoft.com/office/drawing/2010/main" w="9525">
+                <a:solidFill>
+                  <a:srgbClr val="000000"/>
+                </a:solidFill>
+                <a:miter lim="800000"/>
+                <a:headEnd/>
+                <a:tailEnd/>
+              </a14:hiddenLine>
+            </a:ext>
+          </a:extLst>
+        </p:spPr>
+      </p:pic>
+      <p:pic>
+        <p:nvPicPr>
+          <p:cNvPr id="12291" name="Picture 3" descr="userInfoMenu"/>
+          <p:cNvPicPr>
+            <a:picLocks noChangeAspect="1" noChangeArrowheads="1"/>
+          </p:cNvPicPr>
+          <p:nvPr/>
+        </p:nvPicPr>
+        <p:blipFill>
+          <a:blip r:embed="rId4">
+            <a:extLst>
+              <a:ext uri="{28A0092B-C50C-407E-A947-70E740481C1C}">
+                <a14:useLocalDpi xmlns:a14="http://schemas.microsoft.com/office/drawing/2010/main" val="0"/>
+              </a:ext>
+            </a:extLst>
+          </a:blip>
+          <a:srcRect/>
+          <a:stretch>
+            <a:fillRect/>
+          </a:stretch>
+        </p:blipFill>
+        <p:spPr bwMode="auto">
+          <a:xfrm>
+            <a:off x="2785147" y="4158811"/>
+            <a:ext cx="2446444" cy="1634988"/>
+          </a:xfrm>
+          <a:prstGeom prst="rect">
+            <a:avLst/>
+          </a:prstGeom>
+          <a:noFill/>
+          <a:ln>
+            <a:noFill/>
+          </a:ln>
+          <a:extLst>
+            <a:ext uri="{909E8E84-426E-40DD-AFC4-6F175D3DCCD1}">
+              <a14:hiddenFill xmlns:a14="http://schemas.microsoft.com/office/drawing/2010/main">
+                <a:solidFill>
+                  <a:srgbClr val="FFFFFF"/>
+                </a:solidFill>
+              </a14:hiddenFill>
+            </a:ext>
+            <a:ext uri="{91240B29-F687-4F45-9708-019B960494DF}">
+              <a14:hiddenLine xmlns:a14="http://schemas.microsoft.com/office/drawing/2010/main" w="9525">
+                <a:solidFill>
+                  <a:srgbClr val="000000"/>
+                </a:solidFill>
+                <a:miter lim="800000"/>
+                <a:headEnd/>
+                <a:tailEnd/>
+              </a14:hiddenLine>
+            </a:ext>
+          </a:extLst>
+        </p:spPr>
+      </p:pic>
+      <p:pic>
+        <p:nvPicPr>
+          <p:cNvPr id="12292" name="Picture 4" descr="updateInfo"/>
+          <p:cNvPicPr>
+            <a:picLocks noChangeAspect="1" noChangeArrowheads="1"/>
+          </p:cNvPicPr>
+          <p:nvPr/>
+        </p:nvPicPr>
+        <p:blipFill>
+          <a:blip r:embed="rId5">
+            <a:extLst>
+              <a:ext uri="{28A0092B-C50C-407E-A947-70E740481C1C}">
+                <a14:useLocalDpi xmlns:a14="http://schemas.microsoft.com/office/drawing/2010/main" val="0"/>
+              </a:ext>
+            </a:extLst>
+          </a:blip>
+          <a:srcRect/>
+          <a:stretch>
+            <a:fillRect/>
+          </a:stretch>
+        </p:blipFill>
+        <p:spPr bwMode="auto">
+          <a:xfrm>
+            <a:off x="7095054" y="3857114"/>
+            <a:ext cx="2092491" cy="2195445"/>
+          </a:xfrm>
+          <a:prstGeom prst="rect">
+            <a:avLst/>
+          </a:prstGeom>
+          <a:noFill/>
+          <a:ln>
+            <a:noFill/>
+          </a:ln>
+          <a:extLst>
+            <a:ext uri="{909E8E84-426E-40DD-AFC4-6F175D3DCCD1}">
+              <a14:hiddenFill xmlns:a14="http://schemas.microsoft.com/office/drawing/2010/main">
+                <a:solidFill>
+                  <a:srgbClr val="FFFFFF"/>
+                </a:solidFill>
+              </a14:hiddenFill>
+            </a:ext>
+            <a:ext uri="{91240B29-F687-4F45-9708-019B960494DF}">
+              <a14:hiddenLine xmlns:a14="http://schemas.microsoft.com/office/drawing/2010/main" w="9525">
+                <a:solidFill>
+                  <a:srgbClr val="000000"/>
+                </a:solidFill>
+                <a:miter lim="800000"/>
+                <a:headEnd/>
+                <a:tailEnd/>
+              </a14:hiddenLine>
+            </a:ext>
+          </a:extLst>
+        </p:spPr>
+      </p:pic>
+      <p:sp>
+        <p:nvSpPr>
+          <p:cNvPr id="10" name="Right Arrow 9"/>
+          <p:cNvSpPr/>
+          <p:nvPr/>
+        </p:nvSpPr>
+        <p:spPr>
+          <a:xfrm>
+            <a:off x="5661703" y="4744511"/>
+            <a:ext cx="1003239" cy="463588"/>
+          </a:xfrm>
+          <a:prstGeom prst="rightArrow">
+            <a:avLst/>
+          </a:prstGeom>
+          <a:noFill/>
+        </p:spPr>
+        <p:style>
+          <a:lnRef idx="2">
+            <a:schemeClr val="accent1">
+              <a:shade val="50000"/>
+            </a:schemeClr>
+          </a:lnRef>
+          <a:fillRef idx="1">
+            <a:schemeClr val="accent1"/>
+          </a:fillRef>
+          <a:effectRef idx="0">
+            <a:schemeClr val="accent1"/>
+          </a:effectRef>
+          <a:fontRef idx="minor">
+            <a:schemeClr val="lt1"/>
+          </a:fontRef>
+        </p:style>
+        <p:txBody>
+          <a:bodyPr rtlCol="0" anchor="ctr"/>
+          <a:lstStyle/>
+          <a:p>
+            <a:pPr algn="ctr"/>
+            <a:endParaRPr lang="en-US"/>
+          </a:p>
+        </p:txBody>
+      </p:sp>
+      <p:sp>
+        <p:nvSpPr>
+          <p:cNvPr id="11" name="TextBox 10"/>
+          <p:cNvSpPr txBox="1"/>
+          <p:nvPr/>
+        </p:nvSpPr>
+        <p:spPr>
+          <a:xfrm>
+            <a:off x="5011462" y="6095925"/>
+            <a:ext cx="2148280" cy="369332"/>
+          </a:xfrm>
+          <a:prstGeom prst="rect">
+            <a:avLst/>
+          </a:prstGeom>
+          <a:noFill/>
+        </p:spPr>
+        <p:txBody>
+          <a:bodyPr wrap="none" rtlCol="0">
+            <a:spAutoFit/>
+          </a:bodyPr>
+          <a:lstStyle/>
+          <a:p>
+            <a:r>
+              <a:rPr lang="en-US" b="1" dirty="0" smtClean="0">
+                <a:solidFill>
+                  <a:srgbClr val="0070C0"/>
+                </a:solidFill>
+              </a:rPr>
+              <a:t>Update Account Info</a:t>
+            </a:r>
+            <a:endParaRPr lang="en-US" b="1" dirty="0">
+              <a:solidFill>
+                <a:srgbClr val="0070C0"/>
+              </a:solidFill>
+            </a:endParaRPr>
+          </a:p>
+        </p:txBody>
+      </p:sp>
+    </p:spTree>
+    <p:extLst>
+      <p:ext uri="{BB962C8B-B14F-4D97-AF65-F5344CB8AC3E}">
+        <p14:creationId xmlns:p14="http://schemas.microsoft.com/office/powerpoint/2010/main" val="1242839820"/>
+      </p:ext>
+    </p:extLst>
+  </p:cSld>
+  <p:clrMapOvr>
+    <a:masterClrMapping/>
+  </p:clrMapOvr>
+  <mc:AlternateContent xmlns:mc="http://schemas.openxmlformats.org/markup-compatibility/2006" xmlns:p14="http://schemas.microsoft.com/office/powerpoint/2010/main">
+    <mc:Choice Requires="p14">
+      <p:transition spd="med" p14:dur="700">
+        <p:fade/>
+      </p:transition>
+    </mc:Choice>
+    <mc:Fallback xmlns="">
+      <p:transition spd="med">
+        <p:fade/>
+      </p:transition>
+    </mc:Fallback>
+  </mc:AlternateContent>
+  <p:timing>
+    <p:tnLst>
+      <p:par>
+        <p:cTn id="1" dur="indefinite" restart="never" nodeType="tmRoot"/>
+      </p:par>
+    </p:tnLst>
+  </p:timing>
+</p:sld>
+</file>
+
+<file path=ppt/slides/slide26.xml><?xml version="1.0" encoding="utf-8"?>
+<p:sld xmlns:a="http://schemas.openxmlformats.org/drawingml/2006/main" xmlns:r="http://schemas.openxmlformats.org/officeDocument/2006/relationships" xmlns:p="http://schemas.openxmlformats.org/presentationml/2006/main">
+  <p:cSld>
+    <p:bg>
+      <p:bgPr>
+        <a:solidFill>
+          <a:schemeClr val="bg1"/>
+        </a:solidFill>
+        <a:effectLst/>
+      </p:bgPr>
+    </p:bg>
+    <p:spTree>
+      <p:nvGrpSpPr>
+        <p:cNvPr id="1" name=""/>
+        <p:cNvGrpSpPr/>
+        <p:nvPr/>
+      </p:nvGrpSpPr>
+      <p:grpSpPr>
+        <a:xfrm>
+          <a:off x="0" y="0"/>
+          <a:ext cx="0" cy="0"/>
+          <a:chOff x="0" y="0"/>
+          <a:chExt cx="0" cy="0"/>
+        </a:xfrm>
+      </p:grpSpPr>
+      <p:sp>
+        <p:nvSpPr>
+          <p:cNvPr id="2" name="Title 1">
+            <a:extLst>
+              <a:ext uri="{FF2B5EF4-FFF2-40B4-BE49-F238E27FC236}">
+                <a16:creationId xmlns:a16="http://schemas.microsoft.com/office/drawing/2014/main" id="{AD226F5C-4F30-CE40-A40F-5A13C8C2C1EF}"/>
+              </a:ext>
+            </a:extLst>
+          </p:cNvPr>
+          <p:cNvSpPr>
+            <a:spLocks noGrp="1"/>
+          </p:cNvSpPr>
+          <p:nvPr>
+            <p:ph type="title"/>
+          </p:nvPr>
+        </p:nvSpPr>
+        <p:spPr>
+          <a:xfrm>
+            <a:off x="163103" y="263301"/>
+            <a:ext cx="11844998" cy="663575"/>
+          </a:xfrm>
+        </p:spPr>
+        <p:txBody>
+          <a:bodyPr/>
+          <a:lstStyle/>
+          <a:p>
+            <a:r>
+              <a:rPr lang="en-US" dirty="0">
+                <a:latin typeface="Helvetica Neue Light" panose="02000403000000020004" pitchFamily="2" charset="0"/>
+                <a:ea typeface="Helvetica Neue Light" panose="02000403000000020004" pitchFamily="2" charset="0"/>
+              </a:rPr>
+              <a:t>UI Design</a:t>
+            </a:r>
+          </a:p>
+        </p:txBody>
+      </p:sp>
+      <p:sp>
+        <p:nvSpPr>
+          <p:cNvPr id="4" name="Date Placeholder 3">
+            <a:extLst>
+              <a:ext uri="{FF2B5EF4-FFF2-40B4-BE49-F238E27FC236}">
+                <a16:creationId xmlns:a16="http://schemas.microsoft.com/office/drawing/2014/main" id="{291E8C4B-4E8D-F64F-BE3C-62B56F17ACA1}"/>
+              </a:ext>
+            </a:extLst>
+          </p:cNvPr>
+          <p:cNvSpPr>
+            <a:spLocks noGrp="1"/>
+          </p:cNvSpPr>
+          <p:nvPr>
+            <p:ph type="dt" sz="half" idx="10"/>
+          </p:nvPr>
+        </p:nvSpPr>
+        <p:spPr>
+          <a:xfrm>
+            <a:off x="140677" y="6503894"/>
+            <a:ext cx="1382488" cy="365125"/>
+          </a:xfrm>
+        </p:spPr>
+        <p:txBody>
+          <a:bodyPr/>
+          <a:lstStyle/>
+          <a:p>
+            <a:r>
+              <a:rPr lang="en-US" smtClean="0"/>
+              <a:t>© VTC Academy</a:t>
+            </a:r>
+            <a:endParaRPr lang="en-US" dirty="0"/>
+          </a:p>
+        </p:txBody>
+      </p:sp>
+      <p:sp>
+        <p:nvSpPr>
+          <p:cNvPr id="5" name="Footer Placeholder 4">
+            <a:extLst>
+              <a:ext uri="{FF2B5EF4-FFF2-40B4-BE49-F238E27FC236}">
+                <a16:creationId xmlns:a16="http://schemas.microsoft.com/office/drawing/2014/main" id="{65422569-5ADE-0445-9723-785B8D5A14D9}"/>
+              </a:ext>
+            </a:extLst>
+          </p:cNvPr>
+          <p:cNvSpPr>
+            <a:spLocks noGrp="1"/>
+          </p:cNvSpPr>
+          <p:nvPr>
+            <p:ph type="ftr" sz="quarter" idx="11"/>
+          </p:nvPr>
+        </p:nvSpPr>
+        <p:spPr>
+          <a:xfrm>
+            <a:off x="1735015" y="6506943"/>
+            <a:ext cx="8721969" cy="365125"/>
+          </a:xfrm>
+        </p:spPr>
+        <p:txBody>
+          <a:bodyPr/>
+          <a:lstStyle/>
+          <a:p>
+            <a:r>
+              <a:rPr lang="en-US" smtClean="0"/>
+              <a:t>Book Store</a:t>
+            </a:r>
+            <a:endParaRPr lang="en-US"/>
+          </a:p>
+        </p:txBody>
+      </p:sp>
+      <p:sp>
+        <p:nvSpPr>
+          <p:cNvPr id="6" name="Slide Number Placeholder 5">
+            <a:extLst>
+              <a:ext uri="{FF2B5EF4-FFF2-40B4-BE49-F238E27FC236}">
+                <a16:creationId xmlns:a16="http://schemas.microsoft.com/office/drawing/2014/main" id="{1CC4D354-512F-CC4A-B39A-EDEC6E17F71C}"/>
+              </a:ext>
+            </a:extLst>
+          </p:cNvPr>
+          <p:cNvSpPr>
+            <a:spLocks noGrp="1"/>
+          </p:cNvSpPr>
+          <p:nvPr>
+            <p:ph type="sldNum" sz="quarter" idx="12"/>
+          </p:nvPr>
+        </p:nvSpPr>
+        <p:spPr>
+          <a:xfrm>
+            <a:off x="10654642" y="6517962"/>
+            <a:ext cx="1353459" cy="365125"/>
+          </a:xfrm>
+        </p:spPr>
+        <p:txBody>
+          <a:bodyPr/>
+          <a:lstStyle/>
+          <a:p>
+            <a:fld id="{B9BA5F68-B450-774B-A94B-86322AF8B758}" type="slidenum">
+              <a:rPr lang="en-US" smtClean="0"/>
+              <a:t>26</a:t>
+            </a:fld>
+            <a:endParaRPr lang="en-US" dirty="0"/>
+          </a:p>
+        </p:txBody>
+      </p:sp>
+      <p:pic>
+        <p:nvPicPr>
+          <p:cNvPr id="12290" name="Picture 2" descr="userMenu"/>
+          <p:cNvPicPr>
+            <a:picLocks noChangeAspect="1" noChangeArrowheads="1"/>
+          </p:cNvPicPr>
+          <p:nvPr/>
+        </p:nvPicPr>
+        <p:blipFill>
+          <a:blip r:embed="rId3">
+            <a:extLst>
+              <a:ext uri="{28A0092B-C50C-407E-A947-70E740481C1C}">
+                <a14:useLocalDpi xmlns:a14="http://schemas.microsoft.com/office/drawing/2010/main" val="0"/>
+              </a:ext>
+            </a:extLst>
+          </a:blip>
+          <a:srcRect/>
+          <a:stretch>
+            <a:fillRect/>
+          </a:stretch>
+        </p:blipFill>
+        <p:spPr bwMode="auto">
+          <a:xfrm>
+            <a:off x="2106383" y="1214455"/>
+            <a:ext cx="2863301" cy="1821414"/>
+          </a:xfrm>
+          <a:prstGeom prst="rect">
+            <a:avLst/>
+          </a:prstGeom>
+          <a:noFill/>
+          <a:ln>
+            <a:noFill/>
+          </a:ln>
+          <a:extLst>
+            <a:ext uri="{909E8E84-426E-40DD-AFC4-6F175D3DCCD1}">
+              <a14:hiddenFill xmlns:a14="http://schemas.microsoft.com/office/drawing/2010/main">
+                <a:solidFill>
+                  <a:srgbClr val="FFFFFF"/>
+                </a:solidFill>
+              </a14:hiddenFill>
+            </a:ext>
+            <a:ext uri="{91240B29-F687-4F45-9708-019B960494DF}">
+              <a14:hiddenLine xmlns:a14="http://schemas.microsoft.com/office/drawing/2010/main" w="9525">
+                <a:solidFill>
+                  <a:srgbClr val="000000"/>
+                </a:solidFill>
+                <a:miter lim="800000"/>
+                <a:headEnd/>
+                <a:tailEnd/>
+              </a14:hiddenLine>
+            </a:ext>
+          </a:extLst>
+        </p:spPr>
+      </p:pic>
+      <p:sp>
+        <p:nvSpPr>
+          <p:cNvPr id="10" name="Right Arrow 9"/>
+          <p:cNvSpPr/>
+          <p:nvPr/>
+        </p:nvSpPr>
+        <p:spPr>
+          <a:xfrm>
+            <a:off x="5375304" y="1893368"/>
+            <a:ext cx="1003239" cy="463588"/>
+          </a:xfrm>
+          <a:prstGeom prst="rightArrow">
+            <a:avLst/>
+          </a:prstGeom>
+          <a:noFill/>
+        </p:spPr>
+        <p:style>
+          <a:lnRef idx="2">
+            <a:schemeClr val="accent1">
+              <a:shade val="50000"/>
+            </a:schemeClr>
+          </a:lnRef>
+          <a:fillRef idx="1">
+            <a:schemeClr val="accent1"/>
+          </a:fillRef>
+          <a:effectRef idx="0">
+            <a:schemeClr val="accent1"/>
+          </a:effectRef>
+          <a:fontRef idx="minor">
+            <a:schemeClr val="lt1"/>
+          </a:fontRef>
+        </p:style>
+        <p:txBody>
+          <a:bodyPr rtlCol="0" anchor="ctr"/>
+          <a:lstStyle/>
+          <a:p>
+            <a:pPr algn="ctr"/>
+            <a:endParaRPr lang="en-US"/>
+          </a:p>
+        </p:txBody>
+      </p:sp>
+      <p:sp>
+        <p:nvSpPr>
+          <p:cNvPr id="11" name="TextBox 10"/>
+          <p:cNvSpPr txBox="1"/>
+          <p:nvPr/>
+        </p:nvSpPr>
+        <p:spPr>
+          <a:xfrm>
+            <a:off x="5300781" y="6035492"/>
+            <a:ext cx="1590435" cy="369332"/>
+          </a:xfrm>
+          <a:prstGeom prst="rect">
+            <a:avLst/>
+          </a:prstGeom>
+          <a:noFill/>
+        </p:spPr>
+        <p:txBody>
+          <a:bodyPr wrap="none" rtlCol="0">
+            <a:spAutoFit/>
+          </a:bodyPr>
+          <a:lstStyle/>
+          <a:p>
+            <a:r>
+              <a:rPr lang="en-US" b="1" dirty="0" smtClean="0">
+                <a:solidFill>
+                  <a:srgbClr val="0070C0"/>
+                </a:solidFill>
+              </a:rPr>
+              <a:t>Purchase Book</a:t>
+            </a:r>
+            <a:endParaRPr lang="en-US" b="1" dirty="0">
+              <a:solidFill>
+                <a:srgbClr val="0070C0"/>
+              </a:solidFill>
+            </a:endParaRPr>
+          </a:p>
+        </p:txBody>
+      </p:sp>
+      <p:pic>
+        <p:nvPicPr>
+          <p:cNvPr id="13314" name="Picture 2" descr="purchaseMenu"/>
+          <p:cNvPicPr>
+            <a:picLocks noChangeAspect="1" noChangeArrowheads="1"/>
+          </p:cNvPicPr>
+          <p:nvPr/>
+        </p:nvPicPr>
+        <p:blipFill>
+          <a:blip r:embed="rId4">
+            <a:extLst>
+              <a:ext uri="{28A0092B-C50C-407E-A947-70E740481C1C}">
+                <a14:useLocalDpi xmlns:a14="http://schemas.microsoft.com/office/drawing/2010/main" val="0"/>
+              </a:ext>
+            </a:extLst>
+          </a:blip>
+          <a:srcRect/>
+          <a:stretch>
+            <a:fillRect/>
+          </a:stretch>
+        </p:blipFill>
+        <p:spPr bwMode="auto">
+          <a:xfrm>
+            <a:off x="6784162" y="1214455"/>
+            <a:ext cx="3082851" cy="1822648"/>
+          </a:xfrm>
+          <a:prstGeom prst="rect">
+            <a:avLst/>
+          </a:prstGeom>
+          <a:noFill/>
+          <a:ln>
+            <a:noFill/>
+          </a:ln>
+          <a:extLst>
+            <a:ext uri="{909E8E84-426E-40DD-AFC4-6F175D3DCCD1}">
+              <a14:hiddenFill xmlns:a14="http://schemas.microsoft.com/office/drawing/2010/main">
+                <a:solidFill>
+                  <a:srgbClr val="FFFFFF"/>
+                </a:solidFill>
+              </a14:hiddenFill>
+            </a:ext>
+            <a:ext uri="{91240B29-F687-4F45-9708-019B960494DF}">
+              <a14:hiddenLine xmlns:a14="http://schemas.microsoft.com/office/drawing/2010/main" w="9525">
+                <a:solidFill>
+                  <a:srgbClr val="000000"/>
+                </a:solidFill>
+                <a:miter lim="800000"/>
+                <a:headEnd/>
+                <a:tailEnd/>
+              </a14:hiddenLine>
+            </a:ext>
+          </a:extLst>
+        </p:spPr>
+      </p:pic>
+      <p:pic>
+        <p:nvPicPr>
+          <p:cNvPr id="13315" name="Picture 3" descr="createOrder"/>
+          <p:cNvPicPr>
+            <a:picLocks noChangeAspect="1" noChangeArrowheads="1"/>
+          </p:cNvPicPr>
+          <p:nvPr/>
+        </p:nvPicPr>
+        <p:blipFill>
+          <a:blip r:embed="rId5">
+            <a:extLst>
+              <a:ext uri="{28A0092B-C50C-407E-A947-70E740481C1C}">
+                <a14:useLocalDpi xmlns:a14="http://schemas.microsoft.com/office/drawing/2010/main" val="0"/>
+              </a:ext>
+            </a:extLst>
+          </a:blip>
+          <a:srcRect/>
+          <a:stretch>
+            <a:fillRect/>
+          </a:stretch>
+        </p:blipFill>
+        <p:spPr bwMode="auto">
+          <a:xfrm>
+            <a:off x="2629417" y="3799869"/>
+            <a:ext cx="6714961" cy="2066998"/>
+          </a:xfrm>
+          <a:prstGeom prst="rect">
+            <a:avLst/>
+          </a:prstGeom>
+          <a:noFill/>
+          <a:ln>
+            <a:noFill/>
+          </a:ln>
+          <a:extLst>
+            <a:ext uri="{909E8E84-426E-40DD-AFC4-6F175D3DCCD1}">
+              <a14:hiddenFill xmlns:a14="http://schemas.microsoft.com/office/drawing/2010/main">
+                <a:solidFill>
+                  <a:srgbClr val="FFFFFF"/>
+                </a:solidFill>
+              </a14:hiddenFill>
+            </a:ext>
+            <a:ext uri="{91240B29-F687-4F45-9708-019B960494DF}">
+              <a14:hiddenLine xmlns:a14="http://schemas.microsoft.com/office/drawing/2010/main" w="9525">
+                <a:solidFill>
+                  <a:srgbClr val="000000"/>
+                </a:solidFill>
+                <a:miter lim="800000"/>
+                <a:headEnd/>
+                <a:tailEnd/>
+              </a14:hiddenLine>
+            </a:ext>
+          </a:extLst>
+        </p:spPr>
+      </p:pic>
+      <p:sp>
+        <p:nvSpPr>
+          <p:cNvPr id="14" name="Right Arrow 13"/>
+          <p:cNvSpPr/>
+          <p:nvPr/>
+        </p:nvSpPr>
+        <p:spPr>
+          <a:xfrm rot="5400000">
+            <a:off x="7936801" y="3288394"/>
+            <a:ext cx="514543" cy="263028"/>
+          </a:xfrm>
+          <a:prstGeom prst="rightArrow">
+            <a:avLst>
+              <a:gd name="adj1" fmla="val 50000"/>
+              <a:gd name="adj2" fmla="val 82340"/>
+            </a:avLst>
+          </a:prstGeom>
+          <a:noFill/>
+        </p:spPr>
+        <p:style>
+          <a:lnRef idx="2">
+            <a:schemeClr val="accent1">
+              <a:shade val="50000"/>
+            </a:schemeClr>
+          </a:lnRef>
+          <a:fillRef idx="1">
+            <a:schemeClr val="accent1"/>
+          </a:fillRef>
+          <a:effectRef idx="0">
+            <a:schemeClr val="accent1"/>
+          </a:effectRef>
+          <a:fontRef idx="minor">
+            <a:schemeClr val="lt1"/>
+          </a:fontRef>
+        </p:style>
+        <p:txBody>
+          <a:bodyPr rtlCol="0" anchor="ctr"/>
+          <a:lstStyle/>
+          <a:p>
+            <a:pPr algn="ctr"/>
+            <a:endParaRPr lang="en-US"/>
+          </a:p>
+        </p:txBody>
+      </p:sp>
+    </p:spTree>
+    <p:extLst>
+      <p:ext uri="{BB962C8B-B14F-4D97-AF65-F5344CB8AC3E}">
+        <p14:creationId xmlns:p14="http://schemas.microsoft.com/office/powerpoint/2010/main" val="2128393421"/>
+      </p:ext>
+    </p:extLst>
+  </p:cSld>
+  <p:clrMapOvr>
+    <a:masterClrMapping/>
+  </p:clrMapOvr>
+  <mc:AlternateContent xmlns:mc="http://schemas.openxmlformats.org/markup-compatibility/2006" xmlns:p14="http://schemas.microsoft.com/office/powerpoint/2010/main">
+    <mc:Choice Requires="p14">
+      <p:transition spd="med" p14:dur="700">
+        <p:fade/>
+      </p:transition>
+    </mc:Choice>
+    <mc:Fallback xmlns="">
+      <p:transition spd="med">
+        <p:fade/>
+      </p:transition>
+    </mc:Fallback>
+  </mc:AlternateContent>
+  <p:timing>
+    <p:tnLst>
+      <p:par>
+        <p:cTn id="1" dur="indefinite" restart="never" nodeType="tmRoot"/>
+      </p:par>
+    </p:tnLst>
+  </p:timing>
+</p:sld>
+</file>
+
+<file path=ppt/slides/slide27.xml><?xml version="1.0" encoding="utf-8"?>
+<p:sld xmlns:a="http://schemas.openxmlformats.org/drawingml/2006/main" xmlns:r="http://schemas.openxmlformats.org/officeDocument/2006/relationships" xmlns:p="http://schemas.openxmlformats.org/presentationml/2006/main">
+  <p:cSld>
+    <p:spTree>
+      <p:nvGrpSpPr>
+        <p:cNvPr id="1" name=""/>
+        <p:cNvGrpSpPr/>
+        <p:nvPr/>
+      </p:nvGrpSpPr>
+      <p:grpSpPr>
+        <a:xfrm>
+          <a:off x="0" y="0"/>
+          <a:ext cx="0" cy="0"/>
+          <a:chOff x="0" y="0"/>
+          <a:chExt cx="0" cy="0"/>
+        </a:xfrm>
+      </p:grpSpPr>
+      <p:sp>
+        <p:nvSpPr>
+          <p:cNvPr id="2" name="Title 1">
+            <a:extLst>
+              <a:ext uri="{FF2B5EF4-FFF2-40B4-BE49-F238E27FC236}">
+                <a16:creationId xmlns:a16="http://schemas.microsoft.com/office/drawing/2014/main" id="{AD226F5C-4F30-CE40-A40F-5A13C8C2C1EF}"/>
+              </a:ext>
+            </a:extLst>
+          </p:cNvPr>
+          <p:cNvSpPr>
+            <a:spLocks noGrp="1"/>
+          </p:cNvSpPr>
+          <p:nvPr>
+            <p:ph type="title"/>
+          </p:nvPr>
+        </p:nvSpPr>
+        <p:spPr>
+          <a:xfrm>
+            <a:off x="163103" y="263301"/>
+            <a:ext cx="11844998" cy="663575"/>
+          </a:xfrm>
+        </p:spPr>
+        <p:txBody>
+          <a:bodyPr/>
+          <a:lstStyle/>
+          <a:p>
+            <a:r>
+              <a:rPr lang="en-US" dirty="0">
+                <a:latin typeface="Helvetica Neue Light" panose="02000403000000020004" pitchFamily="2" charset="0"/>
+                <a:ea typeface="Helvetica Neue Light" panose="02000403000000020004" pitchFamily="2" charset="0"/>
+              </a:rPr>
+              <a:t>Deployment Diagram</a:t>
+            </a:r>
+          </a:p>
+        </p:txBody>
+      </p:sp>
+      <p:sp>
+        <p:nvSpPr>
+          <p:cNvPr id="4" name="Date Placeholder 3">
+            <a:extLst>
+              <a:ext uri="{FF2B5EF4-FFF2-40B4-BE49-F238E27FC236}">
+                <a16:creationId xmlns:a16="http://schemas.microsoft.com/office/drawing/2014/main" id="{291E8C4B-4E8D-F64F-BE3C-62B56F17ACA1}"/>
+              </a:ext>
+            </a:extLst>
+          </p:cNvPr>
+          <p:cNvSpPr>
+            <a:spLocks noGrp="1"/>
+          </p:cNvSpPr>
+          <p:nvPr>
+            <p:ph type="dt" sz="half" idx="10"/>
+          </p:nvPr>
+        </p:nvSpPr>
+        <p:spPr>
+          <a:xfrm>
+            <a:off x="140677" y="6503894"/>
+            <a:ext cx="1382488" cy="365125"/>
+          </a:xfrm>
+        </p:spPr>
+        <p:txBody>
+          <a:bodyPr/>
+          <a:lstStyle/>
+          <a:p>
+            <a:r>
+              <a:rPr lang="en-US" smtClean="0"/>
+              <a:t>© VTC Academy</a:t>
+            </a:r>
+            <a:endParaRPr lang="en-US" dirty="0"/>
+          </a:p>
+        </p:txBody>
+      </p:sp>
+      <p:sp>
+        <p:nvSpPr>
+          <p:cNvPr id="5" name="Footer Placeholder 4">
+            <a:extLst>
+              <a:ext uri="{FF2B5EF4-FFF2-40B4-BE49-F238E27FC236}">
+                <a16:creationId xmlns:a16="http://schemas.microsoft.com/office/drawing/2014/main" id="{65422569-5ADE-0445-9723-785B8D5A14D9}"/>
+              </a:ext>
+            </a:extLst>
+          </p:cNvPr>
+          <p:cNvSpPr>
+            <a:spLocks noGrp="1"/>
+          </p:cNvSpPr>
+          <p:nvPr>
+            <p:ph type="ftr" sz="quarter" idx="11"/>
+          </p:nvPr>
+        </p:nvSpPr>
+        <p:spPr>
+          <a:xfrm>
+            <a:off x="1735015" y="6506943"/>
+            <a:ext cx="8721969" cy="365125"/>
+          </a:xfrm>
+        </p:spPr>
+        <p:txBody>
+          <a:bodyPr/>
+          <a:lstStyle/>
+          <a:p>
+            <a:r>
+              <a:rPr lang="en-US" smtClean="0"/>
+              <a:t>Book Store</a:t>
+            </a:r>
+            <a:endParaRPr lang="en-US"/>
+          </a:p>
+        </p:txBody>
+      </p:sp>
+      <p:sp>
+        <p:nvSpPr>
+          <p:cNvPr id="6" name="Slide Number Placeholder 5">
+            <a:extLst>
+              <a:ext uri="{FF2B5EF4-FFF2-40B4-BE49-F238E27FC236}">
+                <a16:creationId xmlns:a16="http://schemas.microsoft.com/office/drawing/2014/main" id="{1CC4D354-512F-CC4A-B39A-EDEC6E17F71C}"/>
+              </a:ext>
+            </a:extLst>
+          </p:cNvPr>
+          <p:cNvSpPr>
+            <a:spLocks noGrp="1"/>
+          </p:cNvSpPr>
+          <p:nvPr>
+            <p:ph type="sldNum" sz="quarter" idx="12"/>
+          </p:nvPr>
+        </p:nvSpPr>
+        <p:spPr>
+          <a:xfrm>
+            <a:off x="10654642" y="6517962"/>
+            <a:ext cx="1353459" cy="365125"/>
+          </a:xfrm>
+        </p:spPr>
+        <p:txBody>
+          <a:bodyPr/>
+          <a:lstStyle/>
+          <a:p>
+            <a:fld id="{B9BA5F68-B450-774B-A94B-86322AF8B758}" type="slidenum">
+              <a:rPr lang="en-US" smtClean="0"/>
+              <a:t>27</a:t>
+            </a:fld>
+            <a:endParaRPr lang="en-US" dirty="0"/>
+          </a:p>
+        </p:txBody>
+      </p:sp>
+      <p:pic>
+        <p:nvPicPr>
+          <p:cNvPr id="7" name="Picture 6"/>
+          <p:cNvPicPr>
+            <a:picLocks noChangeAspect="1"/>
+          </p:cNvPicPr>
+          <p:nvPr/>
+        </p:nvPicPr>
+        <p:blipFill>
+          <a:blip r:embed="rId3">
+            <a:extLst>
+              <a:ext uri="{28A0092B-C50C-407E-A947-70E740481C1C}">
+                <a14:useLocalDpi xmlns:a14="http://schemas.microsoft.com/office/drawing/2010/main" val="0"/>
+              </a:ext>
+            </a:extLst>
+          </a:blip>
+          <a:stretch>
+            <a:fillRect/>
+          </a:stretch>
+        </p:blipFill>
+        <p:spPr>
+          <a:xfrm>
+            <a:off x="2218559" y="1835340"/>
+            <a:ext cx="7734086" cy="3278919"/>
+          </a:xfrm>
+          <a:prstGeom prst="rect">
+            <a:avLst/>
+          </a:prstGeom>
+        </p:spPr>
+      </p:pic>
+    </p:spTree>
+    <p:extLst>
+      <p:ext uri="{BB962C8B-B14F-4D97-AF65-F5344CB8AC3E}">
+        <p14:creationId xmlns:p14="http://schemas.microsoft.com/office/powerpoint/2010/main" val="673445278"/>
+      </p:ext>
+    </p:extLst>
+  </p:cSld>
+  <p:clrMapOvr>
+    <a:masterClrMapping/>
+  </p:clrMapOvr>
+  <mc:AlternateContent xmlns:mc="http://schemas.openxmlformats.org/markup-compatibility/2006" xmlns:p14="http://schemas.microsoft.com/office/powerpoint/2010/main">
+    <mc:Choice Requires="p14">
+      <p:transition spd="med" p14:dur="700">
+        <p:fade/>
+      </p:transition>
+    </mc:Choice>
+    <mc:Fallback xmlns="">
+      <p:transition spd="med">
+        <p:fade/>
+      </p:transition>
+    </mc:Fallback>
+  </mc:AlternateContent>
+  <p:timing>
+    <p:tnLst>
+      <p:par>
+        <p:cTn id="1" dur="indefinite" restart="never" nodeType="tmRoot"/>
+      </p:par>
+    </p:tnLst>
+  </p:timing>
+</p:sld>
+</file>
+
+<file path=ppt/slides/slide28.xml><?xml version="1.0" encoding="utf-8"?>
+<p:sld xmlns:a="http://schemas.openxmlformats.org/drawingml/2006/main" xmlns:r="http://schemas.openxmlformats.org/officeDocument/2006/relationships" xmlns:p="http://schemas.openxmlformats.org/presentationml/2006/main">
+  <p:cSld>
+    <p:bg>
+      <p:bgPr>
+        <a:solidFill>
+          <a:schemeClr val="bg1"/>
+        </a:solidFill>
+        <a:effectLst/>
+      </p:bgPr>
+    </p:bg>
+    <p:spTree>
+      <p:nvGrpSpPr>
+        <p:cNvPr id="1" name=""/>
+        <p:cNvGrpSpPr/>
+        <p:nvPr/>
+      </p:nvGrpSpPr>
+      <p:grpSpPr>
+        <a:xfrm>
+          <a:off x="0" y="0"/>
+          <a:ext cx="0" cy="0"/>
+          <a:chOff x="0" y="0"/>
+          <a:chExt cx="0" cy="0"/>
+        </a:xfrm>
+      </p:grpSpPr>
+      <p:sp>
+        <p:nvSpPr>
+          <p:cNvPr id="2" name="Title 1">
+            <a:extLst>
+              <a:ext uri="{FF2B5EF4-FFF2-40B4-BE49-F238E27FC236}">
+                <a16:creationId xmlns:a16="http://schemas.microsoft.com/office/drawing/2014/main" id="{AD226F5C-4F30-CE40-A40F-5A13C8C2C1EF}"/>
+              </a:ext>
+            </a:extLst>
+          </p:cNvPr>
+          <p:cNvSpPr>
+            <a:spLocks noGrp="1"/>
+          </p:cNvSpPr>
+          <p:nvPr>
+            <p:ph type="title"/>
+          </p:nvPr>
+        </p:nvSpPr>
+        <p:spPr>
+          <a:xfrm>
+            <a:off x="163103" y="263301"/>
+            <a:ext cx="11844998" cy="663575"/>
+          </a:xfrm>
+        </p:spPr>
+        <p:txBody>
+          <a:bodyPr/>
+          <a:lstStyle/>
+          <a:p>
+            <a:r>
+              <a:rPr lang="en-US" dirty="0">
+                <a:latin typeface="Helvetica Neue Light" panose="02000403000000020004" pitchFamily="2" charset="0"/>
+                <a:ea typeface="Helvetica Neue Light" panose="02000403000000020004" pitchFamily="2" charset="0"/>
+              </a:rPr>
+              <a:t>Task Assign (to each team member)</a:t>
+            </a:r>
+          </a:p>
+        </p:txBody>
+      </p:sp>
+      <p:sp>
+        <p:nvSpPr>
+          <p:cNvPr id="4" name="Date Placeholder 3">
+            <a:extLst>
+              <a:ext uri="{FF2B5EF4-FFF2-40B4-BE49-F238E27FC236}">
+                <a16:creationId xmlns:a16="http://schemas.microsoft.com/office/drawing/2014/main" id="{291E8C4B-4E8D-F64F-BE3C-62B56F17ACA1}"/>
+              </a:ext>
+            </a:extLst>
+          </p:cNvPr>
+          <p:cNvSpPr>
+            <a:spLocks noGrp="1"/>
+          </p:cNvSpPr>
+          <p:nvPr>
+            <p:ph type="dt" sz="half" idx="10"/>
+          </p:nvPr>
+        </p:nvSpPr>
+        <p:spPr>
+          <a:xfrm>
+            <a:off x="140677" y="6503894"/>
+            <a:ext cx="1382488" cy="365125"/>
+          </a:xfrm>
+        </p:spPr>
+        <p:txBody>
+          <a:bodyPr/>
+          <a:lstStyle/>
+          <a:p>
+            <a:r>
+              <a:rPr lang="en-US" smtClean="0"/>
+              <a:t>© VTC Academy</a:t>
+            </a:r>
+            <a:endParaRPr lang="en-US" dirty="0"/>
+          </a:p>
+        </p:txBody>
+      </p:sp>
+      <p:sp>
+        <p:nvSpPr>
+          <p:cNvPr id="5" name="Footer Placeholder 4">
+            <a:extLst>
+              <a:ext uri="{FF2B5EF4-FFF2-40B4-BE49-F238E27FC236}">
+                <a16:creationId xmlns:a16="http://schemas.microsoft.com/office/drawing/2014/main" id="{65422569-5ADE-0445-9723-785B8D5A14D9}"/>
+              </a:ext>
+            </a:extLst>
+          </p:cNvPr>
+          <p:cNvSpPr>
+            <a:spLocks noGrp="1"/>
+          </p:cNvSpPr>
+          <p:nvPr>
+            <p:ph type="ftr" sz="quarter" idx="11"/>
+          </p:nvPr>
+        </p:nvSpPr>
+        <p:spPr>
+          <a:xfrm>
+            <a:off x="1735015" y="6506943"/>
+            <a:ext cx="8721969" cy="365125"/>
+          </a:xfrm>
+        </p:spPr>
+        <p:txBody>
+          <a:bodyPr/>
+          <a:lstStyle/>
+          <a:p>
+            <a:r>
+              <a:rPr lang="en-US" smtClean="0"/>
+              <a:t>Book Store</a:t>
+            </a:r>
+            <a:endParaRPr lang="en-US"/>
+          </a:p>
+        </p:txBody>
+      </p:sp>
+      <p:sp>
+        <p:nvSpPr>
+          <p:cNvPr id="6" name="Slide Number Placeholder 5">
+            <a:extLst>
+              <a:ext uri="{FF2B5EF4-FFF2-40B4-BE49-F238E27FC236}">
+                <a16:creationId xmlns:a16="http://schemas.microsoft.com/office/drawing/2014/main" id="{1CC4D354-512F-CC4A-B39A-EDEC6E17F71C}"/>
+              </a:ext>
+            </a:extLst>
+          </p:cNvPr>
+          <p:cNvSpPr>
+            <a:spLocks noGrp="1"/>
+          </p:cNvSpPr>
+          <p:nvPr>
+            <p:ph type="sldNum" sz="quarter" idx="12"/>
+          </p:nvPr>
+        </p:nvSpPr>
+        <p:spPr>
+          <a:xfrm>
+            <a:off x="10654642" y="6517962"/>
+            <a:ext cx="1353459" cy="365125"/>
+          </a:xfrm>
+        </p:spPr>
+        <p:txBody>
+          <a:bodyPr/>
+          <a:lstStyle/>
+          <a:p>
+            <a:fld id="{B9BA5F68-B450-774B-A94B-86322AF8B758}" type="slidenum">
+              <a:rPr lang="en-US" smtClean="0"/>
+              <a:t>28</a:t>
             </a:fld>
             <a:endParaRPr lang="en-US" dirty="0"/>
           </a:p>
@@ -13471,7 +14931,7 @@
 </p:sld>
 </file>
 
-<file path=ppt/slides/slide24.xml><?xml version="1.0" encoding="utf-8"?>
+<file path=ppt/slides/slide29.xml><?xml version="1.0" encoding="utf-8"?>
 <p:sld xmlns:a="http://schemas.openxmlformats.org/drawingml/2006/main" xmlns:r="http://schemas.openxmlformats.org/officeDocument/2006/relationships" xmlns:p="http://schemas.openxmlformats.org/presentationml/2006/main">
   <p:cSld>
     <p:spTree>
@@ -13620,7 +15080,7 @@
           <a:p>
             <a:fld id="{B9BA5F68-B450-774B-A94B-86322AF8B758}" type="slidenum">
               <a:rPr lang="en-US" smtClean="0"/>
-              <a:t>24</a:t>
+              <a:t>29</a:t>
             </a:fld>
             <a:endParaRPr lang="en-US" dirty="0"/>
           </a:p>
@@ -13833,176 +15293,6 @@
     <p:extLst>
       <p:ext uri="{BB962C8B-B14F-4D97-AF65-F5344CB8AC3E}">
         <p14:creationId xmlns:p14="http://schemas.microsoft.com/office/powerpoint/2010/main" val="2698680696"/>
-      </p:ext>
-    </p:extLst>
-  </p:cSld>
-  <p:clrMapOvr>
-    <a:masterClrMapping/>
-  </p:clrMapOvr>
-  <mc:AlternateContent xmlns:mc="http://schemas.openxmlformats.org/markup-compatibility/2006" xmlns:p14="http://schemas.microsoft.com/office/powerpoint/2010/main">
-    <mc:Choice Requires="p14">
-      <p:transition spd="med" p14:dur="700">
-        <p:fade/>
-      </p:transition>
-    </mc:Choice>
-    <mc:Fallback xmlns="">
-      <p:transition spd="med">
-        <p:fade/>
-      </p:transition>
-    </mc:Fallback>
-  </mc:AlternateContent>
-  <p:timing>
-    <p:tnLst>
-      <p:par>
-        <p:cTn id="1" dur="indefinite" restart="never" nodeType="tmRoot"/>
-      </p:par>
-    </p:tnLst>
-  </p:timing>
-</p:sld>
-</file>
-
-<file path=ppt/slides/slide25.xml><?xml version="1.0" encoding="utf-8"?>
-<p:sld xmlns:a="http://schemas.openxmlformats.org/drawingml/2006/main" xmlns:r="http://schemas.openxmlformats.org/officeDocument/2006/relationships" xmlns:p="http://schemas.openxmlformats.org/presentationml/2006/main">
-  <p:cSld>
-    <p:spTree>
-      <p:nvGrpSpPr>
-        <p:cNvPr id="1" name=""/>
-        <p:cNvGrpSpPr/>
-        <p:nvPr/>
-      </p:nvGrpSpPr>
-      <p:grpSpPr>
-        <a:xfrm>
-          <a:off x="0" y="0"/>
-          <a:ext cx="0" cy="0"/>
-          <a:chOff x="0" y="0"/>
-          <a:chExt cx="0" cy="0"/>
-        </a:xfrm>
-      </p:grpSpPr>
-      <p:pic>
-        <p:nvPicPr>
-          <p:cNvPr id="6" name="Picture 5">
-            <a:extLst>
-              <a:ext uri="{FF2B5EF4-FFF2-40B4-BE49-F238E27FC236}">
-                <a16:creationId xmlns:a16="http://schemas.microsoft.com/office/drawing/2014/main" id="{0B37BB8C-BA62-BC4F-B0F8-D5F9321E2E79}"/>
-              </a:ext>
-            </a:extLst>
-          </p:cNvPr>
-          <p:cNvPicPr>
-            <a:picLocks noChangeAspect="1"/>
-          </p:cNvPicPr>
-          <p:nvPr/>
-        </p:nvPicPr>
-        <p:blipFill>
-          <a:blip r:embed="rId3"/>
-          <a:stretch>
-            <a:fillRect/>
-          </a:stretch>
-        </p:blipFill>
-        <p:spPr>
-          <a:xfrm>
-            <a:off x="4440837" y="1664596"/>
-            <a:ext cx="3310326" cy="3528808"/>
-          </a:xfrm>
-          <a:prstGeom prst="rect">
-            <a:avLst/>
-          </a:prstGeom>
-        </p:spPr>
-      </p:pic>
-    </p:spTree>
-    <p:extLst>
-      <p:ext uri="{BB962C8B-B14F-4D97-AF65-F5344CB8AC3E}">
-        <p14:creationId xmlns:p14="http://schemas.microsoft.com/office/powerpoint/2010/main" val="475626807"/>
-      </p:ext>
-    </p:extLst>
-  </p:cSld>
-  <p:clrMapOvr>
-    <a:masterClrMapping/>
-  </p:clrMapOvr>
-  <mc:AlternateContent xmlns:mc="http://schemas.openxmlformats.org/markup-compatibility/2006" xmlns:p14="http://schemas.microsoft.com/office/powerpoint/2010/main">
-    <mc:Choice Requires="p14">
-      <p:transition spd="med" p14:dur="700">
-        <p:fade/>
-      </p:transition>
-    </mc:Choice>
-    <mc:Fallback xmlns="">
-      <p:transition spd="med">
-        <p:fade/>
-      </p:transition>
-    </mc:Fallback>
-  </mc:AlternateContent>
-  <p:timing>
-    <p:tnLst>
-      <p:par>
-        <p:cTn id="1" dur="indefinite" restart="never" nodeType="tmRoot"/>
-      </p:par>
-    </p:tnLst>
-  </p:timing>
-</p:sld>
-</file>
-
-<file path=ppt/slides/slide26.xml><?xml version="1.0" encoding="utf-8"?>
-<p:sld xmlns:a="http://schemas.openxmlformats.org/drawingml/2006/main" xmlns:r="http://schemas.openxmlformats.org/officeDocument/2006/relationships" xmlns:p="http://schemas.openxmlformats.org/presentationml/2006/main">
-  <p:cSld>
-    <p:spTree>
-      <p:nvGrpSpPr>
-        <p:cNvPr id="1" name=""/>
-        <p:cNvGrpSpPr/>
-        <p:nvPr/>
-      </p:nvGrpSpPr>
-      <p:grpSpPr>
-        <a:xfrm>
-          <a:off x="0" y="0"/>
-          <a:ext cx="0" cy="0"/>
-          <a:chOff x="0" y="0"/>
-          <a:chExt cx="0" cy="0"/>
-        </a:xfrm>
-      </p:grpSpPr>
-      <p:sp>
-        <p:nvSpPr>
-          <p:cNvPr id="2" name="TextBox 1">
-            <a:extLst>
-              <a:ext uri="{FF2B5EF4-FFF2-40B4-BE49-F238E27FC236}">
-                <a16:creationId xmlns:a16="http://schemas.microsoft.com/office/drawing/2014/main" id="{DAA357C2-C3D4-5646-99C7-CB60F4827364}"/>
-              </a:ext>
-            </a:extLst>
-          </p:cNvPr>
-          <p:cNvSpPr txBox="1"/>
-          <p:nvPr/>
-        </p:nvSpPr>
-        <p:spPr>
-          <a:xfrm>
-            <a:off x="314179" y="2644170"/>
-            <a:ext cx="11563642" cy="1569660"/>
-          </a:xfrm>
-          <a:prstGeom prst="rect">
-            <a:avLst/>
-          </a:prstGeom>
-          <a:noFill/>
-        </p:spPr>
-        <p:txBody>
-          <a:bodyPr wrap="square" rtlCol="0">
-            <a:spAutoFit/>
-          </a:bodyPr>
-          <a:lstStyle/>
-          <a:p>
-            <a:pPr algn="ctr"/>
-            <a:r>
-              <a:rPr lang="en-US" sz="9600">
-                <a:solidFill>
-                  <a:schemeClr val="bg1"/>
-                </a:solidFill>
-                <a:latin typeface="Helvetica Neue Thin" panose="020B0403020202020204" pitchFamily="34" charset="0"/>
-                <a:ea typeface="Helvetica Neue Thin" panose="020B0403020202020204" pitchFamily="34" charset="0"/>
-              </a:rPr>
-              <a:t>Q &amp; A</a:t>
-            </a:r>
-          </a:p>
-        </p:txBody>
-      </p:sp>
-    </p:spTree>
-    <p:extLst>
-      <p:ext uri="{BB962C8B-B14F-4D97-AF65-F5344CB8AC3E}">
-        <p14:creationId xmlns:p14="http://schemas.microsoft.com/office/powerpoint/2010/main" val="3330325390"/>
       </p:ext>
     </p:extLst>
   </p:cSld>
@@ -15002,6 +16292,176 @@
     <p:extLst>
       <p:ext uri="{BB962C8B-B14F-4D97-AF65-F5344CB8AC3E}">
         <p14:creationId xmlns:p14="http://schemas.microsoft.com/office/powerpoint/2010/main" val="2393985809"/>
+      </p:ext>
+    </p:extLst>
+  </p:cSld>
+  <p:clrMapOvr>
+    <a:masterClrMapping/>
+  </p:clrMapOvr>
+  <mc:AlternateContent xmlns:mc="http://schemas.openxmlformats.org/markup-compatibility/2006" xmlns:p14="http://schemas.microsoft.com/office/powerpoint/2010/main">
+    <mc:Choice Requires="p14">
+      <p:transition spd="med" p14:dur="700">
+        <p:fade/>
+      </p:transition>
+    </mc:Choice>
+    <mc:Fallback xmlns="">
+      <p:transition spd="med">
+        <p:fade/>
+      </p:transition>
+    </mc:Fallback>
+  </mc:AlternateContent>
+  <p:timing>
+    <p:tnLst>
+      <p:par>
+        <p:cTn id="1" dur="indefinite" restart="never" nodeType="tmRoot"/>
+      </p:par>
+    </p:tnLst>
+  </p:timing>
+</p:sld>
+</file>
+
+<file path=ppt/slides/slide30.xml><?xml version="1.0" encoding="utf-8"?>
+<p:sld xmlns:a="http://schemas.openxmlformats.org/drawingml/2006/main" xmlns:r="http://schemas.openxmlformats.org/officeDocument/2006/relationships" xmlns:p="http://schemas.openxmlformats.org/presentationml/2006/main">
+  <p:cSld>
+    <p:spTree>
+      <p:nvGrpSpPr>
+        <p:cNvPr id="1" name=""/>
+        <p:cNvGrpSpPr/>
+        <p:nvPr/>
+      </p:nvGrpSpPr>
+      <p:grpSpPr>
+        <a:xfrm>
+          <a:off x="0" y="0"/>
+          <a:ext cx="0" cy="0"/>
+          <a:chOff x="0" y="0"/>
+          <a:chExt cx="0" cy="0"/>
+        </a:xfrm>
+      </p:grpSpPr>
+      <p:pic>
+        <p:nvPicPr>
+          <p:cNvPr id="6" name="Picture 5">
+            <a:extLst>
+              <a:ext uri="{FF2B5EF4-FFF2-40B4-BE49-F238E27FC236}">
+                <a16:creationId xmlns:a16="http://schemas.microsoft.com/office/drawing/2014/main" id="{0B37BB8C-BA62-BC4F-B0F8-D5F9321E2E79}"/>
+              </a:ext>
+            </a:extLst>
+          </p:cNvPr>
+          <p:cNvPicPr>
+            <a:picLocks noChangeAspect="1"/>
+          </p:cNvPicPr>
+          <p:nvPr/>
+        </p:nvPicPr>
+        <p:blipFill>
+          <a:blip r:embed="rId3"/>
+          <a:stretch>
+            <a:fillRect/>
+          </a:stretch>
+        </p:blipFill>
+        <p:spPr>
+          <a:xfrm>
+            <a:off x="4440837" y="1664596"/>
+            <a:ext cx="3310326" cy="3528808"/>
+          </a:xfrm>
+          <a:prstGeom prst="rect">
+            <a:avLst/>
+          </a:prstGeom>
+        </p:spPr>
+      </p:pic>
+    </p:spTree>
+    <p:extLst>
+      <p:ext uri="{BB962C8B-B14F-4D97-AF65-F5344CB8AC3E}">
+        <p14:creationId xmlns:p14="http://schemas.microsoft.com/office/powerpoint/2010/main" val="475626807"/>
+      </p:ext>
+    </p:extLst>
+  </p:cSld>
+  <p:clrMapOvr>
+    <a:masterClrMapping/>
+  </p:clrMapOvr>
+  <mc:AlternateContent xmlns:mc="http://schemas.openxmlformats.org/markup-compatibility/2006" xmlns:p14="http://schemas.microsoft.com/office/powerpoint/2010/main">
+    <mc:Choice Requires="p14">
+      <p:transition spd="med" p14:dur="700">
+        <p:fade/>
+      </p:transition>
+    </mc:Choice>
+    <mc:Fallback xmlns="">
+      <p:transition spd="med">
+        <p:fade/>
+      </p:transition>
+    </mc:Fallback>
+  </mc:AlternateContent>
+  <p:timing>
+    <p:tnLst>
+      <p:par>
+        <p:cTn id="1" dur="indefinite" restart="never" nodeType="tmRoot"/>
+      </p:par>
+    </p:tnLst>
+  </p:timing>
+</p:sld>
+</file>
+
+<file path=ppt/slides/slide31.xml><?xml version="1.0" encoding="utf-8"?>
+<p:sld xmlns:a="http://schemas.openxmlformats.org/drawingml/2006/main" xmlns:r="http://schemas.openxmlformats.org/officeDocument/2006/relationships" xmlns:p="http://schemas.openxmlformats.org/presentationml/2006/main">
+  <p:cSld>
+    <p:spTree>
+      <p:nvGrpSpPr>
+        <p:cNvPr id="1" name=""/>
+        <p:cNvGrpSpPr/>
+        <p:nvPr/>
+      </p:nvGrpSpPr>
+      <p:grpSpPr>
+        <a:xfrm>
+          <a:off x="0" y="0"/>
+          <a:ext cx="0" cy="0"/>
+          <a:chOff x="0" y="0"/>
+          <a:chExt cx="0" cy="0"/>
+        </a:xfrm>
+      </p:grpSpPr>
+      <p:sp>
+        <p:nvSpPr>
+          <p:cNvPr id="2" name="TextBox 1">
+            <a:extLst>
+              <a:ext uri="{FF2B5EF4-FFF2-40B4-BE49-F238E27FC236}">
+                <a16:creationId xmlns:a16="http://schemas.microsoft.com/office/drawing/2014/main" id="{DAA357C2-C3D4-5646-99C7-CB60F4827364}"/>
+              </a:ext>
+            </a:extLst>
+          </p:cNvPr>
+          <p:cNvSpPr txBox="1"/>
+          <p:nvPr/>
+        </p:nvSpPr>
+        <p:spPr>
+          <a:xfrm>
+            <a:off x="314179" y="2644170"/>
+            <a:ext cx="11563642" cy="1569660"/>
+          </a:xfrm>
+          <a:prstGeom prst="rect">
+            <a:avLst/>
+          </a:prstGeom>
+          <a:noFill/>
+        </p:spPr>
+        <p:txBody>
+          <a:bodyPr wrap="square" rtlCol="0">
+            <a:spAutoFit/>
+          </a:bodyPr>
+          <a:lstStyle/>
+          <a:p>
+            <a:pPr algn="ctr"/>
+            <a:r>
+              <a:rPr lang="en-US" sz="9600">
+                <a:solidFill>
+                  <a:schemeClr val="bg1"/>
+                </a:solidFill>
+                <a:latin typeface="Helvetica Neue Thin" panose="020B0403020202020204" pitchFamily="34" charset="0"/>
+                <a:ea typeface="Helvetica Neue Thin" panose="020B0403020202020204" pitchFamily="34" charset="0"/>
+              </a:rPr>
+              <a:t>Q &amp; A</a:t>
+            </a:r>
+          </a:p>
+        </p:txBody>
+      </p:sp>
+    </p:spTree>
+    <p:extLst>
+      <p:ext uri="{BB962C8B-B14F-4D97-AF65-F5344CB8AC3E}">
+        <p14:creationId xmlns:p14="http://schemas.microsoft.com/office/powerpoint/2010/main" val="3330325390"/>
       </p:ext>
     </p:extLst>
   </p:cSld>
@@ -16293,38 +17753,8 @@
         </p:blipFill>
         <p:spPr>
           <a:xfrm>
-            <a:off x="1168805" y="1375473"/>
-            <a:ext cx="4772025" cy="4676775"/>
-          </a:xfrm>
-          <a:prstGeom prst="rect">
-            <a:avLst/>
-          </a:prstGeom>
-        </p:spPr>
-      </p:pic>
-      <p:pic>
-        <p:nvPicPr>
-          <p:cNvPr id="10" name="Picture 9"/>
-          <p:cNvPicPr>
-            <a:picLocks noChangeAspect="1"/>
-          </p:cNvPicPr>
-          <p:nvPr/>
-        </p:nvPicPr>
-        <p:blipFill>
-          <a:blip r:embed="rId4">
-            <a:extLst>
-              <a:ext uri="{28A0092B-C50C-407E-A947-70E740481C1C}">
-                <a14:useLocalDpi xmlns:a14="http://schemas.microsoft.com/office/drawing/2010/main" val="0"/>
-              </a:ext>
-            </a:extLst>
-          </a:blip>
-          <a:stretch>
-            <a:fillRect/>
-          </a:stretch>
-        </p:blipFill>
-        <p:spPr>
-          <a:xfrm>
-            <a:off x="6344720" y="1028883"/>
-            <a:ext cx="4593559" cy="5387072"/>
+            <a:off x="3374299" y="1058200"/>
+            <a:ext cx="5422605" cy="5314369"/>
           </a:xfrm>
           <a:prstGeom prst="rect">
             <a:avLst/>
@@ -16528,7 +17958,7 @@
       </p:sp>
       <p:pic>
         <p:nvPicPr>
-          <p:cNvPr id="3" name="Picture 2"/>
+          <p:cNvPr id="10" name="Picture 9"/>
           <p:cNvPicPr>
             <a:picLocks noChangeAspect="1"/>
           </p:cNvPicPr>
@@ -16548,38 +17978,8 @@
         </p:blipFill>
         <p:spPr>
           <a:xfrm>
-            <a:off x="747059" y="1022446"/>
-            <a:ext cx="4516057" cy="5475350"/>
-          </a:xfrm>
-          <a:prstGeom prst="rect">
-            <a:avLst/>
-          </a:prstGeom>
-        </p:spPr>
-      </p:pic>
-      <p:pic>
-        <p:nvPicPr>
-          <p:cNvPr id="7" name="Picture 6"/>
-          <p:cNvPicPr>
-            <a:picLocks noChangeAspect="1"/>
-          </p:cNvPicPr>
-          <p:nvPr/>
-        </p:nvPicPr>
-        <p:blipFill>
-          <a:blip r:embed="rId4">
-            <a:extLst>
-              <a:ext uri="{28A0092B-C50C-407E-A947-70E740481C1C}">
-                <a14:useLocalDpi xmlns:a14="http://schemas.microsoft.com/office/drawing/2010/main" val="0"/>
-              </a:ext>
-            </a:extLst>
-          </a:blip>
-          <a:stretch>
-            <a:fillRect/>
-          </a:stretch>
-        </p:blipFill>
-        <p:spPr>
-          <a:xfrm>
-            <a:off x="5869498" y="1022446"/>
-            <a:ext cx="5616842" cy="5478399"/>
+            <a:off x="3799219" y="1021849"/>
+            <a:ext cx="4593559" cy="5387072"/>
           </a:xfrm>
           <a:prstGeom prst="rect">
             <a:avLst/>
@@ -16589,7 +17989,7 @@
     </p:spTree>
     <p:extLst>
       <p:ext uri="{BB962C8B-B14F-4D97-AF65-F5344CB8AC3E}">
-        <p14:creationId xmlns:p14="http://schemas.microsoft.com/office/powerpoint/2010/main" val="2553344038"/>
+        <p14:creationId xmlns:p14="http://schemas.microsoft.com/office/powerpoint/2010/main" val="4035341365"/>
       </p:ext>
     </p:extLst>
   </p:cSld>
@@ -16803,8 +18203,8 @@
         </p:blipFill>
         <p:spPr>
           <a:xfrm>
-            <a:off x="4348468" y="872996"/>
-            <a:ext cx="3474268" cy="5698847"/>
+            <a:off x="3837970" y="977710"/>
+            <a:ext cx="4516057" cy="5475350"/>
           </a:xfrm>
           <a:prstGeom prst="rect">
             <a:avLst/>
@@ -16814,7 +18214,7 @@
     </p:spTree>
     <p:extLst>
       <p:ext uri="{BB962C8B-B14F-4D97-AF65-F5344CB8AC3E}">
-        <p14:creationId xmlns:p14="http://schemas.microsoft.com/office/powerpoint/2010/main" val="606031387"/>
+        <p14:creationId xmlns:p14="http://schemas.microsoft.com/office/powerpoint/2010/main" val="2553344038"/>
       </p:ext>
     </p:extLst>
   </p:cSld>
